--- a/teaching/cs513slides/lecture1-Models.pptx
+++ b/teaching/cs513slides/lecture1-Models.pptx
@@ -5,10 +5,10 @@
     <p:sldMasterId id="2147483648" r:id="rId1"/>
   </p:sldMasterIdLst>
   <p:notesMasterIdLst>
-    <p:notesMasterId r:id="rId56"/>
+    <p:notesMasterId r:id="rId57"/>
   </p:notesMasterIdLst>
   <p:handoutMasterIdLst>
-    <p:handoutMasterId r:id="rId57"/>
+    <p:handoutMasterId r:id="rId58"/>
   </p:handoutMasterIdLst>
   <p:sldIdLst>
     <p:sldId id="341" r:id="rId2"/>
@@ -50,21 +50,22 @@
     <p:sldId id="320" r:id="rId38"/>
     <p:sldId id="323" r:id="rId39"/>
     <p:sldId id="338" r:id="rId40"/>
-    <p:sldId id="325" r:id="rId41"/>
-    <p:sldId id="326" r:id="rId42"/>
-    <p:sldId id="327" r:id="rId43"/>
-    <p:sldId id="292" r:id="rId44"/>
-    <p:sldId id="328" r:id="rId45"/>
-    <p:sldId id="329" r:id="rId46"/>
-    <p:sldId id="294" r:id="rId47"/>
-    <p:sldId id="295" r:id="rId48"/>
-    <p:sldId id="296" r:id="rId49"/>
-    <p:sldId id="297" r:id="rId50"/>
-    <p:sldId id="330" r:id="rId51"/>
-    <p:sldId id="331" r:id="rId52"/>
-    <p:sldId id="305" r:id="rId53"/>
-    <p:sldId id="306" r:id="rId54"/>
-    <p:sldId id="340" r:id="rId55"/>
+    <p:sldId id="347" r:id="rId41"/>
+    <p:sldId id="325" r:id="rId42"/>
+    <p:sldId id="326" r:id="rId43"/>
+    <p:sldId id="327" r:id="rId44"/>
+    <p:sldId id="292" r:id="rId45"/>
+    <p:sldId id="328" r:id="rId46"/>
+    <p:sldId id="329" r:id="rId47"/>
+    <p:sldId id="294" r:id="rId48"/>
+    <p:sldId id="295" r:id="rId49"/>
+    <p:sldId id="296" r:id="rId50"/>
+    <p:sldId id="297" r:id="rId51"/>
+    <p:sldId id="330" r:id="rId52"/>
+    <p:sldId id="331" r:id="rId53"/>
+    <p:sldId id="305" r:id="rId54"/>
+    <p:sldId id="306" r:id="rId55"/>
+    <p:sldId id="340" r:id="rId56"/>
   </p:sldIdLst>
   <p:sldSz cx="12192000" cy="6858000"/>
   <p:notesSz cx="6858000" cy="9144000"/>
@@ -268,7 +269,7 @@
           <a:p>
             <a:fld id="{459B985A-4C37-4D1F-A437-E4A951A85D11}" type="datetimeFigureOut">
               <a:rPr lang="en-US" smtClean="0"/>
-              <a:t>8/23/2021</a:t>
+              <a:t>8/22/2022</a:t>
             </a:fld>
             <a:endParaRPr lang="en-US"/>
           </a:p>
@@ -363,6 +364,309 @@
 </p:handoutMaster>
 </file>
 
+<file path=ppt/ink/ink1.xml><?xml version="1.0" encoding="utf-8"?>
+<inkml:ink xmlns:inkml="http://www.w3.org/2003/InkML">
+  <inkml:definitions>
+    <inkml:context xml:id="ctx0">
+      <inkml:inkSource xml:id="inkSrc0">
+        <inkml:traceFormat>
+          <inkml:channel name="X" type="integer" max="2560" units="cm"/>
+          <inkml:channel name="Y" type="integer" max="1440" units="cm"/>
+          <inkml:channel name="T" type="integer" max="2.14748E9" units="dev"/>
+        </inkml:traceFormat>
+        <inkml:channelProperties>
+          <inkml:channelProperty channel="X" name="resolution" value="82.84789" units="1/cm"/>
+          <inkml:channelProperty channel="Y" name="resolution" value="82.75862" units="1/cm"/>
+          <inkml:channelProperty channel="T" name="resolution" value="1" units="1/dev"/>
+        </inkml:channelProperties>
+      </inkml:inkSource>
+      <inkml:timestamp xml:id="ts0" timeString="2022-08-22T16:45:00.055"/>
+    </inkml:context>
+    <inkml:brush xml:id="br0">
+      <inkml:brushProperty name="width" value="0.05292" units="cm"/>
+      <inkml:brushProperty name="height" value="0.05292" units="cm"/>
+      <inkml:brushProperty name="color" value="#FF0000"/>
+    </inkml:brush>
+  </inkml:definitions>
+  <inkml:trace contextRef="#ctx0" brushRef="#br0">18719 4855 0,'0'13'407,"0"1"-392,0-1 1,0 0-1,0 13-15,-13-12 16,0-1 0,13 0-16,-13 0 15,-1-13 1,14 14-16,-13-14 16,13 13-16,0 0 31,-26-13-16,26 13 1,-27 14 312,-12 65-312,12-52-16,1 0 15,-1-27-15,14 27 16,0-14-16,-1 1 16,14-14-16,-13 0 15,0 13-15,-13-12 0,26 12 16,-14-13 0,14 14-16,-13-1 15,13 14-15,-13-14 16,13 1-16,0-14 0,-13 40 15,13-40 1,0 1-16,0-1 16,0 0-16,0 13 15,0-12 1,0-1-16,0 13 16,0-12-16,0 12 15,0 1 1,0-14-16,0 0 15,0 0 1,0 0-16,0 1 16,13-14-1,-13 13-15,13 0 16,0-13-16,1 13 16,-1 1-16,0 12 15,0-26-15,0 40 16,1-27-16,-14 0 15,26 14-15,-13-14 16,14 40 0,-1-27-16,1 1 15,-1 12-15,1-25 16,12-1-16,-12 13 0,26 1 16,-14 12-16,1-12 15,13-1-15,0 1 16,0-14-16,0 14 15,-14-1-15,1-13 16,13 14-16,-26-14 0,25 0 16,-12 0-1,-13 1-15,-1-14 0,14 26 16,-1-13-16,-12 0 16,-14-13-16,27 0 0,-1 14 15,-25-14-15,39 13 16,-27-13-16,-13 0 15,14 0-15,-1 0 16,1 0-16,-1 0 0,-13 0 16,14 13-1,13-13-15,-27 0 0,0 0 16,27 0-16,-27 0 16,40 0-16,-13 0 0,-27 0 15,53 0 1,-40 0-16,1 0 0,26 0 15,-27 0-15,-13 0 16,14 0-16,13 0 16,-27 0-16,13 0 15,-13 0-15,14-13 0,13 0 16,-14-1-16,-13 14 16,14 0-16,26-26 15,-40 13-15,13 0 16,14-1-16,0 1 15,-14 0-15,14 0 0,13-1 16,-14 1-16,-12 0 16,13 0-16,-14 0 0,14-1 15,-27 1 1,27 0-16,-14 0 0,-13 13 16,1-14-1,-1 1-15,0 0 16,0 0-16,14-14 0,-14 1 15,13 13-15,1-40 16,-14 39-16,0-12 16,1 26-16,-1-13 15,0-1-15,0-12 0,1 13 16,-1 0-16,0-1 16,13 14-16,-12-26 15,12 13-15,-26-1 16,13 1-16,1 0 0,-1 0 15,26-1 1,-25-12-16,-14 13 16,13 13-16,0-27 15,-13 14-15,0 0 16,13 0-16,1-53 31,-1 39-31,-13 1 0,0-14 16,0 27-16,0-40 15,-13 26-15,-14-52 0,14 52 16,0 1-16,-1 13 16,-25-40-1,-1 26 1,27 1-16,-14 13 16,-12-27-16,12 27 0,14 0 15,-13-14-15,-27 1 16,-27-27-16,41 40 15,-67-40-15,79 39 16,-65-52-16,52 40 0,-13-14 16,-26 0-16,39 14 15,14 13 1,-14-14-16,0 1 0,-13 13 16,14-27-16,-54 13 0,53 14 15,-79-13 1,53 26-1,13-14 1,14 14-16,-1-13 0,13 13 16,-12 0-16,-1 0 0,14-26 15,-1 26-15,-26 0 16,0 0 0,14 0-16,12 0 15,-26 0-15,13 0 16,14 0-16,-14 0 0,14 0 15,13 0-15,-27 0 16,27 0-16,-14 0 16,1 0-16,13 13 0,-14 0 15,-13-13-15,1 27 32,12-14-32,-26 13 15,27 41-15,-1-54 16,1 13-16,-14 1 15,40-14-15,-26 0 0,13 14 32,-1-27-32,1 0 0</inkml:trace>
+  <inkml:trace contextRef="#ctx0" brushRef="#br0" timeOffset="4513.29">30282 5173 0,'0'0'31,"-14"0"313,-12 13-329,26 0-15,-13-13 16,-1 0-16,1 0 15,-13 0-15,13 0 16,-1 0 0,1-13-1,13 0 1,-13 13 0,13-14 15,-13 14-31,13-13 15,-27 0-15,14 13 16,0 0-16,-1 0 16,1 0-16,0 0 15,-13 0-15,12 0 16,1 0-16,0 0 0,0 13 16,-14 0-16,1 1 15,-1 12 1,27-13-16,-13-13 15,-13 27-15,12-14 0,-12 13 16,13-12 0,13-1-16,-14 13 0,1-12 15,0 12-15,0 0 16,13-12-16,0-1 16,-14 0-1,14 0-15,0 14 16,-26-14-16,26 0 15,0 1 1,-13-1-16,13 13 0,0 14 16,-13-14-1,13-12-15,0-1 16,0 0 0,0 27-16,-14-14 15,14 14-15,0-14 16,0-12-16,0 25 15,0-25-15,0-1 16,0 13 0,0-13-16,0 1 0,0-1 15,0 0 1,0 0-16,0 1 16,0-1-1,0 0-15,14 0 0,-14 14 16,39-14-1,-39 0 1,27 0-16,-1 1 16,1-1-16,-27 0 15,53 0-15,-40 1 0,13-1 16,27 13-16,-13-13 16,26 40-16,-13-39 15,26 25-15,14 1 16,-14 0-16,14-1 0,-14-12 15,1-1-15,-41-12 16,27 25-16,-26-26 16,40 40-1,-41-39-15,27-1 0,-13 0 16,0 0-16,93 27 16,-80-27-16,-13 0 15,13-13-15,-13 14 16,-13-1-16,26 0 15,13 0-15,-13 1 0,-13-14 16,13 26-16,-26-26 16,-14 13-16,27-13 15,13 0 1,-26 0-16,13 0 0,13 0 16,-53 0-16,40 0 15,0 0-15,0 0 16,-26 0-16,118-39 31,-79 39-31,-13-14 0,40 14 16,-67-13-1,67 0-15,13 0 16,-67-1-16,-12 14 0,26-13 16,0 0-1,-27 13-15,27-27 16,-26 27-16,-14-13 15,26 0-15,1 0 16,-13 0-16,-14-1 0,13 1 16,1-13-1,12-14-15,-12 14 16,-1 12-16,1-25 16,-1-1-16,-13 13 0,14-12 15,-1-14-15,-12 26 16,-14 14-16,0-13 15,13-1-15,-13 1 16,26-14-16,-26 0 0,0 14 16,0-14-16,0-26 15,-13 26 1,13 27-16,-13-13 16,0-14-16,13 27 15,0 0-15,-14-1 0,1 1 16,0 0-16,13 0 15,-40-27-15,27 14 16,-13 12-16,12-12 16,-12-14-16,-14 27 15,14 13-15,13-27 0,-14 14 16,1 0-16,-27-13 16,26-1-1,1 14-15,-1-14 16,1 14-16,-1-13 0,-12 12 15,12-12-15,-26 0 16,27 12-16,-1-12 16,-39-1-1,27 14-15,25-26 16,-39 25-16,27 1 16,-14-13-16,-13 12 0,40-12 15,-27 13-15,14-14 16,-14 14-16,14 0 15,-1 13-15,1-13 0,-27-14 16,13 14-16,14 0 16,-27-1-16,13 1 15,-39 0-15,39 0 16,-66 13-16,67-14 16,-27 14-16,26-13 0,0 13 15,0-26-15,-12 26 16,25-13-16,-13 13 15,-13 0-15,-13 0 16,13 0-16,-13 0 0,27 0 16,-1 0-16,0 26 15,1-13-15,-1-13 16,0 13-16,0 1 16,-39-1-16,53-13 0,-27 13 15,39 0-15,-25 1 16,-1-1-16,-13-13 15,27 0-15,-14 26 16,-13-26-16,13 0 0,14 0 16,-14 0-1,-79 0-15,66 0 16,27 0 0,-1 0-16,14 0 15,-13 0 1,12 0-16,-65 0 31,66 0-31,0 0 0,-1 0 16,-12 0-1,13 14 1,0-14-16,-1 26 16,1-26-1</inkml:trace>
+  <inkml:trace contextRef="#ctx0" brushRef="#br0" timeOffset="7372.22">22609 7051 0,'0'0'16,"39"0"296,41 0-296,198 0 15,-265 0-15,13 0-16,54 0 312,197-13-312,-52 13 16,-132-13-16,52 13 15,-52 0-15,105 0 16,-105 0-16,106 13 16,-14 0-1,-66 0-15,-53-13 0,0 0 16,27 0-16,-14 0 15,40 0-15,-53 0 16,27 0-16,-40 0 0,13 0 16,-40 0-1,1 0-15,13 0 0,-14 0 16,14 0-16,-14 0 16,14-13-16,-14 13 15,14-13-15,-14 13 16,27 0-16,13-13 15,-39 13-15,13 0 16,-1 0-16,-25 0 16,38-14-16,-12 14 15,-13 0-15,26 0 0,-27 0 16,40 0 15,-13 0-31,-13 0 16,-1 0-16,41 14 15,-54-14 1,27 0-16,-13 0 0,26 0 16,-40 0-16,94 0 15,-81 0-15,14 0 16,-26 0-16,-14 0 16,13 0-16,1 0 15,12 0-15,-12 13 16,39-13-1,-53 0-15,27 0 0,-14 0 16,1 0-16,-1 13 16,-12-13-16,-1 0 15,0 0 17,0 0-17,53 0 1,-39 0-1,26 0-15,-40 0 16,0 0 0,0 0-16,1 0 15,-1 0-15,0 0 16,0 0 0,1 0 15,-1 0 0,0 0-15,14 13-1</inkml:trace>
+  <inkml:trace contextRef="#ctx0" brushRef="#br0" timeOffset="18184.43">25307 4405 0,'14'14'359,"12"78"-343,-26-52-16,13-14 16,1 27-16,-1-13 15,-13 0-15,26 12 16,-13-25-16,1 13 16,-1 52-16,13-65 15,-12 65-15,65 14 16,-53 13-16,1-79 15,-1 66-15,1-40 16,13-26 0,-14-1-16,0 14 0,41 40 31,-54-54-31,0 1 16,0 0-16,0 0 15,1-14-15,-1 0 16,0 1-16,14-1 0,-27 14 15,0-27 1,0 0-16,0 1 16,13 25-16,-13-25 15,0-1 1,0 0-16,0 0 16,0 1-1,0-1 1,0 0 15</inkml:trace>
+  <inkml:trace contextRef="#ctx0" brushRef="#br0" timeOffset="19816.41">25493 5808 0,'13'13'156,"13"0"-156,14 0 16,-27 1-16,-13-1 0,40 26 31,-14-39-31,1 0 16,-1 14-16,1-1 15,-1 0-15,-13 0 16,27 1-16,0-1 16,-1 0-16,-12 13 15,-1-26 1,-12 14-16,12-14 15,-13 26 1,14-13-16,-14-13 0,0 27 31,0-27-31,1 0 16,-1 13 0,0 0 30,-13 1-30,13-14 0,1 0 46,-1 0-15,-13-14-47,0 1 0,0-13 16,0-1-16,13 1 15,-13 12-15,0-12 16,0 13-16,0 0 16,0-1-16,0-12 15,-13-1-15,13-25 16,0 38-16,0-25 15,0-28 1,0 28-16,0-14 16,0 40-16,0-14 15,0 1-15,0 12 0,13 1 16,-13 0 0,0 0-1,0 0 1,0-1 15,0 1 32</inkml:trace>
+  <inkml:trace contextRef="#ctx0" brushRef="#br0" timeOffset="40245.05">12846 5622 0</inkml:trace>
+  <inkml:trace contextRef="#ctx0" brushRef="#br0" timeOffset="56816.29">24990 10186 0,'-13'-13'422,"-40"-26"-422,-40-28 31,67 54-31,-40-13 15,39-1 1,1 14-16,-1-13 0,-13 12 16,27 1-16,-13 0 15,-1 0-15,-26-14 16,40 14-16,-26 0 0,12-1 16,-13 1-16,14-13 15,-14-1-15,-13 14 16,-66 0-1,80 0-15,-1-1 0,-40 1 16,-78-40 0,118 53-1,-13-13-15,27 0 16,-14 0-16,-13 13 16,13-14-16,14 1 0,-27 0 15,13 0-15,1-1 16,-67 1-1,66 0 1,0 13-16,1-13 0,-1 13 16,14 0-16,-14 0 0,13 0 15,1 0-15,-40 0 16,39 0 0,1 0-16,-27 0 15,27 0-15,-14 13 0,-13-13 16,13 0-16,27 0 15,-40 0-15,13 0 16,14 0-16,0 13 0,-27 14 16,26-27-1,1 13-15,-1 0 16,1 0 0,-1-13-1,14 14-15,0-1 0,-27 0 16,27-13-1,0 40-15,-14-27 16,14 0-16,-13 0 0,12 1 16,-12-1-16,13 27 0,-1-27 15,-12 13 1,13-26-16,-14 13 0,-26 54 16,40-54-1,-27 27-15,27-14 0,0 0 16,0 1-16,0-1 15,-1 1-15,1 13 16,13-14 0,0 0-16,-26 1 15,26-14-15,-14 27 16,14-27-16,-13 0 16,13 1-1,0-1-15,0 0 16,0 27-16,0-27 0,0 13 15,0 27-15,0-26 16,0-1-16,0 1 16,0 12-16,0-12 15,13 12-15,-13-25 16,27 12-16,-14 1 0,0-14 16,-13 13-16,14-12 15,-1-1-15,13 26 16,-13-12-16,1-14 15,-1-13-15,13 27 0,-12 12 16,12-25-16,-13-1 16,27 13-16,-27-13 15,27 14-15,-14 13 16,14-14-16,-14-26 0,-12 26 16,25 1-1,1 13-15,0-14 0,-1 1 16,14-1-16,-26 0 15,-1-12-15,27-1 0,-26 0 16,12 0-16,-25 1 16,25-1-16,-12 0 15,-14 0-15,0 1 16,14-1-16,12 0 16,-25 0-16,12 0 0,0 1 15,27 39 1,-26-40-16,13 0 15,-27 0-15,40-13 16,-27 14-16,14-1 0,-27-13 16,27 13-16,-1-13 15,-39 13-15,40-13 16,0 27-16,-27-27 16,53 13-1,-39-13-15,-1 0 16,1 0-16,-1 0 0,14 13 15,-1 0-15,-12-13 16,26 0-16,-14 14 16,1-14-16,26 13 0,-39-13 15,79 13 1,-67 0-16,-12-13 16,52 27-16,-66-27 15,14 0-15,26 0 16,-40 0-16,27 0 0,65 0 31,-52 0-15,-26 0-16,-1 0 15,1 0-15,26 0 16,-14-14-16,-25 14 0,38 0 16,1-13-1,14 0 1,-54 13-16,13-13 0,-13 0 15,14-1 1,-1 1-16,-26-13 16,27 12-16,13 1 15,-14-13 1,-13 13-16,0 13 16,1-14-16,-1-12 15,0 13-15,27-1 16,-27 1-16,0-13 15,14 26-15,-14-40 0,40 14 16,-40 12-16,0 1 16,1-13-16,12-14 15,-13 13-15,27 1 16,-40 13-16,13 0 0,0-1 16,14-39-16,-27 40 15,13-13 1,0 26-16,27-66 31,-27 66-31,-13-14 0,13-12 16,1-14-1,-1 40-15,-13-13 16,0 0-16,13-14 16,0 1-16,-13 13 15,0-1-15,0 1 16,0 0-16,0 0 15,0-1-15,0 1 16,0-26-16,0 12 16,0 14-16,0 0 15,0-1-15,-13 1 16,13-27-16,-13 40 16,13-13-16,0 0 0,-13-13 15,13 12 1,-14 14-16,1-26 15,13 13-15,-13-1 16,-13 14-16,26-26 0,-14 13 16,1 13-16,0-14 15,0-25 1,-1 39-16,-12-13 0,13-1 16,-1 14-16,1-13 15,0 13-15,0-13 16,0 13-16,13-13 15,-40-1-15,27 1 16,-1 0-16,1 0 16,0 13-16,0-13 0,0-1 15,-14-12-15,14 26 16,0-27-16,-14 1 16,14 26-16,-14-13 15,27-1-15,-13-12 16,-13 13-16,26 0 0,-13-1 15,-27 14 1,27-13-16,-14 0 16,14-14-16,0 27 15,-1-13-15,-12 0 16,13 0 0,0 13-16</inkml:trace>
+</inkml:ink>
+</file>
+
+<file path=ppt/ink/ink10.xml><?xml version="1.0" encoding="utf-8"?>
+<inkml:ink xmlns:inkml="http://www.w3.org/2003/InkML">
+  <inkml:definitions>
+    <inkml:context xml:id="ctx0">
+      <inkml:inkSource xml:id="inkSrc0">
+        <inkml:traceFormat>
+          <inkml:channel name="X" type="integer" min="-2.14748E9" max="2.14748E9" units="cm"/>
+          <inkml:channel name="Y" type="integer" min="-2.14748E9" max="2.14748E9" units="cm"/>
+          <inkml:channel name="F" type="integer" max="32767" units="dev"/>
+        </inkml:traceFormat>
+        <inkml:channelProperties>
+          <inkml:channelProperty channel="X" name="resolution" value="1000" units="1/cm"/>
+          <inkml:channelProperty channel="Y" name="resolution" value="1000" units="1/cm"/>
+          <inkml:channelProperty channel="F" name="resolution" value="0" units="1/dev"/>
+        </inkml:channelProperties>
+      </inkml:inkSource>
+      <inkml:timestamp xml:id="ts0" timeString="2022-08-22T15:54:55.489"/>
+    </inkml:context>
+    <inkml:brush xml:id="br0">
+      <inkml:brushProperty name="width" value="0.05" units="cm"/>
+      <inkml:brushProperty name="height" value="0.05" units="cm"/>
+      <inkml:brushProperty name="color" value="#004F8B"/>
+    </inkml:brush>
+  </inkml:definitions>
+  <inkml:trace contextRef="#ctx0" brushRef="#br0">0 1 24575,'0'0'-8191</inkml:trace>
+</inkml:ink>
+</file>
+
+<file path=ppt/ink/ink2.xml><?xml version="1.0" encoding="utf-8"?>
+<inkml:ink xmlns:inkml="http://www.w3.org/2003/InkML">
+  <inkml:definitions>
+    <inkml:context xml:id="ctx0">
+      <inkml:inkSource xml:id="inkSrc0">
+        <inkml:traceFormat>
+          <inkml:channel name="X" type="integer" max="2560" units="cm"/>
+          <inkml:channel name="Y" type="integer" max="1440" units="cm"/>
+          <inkml:channel name="T" type="integer" max="2.14748E9" units="dev"/>
+        </inkml:traceFormat>
+        <inkml:channelProperties>
+          <inkml:channelProperty channel="X" name="resolution" value="82.84789" units="1/cm"/>
+          <inkml:channelProperty channel="Y" name="resolution" value="82.75862" units="1/cm"/>
+          <inkml:channelProperty channel="T" name="resolution" value="1" units="1/dev"/>
+        </inkml:channelProperties>
+      </inkml:inkSource>
+      <inkml:timestamp xml:id="ts0" timeString="2022-08-22T16:47:06.960"/>
+    </inkml:context>
+    <inkml:brush xml:id="br0">
+      <inkml:brushProperty name="width" value="0.05292" units="cm"/>
+      <inkml:brushProperty name="height" value="0.05292" units="cm"/>
+      <inkml:brushProperty name="color" value="#FF0000"/>
+    </inkml:brush>
+    <inkml:brush xml:id="br1">
+      <inkml:brushProperty name="width" value="0.05292" units="cm"/>
+      <inkml:brushProperty name="height" value="0.05292" units="cm"/>
+      <inkml:brushProperty name="color" value="#00B050"/>
+    </inkml:brush>
+  </inkml:definitions>
+  <inkml:trace contextRef="#ctx0" brushRef="#br0">992 4088 0</inkml:trace>
+  <inkml:trace contextRef="#ctx0" brushRef="#br0" timeOffset="14591.28">3069 13745 0,'0'-13'46,"0"0"-14,-13 13 15,0 0-47,-1 0 15,1 0-15,0 0 31,0 0-31,0 0 16,-14 0 0,14 13-16,0-13 15,-1 13-15,1-13 16,0 13-16,13 1 16,-40 12-1,40-13-15,-26 0 16,-1 14-16,1 13 15,13-14-15,-1-13 0,1 14 16,-40 39 0,53-40-1,-13-12-15,0-1 16,0 0 0,-1 0-16,1 1 15,13-1-15,-13 13 31,13-13-31,-27 67 32,27-67-32,-13 27 15,13-14 1,0 1-16,0 39 16,0 0-1,0-53 1,0 67-16,0-54 31,0 40 0,0-39-31,0-14 16,13 27-16,1-27 16,-14 0-1,0 0-15,13-13 16,0 27-16,27-1 15,-27-13 1,14 14-16,158 92 16,-119-93-1,-26 1-15,52 12 16,-65-25 0,-1-1-16,1-13 15,-1 13-15,-13-13 0,53 0 16,1 0 15,-54 0-31,13 0 16,1 0-16,-14 0 15,13 0-15,14 0 16,-13 0-16,-14 0 16,0 0-16,0 0 15,27-26 1,26-1-1,-66 14 1,40 0-16,-27 13 16,13-13-1,-12-1-15,-14 1 0,13 13 16,13-26 0,1-1-1,-14 14-15,27-14 16,-14-12-1,-13 12-15,-13 1 0,14 13 16,-1-14-16,40-65 31,-27 25-15,-26 41-16,13 13 0,-13-14 16,0 14-1,0-13-15,0 12 0,0 1 16,0 0-16,0 0 0,0-1 15,0-12-15,0 13 16,0-40 0,0-13-1,0 52-15,0 1 16,0 0-16,0-13 16,-26-41-1,0 28 1,26 26-1,-14-1-15,-25-52 47,25 66-31,-12-26-16,13 12 16,-1 1-1,1 0 1,-40-13-16,40 26 15,-40-40 1,40 27-16,-27-1 16,27 14-1,-27-26 1,1 13-16,12-1 16,14 1-1,0 13-15,0-13 16,-40 0 15,39 13-31,1 0 0,-13-13 16,12 13-1,1 0-15,0 0 16,13-14-16,-13 14 16,0 0-1,-1 0-15,1-13 16,0 13-1,0 0-15,-1 0 0,1 0 16,0 0 0,0 0-16,-1 0 15,1 0 1,0 0-16,0 0 16,0 0-1,-1 0-15,-12 0 16,13 0-1,-1 0 1,1 0 0,0 0-1</inkml:trace>
+  <inkml:trace contextRef="#ctx0" brushRef="#br0" timeOffset="17721.63">5371 13070 0,'-13'-13'0,"0"13"16,-14 0-16,14 0 31,0 0-31,-1 0 16,1 0-1,0 0 1,-27 0 15,27 0-31,-172 0 157,172 0-142,-1 0 1,1 0-1,0 13 1,-14 1-16,14-14 16,0 13-16,13 0 15,-13-13 1,0 13-16,13 1 16,-40-14-1,40 13-15,-13 0 16,-1 0-16,1-13 15,13 27-15,-13-27 16,0 13-16,13 0 16,-27 0-16,14-13 15,13 14 1,0-1-16,-13-13 0,13 26 16,-13-12-16,-1-1 31,14 0-31,0 0 15,0 0 1,0 1-16,-13-14 16,13 26-16,0-13 15,-13-13 1,13 14-16,0-1 16,0 0-1,0 0-15,0 1 16,0-1-16,-27 0 15,27 0-15,0 0 16,-13 14 0,13-14-1,0 0-15,0 1 16,0-1-16,0 0 16,0 13-1,0 1 1,0-14-16,0 0 15,0 1 1,0-1-16,0 0 0,27 27 16,-14-27-1,0 0 1,-13 0-16,27 14 16,-14-27-16,-13 26 15,13-12-15,14-14 16,-14 0-16,40 26 15,-53-13-15,39 1 16,-25-14-16,-1 0 16,0 13-1,0-13 1,0 0-16,1 0 0,12 26 31,-13-26-31,1 0 16,-1 0-1,0 0-15,0 0 16,1 0-16,25 0 31,-26 0-15,40 0 0,-39 0-16,-1 0 15,0 0-15,0-13 16,1 13-1,12-13-15,27-27 47,-40 27-31,27-27 0,-14-26-16,-12 53 15,-1-53 1,0 39-1,-13-13-15,0 27 32,0 0-32,13-40 15,-13 40-15,0 0 16,0-1 0,0 1-1,27-13-15,-27 13 16,0-1-1,0-12-15,0 13 16,0-1-16,0-39 16,0 40-1,0 0 1,0-13-16,0 12 16,-14 14-16,14-39 15,0 25-15,0 1 16,0-13-1,-13 12 1,13 1 0,0 0-16,0 0 15,0 0-15,0-1 16,-13 1 0,13 0-1,-13 13-15,13-13 0,0-1 16,-13 1-1,-1 0 1,14 0 0,-13 13 15,13-14-31,-13 14 16,13-13-1,-13 13 1,-1 0 31,14-13-32,-13 13 1,13-26 0,-13 26-1</inkml:trace>
+  <inkml:trace contextRef="#ctx0" brushRef="#br0" timeOffset="21711.66">4035 12263 0,'0'14'78,"0"-1"-62,0 0-1,0 0-15,0 14 16,0-14 0,0 0-16,0 0 0,0 14 31,0 13-16,0-14-15,0-13 16,0 14-16,0-14 0,0 27 16,0-14-16,0 14 15,0-14 1,0 1-16,0-1 0,0 1 31,0 26-31,0-27 16,0-13-16,0 14 15,0 12 1,0-25-16,0-1 16,0 0-16,0 0 15,0 1 1,0 12-16,0 0 31,0-12-31,0-1 16,0 0-16,0 14 31,0-14-31,0 0 16,0 0-1,0 1 32,0-1-31,0 13-16,0-13 31,0 1 0,0-1 16</inkml:trace>
+  <inkml:trace contextRef="#ctx0" brushRef="#br0" timeOffset="23544.27">3823 13057 0,'-13'0'0,"26"13"141,14 1-126,-27-1-15,13-13 16,-13 13-16,13-13 16,0 27-16,1-14 15,-1 0 16,0 0-15,0 0-16,1-13 16,-1 14-1,-13-1 1,13-13 15,0 13-15,0 0-16,-13 1 31,14-1-15,-1 0-1,0 14 1,0-27 0,-13 13-1,14-13 1,-1 0 46,0 0-30,0 0-17,1 0 1,-1 0-16,-13-27 15,13 14-15,-13 0 16,13 13-16,0-13 16,-13-1-16,0 1 15,14 13-15,-14-13 16,26 0 0,-26-1-16,13 14 0,1-13 15,-14 0 1,13 0-1,0-14 1,0 27 0,-13-13 15,27 0-31,-14 0 31</inkml:trace>
+  <inkml:trace contextRef="#ctx0" brushRef="#br0" timeOffset="25846">5966 14684 0,'0'14'437,"0"-1"-437,0 0 16,0 14-1,0-1-15,0-13 16,0 0-16,0 27 16,0-27-1,0 27-15,0-27 16,0 0-16,0 1 15,0-1 1,0 0-16,0 0 0,14 14 31,-14 13-31,0-27 16,0 26-16,0-25 16,0 25-16,0 14 15,0-39 1,0 12-16,0-13 15,0 14-15,0-1 16,0-13 0,0 1-1,0-1-15,0 0 16</inkml:trace>
+  <inkml:trace contextRef="#ctx0" brushRef="#br0" timeOffset="27798.81">5953 14605 0,'0'13'422,"-13"0"-422,13 1 31,-13-1-15,-1 0-1,14 0-15,-13-13 16,13 14-16,0-1 16,-13 0-1,13 0-15,-26 1 16,26 12 15,-14 0-31,14-12 16,-13-14-16,13 13 15,-13 0-15,13 0 16,0 1 0,-13-14-1,-1 13-15,14 13 16,0-13 15,-26-13-15,26 14-16,-13-14 31,13 13-31</inkml:trace>
+  <inkml:trace contextRef="#ctx0" brushRef="#br0" timeOffset="29257.98">6085 14552 0,'14'0'422,"-1"13"-406,0 1-1,-13-1-15,13-13 0,1 0 16,-1 0-16,-13 13 16,13 0-16,0-13 15,0 13-15,1 14 16,-1-27 0,0 13 15,-13 0-16,13-13 1,-13 14-16,14-14 16,-1 0-1,-13 13-15,13 13 16,0-26 0,93 106 187</inkml:trace>
+  <inkml:trace contextRef="#ctx0" brushRef="#br1" timeOffset="97203.25">4260 13295 0,'0'0'16,"-13"0"-16,-1 0 16,1 0-16,0 0 15,0 0-15,-1 0 16,1 0 0,0 0-16,0 0 0,0 0 15,-1 0-15,1 0 16,0 0-1,-14 14-15,14-1 16,0 0-16,-27-13 16,14 0-1,13 13 1,-1-13-16,1 0 16,0 13-16,-14 1 0,14-14 15,0 0-15,0 26 16,-1-13-16,14 1 15,-26-14-15,13 13 16,13 0-16,-27 0 16,1 27-16,13-27 15,-14 14 1,27-14-16,-13 0 0,0 27 16,-1-1-1,14-25-15,0 12 16,0 27-16,0-40 15,0 14-15,0-14 16,0 27-16,0-27 0,0 0 16,0 14-1,0-14 1,0 0-16,0 0 16,0 1-16,0-1 0,14 0 15,-1 13-15,-13-12 16,0-1-1,0 13-15,26-26 16,-12 14-16,-1-1 16,0 0-16,14 0 15,-14 1 1,13-14-16,-26 13 0,13 0 16,1-13-16,-1 0 15,-13 13-15,13-13 16,0 0-16,14 13 15,-14-13 1,0 0 0,1 0-16,-1 0 15,0 0 1,0 0-16,0 0 16,1 0-16,-1 0 15,0 0-15,0 0 16,1 0-16,-1 0 15,0 0-15,0 0 16,1 0-16,-1-13 16,0 13-16,0-13 15,0 13-15,-13-13 0,27 13 16,-1-13-16,-12-1 16,-1 14-1,0-13 1,13 0-16,-12 0 15,-1 13-15,0-27 16,-13 14-16,13 13 16,14-13-1,-1-27-15,-12 14 16,12-27-16,-13 39 31,-13 1-31,13-13 16,-13-14-1,0 14-15,0-14 16,0 13 0,0-12-16,-13 25 15,0-38 1,13 38-16,-13 1 16,13 0-16,-13 13 15,13-13-15,-14 13 16,1-40-16,0 40 15,0-13-15,13-14 0,-14 27 16,1-13 0,0 0-1,-14 0-15,14 13 16,0-14-16,0 14 16,0-13-16,-1 13 0,-25-13 15,25 13 1,-12 0-16,13 0 15,0 0 1,-1 0-16,1 0 0,0 0 16,0 0-1</inkml:trace>
+  <inkml:trace contextRef="#ctx0" brushRef="#br1" timeOffset="101619.08">4233 13758 0,'40'14'406,"-40"-1"-390,79 13-1,-52-26-15,-27 13 16,26-13-16,-26 27 15,40-14-15,-27 0 16,14-13-16,-1 14 0,27-1 16,-40 0-16,14 0 15,12 1-15,14 12 16,-26-13-16,-1 14 16,67-1-16,-40 1 15,0-1 1,-27-13-16,14 1 15,-27-1-15,40 0 0,0 27 16,-40-40 0,27 39-16,-14-25 15,1-1-15,-1 0 0,-13 0 16,14-13-16,13 13 16,-1 40-1,14-39-15,-40-14 16,1 13-16,25 0 15,14 0-15,-13 1 16,0-1-16,-1 0 16,1 27-16,66-1 15,-106-25 1,26-1-16,1 0 16,-14 0-16,0 1 15,0-1-15,1 0 0,-1-13 31,0 0-15,-13 13 0,13-13 46,-13 13-31</inkml:trace>
+  <inkml:trace contextRef="#ctx0" brushRef="#br1" timeOffset="104219.09">5609 14658 0,'-13'-13'422,"13"-1"-391,-13-12-15,13 13 0,-14-14-1,14 14 1,-13 0-16,0-14 16,13 14-1,-13-13-15,13 12 16,0 1-1,0 0 64,26 13 202,14 0-281,-27 0 15,14 13-15,-14 0 16,0-13 0,0 0-1,1 0-15,-14 14 16,26-1-16,-13-13 31,-13 13-31,13-13 31,1 0-15,-14 13 0,26-13-1,-13 14-15,1-14 0,12 0 16,1 13 0,-14 0-16,26 0 0,-12 1 15,-14-14 1,0 0 46,-13-14 1,0 1-63,-13-40 0,-13 0 15,-1 40 1,14-13-16,-66-120 16,52 67-16,1 26 15,-27-27-15,40 41 16,-1-14-16,1-13 16,13 52-16,0 1 15,0 0-15,0 0 16,0-14 15,0 14 0,0 0 47,-13 13-31</inkml:trace>
+  <inkml:trace contextRef="#ctx0" brushRef="#br1" timeOffset="106384.27">6271 14354 0,'13'0'406,"13"0"-390,-26-14-16,27-12 16,26-1-16,-27 27 15,-13-13 1,1-13-16,12 13 0,27-14 15,-40 27 1,14 0-16,-1-26 16,14 12-16,-14 1 0,1-13 15,-1-1 1,14 14-16,-14 0 0,1-14 16,12 1-16,14-14 15,-39 27-15,12-13 16,40-1-1,-13-26-15,-26 40 16,12-14-16,-25 14 16,568-437 140,-556 450-140,-13 0-1,1-13 16,-1 13-15,0-13 0,0 13-16,0 0 0,1 0 31,-1-13-15,0 13 30</inkml:trace>
+  <inkml:trace contextRef="#ctx0" brushRef="#br1" timeOffset="108526.16">7660 13256 0,'13'0'437,"0"0"-406,0 0 32,-13 13-48,14-13 1,-14 13 0,26-13-1,-13 13-15,1 1 16,12 12-16,-13 0 16,14 1-16,-1-14 15,-13-13-15,1 13 0,-1 1 16,-13-1-1,13-13-15,0 0 16,-13 13 0,14-13-1,-14 13 1,13-13 0,0 0 30,-13 14-14,0-1 15,0 0-47,0 0 15,-13 0 1,0 40-16,-1-53 15,1 14-15,0-1 16,13 0-16,-13 0 16,13 14-16,-14-27 15,14 13-15,0 0 16,-26 0 15,26 1-15,-13 39 171</inkml:trace>
+</inkml:ink>
+</file>
+
+<file path=ppt/ink/ink3.xml><?xml version="1.0" encoding="utf-8"?>
+<inkml:ink xmlns:inkml="http://www.w3.org/2003/InkML">
+  <inkml:definitions>
+    <inkml:context xml:id="ctx0">
+      <inkml:inkSource xml:id="inkSrc0">
+        <inkml:traceFormat>
+          <inkml:channel name="X" type="integer" min="-2.14748E9" max="2.14748E9" units="cm"/>
+          <inkml:channel name="Y" type="integer" min="-2.14748E9" max="2.14748E9" units="cm"/>
+          <inkml:channel name="F" type="integer" max="32767" units="dev"/>
+        </inkml:traceFormat>
+        <inkml:channelProperties>
+          <inkml:channelProperty channel="X" name="resolution" value="1000" units="1/cm"/>
+          <inkml:channelProperty channel="Y" name="resolution" value="1000" units="1/cm"/>
+          <inkml:channelProperty channel="F" name="resolution" value="0" units="1/dev"/>
+        </inkml:channelProperties>
+      </inkml:inkSource>
+      <inkml:timestamp xml:id="ts0" timeString="2022-08-22T15:54:10.231"/>
+    </inkml:context>
+    <inkml:brush xml:id="br0">
+      <inkml:brushProperty name="width" value="0.05" units="cm"/>
+      <inkml:brushProperty name="height" value="0.05" units="cm"/>
+      <inkml:brushProperty name="color" value="#E71224"/>
+    </inkml:brush>
+  </inkml:definitions>
+  <inkml:trace contextRef="#ctx0" brushRef="#br0">0 1 24575,'0'0'-8191</inkml:trace>
+</inkml:ink>
+</file>
+
+<file path=ppt/ink/ink4.xml><?xml version="1.0" encoding="utf-8"?>
+<inkml:ink xmlns:inkml="http://www.w3.org/2003/InkML">
+  <inkml:definitions>
+    <inkml:context xml:id="ctx0">
+      <inkml:inkSource xml:id="inkSrc0">
+        <inkml:traceFormat>
+          <inkml:channel name="X" type="integer" min="-2.14748E9" max="2.14748E9" units="cm"/>
+          <inkml:channel name="Y" type="integer" min="-2.14748E9" max="2.14748E9" units="cm"/>
+          <inkml:channel name="F" type="integer" max="32767" units="dev"/>
+        </inkml:traceFormat>
+        <inkml:channelProperties>
+          <inkml:channelProperty channel="X" name="resolution" value="1000" units="1/cm"/>
+          <inkml:channelProperty channel="Y" name="resolution" value="1000" units="1/cm"/>
+          <inkml:channelProperty channel="F" name="resolution" value="0" units="1/dev"/>
+        </inkml:channelProperties>
+      </inkml:inkSource>
+      <inkml:timestamp xml:id="ts0" timeString="2022-08-22T15:54:18.520"/>
+    </inkml:context>
+    <inkml:brush xml:id="br0">
+      <inkml:brushProperty name="width" value="0.05" units="cm"/>
+      <inkml:brushProperty name="height" value="0.05" units="cm"/>
+      <inkml:brushProperty name="color" value="#E71224"/>
+    </inkml:brush>
+  </inkml:definitions>
+  <inkml:trace contextRef="#ctx0" brushRef="#br0">875 82 24575,'0'-3'0,"0"0"0,0 0 0,0 0 0,0 0 0,-1 0 0,0-1 0,1 1 0,-1 0 0,-1 0 0,1 1 0,0-1 0,-1 0 0,1 0 0,-1 1 0,0-1 0,0 1 0,0-1 0,0 1 0,0 0 0,0-1 0,-1 1 0,1 1 0,-1-1 0,1 0 0,-1 1 0,0-1 0,0 1 0,0 0 0,0 0 0,0 0 0,0 0 0,-4-1 0,-10 0 0,-1 0 0,1 1 0,-1 1 0,-30 3 0,7-1 0,-40-3 0,-58 3 0,130 0 0,-1 0 0,1 1 0,0 0 0,0 0 0,1 1 0,-1 1 0,1-1 0,0 1 0,0 1 0,0-1 0,-12 13 0,-32 20 0,40-29 0,1 1 0,0 0 0,0 0 0,1 1 0,0 1 0,1-1 0,0 2 0,-7 12 0,-20 27 0,24-36 0,1 0 0,1 0 0,0 1 0,1 0 0,1 1 0,1 0 0,1 0 0,0 0 0,1 1 0,1 0 0,-2 19 0,-11 68 0,10-70 0,2 0 0,-2 39 0,6-12 0,4 188 0,-3-239 0,1 0 0,1 0 0,0-1 0,0 1 0,1-1 0,1 0 0,0 0 0,0 0 0,1 0 0,1 0 0,0-1 0,0 0 0,1-1 0,0 1 0,0-1 0,1 0 0,1-1 0,-1 0 0,18 12 0,13 10 0,-27-20 0,0-1 0,1 0 0,0 0 0,0-1 0,1-1 0,18 7 0,8 0 0,75 22 0,-31-12 0,-65-16 0,1-2 0,1-1 0,-1 0 0,1-1 0,39 1 0,2-4 0,64-4 0,-118 2 0,-1-1 0,1 1 0,-1-2 0,1 1 0,-1-1 0,0 0 0,0-1 0,0 1 0,0-1 0,-1-1 0,11-9 0,7-7 0,32-39 0,-24 25 0,-18 21 0,-4 4 0,0 0 0,0-1 0,-1 0 0,-1 0 0,0-1 0,-1 0 0,11-21 0,7-16 0,-20 42 0,-1 0 0,0 0 0,0 0 0,0-1 0,-1 0 0,-1 0 0,1 0 0,2-15 0,-4-169 0,-4 91 0,5 57 0,-1 24 0,0 1 0,-2 0 0,-3-23 0,3 36 0,-1 0 0,0 1 0,0-1 0,-1 1 0,-3-6 0,3 5 0,0 1 0,0-1 0,1 1 0,0-1 0,-2-7 0,-3-25 0,4 15 0,-1 0 0,-2 1 0,-12-34 0,12 38 0,-1 1 0,-2 1 0,1-1 0,-2 1 0,0 1 0,-16-19 0,6 14 0,-2 0 0,0 2 0,-1 1 0,-1 0 0,-47-23 0,-134-63 0,189 97-1365,1 1-5461</inkml:trace>
+</inkml:ink>
+</file>
+
+<file path=ppt/ink/ink5.xml><?xml version="1.0" encoding="utf-8"?>
+<inkml:ink xmlns:inkml="http://www.w3.org/2003/InkML">
+  <inkml:definitions>
+    <inkml:context xml:id="ctx0">
+      <inkml:inkSource xml:id="inkSrc0">
+        <inkml:traceFormat>
+          <inkml:channel name="X" type="integer" min="-2.14748E9" max="2.14748E9" units="cm"/>
+          <inkml:channel name="Y" type="integer" min="-2.14748E9" max="2.14748E9" units="cm"/>
+          <inkml:channel name="F" type="integer" max="32767" units="dev"/>
+        </inkml:traceFormat>
+        <inkml:channelProperties>
+          <inkml:channelProperty channel="X" name="resolution" value="1000" units="1/cm"/>
+          <inkml:channelProperty channel="Y" name="resolution" value="1000" units="1/cm"/>
+          <inkml:channelProperty channel="F" name="resolution" value="0" units="1/dev"/>
+        </inkml:channelProperties>
+      </inkml:inkSource>
+      <inkml:timestamp xml:id="ts0" timeString="2022-08-22T15:54:20.800"/>
+    </inkml:context>
+    <inkml:brush xml:id="br0">
+      <inkml:brushProperty name="width" value="0.05" units="cm"/>
+      <inkml:brushProperty name="height" value="0.05" units="cm"/>
+      <inkml:brushProperty name="color" value="#E71224"/>
+    </inkml:brush>
+  </inkml:definitions>
+  <inkml:trace contextRef="#ctx0" brushRef="#br0">1 914 24575,'-1'-42'0,"3"0"0,1-1 0,1 1 0,15-56 0,-10 70 0,1 1 0,1 0 0,2 1 0,0 0 0,2 1 0,26-34 0,-7 13 0,2 1 0,3 3 0,77-68 0,-96 93 0,0 1 0,2 1 0,0 0 0,1 2 0,0 1 0,1 1 0,49-16 0,-8 7 0,-43 12 0,1 1 0,0 0 0,0 2 0,1 1 0,41-2 0,-5 5 0,-30 0 0,1 1 0,38 5 0,-44 1 0,-1 2 0,0 0 0,0 2 0,-1 1 0,23 13 0,-19-9 0,-10-5 0,0 2 0,-1-1 0,-1 2 0,25 26 0,22 17 0,-51-46 0,0 1 0,0 1 0,-2 0 0,1 0 0,-2 1 0,12 20 0,12 19 0,-24-40 0,0 0 0,-2 0 0,1 0 0,-1 1 0,-1 0 0,0 1 0,-1-1 0,-1 1 0,4 23 0,-1 8 0,-1-18 0,1 52 0,-6 58-1365,0-117-5461</inkml:trace>
+</inkml:ink>
+</file>
+
+<file path=ppt/ink/ink6.xml><?xml version="1.0" encoding="utf-8"?>
+<inkml:ink xmlns:inkml="http://www.w3.org/2003/InkML">
+  <inkml:definitions>
+    <inkml:context xml:id="ctx0">
+      <inkml:inkSource xml:id="inkSrc0">
+        <inkml:traceFormat>
+          <inkml:channel name="X" type="integer" min="-2.14748E9" max="2.14748E9" units="cm"/>
+          <inkml:channel name="Y" type="integer" min="-2.14748E9" max="2.14748E9" units="cm"/>
+          <inkml:channel name="F" type="integer" max="32767" units="dev"/>
+        </inkml:traceFormat>
+        <inkml:channelProperties>
+          <inkml:channelProperty channel="X" name="resolution" value="1000" units="1/cm"/>
+          <inkml:channelProperty channel="Y" name="resolution" value="1000" units="1/cm"/>
+          <inkml:channelProperty channel="F" name="resolution" value="0" units="1/dev"/>
+        </inkml:channelProperties>
+      </inkml:inkSource>
+      <inkml:timestamp xml:id="ts0" timeString="2022-08-22T15:54:23.684"/>
+    </inkml:context>
+    <inkml:brush xml:id="br0">
+      <inkml:brushProperty name="width" value="0.05" units="cm"/>
+      <inkml:brushProperty name="height" value="0.05" units="cm"/>
+      <inkml:brushProperty name="color" value="#E71224"/>
+    </inkml:brush>
+  </inkml:definitions>
+  <inkml:trace contextRef="#ctx0" brushRef="#br0">1 73 24575,'1'3'0,"-1"-1"0,1 1 0,0 0 0,0-1 0,0 1 0,1 0 0,-1-1 0,1 1 0,-1-1 0,1 0 0,0 0 0,4 4 0,26 24 0,105 96 0,-104-99 0,1-1 0,66 38 0,-96-62 0,-1 1 0,1-2 0,0 1 0,0 0 0,0-1 0,0 0 0,1 0 0,-1 0 0,0 0 0,0-1 0,1 1 0,-1-1 0,0 0 0,0 0 0,1-1 0,-1 0 0,0 1 0,0-1 0,0-1 0,0 1 0,0 0 0,7-5 0,-5 3 0,0-1 0,-1 0 0,0-1 0,1 1 0,-1-1 0,-1 0 0,1 0 0,-1-1 0,0 1 0,0-1 0,-1 0 0,0 0 0,3-8 0,70-191 0,-74 192-273,1 0 0,-2-1 0,0 1 0,0-20 0,-2 17-6553</inkml:trace>
+</inkml:ink>
+</file>
+
+<file path=ppt/ink/ink7.xml><?xml version="1.0" encoding="utf-8"?>
+<inkml:ink xmlns:inkml="http://www.w3.org/2003/InkML">
+  <inkml:definitions>
+    <inkml:context xml:id="ctx0">
+      <inkml:inkSource xml:id="inkSrc0">
+        <inkml:traceFormat>
+          <inkml:channel name="X" type="integer" min="-2.14748E9" max="2.14748E9" units="cm"/>
+          <inkml:channel name="Y" type="integer" min="-2.14748E9" max="2.14748E9" units="cm"/>
+          <inkml:channel name="F" type="integer" max="32767" units="dev"/>
+        </inkml:traceFormat>
+        <inkml:channelProperties>
+          <inkml:channelProperty channel="X" name="resolution" value="1000" units="1/cm"/>
+          <inkml:channelProperty channel="Y" name="resolution" value="1000" units="1/cm"/>
+          <inkml:channelProperty channel="F" name="resolution" value="0" units="1/dev"/>
+        </inkml:channelProperties>
+      </inkml:inkSource>
+      <inkml:timestamp xml:id="ts0" timeString="2022-08-22T15:54:47.373"/>
+    </inkml:context>
+    <inkml:brush xml:id="br0">
+      <inkml:brushProperty name="width" value="0.05" units="cm"/>
+      <inkml:brushProperty name="height" value="0.05" units="cm"/>
+      <inkml:brushProperty name="color" value="#004F8B"/>
+    </inkml:brush>
+  </inkml:definitions>
+  <inkml:trace contextRef="#ctx0" brushRef="#br0">514 41 24575,'0'-1'0,"-1"-1"0,0 1 0,0 0 0,1-1 0,-1 1 0,0 0 0,0 0 0,0-1 0,-1 1 0,1 0 0,0 0 0,0 0 0,0 0 0,-1 0 0,1 1 0,-1-1 0,1 0 0,-1 1 0,-1-1 0,-30-12 0,22 11 0,0 0 0,0 0 0,-1 1 0,-19 1 0,26 0 0,0 1 0,-1 0 0,1 0 0,0 0 0,0 1 0,0-1 0,0 1 0,0 0 0,0 1 0,0-1 0,-8 7 0,-31 23 0,28-21 0,1 0 0,-27 26 0,-1 2 0,34-32 0,0 1 0,0 0 0,1 0 0,0 1 0,-13 18 0,3 0 0,14-21 0,0 0 0,0 0 0,0 1 0,0-1 0,1 1 0,0 0 0,-2 8 0,-7 36 0,2 1 0,3 0 0,-2 98 0,9-111 0,3 62 0,-2-88 0,1-1 0,0 1 0,1-1 0,0 0 0,10 23 0,-9-30 0,1 1 0,-1-1 0,1 0 0,0 0 0,0 0 0,0-1 0,1 1 0,-1-2 0,1 1 0,10 5 0,11 8 0,-1 1 0,0-1 0,1-2 0,55 24 0,-61-31 0,-1-2 0,1 0 0,1-2 0,-1 0 0,1-1 0,32 0 0,0-3 0,90-2 0,-135 0 0,-1 0 0,1 0 0,-1-1 0,0 1 0,0-2 0,0 1 0,0-1 0,-1-1 0,0 1 0,0-1 0,0-1 0,11-10 0,-2 1 0,-1-1 0,0-1 0,22-34 0,-29 37 0,-1-1 0,0 1 0,4-17 0,7-14 0,-13 31 0,0 1 0,-1-1 0,0-1 0,-1 1 0,0 0 0,-1-1 0,-1 1 0,-1-21 0,-3-9 0,-12-63 0,11 82 0,3 13 0,-1 1 0,-1-1 0,-6-21 0,7 29 0,0 0 0,0 1 0,0-1 0,-1 0 0,1 1 0,-1 0 0,0-1 0,0 1 0,0 0 0,0 0 0,-1 1 0,1-1 0,-1 1 0,-6-4 0,-6-3 0,-1-1 0,1-1 0,1-1 0,0 0 0,-27-28 0,32 31 0,-1 0 0,-1 0 0,-17-10 0,16 11 0,0 0 0,-22-20 0,31 24 0,-1-1 0,1 1 0,-1 0 0,0 0 0,0 1 0,-1-1 0,1 1 0,-1 0 0,0 1 0,0-1 0,1 1 0,-2 0 0,1 1 0,-9-2 0,-49-14 69,52 13-356,-1 0 0,1 1 0,-1 0 1,-24-2-1,21 5-6539</inkml:trace>
+</inkml:ink>
+</file>
+
+<file path=ppt/ink/ink8.xml><?xml version="1.0" encoding="utf-8"?>
+<inkml:ink xmlns:inkml="http://www.w3.org/2003/InkML">
+  <inkml:definitions>
+    <inkml:context xml:id="ctx0">
+      <inkml:inkSource xml:id="inkSrc0">
+        <inkml:traceFormat>
+          <inkml:channel name="X" type="integer" min="-2.14748E9" max="2.14748E9" units="cm"/>
+          <inkml:channel name="Y" type="integer" min="-2.14748E9" max="2.14748E9" units="cm"/>
+          <inkml:channel name="F" type="integer" max="32767" units="dev"/>
+        </inkml:traceFormat>
+        <inkml:channelProperties>
+          <inkml:channelProperty channel="X" name="resolution" value="1000" units="1/cm"/>
+          <inkml:channelProperty channel="Y" name="resolution" value="1000" units="1/cm"/>
+          <inkml:channelProperty channel="F" name="resolution" value="0" units="1/dev"/>
+        </inkml:channelProperties>
+      </inkml:inkSource>
+      <inkml:timestamp xml:id="ts0" timeString="2022-08-22T15:54:49.339"/>
+    </inkml:context>
+    <inkml:brush xml:id="br0">
+      <inkml:brushProperty name="width" value="0.05" units="cm"/>
+      <inkml:brushProperty name="height" value="0.05" units="cm"/>
+      <inkml:brushProperty name="color" value="#004F8B"/>
+    </inkml:brush>
+  </inkml:definitions>
+  <inkml:trace contextRef="#ctx0" brushRef="#br0">0 518 24575,'1'-3'0,"0"1"0,0 0 0,0 0 0,1 0 0,-1 0 0,0 0 0,1 0 0,-1 0 0,1 0 0,0 1 0,0-1 0,2-1 0,11-12 0,-12 11 0,38-48 0,47-46 0,-72 82 0,0 2 0,2 0 0,0 0 0,0 2 0,1 0 0,40-18 0,139-42 0,-44 18 0,-98 34 0,0 2 0,118-20 0,-117 33 0,1 3 0,58 5 0,-13-1 0,-41-2 0,-25-2 0,0 2 0,-1 2 0,1 1 0,-1 1 0,40 11 0,-59-9 0,0 1 0,0 1 0,-1 0 0,0 1 0,28 20 0,-16-7 0,-2 1 0,27 29 0,-39-35 0,-2 1 0,0 0 0,-1 0 0,-1 1 0,-1 0 0,-1 1 0,7 22 0,-6-18 0,-4-3 0,0 0 0,-2 0 0,0 0 0,-1 1 0,-1 0 0,-1-1 0,-4 27 0,1 17 0,5 35 0,-4 83 0,0-169 18,0-1 0,-1 0 0,-7 19 0,-1 3-1455,6-15-5389</inkml:trace>
+</inkml:ink>
+</file>
+
+<file path=ppt/ink/ink9.xml><?xml version="1.0" encoding="utf-8"?>
+<inkml:ink xmlns:inkml="http://www.w3.org/2003/InkML">
+  <inkml:definitions>
+    <inkml:context xml:id="ctx0">
+      <inkml:inkSource xml:id="inkSrc0">
+        <inkml:traceFormat>
+          <inkml:channel name="X" type="integer" min="-2.14748E9" max="2.14748E9" units="cm"/>
+          <inkml:channel name="Y" type="integer" min="-2.14748E9" max="2.14748E9" units="cm"/>
+          <inkml:channel name="F" type="integer" max="32767" units="dev"/>
+        </inkml:traceFormat>
+        <inkml:channelProperties>
+          <inkml:channelProperty channel="X" name="resolution" value="1000" units="1/cm"/>
+          <inkml:channelProperty channel="Y" name="resolution" value="1000" units="1/cm"/>
+          <inkml:channelProperty channel="F" name="resolution" value="0" units="1/dev"/>
+        </inkml:channelProperties>
+      </inkml:inkSource>
+      <inkml:timestamp xml:id="ts0" timeString="2022-08-22T15:54:51.273"/>
+    </inkml:context>
+    <inkml:brush xml:id="br0">
+      <inkml:brushProperty name="width" value="0.05" units="cm"/>
+      <inkml:brushProperty name="height" value="0.05" units="cm"/>
+      <inkml:brushProperty name="color" value="#004F8B"/>
+    </inkml:brush>
+  </inkml:definitions>
+  <inkml:trace contextRef="#ctx0" brushRef="#br0">1 81 24575,'0'7'0,"0"0"0,1 0 0,0 0 0,0-1 0,0 1 0,1 0 0,0-1 0,0 1 0,1-1 0,0 1 0,0-1 0,0 0 0,1 0 0,0 0 0,7 7 0,-6-4 0,0 1 0,-1 0 0,1 0 0,-2 0 0,4 18 0,4 7 0,-3-9 0,-4-14 0,-1 0 0,2-1 0,0 1 0,0-1 0,13 20 0,-17-30 0,0 0 0,0 0 0,-1 0 0,1 0 0,0 0 0,0 0 0,0 0 0,0 0 0,0 0 0,0-1 0,0 1 0,0 0 0,0-1 0,1 1 0,-1-1 0,0 1 0,0-1 0,0 0 0,1 0 0,-1 1 0,0-1 0,0 0 0,1 0 0,1 0 0,-1-1 0,0 0 0,0 0 0,0 1 0,0-1 0,0-1 0,0 1 0,0 0 0,-1 0 0,1-1 0,0 1 0,-1-1 0,1 1 0,1-3 0,4-6 0,1-1 0,-2 0 0,10-21 0,-14 28 0,23-50 0,3 2 0,56-81 0,-67 113-341,1 0 0,1 2-1,24-20 1,-29 27-6485</inkml:trace>
+</inkml:ink>
+</file>
+
 <file path=ppt/notesMasters/notesMaster1.xml><?xml version="1.0" encoding="utf-8"?>
 <p:notesMaster xmlns:a="http://schemas.openxmlformats.org/drawingml/2006/main" xmlns:r="http://schemas.openxmlformats.org/officeDocument/2006/relationships" xmlns:p="http://schemas.openxmlformats.org/presentationml/2006/main">
   <p:cSld>
@@ -445,7 +749,7 @@
           <a:p>
             <a:fld id="{6580C23F-98B7-41D4-A9FA-15A275A51486}" type="datetimeFigureOut">
               <a:rPr lang="en-US" smtClean="0"/>
-              <a:t>8/23/2021</a:t>
+              <a:t>8/22/2022</a:t>
             </a:fld>
             <a:endParaRPr lang="en-US"/>
           </a:p>
@@ -994,7 +1298,7 @@
           <a:p>
             <a:fld id="{E586B107-AA8F-4C65-A94C-468C6EEC3A14}" type="slidenum">
               <a:rPr lang="en-US" smtClean="0"/>
-              <a:t>46</a:t>
+              <a:t>47</a:t>
             </a:fld>
             <a:endParaRPr lang="en-US"/>
           </a:p>
@@ -1145,79 +1449,6 @@
       </p:sp>
       <p:sp>
         <p:nvSpPr>
-          <p:cNvPr id="4" name="Rectangle 3">
-            <a:extLst>
-              <a:ext uri="{FF2B5EF4-FFF2-40B4-BE49-F238E27FC236}">
-                <a16:creationId xmlns:a16="http://schemas.microsoft.com/office/drawing/2014/main" id="{217E0A7A-1D6F-41E0-B79E-C14C44A02EF5}"/>
-              </a:ext>
-            </a:extLst>
-          </p:cNvPr>
-          <p:cNvSpPr/>
-          <p:nvPr userDrawn="1"/>
-        </p:nvSpPr>
-        <p:spPr>
-          <a:xfrm>
-            <a:off x="0" y="6223000"/>
-            <a:ext cx="12192000" cy="635000"/>
-          </a:xfrm>
-          <a:prstGeom prst="rect">
-            <a:avLst/>
-          </a:prstGeom>
-          <a:solidFill>
-            <a:srgbClr val="990000"/>
-          </a:solidFill>
-          <a:ln w="9525" cap="flat" cmpd="sng" algn="ctr">
-            <a:noFill/>
-            <a:prstDash val="solid"/>
-          </a:ln>
-          <a:effectLst>
-            <a:outerShdw blurRad="40000" dist="23000" dir="5400000" rotWithShape="0">
-              <a:srgbClr val="000000">
-                <a:alpha val="35000"/>
-              </a:srgbClr>
-            </a:outerShdw>
-          </a:effectLst>
-        </p:spPr>
-        <p:txBody>
-          <a:bodyPr rtlCol="0" anchor="ctr"/>
-          <a:lstStyle/>
-          <a:p>
-            <a:pPr marL="0" marR="0" lvl="0" indent="0" algn="ctr" defTabSz="457200" eaLnBrk="1" fontAlgn="auto" latinLnBrk="0" hangingPunct="1">
-              <a:lnSpc>
-                <a:spcPct val="100000"/>
-              </a:lnSpc>
-              <a:spcBef>
-                <a:spcPts val="0"/>
-              </a:spcBef>
-              <a:spcAft>
-                <a:spcPts val="0"/>
-              </a:spcAft>
-              <a:buClrTx/>
-              <a:buSzTx/>
-              <a:buFontTx/>
-              <a:buNone/>
-              <a:tabLst/>
-              <a:defRPr/>
-            </a:pPr>
-            <a:endParaRPr kumimoji="0" lang="en-US" sz="4000" b="0" i="0" u="none" strike="noStrike" kern="0" cap="none" spc="0" normalizeH="0" baseline="0" noProof="0" dirty="0">
-              <a:ln>
-                <a:noFill/>
-              </a:ln>
-              <a:solidFill>
-                <a:srgbClr val="FFC000"/>
-              </a:solidFill>
-              <a:effectLst/>
-              <a:uLnTx/>
-              <a:uFillTx/>
-              <a:latin typeface="Times New Roman" panose="02020603050405020304" pitchFamily="18" charset="0"/>
-              <a:ea typeface="+mn-ea"/>
-              <a:cs typeface="Times New Roman" panose="02020603050405020304" pitchFamily="18" charset="0"/>
-            </a:endParaRPr>
-          </a:p>
-        </p:txBody>
-      </p:sp>
-      <p:sp>
-        <p:nvSpPr>
           <p:cNvPr id="5" name="TextBox 4">
             <a:extLst>
               <a:ext uri="{FF2B5EF4-FFF2-40B4-BE49-F238E27FC236}">
@@ -1248,7 +1479,7 @@
             <a:r>
               <a:rPr lang="en-US" sz="1800" b="1" dirty="0">
                 <a:solidFill>
-                  <a:srgbClr val="FFC000"/>
+                  <a:srgbClr val="C00000"/>
                 </a:solidFill>
                 <a:latin typeface="Times New Roman" panose="02020603050405020304" pitchFamily="18" charset="0"/>
                 <a:cs typeface="Times New Roman" panose="02020603050405020304" pitchFamily="18" charset="0"/>
@@ -1258,7 +1489,7 @@
             <a:r>
               <a:rPr lang="en-US" sz="1800" dirty="0">
                 <a:solidFill>
-                  <a:srgbClr val="FFC000"/>
+                  <a:srgbClr val="C00000"/>
                 </a:solidFill>
                 <a:latin typeface="Times New Roman" panose="02020603050405020304" pitchFamily="18" charset="0"/>
                 <a:cs typeface="Times New Roman" panose="02020603050405020304" pitchFamily="18" charset="0"/>
@@ -1271,7 +1502,7 @@
             <a:r>
               <a:rPr lang="en-US" sz="1050" dirty="0">
                 <a:solidFill>
-                  <a:srgbClr val="FFC000"/>
+                  <a:srgbClr val="C00000"/>
                 </a:solidFill>
                 <a:latin typeface="Times New Roman" panose="02020603050405020304" pitchFamily="18" charset="0"/>
                 <a:cs typeface="Times New Roman" panose="02020603050405020304" pitchFamily="18" charset="0"/>
@@ -1284,7 +1515,7 @@
             <a:r>
               <a:rPr lang="en-US" sz="1050" dirty="0">
                 <a:solidFill>
-                  <a:srgbClr val="FFC000"/>
+                  <a:srgbClr val="C00000"/>
                 </a:solidFill>
                 <a:latin typeface="Garamond" panose="02020404030301010803" pitchFamily="18" charset="0"/>
                 <a:cs typeface="Times New Roman" panose="02020603050405020304" pitchFamily="18" charset="0"/>
@@ -1294,7 +1525,7 @@
             <a:r>
               <a:rPr lang="en-US" sz="1050" i="1" dirty="0">
                 <a:solidFill>
-                  <a:srgbClr val="FFC000"/>
+                  <a:srgbClr val="C00000"/>
                 </a:solidFill>
                 <a:latin typeface="Garamond" panose="02020404030301010803" pitchFamily="18" charset="0"/>
                 <a:cs typeface="Times New Roman" panose="02020603050405020304" pitchFamily="18" charset="0"/>
@@ -1352,8 +1583,8 @@
         </p:nvSpPr>
         <p:spPr>
           <a:xfrm>
-            <a:off x="166681" y="1332703"/>
-            <a:ext cx="11699087" cy="4351338"/>
+            <a:off x="166681" y="959370"/>
+            <a:ext cx="11699087" cy="4724671"/>
           </a:xfrm>
           <a:prstGeom prst="rect">
             <a:avLst/>
@@ -1456,7 +1687,7 @@
           <p:nvPr userDrawn="1"/>
         </p:nvPicPr>
         <mc:AlternateContent xmlns:mc="http://schemas.openxmlformats.org/markup-compatibility/2006">
-          <mc:Choice xmlns="" xmlns:mv="urn:schemas-microsoft-com:mac:vml" xmlns:ma="http://schemas.microsoft.com/office/mac/drawingml/2008/main" Requires="ma">
+          <mc:Choice xmlns:ma="http://schemas.microsoft.com/office/mac/drawingml/2008/main" xmlns:mv="urn:schemas-microsoft-com:mac:vml" xmlns="" Requires="ma">
             <p:blipFill>
               <a:blip r:embed="rId3"/>
               <a:stretch>
@@ -1475,7 +1706,7 @@
         </mc:AlternateContent>
         <p:spPr>
           <a:xfrm>
-            <a:off x="11194348" y="464476"/>
+            <a:off x="11194348" y="58647"/>
             <a:ext cx="997652" cy="748239"/>
           </a:xfrm>
           <a:prstGeom prst="rect">
@@ -1483,152 +1714,6 @@
           </a:prstGeom>
         </p:spPr>
       </p:pic>
-      <p:sp>
-        <p:nvSpPr>
-          <p:cNvPr id="13" name="Rectangle 12">
-            <a:extLst>
-              <a:ext uri="{FF2B5EF4-FFF2-40B4-BE49-F238E27FC236}">
-                <a16:creationId xmlns:a16="http://schemas.microsoft.com/office/drawing/2014/main" id="{26381F13-A4A4-444E-9C5F-0C7501D9BF81}"/>
-              </a:ext>
-            </a:extLst>
-          </p:cNvPr>
-          <p:cNvSpPr/>
-          <p:nvPr userDrawn="1"/>
-        </p:nvSpPr>
-        <p:spPr>
-          <a:xfrm>
-            <a:off x="0" y="2713"/>
-            <a:ext cx="12192000" cy="302605"/>
-          </a:xfrm>
-          <a:prstGeom prst="rect">
-            <a:avLst/>
-          </a:prstGeom>
-          <a:solidFill>
-            <a:srgbClr val="990000"/>
-          </a:solidFill>
-          <a:ln w="9525" cap="flat" cmpd="sng" algn="ctr">
-            <a:noFill/>
-            <a:prstDash val="solid"/>
-          </a:ln>
-          <a:effectLst>
-            <a:outerShdw blurRad="40000" dist="23000" dir="5400000" rotWithShape="0">
-              <a:srgbClr val="000000">
-                <a:alpha val="35000"/>
-              </a:srgbClr>
-            </a:outerShdw>
-          </a:effectLst>
-        </p:spPr>
-        <p:txBody>
-          <a:bodyPr rtlCol="0" anchor="ctr"/>
-          <a:lstStyle/>
-          <a:p>
-            <a:pPr marL="0" marR="0" lvl="0" indent="0" algn="ctr" defTabSz="457200" eaLnBrk="1" fontAlgn="auto" latinLnBrk="0" hangingPunct="1">
-              <a:lnSpc>
-                <a:spcPct val="100000"/>
-              </a:lnSpc>
-              <a:spcBef>
-                <a:spcPts val="0"/>
-              </a:spcBef>
-              <a:spcAft>
-                <a:spcPts val="0"/>
-              </a:spcAft>
-              <a:buClrTx/>
-              <a:buSzTx/>
-              <a:buFontTx/>
-              <a:buNone/>
-              <a:tabLst/>
-              <a:defRPr/>
-            </a:pPr>
-            <a:endParaRPr kumimoji="0" lang="en-US" sz="4000" b="0" i="0" u="none" strike="noStrike" kern="0" cap="none" spc="0" normalizeH="0" baseline="0" noProof="0" dirty="0">
-              <a:ln>
-                <a:noFill/>
-              </a:ln>
-              <a:solidFill>
-                <a:prstClr val="white"/>
-              </a:solidFill>
-              <a:effectLst/>
-              <a:uLnTx/>
-              <a:uFillTx/>
-              <a:latin typeface="Times New Roman" panose="02020603050405020304" pitchFamily="18" charset="0"/>
-              <a:ea typeface="+mn-ea"/>
-              <a:cs typeface="Times New Roman" panose="02020603050405020304" pitchFamily="18" charset="0"/>
-            </a:endParaRPr>
-          </a:p>
-        </p:txBody>
-      </p:sp>
-      <p:sp>
-        <p:nvSpPr>
-          <p:cNvPr id="14" name="Rectangle 13">
-            <a:extLst>
-              <a:ext uri="{FF2B5EF4-FFF2-40B4-BE49-F238E27FC236}">
-                <a16:creationId xmlns:a16="http://schemas.microsoft.com/office/drawing/2014/main" id="{3477AB79-4F9F-47F3-934B-DC6AA693504D}"/>
-              </a:ext>
-            </a:extLst>
-          </p:cNvPr>
-          <p:cNvSpPr/>
-          <p:nvPr userDrawn="1"/>
-        </p:nvSpPr>
-        <p:spPr>
-          <a:xfrm flipV="1">
-            <a:off x="9522" y="294440"/>
-            <a:ext cx="12192000" cy="50800"/>
-          </a:xfrm>
-          <a:prstGeom prst="rect">
-            <a:avLst/>
-          </a:prstGeom>
-          <a:solidFill>
-            <a:srgbClr val="FFCC00"/>
-          </a:solidFill>
-          <a:ln w="9525" cap="flat" cmpd="sng" algn="ctr">
-            <a:noFill/>
-            <a:prstDash val="solid"/>
-          </a:ln>
-          <a:effectLst>
-            <a:outerShdw blurRad="40000" dist="20000" dir="5400000" rotWithShape="0">
-              <a:srgbClr val="000000">
-                <a:alpha val="38000"/>
-              </a:srgbClr>
-            </a:outerShdw>
-          </a:effectLst>
-        </p:spPr>
-        <p:txBody>
-          <a:bodyPr rtlCol="0" anchor="ctr"/>
-          <a:lstStyle/>
-          <a:p>
-            <a:pPr marL="0" marR="0" lvl="0" indent="0" algn="ctr" defTabSz="457200" eaLnBrk="1" fontAlgn="auto" latinLnBrk="0" hangingPunct="1">
-              <a:lnSpc>
-                <a:spcPct val="100000"/>
-              </a:lnSpc>
-              <a:spcBef>
-                <a:spcPts val="0"/>
-              </a:spcBef>
-              <a:spcAft>
-                <a:spcPts val="0"/>
-              </a:spcAft>
-              <a:buClrTx/>
-              <a:buSzTx/>
-              <a:buFontTx/>
-              <a:buNone/>
-              <a:tabLst/>
-              <a:defRPr/>
-            </a:pPr>
-            <a:endParaRPr kumimoji="0" lang="en-US" sz="1800" b="0" i="0" u="none" strike="noStrike" kern="0" cap="none" spc="0" normalizeH="0" baseline="0" noProof="0">
-              <a:ln>
-                <a:noFill/>
-              </a:ln>
-              <a:solidFill>
-                <a:srgbClr val="990000"/>
-              </a:solidFill>
-              <a:effectLst/>
-              <a:uLnTx/>
-              <a:uFillTx/>
-              <a:latin typeface="Calibri" panose="020F0502020204030204"/>
-              <a:ea typeface="+mn-ea"/>
-              <a:cs typeface="+mn-cs"/>
-            </a:endParaRPr>
-          </a:p>
-        </p:txBody>
-      </p:sp>
       <p:sp>
         <p:nvSpPr>
           <p:cNvPr id="17" name="Title 16">
@@ -1647,7 +1732,7 @@
         </p:nvSpPr>
         <p:spPr>
           <a:xfrm>
-            <a:off x="166680" y="430374"/>
+            <a:off x="114214" y="87802"/>
             <a:ext cx="10920419" cy="778828"/>
           </a:xfrm>
           <a:prstGeom prst="rect">
@@ -1721,79 +1806,6 @@
       </p:sp>
       <p:sp>
         <p:nvSpPr>
-          <p:cNvPr id="2" name="Rectangle 1">
-            <a:extLst>
-              <a:ext uri="{FF2B5EF4-FFF2-40B4-BE49-F238E27FC236}">
-                <a16:creationId xmlns:a16="http://schemas.microsoft.com/office/drawing/2014/main" id="{5C1D0F60-30D5-4ED3-8495-5FA34E01BDF1}"/>
-              </a:ext>
-            </a:extLst>
-          </p:cNvPr>
-          <p:cNvSpPr/>
-          <p:nvPr userDrawn="1"/>
-        </p:nvSpPr>
-        <p:spPr>
-          <a:xfrm>
-            <a:off x="0" y="6223000"/>
-            <a:ext cx="12192000" cy="635000"/>
-          </a:xfrm>
-          <a:prstGeom prst="rect">
-            <a:avLst/>
-          </a:prstGeom>
-          <a:solidFill>
-            <a:srgbClr val="990000"/>
-          </a:solidFill>
-          <a:ln w="9525" cap="flat" cmpd="sng" algn="ctr">
-            <a:noFill/>
-            <a:prstDash val="solid"/>
-          </a:ln>
-          <a:effectLst>
-            <a:outerShdw blurRad="40000" dist="23000" dir="5400000" rotWithShape="0">
-              <a:srgbClr val="000000">
-                <a:alpha val="35000"/>
-              </a:srgbClr>
-            </a:outerShdw>
-          </a:effectLst>
-        </p:spPr>
-        <p:txBody>
-          <a:bodyPr rtlCol="0" anchor="ctr"/>
-          <a:lstStyle/>
-          <a:p>
-            <a:pPr marL="0" marR="0" lvl="0" indent="0" algn="ctr" defTabSz="457200" eaLnBrk="1" fontAlgn="auto" latinLnBrk="0" hangingPunct="1">
-              <a:lnSpc>
-                <a:spcPct val="100000"/>
-              </a:lnSpc>
-              <a:spcBef>
-                <a:spcPts val="0"/>
-              </a:spcBef>
-              <a:spcAft>
-                <a:spcPts val="0"/>
-              </a:spcAft>
-              <a:buClrTx/>
-              <a:buSzTx/>
-              <a:buFontTx/>
-              <a:buNone/>
-              <a:tabLst/>
-              <a:defRPr/>
-            </a:pPr>
-            <a:endParaRPr kumimoji="0" lang="en-US" sz="4000" b="0" i="0" u="none" strike="noStrike" kern="0" cap="none" spc="0" normalizeH="0" baseline="0" noProof="0" dirty="0">
-              <a:ln>
-                <a:noFill/>
-              </a:ln>
-              <a:solidFill>
-                <a:srgbClr val="FFC000"/>
-              </a:solidFill>
-              <a:effectLst/>
-              <a:uLnTx/>
-              <a:uFillTx/>
-              <a:latin typeface="Times New Roman" panose="02020603050405020304" pitchFamily="18" charset="0"/>
-              <a:ea typeface="+mn-ea"/>
-              <a:cs typeface="Times New Roman" panose="02020603050405020304" pitchFamily="18" charset="0"/>
-            </a:endParaRPr>
-          </a:p>
-        </p:txBody>
-      </p:sp>
-      <p:sp>
-        <p:nvSpPr>
           <p:cNvPr id="3" name="TextBox 2">
             <a:extLst>
               <a:ext uri="{FF2B5EF4-FFF2-40B4-BE49-F238E27FC236}">
@@ -1824,7 +1836,7 @@
             <a:r>
               <a:rPr lang="en-US" sz="1800" b="1" dirty="0">
                 <a:solidFill>
-                  <a:srgbClr val="FFC000"/>
+                  <a:srgbClr val="C00000"/>
                 </a:solidFill>
                 <a:latin typeface="Times New Roman" panose="02020603050405020304" pitchFamily="18" charset="0"/>
                 <a:cs typeface="Times New Roman" panose="02020603050405020304" pitchFamily="18" charset="0"/>
@@ -1834,7 +1846,7 @@
             <a:r>
               <a:rPr lang="en-US" sz="1800" dirty="0">
                 <a:solidFill>
-                  <a:srgbClr val="FFC000"/>
+                  <a:srgbClr val="C00000"/>
                 </a:solidFill>
                 <a:latin typeface="Times New Roman" panose="02020603050405020304" pitchFamily="18" charset="0"/>
                 <a:cs typeface="Times New Roman" panose="02020603050405020304" pitchFamily="18" charset="0"/>
@@ -1847,7 +1859,7 @@
             <a:r>
               <a:rPr lang="en-US" sz="1050" dirty="0">
                 <a:solidFill>
-                  <a:srgbClr val="FFC000"/>
+                  <a:srgbClr val="C00000"/>
                 </a:solidFill>
                 <a:latin typeface="Times New Roman" panose="02020603050405020304" pitchFamily="18" charset="0"/>
                 <a:cs typeface="Times New Roman" panose="02020603050405020304" pitchFamily="18" charset="0"/>
@@ -1860,7 +1872,7 @@
             <a:r>
               <a:rPr lang="en-US" sz="1050" dirty="0">
                 <a:solidFill>
-                  <a:srgbClr val="FFC000"/>
+                  <a:srgbClr val="C00000"/>
                 </a:solidFill>
                 <a:latin typeface="Garamond" panose="02020404030301010803" pitchFamily="18" charset="0"/>
                 <a:cs typeface="Times New Roman" panose="02020603050405020304" pitchFamily="18" charset="0"/>
@@ -1870,7 +1882,7 @@
             <a:r>
               <a:rPr lang="en-US" sz="1050" i="1" dirty="0">
                 <a:solidFill>
-                  <a:srgbClr val="FFC000"/>
+                  <a:srgbClr val="C00000"/>
                 </a:solidFill>
                 <a:latin typeface="Garamond" panose="02020404030301010803" pitchFamily="18" charset="0"/>
                 <a:cs typeface="Times New Roman" panose="02020603050405020304" pitchFamily="18" charset="0"/>
@@ -2654,7 +2666,7 @@
           <a:p>
             <a:r>
               <a:rPr lang="en-US" dirty="0"/>
-              <a:t>Fall 2021. CSCI 513.</a:t>
+              <a:t>Fall 2022. CSCI 513.</a:t>
             </a:r>
           </a:p>
           <a:p>
@@ -4612,6 +4624,57 @@
           </p:txBody>
         </p:sp>
       </p:grpSp>
+      <mc:AlternateContent xmlns:mc="http://schemas.openxmlformats.org/markup-compatibility/2006">
+        <mc:Choice xmlns:p14="http://schemas.microsoft.com/office/powerpoint/2010/main" Requires="p14">
+          <p:contentPart p14:bwMode="auto" r:id="rId2">
+            <p14:nvContentPartPr>
+              <p14:cNvPr id="13" name="Ink 12">
+                <a:extLst>
+                  <a:ext uri="{FF2B5EF4-FFF2-40B4-BE49-F238E27FC236}">
+                    <a16:creationId xmlns:a16="http://schemas.microsoft.com/office/drawing/2014/main" id="{6DB3F11C-0C80-61EF-99E3-2CE8BC01ABA6}"/>
+                  </a:ext>
+                </a:extLst>
+              </p14:cNvPr>
+              <p14:cNvContentPartPr/>
+              <p14:nvPr/>
+            </p14:nvContentPartPr>
+            <p14:xfrm>
+              <a:off x="4624560" y="1585800"/>
+              <a:ext cx="7477200" cy="2648520"/>
+            </p14:xfrm>
+          </p:contentPart>
+        </mc:Choice>
+        <mc:Fallback>
+          <p:pic>
+            <p:nvPicPr>
+              <p:cNvPr id="13" name="Ink 12">
+                <a:extLst>
+                  <a:ext uri="{FF2B5EF4-FFF2-40B4-BE49-F238E27FC236}">
+                    <a16:creationId xmlns:a16="http://schemas.microsoft.com/office/drawing/2014/main" id="{6DB3F11C-0C80-61EF-99E3-2CE8BC01ABA6}"/>
+                  </a:ext>
+                </a:extLst>
+              </p:cNvPr>
+              <p:cNvPicPr/>
+              <p:nvPr/>
+            </p:nvPicPr>
+            <p:blipFill>
+              <a:blip r:embed="rId3"/>
+              <a:stretch>
+                <a:fillRect/>
+              </a:stretch>
+            </p:blipFill>
+            <p:spPr>
+              <a:xfrm>
+                <a:off x="4615200" y="1576440"/>
+                <a:ext cx="7495920" cy="2667240"/>
+              </a:xfrm>
+              <a:prstGeom prst="rect">
+                <a:avLst/>
+              </a:prstGeom>
+            </p:spPr>
+          </p:pic>
+        </mc:Fallback>
+      </mc:AlternateContent>
     </p:spTree>
     <p:extLst>
       <p:ext uri="{BB962C8B-B14F-4D97-AF65-F5344CB8AC3E}">
@@ -5838,6 +5901,57 @@
           </a:p>
         </p:txBody>
       </p:sp>
+      <mc:AlternateContent xmlns:mc="http://schemas.openxmlformats.org/markup-compatibility/2006">
+        <mc:Choice xmlns:p14="http://schemas.microsoft.com/office/powerpoint/2010/main" Requires="p14">
+          <p:contentPart p14:bwMode="auto" r:id="rId2">
+            <p14:nvContentPartPr>
+              <p14:cNvPr id="36" name="Ink 35">
+                <a:extLst>
+                  <a:ext uri="{FF2B5EF4-FFF2-40B4-BE49-F238E27FC236}">
+                    <a16:creationId xmlns:a16="http://schemas.microsoft.com/office/drawing/2014/main" id="{1DD0DCFC-39E4-5389-96ED-F70889750719}"/>
+                  </a:ext>
+                </a:extLst>
+              </p14:cNvPr>
+              <p14:cNvContentPartPr/>
+              <p14:nvPr/>
+            </p14:nvContentPartPr>
+            <p14:xfrm>
+              <a:off x="357120" y="1471680"/>
+              <a:ext cx="2510280" cy="4057920"/>
+            </p14:xfrm>
+          </p:contentPart>
+        </mc:Choice>
+        <mc:Fallback>
+          <p:pic>
+            <p:nvPicPr>
+              <p:cNvPr id="36" name="Ink 35">
+                <a:extLst>
+                  <a:ext uri="{FF2B5EF4-FFF2-40B4-BE49-F238E27FC236}">
+                    <a16:creationId xmlns:a16="http://schemas.microsoft.com/office/drawing/2014/main" id="{1DD0DCFC-39E4-5389-96ED-F70889750719}"/>
+                  </a:ext>
+                </a:extLst>
+              </p:cNvPr>
+              <p:cNvPicPr/>
+              <p:nvPr/>
+            </p:nvPicPr>
+            <p:blipFill>
+              <a:blip r:embed="rId3"/>
+              <a:stretch>
+                <a:fillRect/>
+              </a:stretch>
+            </p:blipFill>
+            <p:spPr>
+              <a:xfrm>
+                <a:off x="347760" y="1462320"/>
+                <a:ext cx="2529000" cy="4076640"/>
+              </a:xfrm>
+              <a:prstGeom prst="rect">
+                <a:avLst/>
+              </a:prstGeom>
+            </p:spPr>
+          </p:pic>
+        </mc:Fallback>
+      </mc:AlternateContent>
     </p:spTree>
     <p:extLst>
       <p:ext uri="{BB962C8B-B14F-4D97-AF65-F5344CB8AC3E}">
@@ -6227,7 +6341,7 @@
           <a:p>
             <a:r>
               <a:rPr lang="en-US" dirty="0"/>
-              <a:t>Design-time burden: validate hypothesis</a:t>
+              <a:t>Design-time burden: validate synchrony hypothesis</a:t>
             </a:r>
           </a:p>
           <a:p>
@@ -6323,8 +6437,8 @@
           <a:chExt cx="0" cy="0"/>
         </a:xfrm>
       </p:grpSpPr>
-      <mc:AlternateContent xmlns:mc="http://schemas.openxmlformats.org/markup-compatibility/2006" xmlns:a14="http://schemas.microsoft.com/office/drawing/2010/main">
-        <mc:Choice Requires="a14">
+      <mc:AlternateContent xmlns:mc="http://schemas.openxmlformats.org/markup-compatibility/2006">
+        <mc:Choice xmlns:a14="http://schemas.microsoft.com/office/drawing/2010/main" Requires="a14">
           <p:sp>
             <p:nvSpPr>
               <p:cNvPr id="2" name="Content Placeholder 1">
@@ -6353,7 +6467,7 @@
               <a:p>
                 <a:r>
                   <a:rPr lang="en-US" dirty="0"/>
-                  <a:t>SRC is defined as a tuple: </a:t>
+                  <a:t>Synch. comp. is a tuple: </a:t>
                 </a:r>
                 <a14:m>
                   <m:oMath xmlns:m="http://schemas.openxmlformats.org/officeDocument/2006/math">
@@ -6421,7 +6535,7 @@
             </p:txBody>
           </p:sp>
         </mc:Choice>
-        <mc:Fallback xmlns="">
+        <mc:Fallback>
           <p:sp>
             <p:nvSpPr>
               <p:cNvPr id="2" name="Content Placeholder 1">
@@ -6488,7 +6602,7 @@
           <a:p>
             <a:r>
               <a:rPr lang="en-US" dirty="0"/>
-              <a:t>Let’s Formalize an SRC</a:t>
+              <a:t>Formalization of synchronous comp.</a:t>
             </a:r>
           </a:p>
         </p:txBody>
@@ -8235,8 +8349,8 @@
           <a:chExt cx="0" cy="0"/>
         </a:xfrm>
       </p:grpSpPr>
-      <mc:AlternateContent xmlns:mc="http://schemas.openxmlformats.org/markup-compatibility/2006" xmlns:a14="http://schemas.microsoft.com/office/drawing/2010/main">
-        <mc:Choice Requires="a14">
+      <mc:AlternateContent xmlns:mc="http://schemas.openxmlformats.org/markup-compatibility/2006">
+        <mc:Choice xmlns:a14="http://schemas.microsoft.com/office/drawing/2010/main" Requires="a14">
           <p:sp>
             <p:nvSpPr>
               <p:cNvPr id="2" name="Content Placeholder 1">
@@ -8501,13 +8615,10 @@
                       </m:sSupPr>
                       <m:e>
                         <m:r>
-                          <m:rPr>
-                            <m:sty m:val="p"/>
-                          </m:rPr>
-                          <a:rPr lang="en-US" sz="2400" b="0" i="0" smtClean="0">
+                          <a:rPr lang="en-US" sz="2400" b="0" i="1" smtClean="0">
                             <a:latin typeface="Cambria Math" panose="02040503050406030204" pitchFamily="18" charset="0"/>
                           </a:rPr>
-                          <m:t>q</m:t>
+                          <m:t>𝑞</m:t>
                         </m:r>
                       </m:e>
                       <m:sup>
@@ -8738,7 +8849,7 @@
             </p:txBody>
           </p:sp>
         </mc:Choice>
-        <mc:Fallback xmlns="">
+        <mc:Fallback>
           <p:sp>
             <p:nvSpPr>
               <p:cNvPr id="2" name="Content Placeholder 1">
@@ -8870,8 +8981,8 @@
           <a:chExt cx="0" cy="0"/>
         </a:xfrm>
       </p:grpSpPr>
-      <mc:AlternateContent xmlns:mc="http://schemas.openxmlformats.org/markup-compatibility/2006" xmlns:a14="http://schemas.microsoft.com/office/drawing/2010/main">
-        <mc:Choice Requires="a14">
+      <mc:AlternateContent xmlns:mc="http://schemas.openxmlformats.org/markup-compatibility/2006">
+        <mc:Choice xmlns:a14="http://schemas.microsoft.com/office/drawing/2010/main" Requires="a14">
           <p:sp>
             <p:nvSpPr>
               <p:cNvPr id="3" name="Title 2">
@@ -8990,13 +9101,13 @@
                 </a14:m>
                 <a:r>
                   <a:rPr lang="en-US" dirty="0"/>
-                  <a:t> for these SRCs?</a:t>
+                  <a:t> for these components?</a:t>
                 </a:r>
               </a:p>
             </p:txBody>
           </p:sp>
         </mc:Choice>
-        <mc:Fallback xmlns="">
+        <mc:Fallback>
           <p:sp>
             <p:nvSpPr>
               <p:cNvPr id="3" name="Title 2">
@@ -9017,7 +9128,7 @@
               <a:blipFill>
                 <a:blip r:embed="rId3"/>
                 <a:stretch>
-                  <a:fillRect l="-2232" t="-19685" b="-32283"/>
+                  <a:fillRect l="-2289" t="-18750" r="-2233" b="-32031"/>
                 </a:stretch>
               </a:blipFill>
             </p:spPr>
@@ -10592,7 +10703,7 @@
           <a:p>
             <a:r>
               <a:rPr lang="en-US" dirty="0"/>
-              <a:t>Most popular paradigm in CPS software development</a:t>
+              <a:t>Most popular paradigm for principled software development in CPS</a:t>
             </a:r>
           </a:p>
           <a:p>
@@ -10642,7 +10753,7 @@
             </a:pPr>
             <a:r>
               <a:rPr lang="en-US" dirty="0"/>
-              <a:t>Co-Simulate the plant and control-software</a:t>
+              <a:t>Co-Simulate the plant and control-software for testing/analysis</a:t>
             </a:r>
           </a:p>
           <a:p>
@@ -10690,7 +10801,7 @@
             </a:r>
             <a:r>
               <a:rPr lang="en-US" dirty="0"/>
-              <a:t>, etc. </a:t>
+              <a:t>, Python etc. </a:t>
             </a:r>
           </a:p>
           <a:p>
@@ -11665,6 +11776,456 @@
           </p:sp>
         </mc:Fallback>
       </mc:AlternateContent>
+      <mc:AlternateContent xmlns:mc="http://schemas.openxmlformats.org/markup-compatibility/2006">
+        <mc:Choice xmlns:p14="http://schemas.microsoft.com/office/powerpoint/2010/main" Requires="p14">
+          <p:contentPart p14:bwMode="auto" r:id="rId4">
+            <p14:nvContentPartPr>
+              <p14:cNvPr id="5" name="Ink 4">
+                <a:extLst>
+                  <a:ext uri="{FF2B5EF4-FFF2-40B4-BE49-F238E27FC236}">
+                    <a16:creationId xmlns:a16="http://schemas.microsoft.com/office/drawing/2014/main" id="{462DBFDD-ECA8-E5FE-1427-DE9F0D1FAC5F}"/>
+                  </a:ext>
+                </a:extLst>
+              </p14:cNvPr>
+              <p14:cNvContentPartPr/>
+              <p14:nvPr/>
+            </p14:nvContentPartPr>
+            <p14:xfrm>
+              <a:off x="6905547" y="3316218"/>
+              <a:ext cx="360" cy="360"/>
+            </p14:xfrm>
+          </p:contentPart>
+        </mc:Choice>
+        <mc:Fallback>
+          <p:pic>
+            <p:nvPicPr>
+              <p:cNvPr id="5" name="Ink 4">
+                <a:extLst>
+                  <a:ext uri="{FF2B5EF4-FFF2-40B4-BE49-F238E27FC236}">
+                    <a16:creationId xmlns:a16="http://schemas.microsoft.com/office/drawing/2014/main" id="{462DBFDD-ECA8-E5FE-1427-DE9F0D1FAC5F}"/>
+                  </a:ext>
+                </a:extLst>
+              </p:cNvPr>
+              <p:cNvPicPr/>
+              <p:nvPr/>
+            </p:nvPicPr>
+            <p:blipFill>
+              <a:blip r:embed="rId5"/>
+              <a:stretch>
+                <a:fillRect/>
+              </a:stretch>
+            </p:blipFill>
+            <p:spPr>
+              <a:xfrm>
+                <a:off x="6896547" y="3307578"/>
+                <a:ext cx="18000" cy="18000"/>
+              </a:xfrm>
+              <a:prstGeom prst="rect">
+                <a:avLst/>
+              </a:prstGeom>
+            </p:spPr>
+          </p:pic>
+        </mc:Fallback>
+      </mc:AlternateContent>
+      <p:grpSp>
+        <p:nvGrpSpPr>
+          <p:cNvPr id="11" name="Group 10">
+            <a:extLst>
+              <a:ext uri="{FF2B5EF4-FFF2-40B4-BE49-F238E27FC236}">
+                <a16:creationId xmlns:a16="http://schemas.microsoft.com/office/drawing/2014/main" id="{9F7DDF0F-0BB0-F2F3-AC2E-7074015B89D0}"/>
+              </a:ext>
+            </a:extLst>
+          </p:cNvPr>
+          <p:cNvGrpSpPr/>
+          <p:nvPr/>
+        </p:nvGrpSpPr>
+        <p:grpSpPr>
+          <a:xfrm>
+            <a:off x="6686307" y="2393538"/>
+            <a:ext cx="902520" cy="896400"/>
+            <a:chOff x="6686307" y="2393538"/>
+            <a:chExt cx="902520" cy="896400"/>
+          </a:xfrm>
+        </p:grpSpPr>
+        <mc:AlternateContent xmlns:mc="http://schemas.openxmlformats.org/markup-compatibility/2006">
+          <mc:Choice xmlns:p14="http://schemas.microsoft.com/office/powerpoint/2010/main" Requires="p14">
+            <p:contentPart p14:bwMode="auto" r:id="rId6">
+              <p14:nvContentPartPr>
+                <p14:cNvPr id="7" name="Ink 6">
+                  <a:extLst>
+                    <a:ext uri="{FF2B5EF4-FFF2-40B4-BE49-F238E27FC236}">
+                      <a16:creationId xmlns:a16="http://schemas.microsoft.com/office/drawing/2014/main" id="{1599A5C5-6AA5-8D63-F961-05349B8E49A1}"/>
+                    </a:ext>
+                  </a:extLst>
+                </p14:cNvPr>
+                <p14:cNvContentPartPr/>
+                <p14:nvPr/>
+              </p14:nvContentPartPr>
+              <p14:xfrm>
+                <a:off x="6686307" y="2754618"/>
+                <a:ext cx="439200" cy="535320"/>
+              </p14:xfrm>
+            </p:contentPart>
+          </mc:Choice>
+          <mc:Fallback>
+            <p:pic>
+              <p:nvPicPr>
+                <p:cNvPr id="7" name="Ink 6">
+                  <a:extLst>
+                    <a:ext uri="{FF2B5EF4-FFF2-40B4-BE49-F238E27FC236}">
+                      <a16:creationId xmlns:a16="http://schemas.microsoft.com/office/drawing/2014/main" id="{1599A5C5-6AA5-8D63-F961-05349B8E49A1}"/>
+                    </a:ext>
+                  </a:extLst>
+                </p:cNvPr>
+                <p:cNvPicPr/>
+                <p:nvPr/>
+              </p:nvPicPr>
+              <p:blipFill>
+                <a:blip r:embed="rId7"/>
+                <a:stretch>
+                  <a:fillRect/>
+                </a:stretch>
+              </p:blipFill>
+              <p:spPr>
+                <a:xfrm>
+                  <a:off x="6677667" y="2745978"/>
+                  <a:ext cx="456840" cy="552960"/>
+                </a:xfrm>
+                <a:prstGeom prst="rect">
+                  <a:avLst/>
+                </a:prstGeom>
+              </p:spPr>
+            </p:pic>
+          </mc:Fallback>
+        </mc:AlternateContent>
+        <mc:AlternateContent xmlns:mc="http://schemas.openxmlformats.org/markup-compatibility/2006">
+          <mc:Choice xmlns:p14="http://schemas.microsoft.com/office/powerpoint/2010/main" Requires="p14">
+            <p:contentPart p14:bwMode="auto" r:id="rId8">
+              <p14:nvContentPartPr>
+                <p14:cNvPr id="8" name="Ink 7">
+                  <a:extLst>
+                    <a:ext uri="{FF2B5EF4-FFF2-40B4-BE49-F238E27FC236}">
+                      <a16:creationId xmlns:a16="http://schemas.microsoft.com/office/drawing/2014/main" id="{C1085DE5-5315-8FD1-587F-8CE5F6DCB4D8}"/>
+                    </a:ext>
+                  </a:extLst>
+                </p14:cNvPr>
+                <p14:cNvContentPartPr/>
+                <p14:nvPr/>
+              </p14:nvContentPartPr>
+              <p14:xfrm>
+                <a:off x="6912027" y="2393538"/>
+                <a:ext cx="567360" cy="329400"/>
+              </p14:xfrm>
+            </p:contentPart>
+          </mc:Choice>
+          <mc:Fallback>
+            <p:pic>
+              <p:nvPicPr>
+                <p:cNvPr id="8" name="Ink 7">
+                  <a:extLst>
+                    <a:ext uri="{FF2B5EF4-FFF2-40B4-BE49-F238E27FC236}">
+                      <a16:creationId xmlns:a16="http://schemas.microsoft.com/office/drawing/2014/main" id="{C1085DE5-5315-8FD1-587F-8CE5F6DCB4D8}"/>
+                    </a:ext>
+                  </a:extLst>
+                </p:cNvPr>
+                <p:cNvPicPr/>
+                <p:nvPr/>
+              </p:nvPicPr>
+              <p:blipFill>
+                <a:blip r:embed="rId9"/>
+                <a:stretch>
+                  <a:fillRect/>
+                </a:stretch>
+              </p:blipFill>
+              <p:spPr>
+                <a:xfrm>
+                  <a:off x="6903027" y="2384898"/>
+                  <a:ext cx="585000" cy="347040"/>
+                </a:xfrm>
+                <a:prstGeom prst="rect">
+                  <a:avLst/>
+                </a:prstGeom>
+              </p:spPr>
+            </p:pic>
+          </mc:Fallback>
+        </mc:AlternateContent>
+        <mc:AlternateContent xmlns:mc="http://schemas.openxmlformats.org/markup-compatibility/2006">
+          <mc:Choice xmlns:p14="http://schemas.microsoft.com/office/powerpoint/2010/main" Requires="p14">
+            <p:contentPart p14:bwMode="auto" r:id="rId10">
+              <p14:nvContentPartPr>
+                <p14:cNvPr id="10" name="Ink 9">
+                  <a:extLst>
+                    <a:ext uri="{FF2B5EF4-FFF2-40B4-BE49-F238E27FC236}">
+                      <a16:creationId xmlns:a16="http://schemas.microsoft.com/office/drawing/2014/main" id="{6C703F8D-70E7-97CC-E880-FE5D8F59DB2F}"/>
+                    </a:ext>
+                  </a:extLst>
+                </p14:cNvPr>
+                <p14:cNvContentPartPr/>
+                <p14:nvPr/>
+              </p14:nvContentPartPr>
+              <p14:xfrm>
+                <a:off x="7369587" y="2580378"/>
+                <a:ext cx="219240" cy="143280"/>
+              </p14:xfrm>
+            </p:contentPart>
+          </mc:Choice>
+          <mc:Fallback>
+            <p:pic>
+              <p:nvPicPr>
+                <p:cNvPr id="10" name="Ink 9">
+                  <a:extLst>
+                    <a:ext uri="{FF2B5EF4-FFF2-40B4-BE49-F238E27FC236}">
+                      <a16:creationId xmlns:a16="http://schemas.microsoft.com/office/drawing/2014/main" id="{6C703F8D-70E7-97CC-E880-FE5D8F59DB2F}"/>
+                    </a:ext>
+                  </a:extLst>
+                </p:cNvPr>
+                <p:cNvPicPr/>
+                <p:nvPr/>
+              </p:nvPicPr>
+              <p:blipFill>
+                <a:blip r:embed="rId11"/>
+                <a:stretch>
+                  <a:fillRect/>
+                </a:stretch>
+              </p:blipFill>
+              <p:spPr>
+                <a:xfrm>
+                  <a:off x="7360947" y="2571378"/>
+                  <a:ext cx="236880" cy="160920"/>
+                </a:xfrm>
+                <a:prstGeom prst="rect">
+                  <a:avLst/>
+                </a:prstGeom>
+              </p:spPr>
+            </p:pic>
+          </mc:Fallback>
+        </mc:AlternateContent>
+      </p:grpSp>
+      <p:grpSp>
+        <p:nvGrpSpPr>
+          <p:cNvPr id="27" name="Group 26">
+            <a:extLst>
+              <a:ext uri="{FF2B5EF4-FFF2-40B4-BE49-F238E27FC236}">
+                <a16:creationId xmlns:a16="http://schemas.microsoft.com/office/drawing/2014/main" id="{A32ADB99-6943-9228-E0F4-2702DB9EDBF4}"/>
+              </a:ext>
+            </a:extLst>
+          </p:cNvPr>
+          <p:cNvGrpSpPr/>
+          <p:nvPr/>
+        </p:nvGrpSpPr>
+        <p:grpSpPr>
+          <a:xfrm>
+            <a:off x="6980067" y="3525738"/>
+            <a:ext cx="948600" cy="555840"/>
+            <a:chOff x="6980067" y="3525738"/>
+            <a:chExt cx="948600" cy="555840"/>
+          </a:xfrm>
+        </p:grpSpPr>
+        <mc:AlternateContent xmlns:mc="http://schemas.openxmlformats.org/markup-compatibility/2006">
+          <mc:Choice xmlns:p14="http://schemas.microsoft.com/office/powerpoint/2010/main" Requires="p14">
+            <p:contentPart p14:bwMode="auto" r:id="rId12">
+              <p14:nvContentPartPr>
+                <p14:cNvPr id="13" name="Ink 12">
+                  <a:extLst>
+                    <a:ext uri="{FF2B5EF4-FFF2-40B4-BE49-F238E27FC236}">
+                      <a16:creationId xmlns:a16="http://schemas.microsoft.com/office/drawing/2014/main" id="{1C86C778-68B7-02D0-0BDE-9B74E55FAAD1}"/>
+                    </a:ext>
+                  </a:extLst>
+                </p14:cNvPr>
+                <p14:cNvContentPartPr/>
+                <p14:nvPr/>
+              </p14:nvContentPartPr>
+              <p14:xfrm>
+                <a:off x="6980067" y="3704298"/>
+                <a:ext cx="336240" cy="377280"/>
+              </p14:xfrm>
+            </p:contentPart>
+          </mc:Choice>
+          <mc:Fallback>
+            <p:pic>
+              <p:nvPicPr>
+                <p:cNvPr id="13" name="Ink 12">
+                  <a:extLst>
+                    <a:ext uri="{FF2B5EF4-FFF2-40B4-BE49-F238E27FC236}">
+                      <a16:creationId xmlns:a16="http://schemas.microsoft.com/office/drawing/2014/main" id="{1C86C778-68B7-02D0-0BDE-9B74E55FAAD1}"/>
+                    </a:ext>
+                  </a:extLst>
+                </p:cNvPr>
+                <p:cNvPicPr/>
+                <p:nvPr/>
+              </p:nvPicPr>
+              <p:blipFill>
+                <a:blip r:embed="rId13"/>
+                <a:stretch>
+                  <a:fillRect/>
+                </a:stretch>
+              </p:blipFill>
+              <p:spPr>
+                <a:xfrm>
+                  <a:off x="6971427" y="3695298"/>
+                  <a:ext cx="353880" cy="394920"/>
+                </a:xfrm>
+                <a:prstGeom prst="rect">
+                  <a:avLst/>
+                </a:prstGeom>
+              </p:spPr>
+            </p:pic>
+          </mc:Fallback>
+        </mc:AlternateContent>
+        <mc:AlternateContent xmlns:mc="http://schemas.openxmlformats.org/markup-compatibility/2006">
+          <mc:Choice xmlns:p14="http://schemas.microsoft.com/office/powerpoint/2010/main" Requires="p14">
+            <p:contentPart p14:bwMode="auto" r:id="rId14">
+              <p14:nvContentPartPr>
+                <p14:cNvPr id="14" name="Ink 13">
+                  <a:extLst>
+                    <a:ext uri="{FF2B5EF4-FFF2-40B4-BE49-F238E27FC236}">
+                      <a16:creationId xmlns:a16="http://schemas.microsoft.com/office/drawing/2014/main" id="{2C31F2B6-F025-8504-5B8F-E63000FE4C6A}"/>
+                    </a:ext>
+                  </a:extLst>
+                </p14:cNvPr>
+                <p14:cNvContentPartPr/>
+                <p14:nvPr/>
+              </p14:nvContentPartPr>
+              <p14:xfrm>
+                <a:off x="7103547" y="3525738"/>
+                <a:ext cx="712080" cy="381240"/>
+              </p14:xfrm>
+            </p:contentPart>
+          </mc:Choice>
+          <mc:Fallback>
+            <p:pic>
+              <p:nvPicPr>
+                <p:cNvPr id="14" name="Ink 13">
+                  <a:extLst>
+                    <a:ext uri="{FF2B5EF4-FFF2-40B4-BE49-F238E27FC236}">
+                      <a16:creationId xmlns:a16="http://schemas.microsoft.com/office/drawing/2014/main" id="{2C31F2B6-F025-8504-5B8F-E63000FE4C6A}"/>
+                    </a:ext>
+                  </a:extLst>
+                </p:cNvPr>
+                <p:cNvPicPr/>
+                <p:nvPr/>
+              </p:nvPicPr>
+              <p:blipFill>
+                <a:blip r:embed="rId15"/>
+                <a:stretch>
+                  <a:fillRect/>
+                </a:stretch>
+              </p:blipFill>
+              <p:spPr>
+                <a:xfrm>
+                  <a:off x="7094547" y="3517098"/>
+                  <a:ext cx="729720" cy="398880"/>
+                </a:xfrm>
+                <a:prstGeom prst="rect">
+                  <a:avLst/>
+                </a:prstGeom>
+              </p:spPr>
+            </p:pic>
+          </mc:Fallback>
+        </mc:AlternateContent>
+        <mc:AlternateContent xmlns:mc="http://schemas.openxmlformats.org/markup-compatibility/2006">
+          <mc:Choice xmlns:p14="http://schemas.microsoft.com/office/powerpoint/2010/main" Requires="p14">
+            <p:contentPart p14:bwMode="auto" r:id="rId16">
+              <p14:nvContentPartPr>
+                <p14:cNvPr id="26" name="Ink 25">
+                  <a:extLst>
+                    <a:ext uri="{FF2B5EF4-FFF2-40B4-BE49-F238E27FC236}">
+                      <a16:creationId xmlns:a16="http://schemas.microsoft.com/office/drawing/2014/main" id="{B315945D-92B8-0DD5-98AA-9DF8D7B9C742}"/>
+                    </a:ext>
+                  </a:extLst>
+                </p14:cNvPr>
+                <p14:cNvContentPartPr/>
+                <p14:nvPr/>
+              </p14:nvContentPartPr>
+              <p14:xfrm>
+                <a:off x="7758387" y="3805818"/>
+                <a:ext cx="170280" cy="156240"/>
+              </p14:xfrm>
+            </p:contentPart>
+          </mc:Choice>
+          <mc:Fallback>
+            <p:pic>
+              <p:nvPicPr>
+                <p:cNvPr id="26" name="Ink 25">
+                  <a:extLst>
+                    <a:ext uri="{FF2B5EF4-FFF2-40B4-BE49-F238E27FC236}">
+                      <a16:creationId xmlns:a16="http://schemas.microsoft.com/office/drawing/2014/main" id="{B315945D-92B8-0DD5-98AA-9DF8D7B9C742}"/>
+                    </a:ext>
+                  </a:extLst>
+                </p:cNvPr>
+                <p:cNvPicPr/>
+                <p:nvPr/>
+              </p:nvPicPr>
+              <p:blipFill>
+                <a:blip r:embed="rId17"/>
+                <a:stretch>
+                  <a:fillRect/>
+                </a:stretch>
+              </p:blipFill>
+              <p:spPr>
+                <a:xfrm>
+                  <a:off x="7749747" y="3797178"/>
+                  <a:ext cx="187920" cy="173880"/>
+                </a:xfrm>
+                <a:prstGeom prst="rect">
+                  <a:avLst/>
+                </a:prstGeom>
+              </p:spPr>
+            </p:pic>
+          </mc:Fallback>
+        </mc:AlternateContent>
+      </p:grpSp>
+      <mc:AlternateContent xmlns:mc="http://schemas.openxmlformats.org/markup-compatibility/2006">
+        <mc:Choice xmlns:p14="http://schemas.microsoft.com/office/powerpoint/2010/main" Requires="p14">
+          <p:contentPart p14:bwMode="auto" r:id="rId18">
+            <p14:nvContentPartPr>
+              <p14:cNvPr id="28" name="Ink 27">
+                <a:extLst>
+                  <a:ext uri="{FF2B5EF4-FFF2-40B4-BE49-F238E27FC236}">
+                    <a16:creationId xmlns:a16="http://schemas.microsoft.com/office/drawing/2014/main" id="{80793C21-8D84-BEFC-4640-EE59D1940884}"/>
+                  </a:ext>
+                </a:extLst>
+              </p14:cNvPr>
+              <p14:cNvContentPartPr/>
+              <p14:nvPr/>
+            </p14:nvContentPartPr>
+            <p14:xfrm>
+              <a:off x="11627667" y="5151858"/>
+              <a:ext cx="360" cy="360"/>
+            </p14:xfrm>
+          </p:contentPart>
+        </mc:Choice>
+        <mc:Fallback>
+          <p:pic>
+            <p:nvPicPr>
+              <p:cNvPr id="28" name="Ink 27">
+                <a:extLst>
+                  <a:ext uri="{FF2B5EF4-FFF2-40B4-BE49-F238E27FC236}">
+                    <a16:creationId xmlns:a16="http://schemas.microsoft.com/office/drawing/2014/main" id="{80793C21-8D84-BEFC-4640-EE59D1940884}"/>
+                  </a:ext>
+                </a:extLst>
+              </p:cNvPr>
+              <p:cNvPicPr/>
+              <p:nvPr/>
+            </p:nvPicPr>
+            <p:blipFill>
+              <a:blip r:embed="rId19"/>
+              <a:stretch>
+                <a:fillRect/>
+              </a:stretch>
+            </p:blipFill>
+            <p:spPr>
+              <a:xfrm>
+                <a:off x="11618667" y="5143218"/>
+                <a:ext cx="18000" cy="18000"/>
+              </a:xfrm>
+              <a:prstGeom prst="rect">
+                <a:avLst/>
+              </a:prstGeom>
+            </p:spPr>
+          </p:pic>
+        </mc:Fallback>
+      </mc:AlternateContent>
     </p:spTree>
     <p:extLst>
       <p:ext uri="{BB962C8B-B14F-4D97-AF65-F5344CB8AC3E}">
@@ -11675,6 +12236,126 @@
   <p:clrMapOvr>
     <a:masterClrMapping/>
   </p:clrMapOvr>
+  <p:timing>
+    <p:tnLst>
+      <p:par>
+        <p:cTn id="1" dur="indefinite" restart="never" nodeType="tmRoot">
+          <p:childTnLst>
+            <p:seq concurrent="1" nextAc="seek">
+              <p:cTn id="2" dur="indefinite" nodeType="mainSeq">
+                <p:childTnLst>
+                  <p:par>
+                    <p:cTn id="3" fill="hold">
+                      <p:stCondLst>
+                        <p:cond delay="indefinite"/>
+                      </p:stCondLst>
+                      <p:childTnLst>
+                        <p:par>
+                          <p:cTn id="4" fill="hold">
+                            <p:stCondLst>
+                              <p:cond delay="0"/>
+                            </p:stCondLst>
+                            <p:childTnLst>
+                              <p:par>
+                                <p:cTn id="5" presetID="1" presetClass="entr" presetSubtype="0" fill="hold" nodeType="clickEffect">
+                                  <p:stCondLst>
+                                    <p:cond delay="0"/>
+                                  </p:stCondLst>
+                                  <p:childTnLst>
+                                    <p:set>
+                                      <p:cBhvr>
+                                        <p:cTn id="6" dur="1" fill="hold">
+                                          <p:stCondLst>
+                                            <p:cond delay="0"/>
+                                          </p:stCondLst>
+                                        </p:cTn>
+                                        <p:tgtEl>
+                                          <p:spTgt spid="11"/>
+                                        </p:tgtEl>
+                                        <p:attrNameLst>
+                                          <p:attrName>style.visibility</p:attrName>
+                                        </p:attrNameLst>
+                                      </p:cBhvr>
+                                      <p:to>
+                                        <p:strVal val="visible"/>
+                                      </p:to>
+                                    </p:set>
+                                  </p:childTnLst>
+                                </p:cTn>
+                              </p:par>
+                            </p:childTnLst>
+                          </p:cTn>
+                        </p:par>
+                      </p:childTnLst>
+                    </p:cTn>
+                  </p:par>
+                  <p:par>
+                    <p:cTn id="7" fill="hold">
+                      <p:stCondLst>
+                        <p:cond delay="indefinite"/>
+                      </p:stCondLst>
+                      <p:childTnLst>
+                        <p:par>
+                          <p:cTn id="8" fill="hold">
+                            <p:stCondLst>
+                              <p:cond delay="0"/>
+                            </p:stCondLst>
+                            <p:childTnLst>
+                              <p:par>
+                                <p:cTn id="9" presetID="1" presetClass="entr" presetSubtype="0" fill="hold" nodeType="clickEffect">
+                                  <p:stCondLst>
+                                    <p:cond delay="0"/>
+                                  </p:stCondLst>
+                                  <p:childTnLst>
+                                    <p:set>
+                                      <p:cBhvr>
+                                        <p:cTn id="10" dur="1" fill="hold">
+                                          <p:stCondLst>
+                                            <p:cond delay="0"/>
+                                          </p:stCondLst>
+                                        </p:cTn>
+                                        <p:tgtEl>
+                                          <p:spTgt spid="27"/>
+                                        </p:tgtEl>
+                                        <p:attrNameLst>
+                                          <p:attrName>style.visibility</p:attrName>
+                                        </p:attrNameLst>
+                                      </p:cBhvr>
+                                      <p:to>
+                                        <p:strVal val="visible"/>
+                                      </p:to>
+                                    </p:set>
+                                  </p:childTnLst>
+                                </p:cTn>
+                              </p:par>
+                            </p:childTnLst>
+                          </p:cTn>
+                        </p:par>
+                      </p:childTnLst>
+                    </p:cTn>
+                  </p:par>
+                </p:childTnLst>
+              </p:cTn>
+              <p:prevCondLst>
+                <p:cond evt="onPrev" delay="0">
+                  <p:tgtEl>
+                    <p:sldTgt/>
+                  </p:tgtEl>
+                </p:cond>
+              </p:prevCondLst>
+              <p:nextCondLst>
+                <p:cond evt="onNext" delay="0">
+                  <p:tgtEl>
+                    <p:sldTgt/>
+                  </p:tgtEl>
+                </p:cond>
+              </p:nextCondLst>
+            </p:seq>
+          </p:childTnLst>
+        </p:cTn>
+      </p:par>
+    </p:tnLst>
+  </p:timing>
 </p:sld>
 </file>
 
@@ -16837,6 +17518,176 @@
   <p:clrMapOvr>
     <a:masterClrMapping/>
   </p:clrMapOvr>
+  <p:timing>
+    <p:tnLst>
+      <p:par>
+        <p:cTn id="1" dur="indefinite" restart="never" nodeType="tmRoot">
+          <p:childTnLst>
+            <p:seq concurrent="1" nextAc="seek">
+              <p:cTn id="2" dur="indefinite" nodeType="mainSeq">
+                <p:childTnLst>
+                  <p:par>
+                    <p:cTn id="3" fill="hold">
+                      <p:stCondLst>
+                        <p:cond delay="indefinite"/>
+                      </p:stCondLst>
+                      <p:childTnLst>
+                        <p:par>
+                          <p:cTn id="4" fill="hold">
+                            <p:stCondLst>
+                              <p:cond delay="0"/>
+                            </p:stCondLst>
+                            <p:childTnLst>
+                              <p:par>
+                                <p:cTn id="5" presetID="1" presetClass="entr" presetSubtype="0" fill="hold" grpId="0" nodeType="clickEffect">
+                                  <p:stCondLst>
+                                    <p:cond delay="0"/>
+                                  </p:stCondLst>
+                                  <p:childTnLst>
+                                    <p:set>
+                                      <p:cBhvr>
+                                        <p:cTn id="6" dur="1" fill="hold">
+                                          <p:stCondLst>
+                                            <p:cond delay="0"/>
+                                          </p:stCondLst>
+                                        </p:cTn>
+                                        <p:tgtEl>
+                                          <p:spTgt spid="2"/>
+                                        </p:tgtEl>
+                                        <p:attrNameLst>
+                                          <p:attrName>style.visibility</p:attrName>
+                                        </p:attrNameLst>
+                                      </p:cBhvr>
+                                      <p:to>
+                                        <p:strVal val="visible"/>
+                                      </p:to>
+                                    </p:set>
+                                  </p:childTnLst>
+                                </p:cTn>
+                              </p:par>
+                            </p:childTnLst>
+                          </p:cTn>
+                        </p:par>
+                      </p:childTnLst>
+                    </p:cTn>
+                  </p:par>
+                  <p:par>
+                    <p:cTn id="7" fill="hold">
+                      <p:stCondLst>
+                        <p:cond delay="indefinite"/>
+                      </p:stCondLst>
+                      <p:childTnLst>
+                        <p:par>
+                          <p:cTn id="8" fill="hold">
+                            <p:stCondLst>
+                              <p:cond delay="0"/>
+                            </p:stCondLst>
+                            <p:childTnLst>
+                              <p:par>
+                                <p:cTn id="9" presetID="1" presetClass="entr" presetSubtype="0" fill="hold" grpId="0" nodeType="clickEffect">
+                                  <p:stCondLst>
+                                    <p:cond delay="0"/>
+                                  </p:stCondLst>
+                                  <p:childTnLst>
+                                    <p:set>
+                                      <p:cBhvr>
+                                        <p:cTn id="10" dur="1" fill="hold">
+                                          <p:stCondLst>
+                                            <p:cond delay="0"/>
+                                          </p:stCondLst>
+                                        </p:cTn>
+                                        <p:tgtEl>
+                                          <p:spTgt spid="6"/>
+                                        </p:tgtEl>
+                                        <p:attrNameLst>
+                                          <p:attrName>style.visibility</p:attrName>
+                                        </p:attrNameLst>
+                                      </p:cBhvr>
+                                      <p:to>
+                                        <p:strVal val="visible"/>
+                                      </p:to>
+                                    </p:set>
+                                  </p:childTnLst>
+                                </p:cTn>
+                              </p:par>
+                            </p:childTnLst>
+                          </p:cTn>
+                        </p:par>
+                      </p:childTnLst>
+                    </p:cTn>
+                  </p:par>
+                  <p:par>
+                    <p:cTn id="11" fill="hold">
+                      <p:stCondLst>
+                        <p:cond delay="indefinite"/>
+                      </p:stCondLst>
+                      <p:childTnLst>
+                        <p:par>
+                          <p:cTn id="12" fill="hold">
+                            <p:stCondLst>
+                              <p:cond delay="0"/>
+                            </p:stCondLst>
+                            <p:childTnLst>
+                              <p:par>
+                                <p:cTn id="13" presetID="1" presetClass="entr" presetSubtype="0" fill="hold" grpId="0" nodeType="clickEffect">
+                                  <p:stCondLst>
+                                    <p:cond delay="0"/>
+                                  </p:stCondLst>
+                                  <p:childTnLst>
+                                    <p:set>
+                                      <p:cBhvr>
+                                        <p:cTn id="14" dur="1" fill="hold">
+                                          <p:stCondLst>
+                                            <p:cond delay="0"/>
+                                          </p:stCondLst>
+                                        </p:cTn>
+                                        <p:tgtEl>
+                                          <p:spTgt spid="7"/>
+                                        </p:tgtEl>
+                                        <p:attrNameLst>
+                                          <p:attrName>style.visibility</p:attrName>
+                                        </p:attrNameLst>
+                                      </p:cBhvr>
+                                      <p:to>
+                                        <p:strVal val="visible"/>
+                                      </p:to>
+                                    </p:set>
+                                  </p:childTnLst>
+                                </p:cTn>
+                              </p:par>
+                            </p:childTnLst>
+                          </p:cTn>
+                        </p:par>
+                      </p:childTnLst>
+                    </p:cTn>
+                  </p:par>
+                </p:childTnLst>
+              </p:cTn>
+              <p:prevCondLst>
+                <p:cond evt="onPrev" delay="0">
+                  <p:tgtEl>
+                    <p:sldTgt/>
+                  </p:tgtEl>
+                </p:cond>
+              </p:prevCondLst>
+              <p:nextCondLst>
+                <p:cond evt="onNext" delay="0">
+                  <p:tgtEl>
+                    <p:sldTgt/>
+                  </p:tgtEl>
+                </p:cond>
+              </p:nextCondLst>
+            </p:seq>
+          </p:childTnLst>
+        </p:cTn>
+      </p:par>
+    </p:tnLst>
+    <p:bldLst>
+      <p:bldP spid="2" grpId="0"/>
+      <p:bldP spid="6" grpId="0"/>
+      <p:bldP spid="7" grpId="0"/>
+    </p:bldLst>
+  </p:timing>
 </p:sld>
 </file>
 
@@ -17953,8 +18804,8 @@
           <a:chExt cx="0" cy="0"/>
         </a:xfrm>
       </p:grpSpPr>
-      <mc:AlternateContent xmlns:mc="http://schemas.openxmlformats.org/markup-compatibility/2006" xmlns:a14="http://schemas.microsoft.com/office/drawing/2010/main">
-        <mc:Choice Requires="a14">
+      <mc:AlternateContent xmlns:mc="http://schemas.openxmlformats.org/markup-compatibility/2006">
+        <mc:Choice xmlns:a14="http://schemas.microsoft.com/office/drawing/2010/main" Requires="a14">
           <p:sp>
             <p:nvSpPr>
               <p:cNvPr id="2" name="Content Placeholder 1">
@@ -18175,7 +19026,7 @@
             </p:txBody>
           </p:sp>
         </mc:Choice>
-        <mc:Fallback xmlns="">
+        <mc:Fallback>
           <p:sp>
             <p:nvSpPr>
               <p:cNvPr id="2" name="Content Placeholder 1">
@@ -18196,7 +19047,7 @@
               <a:blipFill>
                 <a:blip r:embed="rId2"/>
                 <a:stretch>
-                  <a:fillRect l="-625" t="-2384"/>
+                  <a:fillRect l="-625" t="-2065"/>
                 </a:stretch>
               </a:blipFill>
             </p:spPr>
@@ -21314,81 +22165,6 @@
   <p:clrMapOvr>
     <a:masterClrMapping/>
   </p:clrMapOvr>
-  <p:timing>
-    <p:tnLst>
-      <p:par>
-        <p:cTn id="1" dur="indefinite" restart="never" nodeType="tmRoot">
-          <p:childTnLst>
-            <p:seq concurrent="1" nextAc="seek">
-              <p:cTn id="2" dur="indefinite" nodeType="mainSeq">
-                <p:childTnLst>
-                  <p:par>
-                    <p:cTn id="3" fill="hold">
-                      <p:stCondLst>
-                        <p:cond delay="indefinite"/>
-                      </p:stCondLst>
-                      <p:childTnLst>
-                        <p:par>
-                          <p:cTn id="4" fill="hold">
-                            <p:stCondLst>
-                              <p:cond delay="0"/>
-                            </p:stCondLst>
-                            <p:childTnLst>
-                              <p:par>
-                                <p:cTn id="5" presetID="1" presetClass="entr" presetSubtype="0" fill="hold" nodeType="clickEffect">
-                                  <p:stCondLst>
-                                    <p:cond delay="0"/>
-                                  </p:stCondLst>
-                                  <p:childTnLst>
-                                    <p:set>
-                                      <p:cBhvr>
-                                        <p:cTn id="6" dur="1" fill="hold">
-                                          <p:stCondLst>
-                                            <p:cond delay="0"/>
-                                          </p:stCondLst>
-                                        </p:cTn>
-                                        <p:tgtEl>
-                                          <p:spTgt spid="4"/>
-                                        </p:tgtEl>
-                                        <p:attrNameLst>
-                                          <p:attrName>style.visibility</p:attrName>
-                                        </p:attrNameLst>
-                                      </p:cBhvr>
-                                      <p:to>
-                                        <p:strVal val="visible"/>
-                                      </p:to>
-                                    </p:set>
-                                  </p:childTnLst>
-                                </p:cTn>
-                              </p:par>
-                            </p:childTnLst>
-                          </p:cTn>
-                        </p:par>
-                      </p:childTnLst>
-                    </p:cTn>
-                  </p:par>
-                </p:childTnLst>
-              </p:cTn>
-              <p:prevCondLst>
-                <p:cond evt="onPrev" delay="0">
-                  <p:tgtEl>
-                    <p:sldTgt/>
-                  </p:tgtEl>
-                </p:cond>
-              </p:prevCondLst>
-              <p:nextCondLst>
-                <p:cond evt="onNext" delay="0">
-                  <p:tgtEl>
-                    <p:sldTgt/>
-                  </p:tgtEl>
-                </p:cond>
-              </p:nextCondLst>
-            </p:seq>
-          </p:childTnLst>
-        </p:cTn>
-      </p:par>
-    </p:tnLst>
-  </p:timing>
 </p:sld>
 </file>
 
@@ -22402,12 +23178,12 @@
         <p:spPr>
           <a:xfrm>
             <a:off x="4602768" y="1292763"/>
-            <a:ext cx="4988557" cy="1202312"/>
+            <a:ext cx="6143151" cy="1202312"/>
           </a:xfrm>
         </p:spPr>
         <p:txBody>
           <a:bodyPr>
-            <a:normAutofit lnSpcReduction="10000"/>
+            <a:normAutofit/>
           </a:bodyPr>
           <a:lstStyle/>
           <a:p>
@@ -29498,7 +30274,7 @@
             </a:r>
             <a:r>
               <a:rPr lang="en-US" dirty="0"/>
-              <a:t> SRC</a:t>
+              <a:t> Component</a:t>
             </a:r>
           </a:p>
         </p:txBody>
@@ -30331,6 +31107,196 @@
       </p:grpSpPr>
       <p:sp>
         <p:nvSpPr>
+          <p:cNvPr id="2" name="Content Placeholder 1">
+            <a:extLst>
+              <a:ext uri="{FF2B5EF4-FFF2-40B4-BE49-F238E27FC236}">
+                <a16:creationId xmlns:a16="http://schemas.microsoft.com/office/drawing/2014/main" id="{6C410763-9DDC-6B54-F74B-56FA1A039365}"/>
+              </a:ext>
+            </a:extLst>
+          </p:cNvPr>
+          <p:cNvSpPr>
+            <a:spLocks noGrp="1"/>
+          </p:cNvSpPr>
+          <p:nvPr>
+            <p:ph idx="1"/>
+          </p:nvPr>
+        </p:nvSpPr>
+        <p:spPr/>
+        <p:txBody>
+          <a:bodyPr>
+            <a:normAutofit/>
+          </a:bodyPr>
+          <a:lstStyle/>
+          <a:p>
+            <a:r>
+              <a:rPr lang="en-US" dirty="0"/>
+              <a:t>Slack channel: uscviterbiclass.slack.com</a:t>
+            </a:r>
+          </a:p>
+          <a:p>
+            <a:pPr lvl="1"/>
+            <a:r>
+              <a:rPr lang="en-US" dirty="0"/>
+              <a:t>You should see something like fall22-csci-513-30161</a:t>
+            </a:r>
+          </a:p>
+          <a:p>
+            <a:pPr lvl="1"/>
+            <a:r>
+              <a:rPr lang="en-US" dirty="0"/>
+              <a:t>If you are not subscribed to this channel, please contact Viterbi IT</a:t>
+            </a:r>
+          </a:p>
+          <a:p>
+            <a:endParaRPr lang="en-US" dirty="0"/>
+          </a:p>
+          <a:p>
+            <a:r>
+              <a:rPr lang="en-US" dirty="0"/>
+              <a:t>Blackboard: </a:t>
+            </a:r>
+          </a:p>
+          <a:p>
+            <a:pPr lvl="1"/>
+            <a:r>
+              <a:rPr lang="en-US" dirty="0"/>
+              <a:t>I am still in the process of setting this up</a:t>
+            </a:r>
+          </a:p>
+          <a:p>
+            <a:pPr lvl="2"/>
+            <a:r>
+              <a:rPr lang="en-US" dirty="0"/>
+              <a:t>They keep changing the interface to the point that I have to relearn it </a:t>
+            </a:r>
+            <a:r>
+              <a:rPr lang="en-US" dirty="0">
+                <a:sym typeface="Wingdings" panose="05000000000000000000" pitchFamily="2" charset="2"/>
+              </a:rPr>
+              <a:t></a:t>
+            </a:r>
+            <a:endParaRPr lang="en-US" dirty="0"/>
+          </a:p>
+          <a:p>
+            <a:pPr lvl="1"/>
+            <a:r>
+              <a:rPr lang="en-US" dirty="0"/>
+              <a:t>We will be using Blackboard for:</a:t>
+            </a:r>
+          </a:p>
+          <a:p>
+            <a:pPr lvl="2"/>
+            <a:r>
+              <a:rPr lang="en-US" dirty="0"/>
+              <a:t>Submitting homework assignments </a:t>
+            </a:r>
+          </a:p>
+          <a:p>
+            <a:pPr lvl="2"/>
+            <a:r>
+              <a:rPr lang="en-US" dirty="0"/>
+              <a:t>Posting grades</a:t>
+            </a:r>
+          </a:p>
+          <a:p>
+            <a:pPr lvl="1"/>
+            <a:endParaRPr lang="en-US" dirty="0"/>
+          </a:p>
+          <a:p>
+            <a:endParaRPr lang="en-US" dirty="0"/>
+          </a:p>
+        </p:txBody>
+      </p:sp>
+      <p:sp>
+        <p:nvSpPr>
+          <p:cNvPr id="3" name="Title 2">
+            <a:extLst>
+              <a:ext uri="{FF2B5EF4-FFF2-40B4-BE49-F238E27FC236}">
+                <a16:creationId xmlns:a16="http://schemas.microsoft.com/office/drawing/2014/main" id="{6D2C743F-2EE2-EFBF-8466-6B9459CCC1C3}"/>
+              </a:ext>
+            </a:extLst>
+          </p:cNvPr>
+          <p:cNvSpPr>
+            <a:spLocks noGrp="1"/>
+          </p:cNvSpPr>
+          <p:nvPr>
+            <p:ph type="title"/>
+          </p:nvPr>
+        </p:nvSpPr>
+        <p:spPr/>
+        <p:txBody>
+          <a:bodyPr/>
+          <a:lstStyle/>
+          <a:p>
+            <a:r>
+              <a:rPr lang="en-US" dirty="0"/>
+              <a:t>Logistics</a:t>
+            </a:r>
+          </a:p>
+        </p:txBody>
+      </p:sp>
+      <p:sp>
+        <p:nvSpPr>
+          <p:cNvPr id="4" name="Slide Number Placeholder 3">
+            <a:extLst>
+              <a:ext uri="{FF2B5EF4-FFF2-40B4-BE49-F238E27FC236}">
+                <a16:creationId xmlns:a16="http://schemas.microsoft.com/office/drawing/2014/main" id="{16125C9F-A373-5DB7-A332-AB3B5D8EB5EB}"/>
+              </a:ext>
+            </a:extLst>
+          </p:cNvPr>
+          <p:cNvSpPr>
+            <a:spLocks noGrp="1"/>
+          </p:cNvSpPr>
+          <p:nvPr>
+            <p:ph type="sldNum" sz="quarter" idx="12"/>
+          </p:nvPr>
+        </p:nvSpPr>
+        <p:spPr/>
+        <p:txBody>
+          <a:bodyPr/>
+          <a:lstStyle/>
+          <a:p>
+            <a:fld id="{29AAD378-655A-49C6-813C-9FD132EF7440}" type="slidenum">
+              <a:rPr lang="en-US" smtClean="0"/>
+              <a:pPr/>
+              <a:t>40</a:t>
+            </a:fld>
+            <a:endParaRPr lang="en-US" dirty="0"/>
+          </a:p>
+        </p:txBody>
+      </p:sp>
+    </p:spTree>
+    <p:extLst>
+      <p:ext uri="{BB962C8B-B14F-4D97-AF65-F5344CB8AC3E}">
+        <p14:creationId xmlns:p14="http://schemas.microsoft.com/office/powerpoint/2010/main" val="263929294"/>
+      </p:ext>
+    </p:extLst>
+  </p:cSld>
+  <p:clrMapOvr>
+    <a:masterClrMapping/>
+  </p:clrMapOvr>
+</p:sld>
+</file>
+
+<file path=ppt/slides/slide41.xml><?xml version="1.0" encoding="utf-8"?>
+<p:sld xmlns:a="http://schemas.openxmlformats.org/drawingml/2006/main" xmlns:r="http://schemas.openxmlformats.org/officeDocument/2006/relationships" xmlns:p="http://schemas.openxmlformats.org/presentationml/2006/main">
+  <p:cSld>
+    <p:spTree>
+      <p:nvGrpSpPr>
+        <p:cNvPr id="1" name=""/>
+        <p:cNvGrpSpPr/>
+        <p:nvPr/>
+      </p:nvGrpSpPr>
+      <p:grpSpPr>
+        <a:xfrm>
+          <a:off x="0" y="0"/>
+          <a:ext cx="0" cy="0"/>
+          <a:chOff x="0" y="0"/>
+          <a:chExt cx="0" cy="0"/>
+        </a:xfrm>
+      </p:grpSpPr>
+      <p:sp>
+        <p:nvSpPr>
           <p:cNvPr id="3" name="Title 2">
             <a:extLst>
               <a:ext uri="{FF2B5EF4-FFF2-40B4-BE49-F238E27FC236}">
@@ -30381,7 +31347,7 @@
             <a:fld id="{29AAD378-655A-49C6-813C-9FD132EF7440}" type="slidenum">
               <a:rPr lang="en-US" smtClean="0"/>
               <a:pPr/>
-              <a:t>40</a:t>
+              <a:t>41</a:t>
             </a:fld>
             <a:endParaRPr lang="en-US"/>
           </a:p>
@@ -30479,7 +31445,7 @@
 </p:sld>
 </file>
 
-<file path=ppt/slides/slide41.xml><?xml version="1.0" encoding="utf-8"?>
+<file path=ppt/slides/slide42.xml><?xml version="1.0" encoding="utf-8"?>
 <p:sld xmlns:a="http://schemas.openxmlformats.org/drawingml/2006/main" xmlns:r="http://schemas.openxmlformats.org/officeDocument/2006/relationships" xmlns:p="http://schemas.openxmlformats.org/presentationml/2006/main">
   <p:cSld>
     <p:spTree>
@@ -30548,7 +31514,7 @@
             <a:fld id="{29AAD378-655A-49C6-813C-9FD132EF7440}" type="slidenum">
               <a:rPr lang="en-US" smtClean="0"/>
               <a:pPr/>
-              <a:t>41</a:t>
+              <a:t>42</a:t>
             </a:fld>
             <a:endParaRPr lang="en-US"/>
           </a:p>
@@ -31569,7 +32535,7 @@
 </p:sld>
 </file>
 
-<file path=ppt/slides/slide42.xml><?xml version="1.0" encoding="utf-8"?>
+<file path=ppt/slides/slide43.xml><?xml version="1.0" encoding="utf-8"?>
 <p:sld xmlns:a="http://schemas.openxmlformats.org/drawingml/2006/main" xmlns:r="http://schemas.openxmlformats.org/officeDocument/2006/relationships" xmlns:p="http://schemas.openxmlformats.org/presentationml/2006/main">
   <p:cSld>
     <p:spTree>
@@ -31864,7 +32830,7 @@
             <a:fld id="{29AAD378-655A-49C6-813C-9FD132EF7440}" type="slidenum">
               <a:rPr lang="en-US" smtClean="0"/>
               <a:pPr/>
-              <a:t>42</a:t>
+              <a:t>43</a:t>
             </a:fld>
             <a:endParaRPr lang="en-US" dirty="0"/>
           </a:p>
@@ -32567,7 +33533,7 @@
 </p:sld>
 </file>
 
-<file path=ppt/slides/slide43.xml><?xml version="1.0" encoding="utf-8"?>
+<file path=ppt/slides/slide44.xml><?xml version="1.0" encoding="utf-8"?>
 <p:sld xmlns:a="http://schemas.openxmlformats.org/drawingml/2006/main" xmlns:r="http://schemas.openxmlformats.org/officeDocument/2006/relationships" xmlns:p="http://schemas.openxmlformats.org/presentationml/2006/main">
   <p:cSld>
     <p:spTree>
@@ -33167,7 +34133,7 @@
             <a:fld id="{29AAD378-655A-49C6-813C-9FD132EF7440}" type="slidenum">
               <a:rPr lang="en-US" smtClean="0"/>
               <a:pPr/>
-              <a:t>43</a:t>
+              <a:t>44</a:t>
             </a:fld>
             <a:endParaRPr lang="en-US" dirty="0"/>
           </a:p>
@@ -33905,7 +34871,7 @@
 </p:sld>
 </file>
 
-<file path=ppt/slides/slide44.xml><?xml version="1.0" encoding="utf-8"?>
+<file path=ppt/slides/slide45.xml><?xml version="1.0" encoding="utf-8"?>
 <p:sld xmlns:a="http://schemas.openxmlformats.org/drawingml/2006/main" xmlns:r="http://schemas.openxmlformats.org/officeDocument/2006/relationships" xmlns:p="http://schemas.openxmlformats.org/presentationml/2006/main">
   <p:cSld>
     <p:spTree>
@@ -34302,7 +35268,7 @@
             <a:fld id="{29AAD378-655A-49C6-813C-9FD132EF7440}" type="slidenum">
               <a:rPr lang="en-US" smtClean="0"/>
               <a:pPr/>
-              <a:t>44</a:t>
+              <a:t>45</a:t>
             </a:fld>
             <a:endParaRPr lang="en-US" dirty="0"/>
           </a:p>
@@ -35616,7 +36582,7 @@
 </p:sld>
 </file>
 
-<file path=ppt/slides/slide45.xml><?xml version="1.0" encoding="utf-8"?>
+<file path=ppt/slides/slide46.xml><?xml version="1.0" encoding="utf-8"?>
 <p:sld xmlns:a="http://schemas.openxmlformats.org/drawingml/2006/main" xmlns:r="http://schemas.openxmlformats.org/officeDocument/2006/relationships" xmlns:p="http://schemas.openxmlformats.org/presentationml/2006/main">
   <p:cSld>
     <p:spTree>
@@ -35790,7 +36756,7 @@
             <a:fld id="{29AAD378-655A-49C6-813C-9FD132EF7440}" type="slidenum">
               <a:rPr lang="en-US" smtClean="0"/>
               <a:pPr/>
-              <a:t>45</a:t>
+              <a:t>46</a:t>
             </a:fld>
             <a:endParaRPr lang="en-US" dirty="0"/>
           </a:p>
@@ -36493,7 +37459,7 @@
 </p:sld>
 </file>
 
-<file path=ppt/slides/slide46.xml><?xml version="1.0" encoding="utf-8"?>
+<file path=ppt/slides/slide47.xml><?xml version="1.0" encoding="utf-8"?>
 <p:sld xmlns:a="http://schemas.openxmlformats.org/drawingml/2006/main" xmlns:r="http://schemas.openxmlformats.org/officeDocument/2006/relationships" xmlns:p="http://schemas.openxmlformats.org/presentationml/2006/main">
   <p:cSld>
     <p:spTree>
@@ -36510,8 +37476,8 @@
           <a:chExt cx="0" cy="0"/>
         </a:xfrm>
       </p:grpSpPr>
-      <mc:AlternateContent xmlns:mc="http://schemas.openxmlformats.org/markup-compatibility/2006" xmlns:a14="http://schemas.microsoft.com/office/drawing/2010/main">
-        <mc:Choice Requires="a14">
+      <mc:AlternateContent xmlns:mc="http://schemas.openxmlformats.org/markup-compatibility/2006">
+        <mc:Choice xmlns:a14="http://schemas.microsoft.com/office/drawing/2010/main" Requires="a14">
           <p:sp>
             <p:nvSpPr>
               <p:cNvPr id="2" name="Content Placeholder 1">
@@ -36531,7 +37497,7 @@
             <p:spPr/>
             <p:txBody>
               <a:bodyPr>
-                <a:normAutofit lnSpcReduction="10000"/>
+                <a:normAutofit/>
               </a:bodyPr>
               <a:lstStyle/>
               <a:p>
@@ -36793,7 +37759,7 @@
             </p:txBody>
           </p:sp>
         </mc:Choice>
-        <mc:Fallback xmlns="">
+        <mc:Fallback>
           <p:sp>
             <p:nvSpPr>
               <p:cNvPr id="2" name="Content Placeholder 1">
@@ -36814,7 +37780,7 @@
               <a:blipFill>
                 <a:blip r:embed="rId3"/>
                 <a:stretch>
-                  <a:fillRect l="-1042" t="-3226" r="-1355" b="-2384"/>
+                  <a:fillRect l="-1042" t="-2065" r="-1355" b="-3484"/>
                 </a:stretch>
               </a:blipFill>
             </p:spPr>
@@ -36885,7 +37851,7 @@
             <a:fld id="{29AAD378-655A-49C6-813C-9FD132EF7440}" type="slidenum">
               <a:rPr lang="en-US" smtClean="0"/>
               <a:pPr/>
-              <a:t>46</a:t>
+              <a:t>47</a:t>
             </a:fld>
             <a:endParaRPr lang="en-US" dirty="0"/>
           </a:p>
@@ -36904,7 +37870,7 @@
 </p:sld>
 </file>
 
-<file path=ppt/slides/slide47.xml><?xml version="1.0" encoding="utf-8"?>
+<file path=ppt/slides/slide48.xml><?xml version="1.0" encoding="utf-8"?>
 <p:sld xmlns:a="http://schemas.openxmlformats.org/drawingml/2006/main" xmlns:r="http://schemas.openxmlformats.org/officeDocument/2006/relationships" xmlns:p="http://schemas.openxmlformats.org/presentationml/2006/main">
   <p:cSld>
     <p:spTree>
@@ -37205,7 +38171,7 @@
             <a:fld id="{29AAD378-655A-49C6-813C-9FD132EF7440}" type="slidenum">
               <a:rPr lang="en-US" smtClean="0"/>
               <a:pPr/>
-              <a:t>47</a:t>
+              <a:t>48</a:t>
             </a:fld>
             <a:endParaRPr lang="en-US" dirty="0"/>
           </a:p>
@@ -37224,7 +38190,7 @@
 </p:sld>
 </file>
 
-<file path=ppt/slides/slide48.xml><?xml version="1.0" encoding="utf-8"?>
+<file path=ppt/slides/slide49.xml><?xml version="1.0" encoding="utf-8"?>
 <p:sld xmlns:a="http://schemas.openxmlformats.org/drawingml/2006/main" xmlns:r="http://schemas.openxmlformats.org/officeDocument/2006/relationships" xmlns:p="http://schemas.openxmlformats.org/presentationml/2006/main">
   <p:cSld>
     <p:spTree>
@@ -37465,7 +38431,7 @@
             <a:fld id="{29AAD378-655A-49C6-813C-9FD132EF7440}" type="slidenum">
               <a:rPr lang="en-US" smtClean="0"/>
               <a:pPr/>
-              <a:t>48</a:t>
+              <a:t>49</a:t>
             </a:fld>
             <a:endParaRPr lang="en-US" dirty="0"/>
           </a:p>
@@ -37484,7 +38450,172 @@
 </p:sld>
 </file>
 
-<file path=ppt/slides/slide49.xml><?xml version="1.0" encoding="utf-8"?>
+<file path=ppt/slides/slide5.xml><?xml version="1.0" encoding="utf-8"?>
+<p:sld xmlns:a="http://schemas.openxmlformats.org/drawingml/2006/main" xmlns:r="http://schemas.openxmlformats.org/officeDocument/2006/relationships" xmlns:p="http://schemas.openxmlformats.org/presentationml/2006/main">
+  <p:cSld>
+    <p:spTree>
+      <p:nvGrpSpPr>
+        <p:cNvPr id="1" name=""/>
+        <p:cNvGrpSpPr/>
+        <p:nvPr/>
+      </p:nvGrpSpPr>
+      <p:grpSpPr>
+        <a:xfrm>
+          <a:off x="0" y="0"/>
+          <a:ext cx="0" cy="0"/>
+          <a:chOff x="0" y="0"/>
+          <a:chExt cx="0" cy="0"/>
+        </a:xfrm>
+      </p:grpSpPr>
+      <p:sp>
+        <p:nvSpPr>
+          <p:cNvPr id="3" name="Title 2">
+            <a:extLst>
+              <a:ext uri="{FF2B5EF4-FFF2-40B4-BE49-F238E27FC236}">
+                <a16:creationId xmlns:a16="http://schemas.microsoft.com/office/drawing/2014/main" id="{770E9C3A-B37F-4ADF-899B-AC2EA49325FB}"/>
+              </a:ext>
+            </a:extLst>
+          </p:cNvPr>
+          <p:cNvSpPr>
+            <a:spLocks noGrp="1"/>
+          </p:cNvSpPr>
+          <p:nvPr>
+            <p:ph type="title"/>
+          </p:nvPr>
+        </p:nvSpPr>
+        <p:spPr/>
+        <p:txBody>
+          <a:bodyPr>
+            <a:normAutofit/>
+          </a:bodyPr>
+          <a:lstStyle/>
+          <a:p>
+            <a:r>
+              <a:rPr lang="en-US" dirty="0"/>
+              <a:t>Models of Computation: Timing </a:t>
+            </a:r>
+          </a:p>
+        </p:txBody>
+      </p:sp>
+      <p:sp>
+        <p:nvSpPr>
+          <p:cNvPr id="2" name="Slide Number Placeholder 1">
+            <a:extLst>
+              <a:ext uri="{FF2B5EF4-FFF2-40B4-BE49-F238E27FC236}">
+                <a16:creationId xmlns:a16="http://schemas.microsoft.com/office/drawing/2014/main" id="{1AE16A3D-14D0-425C-BAB8-6A2B3AF51658}"/>
+              </a:ext>
+            </a:extLst>
+          </p:cNvPr>
+          <p:cNvSpPr>
+            <a:spLocks noGrp="1"/>
+          </p:cNvSpPr>
+          <p:nvPr>
+            <p:ph type="sldNum" sz="quarter" idx="12"/>
+          </p:nvPr>
+        </p:nvSpPr>
+        <p:spPr/>
+        <p:txBody>
+          <a:bodyPr/>
+          <a:lstStyle/>
+          <a:p>
+            <a:fld id="{29AAD378-655A-49C6-813C-9FD132EF7440}" type="slidenum">
+              <a:rPr lang="en-US" smtClean="0"/>
+              <a:pPr/>
+              <a:t>5</a:t>
+            </a:fld>
+            <a:endParaRPr lang="en-US"/>
+          </a:p>
+        </p:txBody>
+      </p:sp>
+      <p:sp>
+        <p:nvSpPr>
+          <p:cNvPr id="6" name="Content Placeholder 1">
+            <a:extLst>
+              <a:ext uri="{FF2B5EF4-FFF2-40B4-BE49-F238E27FC236}">
+                <a16:creationId xmlns:a16="http://schemas.microsoft.com/office/drawing/2014/main" id="{84218C43-B4FD-44B4-A79E-8766BE7EF9C3}"/>
+              </a:ext>
+            </a:extLst>
+          </p:cNvPr>
+          <p:cNvSpPr>
+            <a:spLocks noGrp="1"/>
+          </p:cNvSpPr>
+          <p:nvPr>
+            <p:ph idx="1"/>
+          </p:nvPr>
+        </p:nvSpPr>
+        <p:spPr>
+          <a:xfrm>
+            <a:off x="201163" y="1689100"/>
+            <a:ext cx="9046474" cy="3968756"/>
+          </a:xfrm>
+        </p:spPr>
+        <p:txBody>
+          <a:bodyPr>
+            <a:normAutofit/>
+          </a:bodyPr>
+          <a:lstStyle/>
+          <a:p>
+            <a:r>
+              <a:rPr lang="en-US" dirty="0"/>
+              <a:t>What’s the notion of time in the model?</a:t>
+            </a:r>
+          </a:p>
+          <a:p>
+            <a:pPr lvl="1"/>
+            <a:r>
+              <a:rPr lang="en-US" dirty="0"/>
+              <a:t>Real-time or Logical time-steps of execution?</a:t>
+            </a:r>
+          </a:p>
+          <a:p>
+            <a:r>
+              <a:rPr lang="en-US" dirty="0"/>
+              <a:t>What time do different components in the model use?</a:t>
+            </a:r>
+          </a:p>
+          <a:p>
+            <a:pPr lvl="1"/>
+            <a:r>
+              <a:rPr lang="en-US" dirty="0"/>
+              <a:t>Single global clock for full synchronization?</a:t>
+            </a:r>
+          </a:p>
+          <a:p>
+            <a:pPr lvl="1"/>
+            <a:r>
+              <a:rPr lang="en-US" dirty="0"/>
+              <a:t>Different clocks in each component?</a:t>
+            </a:r>
+          </a:p>
+          <a:p>
+            <a:r>
+              <a:rPr lang="en-US" dirty="0"/>
+              <a:t>What level of granularity do we need in time?</a:t>
+            </a:r>
+          </a:p>
+          <a:p>
+            <a:pPr lvl="1"/>
+            <a:r>
+              <a:rPr lang="en-US" dirty="0"/>
+              <a:t>Discrete time-steps or Continuous dense time?</a:t>
+            </a:r>
+          </a:p>
+        </p:txBody>
+      </p:sp>
+    </p:spTree>
+    <p:extLst>
+      <p:ext uri="{BB962C8B-B14F-4D97-AF65-F5344CB8AC3E}">
+        <p14:creationId xmlns:p14="http://schemas.microsoft.com/office/powerpoint/2010/main" val="1649854485"/>
+      </p:ext>
+    </p:extLst>
+  </p:cSld>
+  <p:clrMapOvr>
+    <a:masterClrMapping/>
+  </p:clrMapOvr>
+</p:sld>
+</file>
+
+<file path=ppt/slides/slide50.xml><?xml version="1.0" encoding="utf-8"?>
 <p:sld xmlns:a="http://schemas.openxmlformats.org/drawingml/2006/main" xmlns:r="http://schemas.openxmlformats.org/officeDocument/2006/relationships" xmlns:p="http://schemas.openxmlformats.org/presentationml/2006/main">
   <p:cSld>
     <p:spTree>
@@ -37553,7 +38684,7 @@
             <a:fld id="{29AAD378-655A-49C6-813C-9FD132EF7440}" type="slidenum">
               <a:rPr lang="en-US" smtClean="0"/>
               <a:pPr/>
-              <a:t>49</a:t>
+              <a:t>50</a:t>
             </a:fld>
             <a:endParaRPr lang="en-US" dirty="0"/>
           </a:p>
@@ -39730,172 +40861,7 @@
 </p:sld>
 </file>
 
-<file path=ppt/slides/slide5.xml><?xml version="1.0" encoding="utf-8"?>
-<p:sld xmlns:a="http://schemas.openxmlformats.org/drawingml/2006/main" xmlns:r="http://schemas.openxmlformats.org/officeDocument/2006/relationships" xmlns:p="http://schemas.openxmlformats.org/presentationml/2006/main">
-  <p:cSld>
-    <p:spTree>
-      <p:nvGrpSpPr>
-        <p:cNvPr id="1" name=""/>
-        <p:cNvGrpSpPr/>
-        <p:nvPr/>
-      </p:nvGrpSpPr>
-      <p:grpSpPr>
-        <a:xfrm>
-          <a:off x="0" y="0"/>
-          <a:ext cx="0" cy="0"/>
-          <a:chOff x="0" y="0"/>
-          <a:chExt cx="0" cy="0"/>
-        </a:xfrm>
-      </p:grpSpPr>
-      <p:sp>
-        <p:nvSpPr>
-          <p:cNvPr id="3" name="Title 2">
-            <a:extLst>
-              <a:ext uri="{FF2B5EF4-FFF2-40B4-BE49-F238E27FC236}">
-                <a16:creationId xmlns:a16="http://schemas.microsoft.com/office/drawing/2014/main" id="{770E9C3A-B37F-4ADF-899B-AC2EA49325FB}"/>
-              </a:ext>
-            </a:extLst>
-          </p:cNvPr>
-          <p:cNvSpPr>
-            <a:spLocks noGrp="1"/>
-          </p:cNvSpPr>
-          <p:nvPr>
-            <p:ph type="title"/>
-          </p:nvPr>
-        </p:nvSpPr>
-        <p:spPr/>
-        <p:txBody>
-          <a:bodyPr>
-            <a:normAutofit/>
-          </a:bodyPr>
-          <a:lstStyle/>
-          <a:p>
-            <a:r>
-              <a:rPr lang="en-US" dirty="0"/>
-              <a:t>Models of Computation: Timing </a:t>
-            </a:r>
-          </a:p>
-        </p:txBody>
-      </p:sp>
-      <p:sp>
-        <p:nvSpPr>
-          <p:cNvPr id="2" name="Slide Number Placeholder 1">
-            <a:extLst>
-              <a:ext uri="{FF2B5EF4-FFF2-40B4-BE49-F238E27FC236}">
-                <a16:creationId xmlns:a16="http://schemas.microsoft.com/office/drawing/2014/main" id="{1AE16A3D-14D0-425C-BAB8-6A2B3AF51658}"/>
-              </a:ext>
-            </a:extLst>
-          </p:cNvPr>
-          <p:cNvSpPr>
-            <a:spLocks noGrp="1"/>
-          </p:cNvSpPr>
-          <p:nvPr>
-            <p:ph type="sldNum" sz="quarter" idx="12"/>
-          </p:nvPr>
-        </p:nvSpPr>
-        <p:spPr/>
-        <p:txBody>
-          <a:bodyPr/>
-          <a:lstStyle/>
-          <a:p>
-            <a:fld id="{29AAD378-655A-49C6-813C-9FD132EF7440}" type="slidenum">
-              <a:rPr lang="en-US" smtClean="0"/>
-              <a:pPr/>
-              <a:t>5</a:t>
-            </a:fld>
-            <a:endParaRPr lang="en-US"/>
-          </a:p>
-        </p:txBody>
-      </p:sp>
-      <p:sp>
-        <p:nvSpPr>
-          <p:cNvPr id="6" name="Content Placeholder 1">
-            <a:extLst>
-              <a:ext uri="{FF2B5EF4-FFF2-40B4-BE49-F238E27FC236}">
-                <a16:creationId xmlns:a16="http://schemas.microsoft.com/office/drawing/2014/main" id="{84218C43-B4FD-44B4-A79E-8766BE7EF9C3}"/>
-              </a:ext>
-            </a:extLst>
-          </p:cNvPr>
-          <p:cNvSpPr>
-            <a:spLocks noGrp="1"/>
-          </p:cNvSpPr>
-          <p:nvPr>
-            <p:ph idx="1"/>
-          </p:nvPr>
-        </p:nvSpPr>
-        <p:spPr>
-          <a:xfrm>
-            <a:off x="201163" y="1689100"/>
-            <a:ext cx="9046474" cy="3968756"/>
-          </a:xfrm>
-        </p:spPr>
-        <p:txBody>
-          <a:bodyPr>
-            <a:normAutofit/>
-          </a:bodyPr>
-          <a:lstStyle/>
-          <a:p>
-            <a:r>
-              <a:rPr lang="en-US" dirty="0"/>
-              <a:t>What’s the notion of time in the model?</a:t>
-            </a:r>
-          </a:p>
-          <a:p>
-            <a:pPr lvl="1"/>
-            <a:r>
-              <a:rPr lang="en-US" dirty="0"/>
-              <a:t>Real-time or Logical time-steps of execution?</a:t>
-            </a:r>
-          </a:p>
-          <a:p>
-            <a:r>
-              <a:rPr lang="en-US" dirty="0"/>
-              <a:t>What time do different components in the model use?</a:t>
-            </a:r>
-          </a:p>
-          <a:p>
-            <a:pPr lvl="1"/>
-            <a:r>
-              <a:rPr lang="en-US" dirty="0"/>
-              <a:t>Single global clock for full synchronization?</a:t>
-            </a:r>
-          </a:p>
-          <a:p>
-            <a:pPr lvl="1"/>
-            <a:r>
-              <a:rPr lang="en-US" dirty="0"/>
-              <a:t>Different clocks in each component?</a:t>
-            </a:r>
-          </a:p>
-          <a:p>
-            <a:r>
-              <a:rPr lang="en-US" dirty="0"/>
-              <a:t>What level of granularity do we need in time?</a:t>
-            </a:r>
-          </a:p>
-          <a:p>
-            <a:pPr lvl="1"/>
-            <a:r>
-              <a:rPr lang="en-US" dirty="0"/>
-              <a:t>Discrete time-steps or Continuous dense time?</a:t>
-            </a:r>
-          </a:p>
-        </p:txBody>
-      </p:sp>
-    </p:spTree>
-    <p:extLst>
-      <p:ext uri="{BB962C8B-B14F-4D97-AF65-F5344CB8AC3E}">
-        <p14:creationId xmlns:p14="http://schemas.microsoft.com/office/powerpoint/2010/main" val="1649854485"/>
-      </p:ext>
-    </p:extLst>
-  </p:cSld>
-  <p:clrMapOvr>
-    <a:masterClrMapping/>
-  </p:clrMapOvr>
-</p:sld>
-</file>
-
-<file path=ppt/slides/slide50.xml><?xml version="1.0" encoding="utf-8"?>
+<file path=ppt/slides/slide51.xml><?xml version="1.0" encoding="utf-8"?>
 <p:sld xmlns:a="http://schemas.openxmlformats.org/drawingml/2006/main" xmlns:r="http://schemas.openxmlformats.org/officeDocument/2006/relationships" xmlns:p="http://schemas.openxmlformats.org/presentationml/2006/main">
   <p:cSld>
     <p:spTree>
@@ -40003,7 +40969,7 @@
             <a:fld id="{29AAD378-655A-49C6-813C-9FD132EF7440}" type="slidenum">
               <a:rPr lang="en-US" smtClean="0"/>
               <a:pPr/>
-              <a:t>50</a:t>
+              <a:t>51</a:t>
             </a:fld>
             <a:endParaRPr lang="en-US" dirty="0"/>
           </a:p>
@@ -41373,7 +42339,7 @@
 </p:sld>
 </file>
 
-<file path=ppt/slides/slide51.xml><?xml version="1.0" encoding="utf-8"?>
+<file path=ppt/slides/slide52.xml><?xml version="1.0" encoding="utf-8"?>
 <p:sld xmlns:a="http://schemas.openxmlformats.org/drawingml/2006/main" xmlns:r="http://schemas.openxmlformats.org/officeDocument/2006/relationships" xmlns:p="http://schemas.openxmlformats.org/presentationml/2006/main">
   <p:cSld>
     <p:spTree>
@@ -41724,7 +42690,7 @@
             <a:fld id="{29AAD378-655A-49C6-813C-9FD132EF7440}" type="slidenum">
               <a:rPr lang="en-US" smtClean="0"/>
               <a:pPr/>
-              <a:t>51</a:t>
+              <a:t>52</a:t>
             </a:fld>
             <a:endParaRPr lang="en-US" dirty="0"/>
           </a:p>
@@ -43972,7 +44938,7 @@
 </p:sld>
 </file>
 
-<file path=ppt/slides/slide52.xml><?xml version="1.0" encoding="utf-8"?>
+<file path=ppt/slides/slide53.xml><?xml version="1.0" encoding="utf-8"?>
 <p:sld xmlns:a="http://schemas.openxmlformats.org/drawingml/2006/main" xmlns:r="http://schemas.openxmlformats.org/officeDocument/2006/relationships" xmlns:p="http://schemas.openxmlformats.org/presentationml/2006/main">
   <p:cSld>
     <p:spTree>
@@ -44041,7 +45007,7 @@
             <a:fld id="{29AAD378-655A-49C6-813C-9FD132EF7440}" type="slidenum">
               <a:rPr lang="en-US" smtClean="0"/>
               <a:pPr/>
-              <a:t>52</a:t>
+              <a:t>53</a:t>
             </a:fld>
             <a:endParaRPr lang="en-US" dirty="0"/>
           </a:p>
@@ -45404,7 +46370,7 @@
 </p:sld>
 </file>
 
-<file path=ppt/slides/slide53.xml><?xml version="1.0" encoding="utf-8"?>
+<file path=ppt/slides/slide54.xml><?xml version="1.0" encoding="utf-8"?>
 <p:sld xmlns:a="http://schemas.openxmlformats.org/drawingml/2006/main" xmlns:r="http://schemas.openxmlformats.org/officeDocument/2006/relationships" xmlns:p="http://schemas.openxmlformats.org/presentationml/2006/main">
   <p:cSld>
     <p:spTree>
@@ -45520,7 +46486,7 @@
             <a:fld id="{29AAD378-655A-49C6-813C-9FD132EF7440}" type="slidenum">
               <a:rPr lang="en-US" smtClean="0"/>
               <a:pPr/>
-              <a:t>53</a:t>
+              <a:t>54</a:t>
             </a:fld>
             <a:endParaRPr lang="en-US" dirty="0"/>
           </a:p>
@@ -47193,7 +48159,7 @@
 </p:sld>
 </file>
 
-<file path=ppt/slides/slide54.xml><?xml version="1.0" encoding="utf-8"?>
+<file path=ppt/slides/slide55.xml><?xml version="1.0" encoding="utf-8"?>
 <p:sld xmlns:a="http://schemas.openxmlformats.org/drawingml/2006/main" xmlns:r="http://schemas.openxmlformats.org/officeDocument/2006/relationships" xmlns:p="http://schemas.openxmlformats.org/presentationml/2006/main">
   <p:cSld>
     <p:spTree>
@@ -47330,7 +48296,7 @@
             <a:fld id="{29AAD378-655A-49C6-813C-9FD132EF7440}" type="slidenum">
               <a:rPr lang="en-US" smtClean="0"/>
               <a:pPr/>
-              <a:t>54</a:t>
+              <a:t>55</a:t>
             </a:fld>
             <a:endParaRPr lang="en-US" dirty="0"/>
           </a:p>
@@ -47396,27 +48362,13 @@
           <a:p>
             <a:r>
               <a:rPr lang="en-US" dirty="0"/>
-              <a:t>MBD languages are often visual and block-diagram based, e.g. Simulink</a:t>
+              <a:t>We know how to interpret imperative/functional programs</a:t>
             </a:r>
           </a:p>
           <a:p>
             <a:r>
               <a:rPr lang="en-US" dirty="0"/>
-              <a:t>We know how to interpret a file containing C, Java, Python, Haskell, </a:t>
-            </a:r>
-            <a:r>
-              <a:rPr lang="en-US" dirty="0" err="1"/>
-              <a:t>Ocaml</a:t>
-            </a:r>
-            <a:r>
-              <a:rPr lang="en-US" dirty="0"/>
-              <a:t>, or any other imperative/functional program</a:t>
-            </a:r>
-          </a:p>
-          <a:p>
-            <a:r>
-              <a:rPr lang="en-US" dirty="0"/>
-              <a:t>How do we interpret MBD programs? What are their </a:t>
+              <a:t>How do we interpret models? What are their </a:t>
             </a:r>
             <a:r>
               <a:rPr lang="en-US" i="1" dirty="0"/>
@@ -47459,7 +48411,7 @@
           <a:p>
             <a:r>
               <a:rPr lang="en-US" dirty="0"/>
-              <a:t>Coding will involve use of MBD languages</a:t>
+              <a:t>Interpreting models</a:t>
             </a:r>
           </a:p>
         </p:txBody>
@@ -48309,129 +49261,6 @@
   <p:clrMapOvr>
     <a:masterClrMapping/>
   </p:clrMapOvr>
-  <p:timing>
-    <p:tnLst>
-      <p:par>
-        <p:cTn id="1" dur="indefinite" restart="never" nodeType="tmRoot">
-          <p:childTnLst>
-            <p:seq concurrent="1" nextAc="seek">
-              <p:cTn id="2" dur="indefinite" nodeType="mainSeq">
-                <p:childTnLst>
-                  <p:par>
-                    <p:cTn id="3" fill="hold">
-                      <p:stCondLst>
-                        <p:cond delay="indefinite"/>
-                      </p:stCondLst>
-                      <p:childTnLst>
-                        <p:par>
-                          <p:cTn id="4" fill="hold">
-                            <p:stCondLst>
-                              <p:cond delay="0"/>
-                            </p:stCondLst>
-                            <p:childTnLst>
-                              <p:par>
-                                <p:cTn id="5" presetID="1" presetClass="entr" presetSubtype="0" fill="hold" grpId="0" nodeType="clickEffect">
-                                  <p:stCondLst>
-                                    <p:cond delay="0"/>
-                                  </p:stCondLst>
-                                  <p:childTnLst>
-                                    <p:set>
-                                      <p:cBhvr>
-                                        <p:cTn id="6" dur="1" fill="hold">
-                                          <p:stCondLst>
-                                            <p:cond delay="0"/>
-                                          </p:stCondLst>
-                                        </p:cTn>
-                                        <p:tgtEl>
-                                          <p:spTgt spid="24"/>
-                                        </p:tgtEl>
-                                        <p:attrNameLst>
-                                          <p:attrName>style.visibility</p:attrName>
-                                        </p:attrNameLst>
-                                      </p:cBhvr>
-                                      <p:to>
-                                        <p:strVal val="visible"/>
-                                      </p:to>
-                                    </p:set>
-                                  </p:childTnLst>
-                                </p:cTn>
-                              </p:par>
-                            </p:childTnLst>
-                          </p:cTn>
-                        </p:par>
-                      </p:childTnLst>
-                    </p:cTn>
-                  </p:par>
-                  <p:par>
-                    <p:cTn id="7" fill="hold">
-                      <p:stCondLst>
-                        <p:cond delay="indefinite"/>
-                      </p:stCondLst>
-                      <p:childTnLst>
-                        <p:par>
-                          <p:cTn id="8" fill="hold">
-                            <p:stCondLst>
-                              <p:cond delay="0"/>
-                            </p:stCondLst>
-                            <p:childTnLst>
-                              <p:par>
-                                <p:cTn id="9" presetID="1" presetClass="entr" presetSubtype="0" fill="hold" nodeType="clickEffect">
-                                  <p:stCondLst>
-                                    <p:cond delay="0"/>
-                                  </p:stCondLst>
-                                  <p:childTnLst>
-                                    <p:set>
-                                      <p:cBhvr>
-                                        <p:cTn id="10" dur="1" fill="hold">
-                                          <p:stCondLst>
-                                            <p:cond delay="0"/>
-                                          </p:stCondLst>
-                                        </p:cTn>
-                                        <p:tgtEl>
-                                          <p:spTgt spid="17"/>
-                                        </p:tgtEl>
-                                        <p:attrNameLst>
-                                          <p:attrName>style.visibility</p:attrName>
-                                        </p:attrNameLst>
-                                      </p:cBhvr>
-                                      <p:to>
-                                        <p:strVal val="visible"/>
-                                      </p:to>
-                                    </p:set>
-                                  </p:childTnLst>
-                                </p:cTn>
-                              </p:par>
-                            </p:childTnLst>
-                          </p:cTn>
-                        </p:par>
-                      </p:childTnLst>
-                    </p:cTn>
-                  </p:par>
-                </p:childTnLst>
-              </p:cTn>
-              <p:prevCondLst>
-                <p:cond evt="onPrev" delay="0">
-                  <p:tgtEl>
-                    <p:sldTgt/>
-                  </p:tgtEl>
-                </p:cond>
-              </p:prevCondLst>
-              <p:nextCondLst>
-                <p:cond evt="onNext" delay="0">
-                  <p:tgtEl>
-                    <p:sldTgt/>
-                  </p:tgtEl>
-                </p:cond>
-              </p:nextCondLst>
-            </p:seq>
-          </p:childTnLst>
-        </p:cTn>
-      </p:par>
-    </p:tnLst>
-    <p:bldLst>
-      <p:bldP spid="24" grpId="0" animBg="1"/>
-    </p:bldLst>
-  </p:timing>
 </p:sld>
 </file>
 
@@ -48719,26 +49548,19 @@
           <a:p>
             <a:r>
               <a:rPr lang="en-US" dirty="0"/>
-              <a:t>Synchronous Reactive Components</a:t>
-            </a:r>
-          </a:p>
-          <a:p>
-            <a:pPr lvl="1"/>
-            <a:r>
-              <a:rPr lang="en-US" dirty="0"/>
-              <a:t>Event-triggered SRCs</a:t>
+              <a:t>Synchronous Model of Computation</a:t>
             </a:r>
           </a:p>
           <a:p>
             <a:r>
               <a:rPr lang="en-US" dirty="0"/>
-              <a:t>Asynchronous Processes</a:t>
+              <a:t>Asynchronous Model of Computation</a:t>
             </a:r>
           </a:p>
           <a:p>
             <a:r>
               <a:rPr lang="en-US" dirty="0"/>
-              <a:t>Timed Model</a:t>
+              <a:t>Timed Models</a:t>
             </a:r>
           </a:p>
           <a:p>
@@ -48948,17 +49770,13 @@
                   <a:srgbClr val="FF0000"/>
                 </a:solidFill>
               </a:rPr>
-              <a:t>Synchronous Reactive Components</a:t>
+              <a:t>Synchronous Model of Computation</a:t>
             </a:r>
           </a:p>
           <a:p>
             <a:r>
-              <a:rPr lang="en-US" dirty="0">
-                <a:solidFill>
-                  <a:srgbClr val="FF0000"/>
-                </a:solidFill>
-              </a:rPr>
-              <a:t>Asynchronous Processes</a:t>
+              <a:rPr lang="en-US" dirty="0"/>
+              <a:t>Asynchronous Model of Computation</a:t>
             </a:r>
           </a:p>
           <a:p>

--- a/teaching/cs513slides/lecture1-Models.pptx
+++ b/teaching/cs513slides/lecture1-Models.pptx
@@ -5,10 +5,10 @@
     <p:sldMasterId id="2147483648" r:id="rId1"/>
   </p:sldMasterIdLst>
   <p:notesMasterIdLst>
-    <p:notesMasterId r:id="rId57"/>
+    <p:notesMasterId r:id="rId56"/>
   </p:notesMasterIdLst>
   <p:handoutMasterIdLst>
-    <p:handoutMasterId r:id="rId58"/>
+    <p:handoutMasterId r:id="rId57"/>
   </p:handoutMasterIdLst>
   <p:sldIdLst>
     <p:sldId id="341" r:id="rId2"/>
@@ -22,50 +22,49 @@
     <p:sldId id="343" r:id="rId10"/>
     <p:sldId id="339" r:id="rId11"/>
     <p:sldId id="277" r:id="rId12"/>
-    <p:sldId id="280" r:id="rId13"/>
-    <p:sldId id="281" r:id="rId14"/>
-    <p:sldId id="283" r:id="rId15"/>
-    <p:sldId id="284" r:id="rId16"/>
-    <p:sldId id="282" r:id="rId17"/>
-    <p:sldId id="289" r:id="rId18"/>
-    <p:sldId id="324" r:id="rId19"/>
-    <p:sldId id="291" r:id="rId20"/>
-    <p:sldId id="293" r:id="rId21"/>
-    <p:sldId id="285" r:id="rId22"/>
-    <p:sldId id="286" r:id="rId23"/>
-    <p:sldId id="287" r:id="rId24"/>
-    <p:sldId id="345" r:id="rId25"/>
-    <p:sldId id="309" r:id="rId26"/>
-    <p:sldId id="298" r:id="rId27"/>
-    <p:sldId id="346" r:id="rId28"/>
-    <p:sldId id="300" r:id="rId29"/>
-    <p:sldId id="299" r:id="rId30"/>
-    <p:sldId id="301" r:id="rId31"/>
-    <p:sldId id="302" r:id="rId32"/>
-    <p:sldId id="303" r:id="rId33"/>
-    <p:sldId id="304" r:id="rId34"/>
-    <p:sldId id="319" r:id="rId35"/>
-    <p:sldId id="321" r:id="rId36"/>
-    <p:sldId id="322" r:id="rId37"/>
-    <p:sldId id="320" r:id="rId38"/>
-    <p:sldId id="323" r:id="rId39"/>
+    <p:sldId id="281" r:id="rId13"/>
+    <p:sldId id="283" r:id="rId14"/>
+    <p:sldId id="284" r:id="rId15"/>
+    <p:sldId id="282" r:id="rId16"/>
+    <p:sldId id="289" r:id="rId17"/>
+    <p:sldId id="324" r:id="rId18"/>
+    <p:sldId id="291" r:id="rId19"/>
+    <p:sldId id="293" r:id="rId20"/>
+    <p:sldId id="285" r:id="rId21"/>
+    <p:sldId id="286" r:id="rId22"/>
+    <p:sldId id="287" r:id="rId23"/>
+    <p:sldId id="345" r:id="rId24"/>
+    <p:sldId id="309" r:id="rId25"/>
+    <p:sldId id="298" r:id="rId26"/>
+    <p:sldId id="346" r:id="rId27"/>
+    <p:sldId id="300" r:id="rId28"/>
+    <p:sldId id="299" r:id="rId29"/>
+    <p:sldId id="301" r:id="rId30"/>
+    <p:sldId id="302" r:id="rId31"/>
+    <p:sldId id="303" r:id="rId32"/>
+    <p:sldId id="304" r:id="rId33"/>
+    <p:sldId id="319" r:id="rId34"/>
+    <p:sldId id="321" r:id="rId35"/>
+    <p:sldId id="322" r:id="rId36"/>
+    <p:sldId id="320" r:id="rId37"/>
+    <p:sldId id="323" r:id="rId38"/>
+    <p:sldId id="280" r:id="rId39"/>
     <p:sldId id="338" r:id="rId40"/>
-    <p:sldId id="347" r:id="rId41"/>
-    <p:sldId id="325" r:id="rId42"/>
-    <p:sldId id="326" r:id="rId43"/>
-    <p:sldId id="327" r:id="rId44"/>
-    <p:sldId id="292" r:id="rId45"/>
-    <p:sldId id="328" r:id="rId46"/>
-    <p:sldId id="329" r:id="rId47"/>
-    <p:sldId id="294" r:id="rId48"/>
-    <p:sldId id="295" r:id="rId49"/>
-    <p:sldId id="296" r:id="rId50"/>
-    <p:sldId id="297" r:id="rId51"/>
-    <p:sldId id="330" r:id="rId52"/>
-    <p:sldId id="331" r:id="rId53"/>
-    <p:sldId id="305" r:id="rId54"/>
-    <p:sldId id="306" r:id="rId55"/>
-    <p:sldId id="340" r:id="rId56"/>
+    <p:sldId id="325" r:id="rId41"/>
+    <p:sldId id="326" r:id="rId42"/>
+    <p:sldId id="327" r:id="rId43"/>
+    <p:sldId id="292" r:id="rId44"/>
+    <p:sldId id="328" r:id="rId45"/>
+    <p:sldId id="329" r:id="rId46"/>
+    <p:sldId id="294" r:id="rId47"/>
+    <p:sldId id="295" r:id="rId48"/>
+    <p:sldId id="296" r:id="rId49"/>
+    <p:sldId id="297" r:id="rId50"/>
+    <p:sldId id="330" r:id="rId51"/>
+    <p:sldId id="331" r:id="rId52"/>
+    <p:sldId id="305" r:id="rId53"/>
+    <p:sldId id="306" r:id="rId54"/>
+    <p:sldId id="340" r:id="rId55"/>
   </p:sldIdLst>
   <p:sldSz cx="12192000" cy="6858000"/>
   <p:notesSz cx="6858000" cy="9144000"/>
@@ -269,7 +268,7 @@
           <a:p>
             <a:fld id="{459B985A-4C37-4D1F-A437-E4A951A85D11}" type="datetimeFigureOut">
               <a:rPr lang="en-US" smtClean="0"/>
-              <a:t>8/22/2022</a:t>
+              <a:t>8/21/2023</a:t>
             </a:fld>
             <a:endParaRPr lang="en-US"/>
           </a:p>
@@ -370,113 +369,6 @@
     <inkml:context xml:id="ctx0">
       <inkml:inkSource xml:id="inkSrc0">
         <inkml:traceFormat>
-          <inkml:channel name="X" type="integer" max="2560" units="cm"/>
-          <inkml:channel name="Y" type="integer" max="1440" units="cm"/>
-          <inkml:channel name="T" type="integer" max="2.14748E9" units="dev"/>
-        </inkml:traceFormat>
-        <inkml:channelProperties>
-          <inkml:channelProperty channel="X" name="resolution" value="82.84789" units="1/cm"/>
-          <inkml:channelProperty channel="Y" name="resolution" value="82.75862" units="1/cm"/>
-          <inkml:channelProperty channel="T" name="resolution" value="1" units="1/dev"/>
-        </inkml:channelProperties>
-      </inkml:inkSource>
-      <inkml:timestamp xml:id="ts0" timeString="2022-08-22T16:45:00.055"/>
-    </inkml:context>
-    <inkml:brush xml:id="br0">
-      <inkml:brushProperty name="width" value="0.05292" units="cm"/>
-      <inkml:brushProperty name="height" value="0.05292" units="cm"/>
-      <inkml:brushProperty name="color" value="#FF0000"/>
-    </inkml:brush>
-  </inkml:definitions>
-  <inkml:trace contextRef="#ctx0" brushRef="#br0">18719 4855 0,'0'13'407,"0"1"-392,0-1 1,0 0-1,0 13-15,-13-12 16,0-1 0,13 0-16,-13 0 15,-1-13 1,14 14-16,-13-14 16,13 13-16,0 0 31,-26-13-16,26 13 1,-27 14 312,-12 65-312,12-52-16,1 0 15,-1-27-15,14 27 16,0-14-16,-1 1 16,14-14-16,-13 0 15,0 13-15,-13-12 0,26 12 16,-14-13 0,14 14-16,-13-1 15,13 14-15,-13-14 16,13 1-16,0-14 0,-13 40 15,13-40 1,0 1-16,0-1 16,0 0-16,0 13 15,0-12 1,0-1-16,0 13 16,0-12-16,0 12 15,0 1 1,0-14-16,0 0 15,0 0 1,0 0-16,0 1 16,13-14-1,-13 13-15,13 0 16,0-13-16,1 13 16,-1 1-16,0 12 15,0-26-15,0 40 16,1-27-16,-14 0 15,26 14-15,-13-14 16,14 40 0,-1-27-16,1 1 15,-1 12-15,1-25 16,12-1-16,-12 13 0,26 1 16,-14 12-16,1-12 15,13-1-15,0 1 16,0-14-16,0 14 15,-14-1-15,1-13 16,13 14-16,-26-14 0,25 0 16,-12 0-1,-13 1-15,-1-14 0,14 26 16,-1-13-16,-12 0 16,-14-13-16,27 0 0,-1 14 15,-25-14-15,39 13 16,-27-13-16,-13 0 15,14 0-15,-1 0 16,1 0-16,-1 0 0,-13 0 16,14 13-1,13-13-15,-27 0 0,0 0 16,27 0-16,-27 0 16,40 0-16,-13 0 0,-27 0 15,53 0 1,-40 0-16,1 0 0,26 0 15,-27 0-15,-13 0 16,14 0-16,13 0 16,-27 0-16,13 0 15,-13 0-15,14-13 0,13 0 16,-14-1-16,-13 14 16,14 0-16,26-26 15,-40 13-15,13 0 16,14-1-16,0 1 15,-14 0-15,14 0 0,13-1 16,-14 1-16,-12 0 16,13 0-16,-14 0 0,14-1 15,-27 1 1,27 0-16,-14 0 0,-13 13 16,1-14-1,-1 1-15,0 0 16,0 0-16,14-14 0,-14 1 15,13 13-15,1-40 16,-14 39-16,0-12 16,1 26-16,-1-13 15,0-1-15,0-12 0,1 13 16,-1 0-16,0-1 16,13 14-16,-12-26 15,12 13-15,-26-1 16,13 1-16,1 0 0,-1 0 15,26-1 1,-25-12-16,-14 13 16,13 13-16,0-27 15,-13 14-15,0 0 16,13 0-16,1-53 31,-1 39-31,-13 1 0,0-14 16,0 27-16,0-40 15,-13 26-15,-14-52 0,14 52 16,0 1-16,-1 13 16,-25-40-1,-1 26 1,27 1-16,-14 13 16,-12-27-16,12 27 0,14 0 15,-13-14-15,-27 1 16,-27-27-16,41 40 15,-67-40-15,79 39 16,-65-52-16,52 40 0,-13-14 16,-26 0-16,39 14 15,14 13 1,-14-14-16,0 1 0,-13 13 16,14-27-16,-54 13 0,53 14 15,-79-13 1,53 26-1,13-14 1,14 14-16,-1-13 0,13 13 16,-12 0-16,-1 0 0,14-26 15,-1 26-15,-26 0 16,0 0 0,14 0-16,12 0 15,-26 0-15,13 0 16,14 0-16,-14 0 0,14 0 15,13 0-15,-27 0 16,27 0-16,-14 0 16,1 0-16,13 13 0,-14 0 15,-13-13-15,1 27 32,12-14-32,-26 13 15,27 41-15,-1-54 16,1 13-16,-14 1 15,40-14-15,-26 0 0,13 14 32,-1-27-32,1 0 0</inkml:trace>
-  <inkml:trace contextRef="#ctx0" brushRef="#br0" timeOffset="4513.29">30282 5173 0,'0'0'31,"-14"0"313,-12 13-329,26 0-15,-13-13 16,-1 0-16,1 0 15,-13 0-15,13 0 16,-1 0 0,1-13-1,13 0 1,-13 13 0,13-14 15,-13 14-31,13-13 15,-27 0-15,14 13 16,0 0-16,-1 0 16,1 0-16,0 0 15,-13 0-15,12 0 16,1 0-16,0 0 0,0 13 16,-14 0-16,1 1 15,-1 12 1,27-13-16,-13-13 15,-13 27-15,12-14 0,-12 13 16,13-12 0,13-1-16,-14 13 0,1-12 15,0 12-15,0 0 16,13-12-16,0-1 16,-14 0-1,14 0-15,0 14 16,-26-14-16,26 0 15,0 1 1,-13-1-16,13 13 0,0 14 16,-13-14-1,13-12-15,0-1 16,0 0 0,0 27-16,-14-14 15,14 14-15,0-14 16,0-12-16,0 25 15,0-25-15,0-1 16,0 13 0,0-13-16,0 1 0,0-1 15,0 0 1,0 0-16,0 1 16,0-1-1,0 0-15,14 0 0,-14 14 16,39-14-1,-39 0 1,27 0-16,-1 1 16,1-1-16,-27 0 15,53 0-15,-40 1 0,13-1 16,27 13-16,-13-13 16,26 40-16,-13-39 15,26 25-15,14 1 16,-14 0-16,14-1 0,-14-12 15,1-1-15,-41-12 16,27 25-16,-26-26 16,40 40-1,-41-39-15,27-1 0,-13 0 16,0 0-16,93 27 16,-80-27-16,-13 0 15,13-13-15,-13 14 16,-13-1-16,26 0 15,13 0-15,-13 1 0,-13-14 16,13 26-16,-26-26 16,-14 13-16,27-13 15,13 0 1,-26 0-16,13 0 0,13 0 16,-53 0-16,40 0 15,0 0-15,0 0 16,-26 0-16,118-39 31,-79 39-31,-13-14 0,40 14 16,-67-13-1,67 0-15,13 0 16,-67-1-16,-12 14 0,26-13 16,0 0-1,-27 13-15,27-27 16,-26 27-16,-14-13 15,26 0-15,1 0 16,-13 0-16,-14-1 0,13 1 16,1-13-1,12-14-15,-12 14 16,-1 12-16,1-25 16,-1-1-16,-13 13 0,14-12 15,-1-14-15,-12 26 16,-14 14-16,0-13 15,13-1-15,-13 1 16,26-14-16,-26 0 0,0 14 16,0-14-16,0-26 15,-13 26 1,13 27-16,-13-13 16,0-14-16,13 27 15,0 0-15,-14-1 0,1 1 16,0 0-16,13 0 15,-40-27-15,27 14 16,-13 12-16,12-12 16,-12-14-16,-14 27 15,14 13-15,13-27 0,-14 14 16,1 0-16,-27-13 16,26-1-1,1 14-15,-1-14 16,1 14-16,-1-13 0,-12 12 15,12-12-15,-26 0 16,27 12-16,-1-12 16,-39-1-1,27 14-15,25-26 16,-39 25-16,27 1 16,-14-13-16,-13 12 0,40-12 15,-27 13-15,14-14 16,-14 14-16,14 0 15,-1 13-15,1-13 0,-27-14 16,13 14-16,14 0 16,-27-1-16,13 1 15,-39 0-15,39 0 16,-66 13-16,67-14 16,-27 14-16,26-13 0,0 13 15,0-26-15,-12 26 16,25-13-16,-13 13 15,-13 0-15,-13 0 16,13 0-16,-13 0 0,27 0 16,-1 0-16,0 26 15,1-13-15,-1-13 16,0 13-16,0 1 16,-39-1-16,53-13 0,-27 13 15,39 0-15,-25 1 16,-1-1-16,-13-13 15,27 0-15,-14 26 16,-13-26-16,13 0 0,14 0 16,-14 0-1,-79 0-15,66 0 16,27 0 0,-1 0-16,14 0 15,-13 0 1,12 0-16,-65 0 31,66 0-31,0 0 0,-1 0 16,-12 0-1,13 14 1,0-14-16,-1 26 16,1-26-1</inkml:trace>
-  <inkml:trace contextRef="#ctx0" brushRef="#br0" timeOffset="7372.22">22609 7051 0,'0'0'16,"39"0"296,41 0-296,198 0 15,-265 0-15,13 0-16,54 0 312,197-13-312,-52 13 16,-132-13-16,52 13 15,-52 0-15,105 0 16,-105 0-16,106 13 16,-14 0-1,-66 0-15,-53-13 0,0 0 16,27 0-16,-14 0 15,40 0-15,-53 0 16,27 0-16,-40 0 0,13 0 16,-40 0-1,1 0-15,13 0 0,-14 0 16,14 0-16,-14 0 16,14-13-16,-14 13 15,14-13-15,-14 13 16,27 0-16,13-13 15,-39 13-15,13 0 16,-1 0-16,-25 0 16,38-14-16,-12 14 15,-13 0-15,26 0 0,-27 0 16,40 0 15,-13 0-31,-13 0 16,-1 0-16,41 14 15,-54-14 1,27 0-16,-13 0 0,26 0 16,-40 0-16,94 0 15,-81 0-15,14 0 16,-26 0-16,-14 0 16,13 0-16,1 0 15,12 0-15,-12 13 16,39-13-1,-53 0-15,27 0 0,-14 0 16,1 0-16,-1 13 16,-12-13-16,-1 0 15,0 0 17,0 0-17,53 0 1,-39 0-1,26 0-15,-40 0 16,0 0 0,0 0-16,1 0 15,-1 0-15,0 0 16,0 0 0,1 0 15,-1 0 0,0 0-15,14 13-1</inkml:trace>
-  <inkml:trace contextRef="#ctx0" brushRef="#br0" timeOffset="18184.43">25307 4405 0,'14'14'359,"12"78"-343,-26-52-16,13-14 16,1 27-16,-1-13 15,-13 0-15,26 12 16,-13-25-16,1 13 16,-1 52-16,13-65 15,-12 65-15,65 14 16,-53 13-16,1-79 15,-1 66-15,1-40 16,13-26 0,-14-1-16,0 14 0,41 40 31,-54-54-31,0 1 16,0 0-16,0 0 15,1-14-15,-1 0 16,0 1-16,14-1 0,-27 14 15,0-27 1,0 0-16,0 1 16,13 25-16,-13-25 15,0-1 1,0 0-16,0 0 16,0 1-1,0-1 1,0 0 15</inkml:trace>
-  <inkml:trace contextRef="#ctx0" brushRef="#br0" timeOffset="19816.41">25493 5808 0,'13'13'156,"13"0"-156,14 0 16,-27 1-16,-13-1 0,40 26 31,-14-39-31,1 0 16,-1 14-16,1-1 15,-1 0-15,-13 0 16,27 1-16,0-1 16,-1 0-16,-12 13 15,-1-26 1,-12 14-16,12-14 15,-13 26 1,14-13-16,-14-13 0,0 27 31,0-27-31,1 0 16,-1 13 0,0 0 30,-13 1-30,13-14 0,1 0 46,-1 0-15,-13-14-47,0 1 0,0-13 16,0-1-16,13 1 15,-13 12-15,0-12 16,0 13-16,0 0 16,0-1-16,0-12 15,-13-1-15,13-25 16,0 38-16,0-25 15,0-28 1,0 28-16,0-14 16,0 40-16,0-14 15,0 1-15,0 12 0,13 1 16,-13 0 0,0 0-1,0 0 1,0-1 15,0 1 32</inkml:trace>
-  <inkml:trace contextRef="#ctx0" brushRef="#br0" timeOffset="40245.05">12846 5622 0</inkml:trace>
-  <inkml:trace contextRef="#ctx0" brushRef="#br0" timeOffset="56816.29">24990 10186 0,'-13'-13'422,"-40"-26"-422,-40-28 31,67 54-31,-40-13 15,39-1 1,1 14-16,-1-13 0,-13 12 16,27 1-16,-13 0 15,-1 0-15,-26-14 16,40 14-16,-26 0 0,12-1 16,-13 1-16,14-13 15,-14-1-15,-13 14 16,-66 0-1,80 0-15,-1-1 0,-40 1 16,-78-40 0,118 53-1,-13-13-15,27 0 16,-14 0-16,-13 13 16,13-14-16,14 1 0,-27 0 15,13 0-15,1-1 16,-67 1-1,66 0 1,0 13-16,1-13 0,-1 13 16,14 0-16,-14 0 0,13 0 15,1 0-15,-40 0 16,39 0 0,1 0-16,-27 0 15,27 0-15,-14 13 0,-13-13 16,13 0-16,27 0 15,-40 0-15,13 0 16,14 0-16,0 13 0,-27 14 16,26-27-1,1 13-15,-1 0 16,1 0 0,-1-13-1,14 14-15,0-1 0,-27 0 16,27-13-1,0 40-15,-14-27 16,14 0-16,-13 0 0,12 1 16,-12-1-16,13 27 0,-1-27 15,-12 13 1,13-26-16,-14 13 0,-26 54 16,40-54-1,-27 27-15,27-14 0,0 0 16,0 1-16,0-1 15,-1 1-15,1 13 16,13-14 0,0 0-16,-26 1 15,26-14-15,-14 27 16,14-27-16,-13 0 16,13 1-1,0-1-15,0 0 16,0 27-16,0-27 0,0 13 15,0 27-15,0-26 16,0-1-16,0 1 16,0 12-16,0-12 15,13 12-15,-13-25 16,27 12-16,-14 1 0,0-14 16,-13 13-16,14-12 15,-1-1-15,13 26 16,-13-12-16,1-14 15,-1-13-15,13 27 0,-12 12 16,12-25-16,-13-1 16,27 13-16,-27-13 15,27 14-15,-14 13 16,14-14-16,-14-26 0,-12 26 16,25 1-1,1 13-15,0-14 0,-1 1 16,14-1-16,-26 0 15,-1-12-15,27-1 0,-26 0 16,12 0-16,-25 1 16,25-1-16,-12 0 15,-14 0-15,0 1 16,14-1-16,12 0 16,-25 0-16,12 0 0,0 1 15,27 39 1,-26-40-16,13 0 15,-27 0-15,40-13 16,-27 14-16,14-1 0,-27-13 16,27 13-16,-1-13 15,-39 13-15,40-13 16,0 27-16,-27-27 16,53 13-1,-39-13-15,-1 0 16,1 0-16,-1 0 0,14 13 15,-1 0-15,-12-13 16,26 0-16,-14 14 16,1-14-16,26 13 0,-39-13 15,79 13 1,-67 0-16,-12-13 16,52 27-16,-66-27 15,14 0-15,26 0 16,-40 0-16,27 0 0,65 0 31,-52 0-15,-26 0-16,-1 0 15,1 0-15,26 0 16,-14-14-16,-25 14 0,38 0 16,1-13-1,14 0 1,-54 13-16,13-13 0,-13 0 15,14-1 1,-1 1-16,-26-13 16,27 12-16,13 1 15,-14-13 1,-13 13-16,0 13 16,1-14-16,-1-12 15,0 13-15,27-1 16,-27 1-16,0-13 15,14 26-15,-14-40 0,40 14 16,-40 12-16,0 1 16,1-13-16,12-14 15,-13 13-15,27 1 16,-40 13-16,13 0 0,0-1 16,14-39-16,-27 40 15,13-13 1,0 26-16,27-66 31,-27 66-31,-13-14 0,13-12 16,1-14-1,-1 40-15,-13-13 16,0 0-16,13-14 16,0 1-16,-13 13 15,0-1-15,0 1 16,0 0-16,0 0 15,0-1-15,0 1 16,0-26-16,0 12 16,0 14-16,0 0 15,0-1-15,-13 1 16,13-27-16,-13 40 16,13-13-16,0 0 0,-13-13 15,13 12 1,-14 14-16,1-26 15,13 13-15,-13-1 16,-13 14-16,26-26 0,-14 13 16,1 13-16,0-14 15,0-25 1,-1 39-16,-12-13 0,13-1 16,-1 14-16,1-13 15,0 13-15,0-13 16,0 13-16,13-13 15,-40-1-15,27 1 16,-1 0-16,1 0 16,0 13-16,0-13 0,0-1 15,-14-12-15,14 26 16,0-27-16,-14 1 16,14 26-16,-14-13 15,27-1-15,-13-12 16,-13 13-16,26 0 0,-13-1 15,-27 14 1,27-13-16,-14 0 16,14-14-16,0 27 15,-1-13-15,-12 0 16,13 0 0,0 13-16</inkml:trace>
-</inkml:ink>
-</file>
-
-<file path=ppt/ink/ink10.xml><?xml version="1.0" encoding="utf-8"?>
-<inkml:ink xmlns:inkml="http://www.w3.org/2003/InkML">
-  <inkml:definitions>
-    <inkml:context xml:id="ctx0">
-      <inkml:inkSource xml:id="inkSrc0">
-        <inkml:traceFormat>
-          <inkml:channel name="X" type="integer" min="-2.14748E9" max="2.14748E9" units="cm"/>
-          <inkml:channel name="Y" type="integer" min="-2.14748E9" max="2.14748E9" units="cm"/>
-          <inkml:channel name="F" type="integer" max="32767" units="dev"/>
-        </inkml:traceFormat>
-        <inkml:channelProperties>
-          <inkml:channelProperty channel="X" name="resolution" value="1000" units="1/cm"/>
-          <inkml:channelProperty channel="Y" name="resolution" value="1000" units="1/cm"/>
-          <inkml:channelProperty channel="F" name="resolution" value="0" units="1/dev"/>
-        </inkml:channelProperties>
-      </inkml:inkSource>
-      <inkml:timestamp xml:id="ts0" timeString="2022-08-22T15:54:55.489"/>
-    </inkml:context>
-    <inkml:brush xml:id="br0">
-      <inkml:brushProperty name="width" value="0.05" units="cm"/>
-      <inkml:brushProperty name="height" value="0.05" units="cm"/>
-      <inkml:brushProperty name="color" value="#004F8B"/>
-    </inkml:brush>
-  </inkml:definitions>
-  <inkml:trace contextRef="#ctx0" brushRef="#br0">0 1 24575,'0'0'-8191</inkml:trace>
-</inkml:ink>
-</file>
-
-<file path=ppt/ink/ink2.xml><?xml version="1.0" encoding="utf-8"?>
-<inkml:ink xmlns:inkml="http://www.w3.org/2003/InkML">
-  <inkml:definitions>
-    <inkml:context xml:id="ctx0">
-      <inkml:inkSource xml:id="inkSrc0">
-        <inkml:traceFormat>
-          <inkml:channel name="X" type="integer" max="2560" units="cm"/>
-          <inkml:channel name="Y" type="integer" max="1440" units="cm"/>
-          <inkml:channel name="T" type="integer" max="2.14748E9" units="dev"/>
-        </inkml:traceFormat>
-        <inkml:channelProperties>
-          <inkml:channelProperty channel="X" name="resolution" value="82.84789" units="1/cm"/>
-          <inkml:channelProperty channel="Y" name="resolution" value="82.75862" units="1/cm"/>
-          <inkml:channelProperty channel="T" name="resolution" value="1" units="1/dev"/>
-        </inkml:channelProperties>
-      </inkml:inkSource>
-      <inkml:timestamp xml:id="ts0" timeString="2022-08-22T16:47:06.960"/>
-    </inkml:context>
-    <inkml:brush xml:id="br0">
-      <inkml:brushProperty name="width" value="0.05292" units="cm"/>
-      <inkml:brushProperty name="height" value="0.05292" units="cm"/>
-      <inkml:brushProperty name="color" value="#FF0000"/>
-    </inkml:brush>
-    <inkml:brush xml:id="br1">
-      <inkml:brushProperty name="width" value="0.05292" units="cm"/>
-      <inkml:brushProperty name="height" value="0.05292" units="cm"/>
-      <inkml:brushProperty name="color" value="#00B050"/>
-    </inkml:brush>
-  </inkml:definitions>
-  <inkml:trace contextRef="#ctx0" brushRef="#br0">992 4088 0</inkml:trace>
-  <inkml:trace contextRef="#ctx0" brushRef="#br0" timeOffset="14591.28">3069 13745 0,'0'-13'46,"0"0"-14,-13 13 15,0 0-47,-1 0 15,1 0-15,0 0 31,0 0-31,0 0 16,-14 0 0,14 13-16,0-13 15,-1 13-15,1-13 16,0 13-16,13 1 16,-40 12-1,40-13-15,-26 0 16,-1 14-16,1 13 15,13-14-15,-1-13 0,1 14 16,-40 39 0,53-40-1,-13-12-15,0-1 16,0 0 0,-1 0-16,1 1 15,13-1-15,-13 13 31,13-13-31,-27 67 32,27-67-32,-13 27 15,13-14 1,0 1-16,0 39 16,0 0-1,0-53 1,0 67-16,0-54 31,0 40 0,0-39-31,0-14 16,13 27-16,1-27 16,-14 0-1,0 0-15,13-13 16,0 27-16,27-1 15,-27-13 1,14 14-16,158 92 16,-119-93-1,-26 1-15,52 12 16,-65-25 0,-1-1-16,1-13 15,-1 13-15,-13-13 0,53 0 16,1 0 15,-54 0-31,13 0 16,1 0-16,-14 0 15,13 0-15,14 0 16,-13 0-16,-14 0 16,0 0-16,0 0 15,27-26 1,26-1-1,-66 14 1,40 0-16,-27 13 16,13-13-1,-12-1-15,-14 1 0,13 13 16,13-26 0,1-1-1,-14 14-15,27-14 16,-14-12-1,-13 12-15,-13 1 0,14 13 16,-1-14-16,40-65 31,-27 25-15,-26 41-16,13 13 0,-13-14 16,0 14-1,0-13-15,0 12 0,0 1 16,0 0-16,0 0 0,0-1 15,0-12-15,0 13 16,0-40 0,0-13-1,0 52-15,0 1 16,0 0-16,0-13 16,-26-41-1,0 28 1,26 26-1,-14-1-15,-25-52 47,25 66-31,-12-26-16,13 12 16,-1 1-1,1 0 1,-40-13-16,40 26 15,-40-40 1,40 27-16,-27-1 16,27 14-1,-27-26 1,1 13-16,12-1 16,14 1-1,0 13-15,0-13 16,-40 0 15,39 13-31,1 0 0,-13-13 16,12 13-1,1 0-15,0 0 16,13-14-16,-13 14 16,0 0-1,-1 0-15,1-13 16,0 13-1,0 0-15,-1 0 0,1 0 16,0 0 0,0 0-16,-1 0 15,1 0 1,0 0-16,0 0 16,0 0-1,-1 0-15,-12 0 16,13 0-1,-1 0 1,1 0 0,0 0-1</inkml:trace>
-  <inkml:trace contextRef="#ctx0" brushRef="#br0" timeOffset="17721.63">5371 13070 0,'-13'-13'0,"0"13"16,-14 0-16,14 0 31,0 0-31,-1 0 16,1 0-1,0 0 1,-27 0 15,27 0-31,-172 0 157,172 0-142,-1 0 1,1 0-1,0 13 1,-14 1-16,14-14 16,0 13-16,13 0 15,-13-13 1,0 13-16,13 1 16,-40-14-1,40 13-15,-13 0 16,-1 0-16,1-13 15,13 27-15,-13-27 16,0 13-16,13 0 16,-27 0-16,14-13 15,13 14 1,0-1-16,-13-13 0,13 26 16,-13-12-16,-1-1 31,14 0-31,0 0 15,0 0 1,0 1-16,-13-14 16,13 26-16,0-13 15,-13-13 1,13 14-16,0-1 16,0 0-1,0 0-15,0 1 16,0-1-16,-27 0 15,27 0-15,0 0 16,-13 14 0,13-14-1,0 0-15,0 1 16,0-1-16,0 0 16,0 13-1,0 1 1,0-14-16,0 0 15,0 1 1,0-1-16,0 0 0,27 27 16,-14-27-1,0 0 1,-13 0-16,27 14 16,-14-27-16,-13 26 15,13-12-15,14-14 16,-14 0-16,40 26 15,-53-13-15,39 1 16,-25-14-16,-1 0 16,0 13-1,0-13 1,0 0-16,1 0 0,12 26 31,-13-26-31,1 0 16,-1 0-1,0 0-15,0 0 16,1 0-16,25 0 31,-26 0-15,40 0 0,-39 0-16,-1 0 15,0 0-15,0-13 16,1 13-1,12-13-15,27-27 47,-40 27-31,27-27 0,-14-26-16,-12 53 15,-1-53 1,0 39-1,-13-13-15,0 27 32,0 0-32,13-40 15,-13 40-15,0 0 16,0-1 0,0 1-1,27-13-15,-27 13 16,0-1-1,0-12-15,0 13 16,0-1-16,0-39 16,0 40-1,0 0 1,0-13-16,0 12 16,-14 14-16,14-39 15,0 25-15,0 1 16,0-13-1,-13 12 1,13 1 0,0 0-16,0 0 15,0 0-15,0-1 16,-13 1 0,13 0-1,-13 13-15,13-13 0,0-1 16,-13 1-1,-1 0 1,14 0 0,-13 13 15,13-14-31,-13 14 16,13-13-1,-13 13 1,-1 0 31,14-13-32,-13 13 1,13-26 0,-13 26-1</inkml:trace>
-  <inkml:trace contextRef="#ctx0" brushRef="#br0" timeOffset="21711.66">4035 12263 0,'0'14'78,"0"-1"-62,0 0-1,0 0-15,0 14 16,0-14 0,0 0-16,0 0 0,0 14 31,0 13-16,0-14-15,0-13 16,0 14-16,0-14 0,0 27 16,0-14-16,0 14 15,0-14 1,0 1-16,0-1 0,0 1 31,0 26-31,0-27 16,0-13-16,0 14 15,0 12 1,0-25-16,0-1 16,0 0-16,0 0 15,0 1 1,0 12-16,0 0 31,0-12-31,0-1 16,0 0-16,0 14 31,0-14-31,0 0 16,0 0-1,0 1 32,0-1-31,0 13-16,0-13 31,0 1 0,0-1 16</inkml:trace>
-  <inkml:trace contextRef="#ctx0" brushRef="#br0" timeOffset="23544.27">3823 13057 0,'-13'0'0,"26"13"141,14 1-126,-27-1-15,13-13 16,-13 13-16,13-13 16,0 27-16,1-14 15,-1 0 16,0 0-15,0 0-16,1-13 16,-1 14-1,-13-1 1,13-13 15,0 13-15,0 0-16,-13 1 31,14-1-15,-1 0-1,0 14 1,0-27 0,-13 13-1,14-13 1,-1 0 46,0 0-30,0 0-17,1 0 1,-1 0-16,-13-27 15,13 14-15,-13 0 16,13 13-16,0-13 16,-13-1-16,0 1 15,14 13-15,-14-13 16,26 0 0,-26-1-16,13 14 0,1-13 15,-14 0 1,13 0-1,0-14 1,0 27 0,-13-13 15,27 0-31,-14 0 31</inkml:trace>
-  <inkml:trace contextRef="#ctx0" brushRef="#br0" timeOffset="25846">5966 14684 0,'0'14'437,"0"-1"-437,0 0 16,0 14-1,0-1-15,0-13 16,0 0-16,0 27 16,0-27-1,0 27-15,0-27 16,0 0-16,0 1 15,0-1 1,0 0-16,0 0 0,14 14 31,-14 13-31,0-27 16,0 26-16,0-25 16,0 25-16,0 14 15,0-39 1,0 12-16,0-13 15,0 14-15,0-1 16,0-13 0,0 1-1,0-1-15,0 0 16</inkml:trace>
-  <inkml:trace contextRef="#ctx0" brushRef="#br0" timeOffset="27798.81">5953 14605 0,'0'13'422,"-13"0"-422,13 1 31,-13-1-15,-1 0-1,14 0-15,-13-13 16,13 14-16,0-1 16,-13 0-1,13 0-15,-26 1 16,26 12 15,-14 0-31,14-12 16,-13-14-16,13 13 15,-13 0-15,13 0 16,0 1 0,-13-14-1,-1 13-15,14 13 16,0-13 15,-26-13-15,26 14-16,-13-14 31,13 13-31</inkml:trace>
-  <inkml:trace contextRef="#ctx0" brushRef="#br0" timeOffset="29257.98">6085 14552 0,'14'0'422,"-1"13"-406,0 1-1,-13-1-15,13-13 0,1 0 16,-1 0-16,-13 13 16,13 0-16,0-13 15,0 13-15,1 14 16,-1-27 0,0 13 15,-13 0-16,13-13 1,-13 14-16,14-14 16,-1 0-1,-13 13-15,13 13 16,0-26 0,93 106 187</inkml:trace>
-  <inkml:trace contextRef="#ctx0" brushRef="#br1" timeOffset="97203.25">4260 13295 0,'0'0'16,"-13"0"-16,-1 0 16,1 0-16,0 0 15,0 0-15,-1 0 16,1 0 0,0 0-16,0 0 0,0 0 15,-1 0-15,1 0 16,0 0-1,-14 14-15,14-1 16,0 0-16,-27-13 16,14 0-1,13 13 1,-1-13-16,1 0 16,0 13-16,-14 1 0,14-14 15,0 0-15,0 26 16,-1-13-16,14 1 15,-26-14-15,13 13 16,13 0-16,-27 0 16,1 27-16,13-27 15,-14 14 1,27-14-16,-13 0 0,0 27 16,-1-1-1,14-25-15,0 12 16,0 27-16,0-40 15,0 14-15,0-14 16,0 27-16,0-27 0,0 0 16,0 14-1,0-14 1,0 0-16,0 0 16,0 1-16,0-1 0,14 0 15,-1 13-15,-13-12 16,0-1-1,0 13-15,26-26 16,-12 14-16,-1-1 16,0 0-16,14 0 15,-14 1 1,13-14-16,-26 13 0,13 0 16,1-13-16,-1 0 15,-13 13-15,13-13 16,0 0-16,14 13 15,-14-13 1,0 0 0,1 0-16,-1 0 15,0 0 1,0 0-16,0 0 16,1 0-16,-1 0 15,0 0-15,0 0 16,1 0-16,-1 0 15,0 0-15,0 0 16,1 0-16,-1-13 16,0 13-16,0-13 15,0 13-15,-13-13 0,27 13 16,-1-13-16,-12-1 16,-1 14-1,0-13 1,13 0-16,-12 0 15,-1 13-15,0-27 16,-13 14-16,13 13 16,14-13-1,-1-27-15,-12 14 16,12-27-16,-13 39 31,-13 1-31,13-13 16,-13-14-1,0 14-15,0-14 16,0 13 0,0-12-16,-13 25 15,0-38 1,13 38-16,-13 1 16,13 0-16,-13 13 15,13-13-15,-14 13 16,1-40-16,0 40 15,0-13-15,13-14 0,-14 27 16,1-13 0,0 0-1,-14 0-15,14 13 16,0-14-16,0 14 16,0-13-16,-1 13 0,-25-13 15,25 13 1,-12 0-16,13 0 15,0 0 1,-1 0-16,1 0 0,0 0 16,0 0-1</inkml:trace>
-  <inkml:trace contextRef="#ctx0" brushRef="#br1" timeOffset="101619.08">4233 13758 0,'40'14'406,"-40"-1"-390,79 13-1,-52-26-15,-27 13 16,26-13-16,-26 27 15,40-14-15,-27 0 16,14-13-16,-1 14 0,27-1 16,-40 0-16,14 0 15,12 1-15,14 12 16,-26-13-16,-1 14 16,67-1-16,-40 1 15,0-1 1,-27-13-16,14 1 15,-27-1-15,40 0 0,0 27 16,-40-40 0,27 39-16,-14-25 15,1-1-15,-1 0 0,-13 0 16,14-13-16,13 13 16,-1 40-1,14-39-15,-40-14 16,1 13-16,25 0 15,14 0-15,-13 1 16,0-1-16,-1 0 16,1 27-16,66-1 15,-106-25 1,26-1-16,1 0 16,-14 0-16,0 1 15,0-1-15,1 0 0,-1-13 31,0 0-15,-13 13 0,13-13 46,-13 13-31</inkml:trace>
-  <inkml:trace contextRef="#ctx0" brushRef="#br1" timeOffset="104219.09">5609 14658 0,'-13'-13'422,"13"-1"-391,-13-12-15,13 13 0,-14-14-1,14 14 1,-13 0-16,0-14 16,13 14-1,-13-13-15,13 12 16,0 1-1,0 0 64,26 13 202,14 0-281,-27 0 15,14 13-15,-14 0 16,0-13 0,0 0-1,1 0-15,-14 14 16,26-1-16,-13-13 31,-13 13-31,13-13 31,1 0-15,-14 13 0,26-13-1,-13 14-15,1-14 0,12 0 16,1 13 0,-14 0-16,26 0 0,-12 1 15,-14-14 1,0 0 46,-13-14 1,0 1-63,-13-40 0,-13 0 15,-1 40 1,14-13-16,-66-120 16,52 67-16,1 26 15,-27-27-15,40 41 16,-1-14-16,1-13 16,13 52-16,0 1 15,0 0-15,0 0 16,0-14 15,0 14 0,0 0 47,-13 13-31</inkml:trace>
-  <inkml:trace contextRef="#ctx0" brushRef="#br1" timeOffset="106384.27">6271 14354 0,'13'0'406,"13"0"-390,-26-14-16,27-12 16,26-1-16,-27 27 15,-13-13 1,1-13-16,12 13 0,27-14 15,-40 27 1,14 0-16,-1-26 16,14 12-16,-14 1 0,1-13 15,-1-1 1,14 14-16,-14 0 0,1-14 16,12 1-16,14-14 15,-39 27-15,12-13 16,40-1-1,-13-26-15,-26 40 16,12-14-16,-25 14 16,568-437 140,-556 450-140,-13 0-1,1-13 16,-1 13-15,0-13 0,0 13-16,0 0 0,1 0 31,-1-13-15,0 13 30</inkml:trace>
-  <inkml:trace contextRef="#ctx0" brushRef="#br1" timeOffset="108526.16">7660 13256 0,'13'0'437,"0"0"-406,0 0 32,-13 13-48,14-13 1,-14 13 0,26-13-1,-13 13-15,1 1 16,12 12-16,-13 0 16,14 1-16,-1-14 15,-13-13-15,1 13 0,-1 1 16,-13-1-1,13-13-15,0 0 16,-13 13 0,14-13-1,-14 13 1,13-13 0,0 0 30,-13 14-14,0-1 15,0 0-47,0 0 15,-13 0 1,0 40-16,-1-53 15,1 14-15,0-1 16,13 0-16,-13 0 16,13 14-16,-14-27 15,14 13-15,0 0 16,-26 0 15,26 1-15,-13 39 171</inkml:trace>
-</inkml:ink>
-</file>
-
-<file path=ppt/ink/ink3.xml><?xml version="1.0" encoding="utf-8"?>
-<inkml:ink xmlns:inkml="http://www.w3.org/2003/InkML">
-  <inkml:definitions>
-    <inkml:context xml:id="ctx0">
-      <inkml:inkSource xml:id="inkSrc0">
-        <inkml:traceFormat>
           <inkml:channel name="X" type="integer" min="-2.14748E9" max="2.14748E9" units="cm"/>
           <inkml:channel name="Y" type="integer" min="-2.14748E9" max="2.14748E9" units="cm"/>
           <inkml:channel name="F" type="integer" max="32767" units="dev"/>
@@ -499,7 +391,7 @@
 </inkml:ink>
 </file>
 
-<file path=ppt/ink/ink4.xml><?xml version="1.0" encoding="utf-8"?>
+<file path=ppt/ink/ink2.xml><?xml version="1.0" encoding="utf-8"?>
 <inkml:ink xmlns:inkml="http://www.w3.org/2003/InkML">
   <inkml:definitions>
     <inkml:context xml:id="ctx0">
@@ -527,7 +419,7 @@
 </inkml:ink>
 </file>
 
-<file path=ppt/ink/ink5.xml><?xml version="1.0" encoding="utf-8"?>
+<file path=ppt/ink/ink3.xml><?xml version="1.0" encoding="utf-8"?>
 <inkml:ink xmlns:inkml="http://www.w3.org/2003/InkML">
   <inkml:definitions>
     <inkml:context xml:id="ctx0">
@@ -555,7 +447,7 @@
 </inkml:ink>
 </file>
 
-<file path=ppt/ink/ink6.xml><?xml version="1.0" encoding="utf-8"?>
+<file path=ppt/ink/ink4.xml><?xml version="1.0" encoding="utf-8"?>
 <inkml:ink xmlns:inkml="http://www.w3.org/2003/InkML">
   <inkml:definitions>
     <inkml:context xml:id="ctx0">
@@ -583,7 +475,7 @@
 </inkml:ink>
 </file>
 
-<file path=ppt/ink/ink7.xml><?xml version="1.0" encoding="utf-8"?>
+<file path=ppt/ink/ink5.xml><?xml version="1.0" encoding="utf-8"?>
 <inkml:ink xmlns:inkml="http://www.w3.org/2003/InkML">
   <inkml:definitions>
     <inkml:context xml:id="ctx0">
@@ -611,7 +503,7 @@
 </inkml:ink>
 </file>
 
-<file path=ppt/ink/ink8.xml><?xml version="1.0" encoding="utf-8"?>
+<file path=ppt/ink/ink6.xml><?xml version="1.0" encoding="utf-8"?>
 <inkml:ink xmlns:inkml="http://www.w3.org/2003/InkML">
   <inkml:definitions>
     <inkml:context xml:id="ctx0">
@@ -639,7 +531,7 @@
 </inkml:ink>
 </file>
 
-<file path=ppt/ink/ink9.xml><?xml version="1.0" encoding="utf-8"?>
+<file path=ppt/ink/ink7.xml><?xml version="1.0" encoding="utf-8"?>
 <inkml:ink xmlns:inkml="http://www.w3.org/2003/InkML">
   <inkml:definitions>
     <inkml:context xml:id="ctx0">
@@ -664,6 +556,34 @@
     </inkml:brush>
   </inkml:definitions>
   <inkml:trace contextRef="#ctx0" brushRef="#br0">1 81 24575,'0'7'0,"0"0"0,1 0 0,0 0 0,0-1 0,0 1 0,1 0 0,0-1 0,0 1 0,1-1 0,0 1 0,0-1 0,0 0 0,1 0 0,0 0 0,7 7 0,-6-4 0,0 1 0,-1 0 0,1 0 0,-2 0 0,4 18 0,4 7 0,-3-9 0,-4-14 0,-1 0 0,2-1 0,0 1 0,0-1 0,13 20 0,-17-30 0,0 0 0,0 0 0,-1 0 0,1 0 0,0 0 0,0 0 0,0 0 0,0 0 0,0 0 0,0-1 0,0 1 0,0 0 0,0-1 0,1 1 0,-1-1 0,0 1 0,0-1 0,0 0 0,1 0 0,-1 1 0,0-1 0,0 0 0,1 0 0,1 0 0,-1-1 0,0 0 0,0 0 0,0 1 0,0-1 0,0-1 0,0 1 0,0 0 0,-1 0 0,1-1 0,0 1 0,-1-1 0,1 1 0,1-3 0,4-6 0,1-1 0,-2 0 0,10-21 0,-14 28 0,23-50 0,3 2 0,56-81 0,-67 113-341,1 0 0,1 2-1,24-20 1,-29 27-6485</inkml:trace>
+</inkml:ink>
+</file>
+
+<file path=ppt/ink/ink8.xml><?xml version="1.0" encoding="utf-8"?>
+<inkml:ink xmlns:inkml="http://www.w3.org/2003/InkML">
+  <inkml:definitions>
+    <inkml:context xml:id="ctx0">
+      <inkml:inkSource xml:id="inkSrc0">
+        <inkml:traceFormat>
+          <inkml:channel name="X" type="integer" min="-2.14748E9" max="2.14748E9" units="cm"/>
+          <inkml:channel name="Y" type="integer" min="-2.14748E9" max="2.14748E9" units="cm"/>
+          <inkml:channel name="F" type="integer" max="32767" units="dev"/>
+        </inkml:traceFormat>
+        <inkml:channelProperties>
+          <inkml:channelProperty channel="X" name="resolution" value="1000" units="1/cm"/>
+          <inkml:channelProperty channel="Y" name="resolution" value="1000" units="1/cm"/>
+          <inkml:channelProperty channel="F" name="resolution" value="0" units="1/dev"/>
+        </inkml:channelProperties>
+      </inkml:inkSource>
+      <inkml:timestamp xml:id="ts0" timeString="2022-08-22T15:54:55.489"/>
+    </inkml:context>
+    <inkml:brush xml:id="br0">
+      <inkml:brushProperty name="width" value="0.05" units="cm"/>
+      <inkml:brushProperty name="height" value="0.05" units="cm"/>
+      <inkml:brushProperty name="color" value="#004F8B"/>
+    </inkml:brush>
+  </inkml:definitions>
+  <inkml:trace contextRef="#ctx0" brushRef="#br0">0 1 24575,'0'0'-8191</inkml:trace>
 </inkml:ink>
 </file>
 
@@ -749,7 +669,7 @@
           <a:p>
             <a:fld id="{6580C23F-98B7-41D4-A9FA-15A275A51486}" type="datetimeFigureOut">
               <a:rPr lang="en-US" smtClean="0"/>
-              <a:t>8/22/2022</a:t>
+              <a:t>8/21/2023</a:t>
             </a:fld>
             <a:endParaRPr lang="en-US"/>
           </a:p>
@@ -1130,7 +1050,7 @@
           <a:p>
             <a:fld id="{E586B107-AA8F-4C65-A94C-468C6EEC3A14}" type="slidenum">
               <a:rPr lang="en-US" smtClean="0"/>
-              <a:t>19</a:t>
+              <a:t>18</a:t>
             </a:fld>
             <a:endParaRPr lang="en-US"/>
           </a:p>
@@ -1214,7 +1134,7 @@
           <a:p>
             <a:fld id="{E586B107-AA8F-4C65-A94C-468C6EEC3A14}" type="slidenum">
               <a:rPr lang="en-US" smtClean="0"/>
-              <a:t>22</a:t>
+              <a:t>21</a:t>
             </a:fld>
             <a:endParaRPr lang="en-US"/>
           </a:p>
@@ -1298,7 +1218,7 @@
           <a:p>
             <a:fld id="{E586B107-AA8F-4C65-A94C-468C6EEC3A14}" type="slidenum">
               <a:rPr lang="en-US" smtClean="0"/>
-              <a:t>47</a:t>
+              <a:t>46</a:t>
             </a:fld>
             <a:endParaRPr lang="en-US"/>
           </a:p>
@@ -1687,7 +1607,7 @@
           <p:nvPr userDrawn="1"/>
         </p:nvPicPr>
         <mc:AlternateContent xmlns:mc="http://schemas.openxmlformats.org/markup-compatibility/2006">
-          <mc:Choice xmlns:ma="http://schemas.microsoft.com/office/mac/drawingml/2008/main" xmlns:mv="urn:schemas-microsoft-com:mac:vml" xmlns="" Requires="ma">
+          <mc:Choice xmlns="" xmlns:mv="urn:schemas-microsoft-com:mac:vml" xmlns:ma="http://schemas.microsoft.com/office/mac/drawingml/2008/main" Requires="ma">
             <p:blipFill>
               <a:blip r:embed="rId3"/>
               <a:stretch>
@@ -2666,7 +2586,7 @@
           <a:p>
             <a:r>
               <a:rPr lang="en-US" dirty="0"/>
-              <a:t>Fall 2022. CSCI 513.</a:t>
+              <a:t>Fall 2024. CSCI 513.</a:t>
             </a:r>
           </a:p>
           <a:p>
@@ -3554,164 +3474,6 @@
       </p:grpSpPr>
       <p:sp>
         <p:nvSpPr>
-          <p:cNvPr id="2" name="Content Placeholder 1">
-            <a:extLst>
-              <a:ext uri="{FF2B5EF4-FFF2-40B4-BE49-F238E27FC236}">
-                <a16:creationId xmlns:a16="http://schemas.microsoft.com/office/drawing/2014/main" id="{D11D34DF-765B-4725-A290-11A4092601CD}"/>
-              </a:ext>
-            </a:extLst>
-          </p:cNvPr>
-          <p:cNvSpPr>
-            <a:spLocks noGrp="1"/>
-          </p:cNvSpPr>
-          <p:nvPr>
-            <p:ph idx="1"/>
-          </p:nvPr>
-        </p:nvSpPr>
-        <p:spPr>
-          <a:xfrm>
-            <a:off x="166680" y="1855218"/>
-            <a:ext cx="11699087" cy="3006031"/>
-          </a:xfrm>
-        </p:spPr>
-        <p:txBody>
-          <a:bodyPr/>
-          <a:lstStyle/>
-          <a:p>
-            <a:r>
-              <a:rPr lang="en-US" dirty="0"/>
-              <a:t>Rich class of languages called “synchronous dataflow”</a:t>
-            </a:r>
-          </a:p>
-          <a:p>
-            <a:pPr lvl="1"/>
-            <a:r>
-              <a:rPr lang="en-US" dirty="0" err="1"/>
-              <a:t>Scade</a:t>
-            </a:r>
-            <a:r>
-              <a:rPr lang="en-US" dirty="0"/>
-              <a:t>-suite from </a:t>
-            </a:r>
-            <a:r>
-              <a:rPr lang="en-US" dirty="0" err="1"/>
-              <a:t>Esterel</a:t>
-            </a:r>
-            <a:r>
-              <a:rPr lang="en-US" dirty="0"/>
-              <a:t> Technologies: used in many avionics applications</a:t>
-            </a:r>
-          </a:p>
-          <a:p>
-            <a:r>
-              <a:rPr lang="en-US" dirty="0"/>
-              <a:t>Benefit: system design is simpler if we use a simple round-based computation</a:t>
-            </a:r>
-          </a:p>
-          <a:p>
-            <a:r>
-              <a:rPr lang="en-US" dirty="0"/>
-              <a:t>Challenge: How do we ensure synchronous execution when components may execute on different hardware?</a:t>
-            </a:r>
-          </a:p>
-          <a:p>
-            <a:pPr marL="0" indent="0">
-              <a:buNone/>
-            </a:pPr>
-            <a:endParaRPr lang="en-US" dirty="0"/>
-          </a:p>
-        </p:txBody>
-      </p:sp>
-      <p:sp>
-        <p:nvSpPr>
-          <p:cNvPr id="3" name="Title 2">
-            <a:extLst>
-              <a:ext uri="{FF2B5EF4-FFF2-40B4-BE49-F238E27FC236}">
-                <a16:creationId xmlns:a16="http://schemas.microsoft.com/office/drawing/2014/main" id="{8B21CF5A-5C3F-443B-85EE-72AA0B66DDF8}"/>
-              </a:ext>
-            </a:extLst>
-          </p:cNvPr>
-          <p:cNvSpPr>
-            <a:spLocks noGrp="1"/>
-          </p:cNvSpPr>
-          <p:nvPr>
-            <p:ph type="title"/>
-          </p:nvPr>
-        </p:nvSpPr>
-        <p:spPr/>
-        <p:txBody>
-          <a:bodyPr/>
-          <a:lstStyle/>
-          <a:p>
-            <a:r>
-              <a:rPr lang="en-US" dirty="0"/>
-              <a:t>Synchronous languages</a:t>
-            </a:r>
-          </a:p>
-        </p:txBody>
-      </p:sp>
-      <p:sp>
-        <p:nvSpPr>
-          <p:cNvPr id="4" name="Slide Number Placeholder 3">
-            <a:extLst>
-              <a:ext uri="{FF2B5EF4-FFF2-40B4-BE49-F238E27FC236}">
-                <a16:creationId xmlns:a16="http://schemas.microsoft.com/office/drawing/2014/main" id="{E09E351B-1A5D-4996-B702-2677142B472A}"/>
-              </a:ext>
-            </a:extLst>
-          </p:cNvPr>
-          <p:cNvSpPr>
-            <a:spLocks noGrp="1"/>
-          </p:cNvSpPr>
-          <p:nvPr>
-            <p:ph type="sldNum" sz="quarter" idx="12"/>
-          </p:nvPr>
-        </p:nvSpPr>
-        <p:spPr/>
-        <p:txBody>
-          <a:bodyPr/>
-          <a:lstStyle/>
-          <a:p>
-            <a:fld id="{29AAD378-655A-49C6-813C-9FD132EF7440}" type="slidenum">
-              <a:rPr lang="en-US" smtClean="0"/>
-              <a:pPr/>
-              <a:t>12</a:t>
-            </a:fld>
-            <a:endParaRPr lang="en-US" dirty="0"/>
-          </a:p>
-        </p:txBody>
-      </p:sp>
-    </p:spTree>
-    <p:extLst>
-      <p:ext uri="{BB962C8B-B14F-4D97-AF65-F5344CB8AC3E}">
-        <p14:creationId xmlns:p14="http://schemas.microsoft.com/office/powerpoint/2010/main" val="2000390505"/>
-      </p:ext>
-    </p:extLst>
-  </p:cSld>
-  <p:clrMapOvr>
-    <a:masterClrMapping/>
-  </p:clrMapOvr>
-</p:sld>
-</file>
-
-<file path=ppt/slides/slide13.xml><?xml version="1.0" encoding="utf-8"?>
-<p:sld xmlns:a="http://schemas.openxmlformats.org/drawingml/2006/main" xmlns:r="http://schemas.openxmlformats.org/officeDocument/2006/relationships" xmlns:p="http://schemas.openxmlformats.org/presentationml/2006/main">
-  <p:cSld>
-    <p:spTree>
-      <p:nvGrpSpPr>
-        <p:cNvPr id="1" name=""/>
-        <p:cNvGrpSpPr/>
-        <p:nvPr/>
-      </p:nvGrpSpPr>
-      <p:grpSpPr>
-        <a:xfrm>
-          <a:off x="0" y="0"/>
-          <a:ext cx="0" cy="0"/>
-          <a:chOff x="0" y="0"/>
-          <a:chExt cx="0" cy="0"/>
-        </a:xfrm>
-      </p:grpSpPr>
-      <p:sp>
-        <p:nvSpPr>
           <p:cNvPr id="3" name="Title 2">
             <a:extLst>
               <a:ext uri="{FF2B5EF4-FFF2-40B4-BE49-F238E27FC236}">
@@ -3764,7 +3526,7 @@
             <a:fld id="{29AAD378-655A-49C6-813C-9FD132EF7440}" type="slidenum">
               <a:rPr lang="en-US" smtClean="0"/>
               <a:pPr/>
-              <a:t>13</a:t>
+              <a:t>12</a:t>
             </a:fld>
             <a:endParaRPr lang="en-US" dirty="0"/>
           </a:p>
@@ -4135,7 +3897,7 @@
 </p:sld>
 </file>
 
-<file path=ppt/slides/slide14.xml><?xml version="1.0" encoding="utf-8"?>
+<file path=ppt/slides/slide13.xml><?xml version="1.0" encoding="utf-8"?>
 <p:sld xmlns:a="http://schemas.openxmlformats.org/drawingml/2006/main" xmlns:r="http://schemas.openxmlformats.org/officeDocument/2006/relationships" xmlns:p="http://schemas.openxmlformats.org/presentationml/2006/main">
   <p:cSld>
     <p:spTree>
@@ -4266,7 +4028,7 @@
             <a:fld id="{29AAD378-655A-49C6-813C-9FD132EF7440}" type="slidenum">
               <a:rPr lang="en-US" smtClean="0"/>
               <a:pPr/>
-              <a:t>14</a:t>
+              <a:t>13</a:t>
             </a:fld>
             <a:endParaRPr lang="en-US" dirty="0"/>
           </a:p>
@@ -4624,57 +4386,6 @@
           </p:txBody>
         </p:sp>
       </p:grpSp>
-      <mc:AlternateContent xmlns:mc="http://schemas.openxmlformats.org/markup-compatibility/2006">
-        <mc:Choice xmlns:p14="http://schemas.microsoft.com/office/powerpoint/2010/main" Requires="p14">
-          <p:contentPart p14:bwMode="auto" r:id="rId2">
-            <p14:nvContentPartPr>
-              <p14:cNvPr id="13" name="Ink 12">
-                <a:extLst>
-                  <a:ext uri="{FF2B5EF4-FFF2-40B4-BE49-F238E27FC236}">
-                    <a16:creationId xmlns:a16="http://schemas.microsoft.com/office/drawing/2014/main" id="{6DB3F11C-0C80-61EF-99E3-2CE8BC01ABA6}"/>
-                  </a:ext>
-                </a:extLst>
-              </p14:cNvPr>
-              <p14:cNvContentPartPr/>
-              <p14:nvPr/>
-            </p14:nvContentPartPr>
-            <p14:xfrm>
-              <a:off x="4624560" y="1585800"/>
-              <a:ext cx="7477200" cy="2648520"/>
-            </p14:xfrm>
-          </p:contentPart>
-        </mc:Choice>
-        <mc:Fallback>
-          <p:pic>
-            <p:nvPicPr>
-              <p:cNvPr id="13" name="Ink 12">
-                <a:extLst>
-                  <a:ext uri="{FF2B5EF4-FFF2-40B4-BE49-F238E27FC236}">
-                    <a16:creationId xmlns:a16="http://schemas.microsoft.com/office/drawing/2014/main" id="{6DB3F11C-0C80-61EF-99E3-2CE8BC01ABA6}"/>
-                  </a:ext>
-                </a:extLst>
-              </p:cNvPr>
-              <p:cNvPicPr/>
-              <p:nvPr/>
-            </p:nvPicPr>
-            <p:blipFill>
-              <a:blip r:embed="rId3"/>
-              <a:stretch>
-                <a:fillRect/>
-              </a:stretch>
-            </p:blipFill>
-            <p:spPr>
-              <a:xfrm>
-                <a:off x="4615200" y="1576440"/>
-                <a:ext cx="7495920" cy="2667240"/>
-              </a:xfrm>
-              <a:prstGeom prst="rect">
-                <a:avLst/>
-              </a:prstGeom>
-            </p:spPr>
-          </p:pic>
-        </mc:Fallback>
-      </mc:AlternateContent>
     </p:spTree>
     <p:extLst>
       <p:ext uri="{BB962C8B-B14F-4D97-AF65-F5344CB8AC3E}">
@@ -4688,7 +4399,7 @@
 </p:sld>
 </file>
 
-<file path=ppt/slides/slide15.xml><?xml version="1.0" encoding="utf-8"?>
+<file path=ppt/slides/slide14.xml><?xml version="1.0" encoding="utf-8"?>
 <p:sld xmlns:a="http://schemas.openxmlformats.org/drawingml/2006/main" xmlns:r="http://schemas.openxmlformats.org/officeDocument/2006/relationships" xmlns:p="http://schemas.openxmlformats.org/presentationml/2006/main">
   <p:cSld>
     <p:spTree>
@@ -4754,7 +4465,7 @@
             <a:pPr lvl="1"/>
             <a:r>
               <a:rPr lang="en-US" dirty="0"/>
-              <a:t>Choose value for input (provided from environment, e.g. by user)</a:t>
+              <a:t>Choose value for input (provided from environment, e.g., by user)</a:t>
             </a:r>
           </a:p>
           <a:p>
@@ -4818,7 +4529,7 @@
             <a:fld id="{29AAD378-655A-49C6-813C-9FD132EF7440}" type="slidenum">
               <a:rPr lang="en-US" smtClean="0"/>
               <a:pPr/>
-              <a:t>15</a:t>
+              <a:t>14</a:t>
             </a:fld>
             <a:endParaRPr lang="en-US" dirty="0"/>
           </a:p>
@@ -5901,57 +5612,6 @@
           </a:p>
         </p:txBody>
       </p:sp>
-      <mc:AlternateContent xmlns:mc="http://schemas.openxmlformats.org/markup-compatibility/2006">
-        <mc:Choice xmlns:p14="http://schemas.microsoft.com/office/powerpoint/2010/main" Requires="p14">
-          <p:contentPart p14:bwMode="auto" r:id="rId2">
-            <p14:nvContentPartPr>
-              <p14:cNvPr id="36" name="Ink 35">
-                <a:extLst>
-                  <a:ext uri="{FF2B5EF4-FFF2-40B4-BE49-F238E27FC236}">
-                    <a16:creationId xmlns:a16="http://schemas.microsoft.com/office/drawing/2014/main" id="{1DD0DCFC-39E4-5389-96ED-F70889750719}"/>
-                  </a:ext>
-                </a:extLst>
-              </p14:cNvPr>
-              <p14:cNvContentPartPr/>
-              <p14:nvPr/>
-            </p14:nvContentPartPr>
-            <p14:xfrm>
-              <a:off x="357120" y="1471680"/>
-              <a:ext cx="2510280" cy="4057920"/>
-            </p14:xfrm>
-          </p:contentPart>
-        </mc:Choice>
-        <mc:Fallback>
-          <p:pic>
-            <p:nvPicPr>
-              <p:cNvPr id="36" name="Ink 35">
-                <a:extLst>
-                  <a:ext uri="{FF2B5EF4-FFF2-40B4-BE49-F238E27FC236}">
-                    <a16:creationId xmlns:a16="http://schemas.microsoft.com/office/drawing/2014/main" id="{1DD0DCFC-39E4-5389-96ED-F70889750719}"/>
-                  </a:ext>
-                </a:extLst>
-              </p:cNvPr>
-              <p:cNvPicPr/>
-              <p:nvPr/>
-            </p:nvPicPr>
-            <p:blipFill>
-              <a:blip r:embed="rId3"/>
-              <a:stretch>
-                <a:fillRect/>
-              </a:stretch>
-            </p:blipFill>
-            <p:spPr>
-              <a:xfrm>
-                <a:off x="347760" y="1462320"/>
-                <a:ext cx="2529000" cy="4076640"/>
-              </a:xfrm>
-              <a:prstGeom prst="rect">
-                <a:avLst/>
-              </a:prstGeom>
-            </p:spPr>
-          </p:pic>
-        </mc:Fallback>
-      </mc:AlternateContent>
     </p:spTree>
     <p:extLst>
       <p:ext uri="{BB962C8B-B14F-4D97-AF65-F5344CB8AC3E}">
@@ -6265,7 +5925,7 @@
 </p:sld>
 </file>
 
-<file path=ppt/slides/slide16.xml><?xml version="1.0" encoding="utf-8"?>
+<file path=ppt/slides/slide15.xml><?xml version="1.0" encoding="utf-8"?>
 <p:sld xmlns:a="http://schemas.openxmlformats.org/drawingml/2006/main" xmlns:r="http://schemas.openxmlformats.org/officeDocument/2006/relationships" xmlns:p="http://schemas.openxmlformats.org/presentationml/2006/main">
   <p:cSld>
     <p:spTree>
@@ -6401,7 +6061,7 @@
             <a:fld id="{29AAD378-655A-49C6-813C-9FD132EF7440}" type="slidenum">
               <a:rPr lang="en-US" smtClean="0"/>
               <a:pPr/>
-              <a:t>16</a:t>
+              <a:t>15</a:t>
             </a:fld>
             <a:endParaRPr lang="en-US" dirty="0"/>
           </a:p>
@@ -6420,7 +6080,7 @@
 </p:sld>
 </file>
 
-<file path=ppt/slides/slide17.xml><?xml version="1.0" encoding="utf-8"?>
+<file path=ppt/slides/slide16.xml><?xml version="1.0" encoding="utf-8"?>
 <p:sld xmlns:a="http://schemas.openxmlformats.org/drawingml/2006/main" xmlns:r="http://schemas.openxmlformats.org/officeDocument/2006/relationships" xmlns:p="http://schemas.openxmlformats.org/presentationml/2006/main">
   <p:cSld>
     <p:spTree>
@@ -6437,8 +6097,8 @@
           <a:chExt cx="0" cy="0"/>
         </a:xfrm>
       </p:grpSpPr>
-      <mc:AlternateContent xmlns:mc="http://schemas.openxmlformats.org/markup-compatibility/2006">
-        <mc:Choice xmlns:a14="http://schemas.microsoft.com/office/drawing/2010/main" Requires="a14">
+      <mc:AlternateContent xmlns:mc="http://schemas.openxmlformats.org/markup-compatibility/2006" xmlns:a14="http://schemas.microsoft.com/office/drawing/2010/main">
+        <mc:Choice Requires="a14">
           <p:sp>
             <p:nvSpPr>
               <p:cNvPr id="2" name="Content Placeholder 1">
@@ -6535,7 +6195,7 @@
             </p:txBody>
           </p:sp>
         </mc:Choice>
-        <mc:Fallback>
+        <mc:Fallback xmlns="">
           <p:sp>
             <p:nvSpPr>
               <p:cNvPr id="2" name="Content Placeholder 1">
@@ -6631,7 +6291,7 @@
             <a:fld id="{29AAD378-655A-49C6-813C-9FD132EF7440}" type="slidenum">
               <a:rPr lang="en-US" smtClean="0"/>
               <a:pPr/>
-              <a:t>17</a:t>
+              <a:t>16</a:t>
             </a:fld>
             <a:endParaRPr lang="en-US" dirty="0"/>
           </a:p>
@@ -8332,7 +7992,7 @@
 </p:sld>
 </file>
 
-<file path=ppt/slides/slide18.xml><?xml version="1.0" encoding="utf-8"?>
+<file path=ppt/slides/slide17.xml><?xml version="1.0" encoding="utf-8"?>
 <p:sld xmlns:a="http://schemas.openxmlformats.org/drawingml/2006/main" xmlns:r="http://schemas.openxmlformats.org/officeDocument/2006/relationships" xmlns:p="http://schemas.openxmlformats.org/presentationml/2006/main">
   <p:cSld>
     <p:spTree>
@@ -8349,8 +8009,8 @@
           <a:chExt cx="0" cy="0"/>
         </a:xfrm>
       </p:grpSpPr>
-      <mc:AlternateContent xmlns:mc="http://schemas.openxmlformats.org/markup-compatibility/2006">
-        <mc:Choice xmlns:a14="http://schemas.microsoft.com/office/drawing/2010/main" Requires="a14">
+      <mc:AlternateContent xmlns:mc="http://schemas.openxmlformats.org/markup-compatibility/2006" xmlns:a14="http://schemas.microsoft.com/office/drawing/2010/main">
+        <mc:Choice Requires="a14">
           <p:sp>
             <p:nvSpPr>
               <p:cNvPr id="2" name="Content Placeholder 1">
@@ -8849,7 +8509,7 @@
             </p:txBody>
           </p:sp>
         </mc:Choice>
-        <mc:Fallback>
+        <mc:Fallback xmlns="">
           <p:sp>
             <p:nvSpPr>
               <p:cNvPr id="2" name="Content Placeholder 1">
@@ -8945,7 +8605,7 @@
             <a:fld id="{29AAD378-655A-49C6-813C-9FD132EF7440}" type="slidenum">
               <a:rPr lang="en-US" smtClean="0"/>
               <a:pPr/>
-              <a:t>18</a:t>
+              <a:t>17</a:t>
             </a:fld>
             <a:endParaRPr lang="en-US" dirty="0"/>
           </a:p>
@@ -8964,7 +8624,7 @@
 </p:sld>
 </file>
 
-<file path=ppt/slides/slide19.xml><?xml version="1.0" encoding="utf-8"?>
+<file path=ppt/slides/slide18.xml><?xml version="1.0" encoding="utf-8"?>
 <p:sld xmlns:a="http://schemas.openxmlformats.org/drawingml/2006/main" xmlns:r="http://schemas.openxmlformats.org/officeDocument/2006/relationships" xmlns:p="http://schemas.openxmlformats.org/presentationml/2006/main">
   <p:cSld>
     <p:spTree>
@@ -8981,8 +8641,8 @@
           <a:chExt cx="0" cy="0"/>
         </a:xfrm>
       </p:grpSpPr>
-      <mc:AlternateContent xmlns:mc="http://schemas.openxmlformats.org/markup-compatibility/2006">
-        <mc:Choice xmlns:a14="http://schemas.microsoft.com/office/drawing/2010/main" Requires="a14">
+      <mc:AlternateContent xmlns:mc="http://schemas.openxmlformats.org/markup-compatibility/2006" xmlns:a14="http://schemas.microsoft.com/office/drawing/2010/main">
+        <mc:Choice Requires="a14">
           <p:sp>
             <p:nvSpPr>
               <p:cNvPr id="3" name="Title 2">
@@ -9107,7 +8767,7 @@
             </p:txBody>
           </p:sp>
         </mc:Choice>
-        <mc:Fallback>
+        <mc:Fallback xmlns="">
           <p:sp>
             <p:nvSpPr>
               <p:cNvPr id="3" name="Title 2">
@@ -9171,7 +8831,7 @@
             <a:fld id="{29AAD378-655A-49C6-813C-9FD132EF7440}" type="slidenum">
               <a:rPr lang="en-US" smtClean="0"/>
               <a:pPr/>
-              <a:t>19</a:t>
+              <a:t>18</a:t>
             </a:fld>
             <a:endParaRPr lang="en-US" dirty="0"/>
           </a:p>
@@ -10527,305 +10187,7 @@
 </p:sld>
 </file>
 
-<file path=ppt/slides/slide2.xml><?xml version="1.0" encoding="utf-8"?>
-<p:sld xmlns:a="http://schemas.openxmlformats.org/drawingml/2006/main" xmlns:r="http://schemas.openxmlformats.org/officeDocument/2006/relationships" xmlns:p="http://schemas.openxmlformats.org/presentationml/2006/main">
-  <p:cSld>
-    <p:spTree>
-      <p:nvGrpSpPr>
-        <p:cNvPr id="1" name=""/>
-        <p:cNvGrpSpPr/>
-        <p:nvPr/>
-      </p:nvGrpSpPr>
-      <p:grpSpPr>
-        <a:xfrm>
-          <a:off x="0" y="0"/>
-          <a:ext cx="0" cy="0"/>
-          <a:chOff x="0" y="0"/>
-          <a:chExt cx="0" cy="0"/>
-        </a:xfrm>
-      </p:grpSpPr>
-      <p:sp>
-        <p:nvSpPr>
-          <p:cNvPr id="3" name="Title 2">
-            <a:extLst>
-              <a:ext uri="{FF2B5EF4-FFF2-40B4-BE49-F238E27FC236}">
-                <a16:creationId xmlns:a16="http://schemas.microsoft.com/office/drawing/2014/main" id="{1434F66F-00EF-439B-BAD2-CBF16A36325F}"/>
-              </a:ext>
-            </a:extLst>
-          </p:cNvPr>
-          <p:cNvSpPr>
-            <a:spLocks noGrp="1"/>
-          </p:cNvSpPr>
-          <p:nvPr>
-            <p:ph type="title"/>
-          </p:nvPr>
-        </p:nvSpPr>
-        <p:spPr/>
-        <p:txBody>
-          <a:bodyPr/>
-          <a:lstStyle/>
-          <a:p>
-            <a:r>
-              <a:rPr lang="en-US" dirty="0"/>
-              <a:t>Model-based Development (MBD) or design</a:t>
-            </a:r>
-          </a:p>
-        </p:txBody>
-      </p:sp>
-      <p:sp>
-        <p:nvSpPr>
-          <p:cNvPr id="4" name="TextBox 3">
-            <a:extLst>
-              <a:ext uri="{FF2B5EF4-FFF2-40B4-BE49-F238E27FC236}">
-                <a16:creationId xmlns:a16="http://schemas.microsoft.com/office/drawing/2014/main" id="{9B84B02C-A1AC-4CA0-B349-4E16229135E5}"/>
-              </a:ext>
-            </a:extLst>
-          </p:cNvPr>
-          <p:cNvSpPr txBox="1"/>
-          <p:nvPr/>
-        </p:nvSpPr>
-        <p:spPr>
-          <a:xfrm>
-            <a:off x="7241367" y="5206987"/>
-            <a:ext cx="4433688" cy="954107"/>
-          </a:xfrm>
-          <a:prstGeom prst="rect">
-            <a:avLst/>
-          </a:prstGeom>
-          <a:noFill/>
-        </p:spPr>
-        <p:txBody>
-          <a:bodyPr wrap="square" rtlCol="0">
-            <a:spAutoFit/>
-          </a:bodyPr>
-          <a:lstStyle/>
-          <a:p>
-            <a:r>
-              <a:rPr lang="en-US" sz="1400" dirty="0">
-                <a:solidFill>
-                  <a:srgbClr val="FF0000"/>
-                </a:solidFill>
-              </a:rPr>
-              <a:t>[1] </a:t>
-            </a:r>
-            <a:r>
-              <a:rPr lang="en-US" sz="1400" dirty="0" err="1">
-                <a:solidFill>
-                  <a:srgbClr val="FF0000"/>
-                </a:solidFill>
-              </a:rPr>
-              <a:t>Nicolescu</a:t>
-            </a:r>
-            <a:r>
-              <a:rPr lang="en-US" sz="1400" dirty="0">
-                <a:solidFill>
-                  <a:srgbClr val="FF0000"/>
-                </a:solidFill>
-              </a:rPr>
-              <a:t>, Gabriela; </a:t>
-            </a:r>
-            <a:r>
-              <a:rPr lang="en-US" sz="1400" dirty="0" err="1">
-                <a:solidFill>
-                  <a:srgbClr val="FF0000"/>
-                </a:solidFill>
-              </a:rPr>
-              <a:t>Mosterman</a:t>
-            </a:r>
-            <a:r>
-              <a:rPr lang="en-US" sz="1400" dirty="0">
-                <a:solidFill>
-                  <a:srgbClr val="FF0000"/>
-                </a:solidFill>
-              </a:rPr>
-              <a:t>, Pieter J., eds. (2010). Model-Based Design for Embedded Systems. Computational Analysis, Synthesis, and Design of Dynamic Systems. 1. Boca Raton: CRC Press.</a:t>
-            </a:r>
-          </a:p>
-        </p:txBody>
-      </p:sp>
-      <p:sp>
-        <p:nvSpPr>
-          <p:cNvPr id="5" name="Slide Number Placeholder 4">
-            <a:extLst>
-              <a:ext uri="{FF2B5EF4-FFF2-40B4-BE49-F238E27FC236}">
-                <a16:creationId xmlns:a16="http://schemas.microsoft.com/office/drawing/2014/main" id="{6BC6F85E-AFC3-47E8-A245-FA22ACB004B2}"/>
-              </a:ext>
-            </a:extLst>
-          </p:cNvPr>
-          <p:cNvSpPr>
-            <a:spLocks noGrp="1"/>
-          </p:cNvSpPr>
-          <p:nvPr>
-            <p:ph type="sldNum" sz="quarter" idx="12"/>
-          </p:nvPr>
-        </p:nvSpPr>
-        <p:spPr/>
-        <p:txBody>
-          <a:bodyPr/>
-          <a:lstStyle/>
-          <a:p>
-            <a:fld id="{29AAD378-655A-49C6-813C-9FD132EF7440}" type="slidenum">
-              <a:rPr lang="en-US" smtClean="0"/>
-              <a:pPr/>
-              <a:t>2</a:t>
-            </a:fld>
-            <a:endParaRPr lang="en-US"/>
-          </a:p>
-        </p:txBody>
-      </p:sp>
-      <p:sp>
-        <p:nvSpPr>
-          <p:cNvPr id="6" name="Content Placeholder 1">
-            <a:extLst>
-              <a:ext uri="{FF2B5EF4-FFF2-40B4-BE49-F238E27FC236}">
-                <a16:creationId xmlns:a16="http://schemas.microsoft.com/office/drawing/2014/main" id="{ECA1F746-D8A3-41B7-9B76-587EBE666B38}"/>
-              </a:ext>
-            </a:extLst>
-          </p:cNvPr>
-          <p:cNvSpPr>
-            <a:spLocks noGrp="1"/>
-          </p:cNvSpPr>
-          <p:nvPr>
-            <p:ph idx="1"/>
-          </p:nvPr>
-        </p:nvSpPr>
-        <p:spPr>
-          <a:xfrm>
-            <a:off x="166681" y="1398494"/>
-            <a:ext cx="11699087" cy="4285547"/>
-          </a:xfrm>
-        </p:spPr>
-        <p:txBody>
-          <a:bodyPr>
-            <a:normAutofit fontScale="92500"/>
-          </a:bodyPr>
-          <a:lstStyle/>
-          <a:p>
-            <a:r>
-              <a:rPr lang="en-US" dirty="0"/>
-              <a:t>Most popular paradigm for principled software development in CPS</a:t>
-            </a:r>
-          </a:p>
-          <a:p>
-            <a:r>
-              <a:rPr lang="en-US" dirty="0"/>
-              <a:t>We will learn various aspects of MBD through this course</a:t>
-            </a:r>
-          </a:p>
-          <a:p>
-            <a:r>
-              <a:rPr lang="en-US" dirty="0"/>
-              <a:t>MBD when used for designing embedded software</a:t>
-            </a:r>
-            <a:r>
-              <a:rPr lang="en-US" baseline="30000" dirty="0"/>
-              <a:t>1</a:t>
-            </a:r>
-            <a:r>
-              <a:rPr lang="en-US" dirty="0"/>
-              <a:t> has 4 main steps</a:t>
-            </a:r>
-          </a:p>
-          <a:p>
-            <a:pPr marL="868680" lvl="1" indent="-457200">
-              <a:buFont typeface="+mj-lt"/>
-              <a:buAutoNum type="arabicPeriod"/>
-            </a:pPr>
-            <a:r>
-              <a:rPr lang="en-US" dirty="0"/>
-              <a:t>Model the physical components/environment (also known as a plant model)</a:t>
-            </a:r>
-          </a:p>
-          <a:p>
-            <a:pPr marL="868680" lvl="1" indent="-457200">
-              <a:buFont typeface="+mj-lt"/>
-              <a:buAutoNum type="arabicPeriod"/>
-            </a:pPr>
-            <a:r>
-              <a:rPr lang="en-US" dirty="0"/>
-              <a:t>Analyze the plant, and synthesize/design the control-software at a high-level</a:t>
-            </a:r>
-          </a:p>
-          <a:p>
-            <a:pPr marL="868680" lvl="1" indent="-457200">
-              <a:buFont typeface="+mj-lt"/>
-              <a:buAutoNum type="arabicPeriod"/>
-            </a:pPr>
-            <a:r>
-              <a:rPr lang="en-US" dirty="0"/>
-              <a:t>Co-Simulate the plant and control-software for testing/analysis</a:t>
-            </a:r>
-          </a:p>
-          <a:p>
-            <a:pPr marL="868680" lvl="1" indent="-457200">
-              <a:buFont typeface="+mj-lt"/>
-              <a:buAutoNum type="arabicPeriod"/>
-            </a:pPr>
-            <a:r>
-              <a:rPr lang="en-US" dirty="0"/>
-              <a:t>Automatically generate code from the control-software model for deployment</a:t>
-            </a:r>
-          </a:p>
-          <a:p>
-            <a:r>
-              <a:rPr lang="en-US" dirty="0"/>
-              <a:t>Popular MBD frameworks such as Simulink®, LabView™, </a:t>
-            </a:r>
-            <a:r>
-              <a:rPr lang="en-US" dirty="0" err="1"/>
-              <a:t>RationalRose</a:t>
-            </a:r>
-            <a:r>
-              <a:rPr lang="en-US" dirty="0"/>
-              <a:t>, </a:t>
-            </a:r>
-            <a:r>
-              <a:rPr lang="en-US" dirty="0" err="1"/>
-              <a:t>DyMola</a:t>
-            </a:r>
-            <a:r>
-              <a:rPr lang="en-US" dirty="0"/>
-              <a:t>, </a:t>
-            </a:r>
-            <a:r>
-              <a:rPr lang="en-US" dirty="0" err="1"/>
-              <a:t>TargetLink</a:t>
-            </a:r>
-            <a:r>
-              <a:rPr lang="en-US" dirty="0"/>
-              <a:t>, </a:t>
-            </a:r>
-            <a:r>
-              <a:rPr lang="en-US" dirty="0" err="1"/>
-              <a:t>Scade</a:t>
-            </a:r>
-            <a:r>
-              <a:rPr lang="en-US" dirty="0"/>
-              <a:t>, Python etc. </a:t>
-            </a:r>
-          </a:p>
-          <a:p>
-            <a:pPr marL="0" indent="0">
-              <a:buNone/>
-            </a:pPr>
-            <a:endParaRPr lang="en-US" dirty="0"/>
-          </a:p>
-        </p:txBody>
-      </p:sp>
-    </p:spTree>
-    <p:extLst>
-      <p:ext uri="{BB962C8B-B14F-4D97-AF65-F5344CB8AC3E}">
-        <p14:creationId xmlns:p14="http://schemas.microsoft.com/office/powerpoint/2010/main" val="79341691"/>
-      </p:ext>
-    </p:extLst>
-  </p:cSld>
-  <p:clrMapOvr>
-    <a:masterClrMapping/>
-  </p:clrMapOvr>
-</p:sld>
-</file>
-
-<file path=ppt/slides/slide20.xml><?xml version="1.0" encoding="utf-8"?>
+<file path=ppt/slides/slide19.xml><?xml version="1.0" encoding="utf-8"?>
 <p:sld xmlns:a="http://schemas.openxmlformats.org/drawingml/2006/main" xmlns:r="http://schemas.openxmlformats.org/officeDocument/2006/relationships" xmlns:p="http://schemas.openxmlformats.org/presentationml/2006/main">
   <p:cSld>
     <p:spTree>
@@ -11251,7 +10613,7 @@
             <a:fld id="{29AAD378-655A-49C6-813C-9FD132EF7440}" type="slidenum">
               <a:rPr lang="en-US" smtClean="0"/>
               <a:pPr/>
-              <a:t>20</a:t>
+              <a:t>19</a:t>
             </a:fld>
             <a:endParaRPr lang="en-US" dirty="0"/>
           </a:p>
@@ -11776,8 +11138,8 @@
           </p:sp>
         </mc:Fallback>
       </mc:AlternateContent>
-      <mc:AlternateContent xmlns:mc="http://schemas.openxmlformats.org/markup-compatibility/2006">
-        <mc:Choice xmlns:p14="http://schemas.microsoft.com/office/powerpoint/2010/main" Requires="p14">
+      <mc:AlternateContent xmlns:mc="http://schemas.openxmlformats.org/markup-compatibility/2006" xmlns:p14="http://schemas.microsoft.com/office/powerpoint/2010/main">
+        <mc:Choice Requires="p14">
           <p:contentPart p14:bwMode="auto" r:id="rId4">
             <p14:nvContentPartPr>
               <p14:cNvPr id="5" name="Ink 4">
@@ -11796,7 +11158,7 @@
             </p14:xfrm>
           </p:contentPart>
         </mc:Choice>
-        <mc:Fallback>
+        <mc:Fallback xmlns="">
           <p:pic>
             <p:nvPicPr>
               <p:cNvPr id="5" name="Ink 4">
@@ -11847,8 +11209,8 @@
             <a:chExt cx="902520" cy="896400"/>
           </a:xfrm>
         </p:grpSpPr>
-        <mc:AlternateContent xmlns:mc="http://schemas.openxmlformats.org/markup-compatibility/2006">
-          <mc:Choice xmlns:p14="http://schemas.microsoft.com/office/powerpoint/2010/main" Requires="p14">
+        <mc:AlternateContent xmlns:mc="http://schemas.openxmlformats.org/markup-compatibility/2006" xmlns:p14="http://schemas.microsoft.com/office/powerpoint/2010/main">
+          <mc:Choice Requires="p14">
             <p:contentPart p14:bwMode="auto" r:id="rId6">
               <p14:nvContentPartPr>
                 <p14:cNvPr id="7" name="Ink 6">
@@ -11867,7 +11229,7 @@
               </p14:xfrm>
             </p:contentPart>
           </mc:Choice>
-          <mc:Fallback>
+          <mc:Fallback xmlns="">
             <p:pic>
               <p:nvPicPr>
                 <p:cNvPr id="7" name="Ink 6">
@@ -11898,8 +11260,8 @@
             </p:pic>
           </mc:Fallback>
         </mc:AlternateContent>
-        <mc:AlternateContent xmlns:mc="http://schemas.openxmlformats.org/markup-compatibility/2006">
-          <mc:Choice xmlns:p14="http://schemas.microsoft.com/office/powerpoint/2010/main" Requires="p14">
+        <mc:AlternateContent xmlns:mc="http://schemas.openxmlformats.org/markup-compatibility/2006" xmlns:p14="http://schemas.microsoft.com/office/powerpoint/2010/main">
+          <mc:Choice Requires="p14">
             <p:contentPart p14:bwMode="auto" r:id="rId8">
               <p14:nvContentPartPr>
                 <p14:cNvPr id="8" name="Ink 7">
@@ -11918,7 +11280,7 @@
               </p14:xfrm>
             </p:contentPart>
           </mc:Choice>
-          <mc:Fallback>
+          <mc:Fallback xmlns="">
             <p:pic>
               <p:nvPicPr>
                 <p:cNvPr id="8" name="Ink 7">
@@ -11949,8 +11311,8 @@
             </p:pic>
           </mc:Fallback>
         </mc:AlternateContent>
-        <mc:AlternateContent xmlns:mc="http://schemas.openxmlformats.org/markup-compatibility/2006">
-          <mc:Choice xmlns:p14="http://schemas.microsoft.com/office/powerpoint/2010/main" Requires="p14">
+        <mc:AlternateContent xmlns:mc="http://schemas.openxmlformats.org/markup-compatibility/2006" xmlns:p14="http://schemas.microsoft.com/office/powerpoint/2010/main">
+          <mc:Choice Requires="p14">
             <p:contentPart p14:bwMode="auto" r:id="rId10">
               <p14:nvContentPartPr>
                 <p14:cNvPr id="10" name="Ink 9">
@@ -11969,7 +11331,7 @@
               </p14:xfrm>
             </p:contentPart>
           </mc:Choice>
-          <mc:Fallback>
+          <mc:Fallback xmlns="">
             <p:pic>
               <p:nvPicPr>
                 <p:cNvPr id="10" name="Ink 9">
@@ -12021,8 +11383,8 @@
             <a:chExt cx="948600" cy="555840"/>
           </a:xfrm>
         </p:grpSpPr>
-        <mc:AlternateContent xmlns:mc="http://schemas.openxmlformats.org/markup-compatibility/2006">
-          <mc:Choice xmlns:p14="http://schemas.microsoft.com/office/powerpoint/2010/main" Requires="p14">
+        <mc:AlternateContent xmlns:mc="http://schemas.openxmlformats.org/markup-compatibility/2006" xmlns:p14="http://schemas.microsoft.com/office/powerpoint/2010/main">
+          <mc:Choice Requires="p14">
             <p:contentPart p14:bwMode="auto" r:id="rId12">
               <p14:nvContentPartPr>
                 <p14:cNvPr id="13" name="Ink 12">
@@ -12041,7 +11403,7 @@
               </p14:xfrm>
             </p:contentPart>
           </mc:Choice>
-          <mc:Fallback>
+          <mc:Fallback xmlns="">
             <p:pic>
               <p:nvPicPr>
                 <p:cNvPr id="13" name="Ink 12">
@@ -12072,8 +11434,8 @@
             </p:pic>
           </mc:Fallback>
         </mc:AlternateContent>
-        <mc:AlternateContent xmlns:mc="http://schemas.openxmlformats.org/markup-compatibility/2006">
-          <mc:Choice xmlns:p14="http://schemas.microsoft.com/office/powerpoint/2010/main" Requires="p14">
+        <mc:AlternateContent xmlns:mc="http://schemas.openxmlformats.org/markup-compatibility/2006" xmlns:p14="http://schemas.microsoft.com/office/powerpoint/2010/main">
+          <mc:Choice Requires="p14">
             <p:contentPart p14:bwMode="auto" r:id="rId14">
               <p14:nvContentPartPr>
                 <p14:cNvPr id="14" name="Ink 13">
@@ -12092,7 +11454,7 @@
               </p14:xfrm>
             </p:contentPart>
           </mc:Choice>
-          <mc:Fallback>
+          <mc:Fallback xmlns="">
             <p:pic>
               <p:nvPicPr>
                 <p:cNvPr id="14" name="Ink 13">
@@ -12123,8 +11485,8 @@
             </p:pic>
           </mc:Fallback>
         </mc:AlternateContent>
-        <mc:AlternateContent xmlns:mc="http://schemas.openxmlformats.org/markup-compatibility/2006">
-          <mc:Choice xmlns:p14="http://schemas.microsoft.com/office/powerpoint/2010/main" Requires="p14">
+        <mc:AlternateContent xmlns:mc="http://schemas.openxmlformats.org/markup-compatibility/2006" xmlns:p14="http://schemas.microsoft.com/office/powerpoint/2010/main">
+          <mc:Choice Requires="p14">
             <p:contentPart p14:bwMode="auto" r:id="rId16">
               <p14:nvContentPartPr>
                 <p14:cNvPr id="26" name="Ink 25">
@@ -12143,7 +11505,7 @@
               </p14:xfrm>
             </p:contentPart>
           </mc:Choice>
-          <mc:Fallback>
+          <mc:Fallback xmlns="">
             <p:pic>
               <p:nvPicPr>
                 <p:cNvPr id="26" name="Ink 25">
@@ -12175,8 +11537,8 @@
           </mc:Fallback>
         </mc:AlternateContent>
       </p:grpSp>
-      <mc:AlternateContent xmlns:mc="http://schemas.openxmlformats.org/markup-compatibility/2006">
-        <mc:Choice xmlns:p14="http://schemas.microsoft.com/office/powerpoint/2010/main" Requires="p14">
+      <mc:AlternateContent xmlns:mc="http://schemas.openxmlformats.org/markup-compatibility/2006" xmlns:p14="http://schemas.microsoft.com/office/powerpoint/2010/main">
+        <mc:Choice Requires="p14">
           <p:contentPart p14:bwMode="auto" r:id="rId18">
             <p14:nvContentPartPr>
               <p14:cNvPr id="28" name="Ink 27">
@@ -12195,7 +11557,7 @@
             </p14:xfrm>
           </p:contentPart>
         </mc:Choice>
-        <mc:Fallback>
+        <mc:Fallback xmlns="">
           <p:pic>
             <p:nvPicPr>
               <p:cNvPr id="28" name="Ink 27">
@@ -12359,7 +11721,305 @@
 </p:sld>
 </file>
 
-<file path=ppt/slides/slide21.xml><?xml version="1.0" encoding="utf-8"?>
+<file path=ppt/slides/slide2.xml><?xml version="1.0" encoding="utf-8"?>
+<p:sld xmlns:a="http://schemas.openxmlformats.org/drawingml/2006/main" xmlns:r="http://schemas.openxmlformats.org/officeDocument/2006/relationships" xmlns:p="http://schemas.openxmlformats.org/presentationml/2006/main">
+  <p:cSld>
+    <p:spTree>
+      <p:nvGrpSpPr>
+        <p:cNvPr id="1" name=""/>
+        <p:cNvGrpSpPr/>
+        <p:nvPr/>
+      </p:nvGrpSpPr>
+      <p:grpSpPr>
+        <a:xfrm>
+          <a:off x="0" y="0"/>
+          <a:ext cx="0" cy="0"/>
+          <a:chOff x="0" y="0"/>
+          <a:chExt cx="0" cy="0"/>
+        </a:xfrm>
+      </p:grpSpPr>
+      <p:sp>
+        <p:nvSpPr>
+          <p:cNvPr id="3" name="Title 2">
+            <a:extLst>
+              <a:ext uri="{FF2B5EF4-FFF2-40B4-BE49-F238E27FC236}">
+                <a16:creationId xmlns:a16="http://schemas.microsoft.com/office/drawing/2014/main" id="{1434F66F-00EF-439B-BAD2-CBF16A36325F}"/>
+              </a:ext>
+            </a:extLst>
+          </p:cNvPr>
+          <p:cNvSpPr>
+            <a:spLocks noGrp="1"/>
+          </p:cNvSpPr>
+          <p:nvPr>
+            <p:ph type="title"/>
+          </p:nvPr>
+        </p:nvSpPr>
+        <p:spPr/>
+        <p:txBody>
+          <a:bodyPr/>
+          <a:lstStyle/>
+          <a:p>
+            <a:r>
+              <a:rPr lang="en-US" dirty="0"/>
+              <a:t>Model-based Development (MBD) or design</a:t>
+            </a:r>
+          </a:p>
+        </p:txBody>
+      </p:sp>
+      <p:sp>
+        <p:nvSpPr>
+          <p:cNvPr id="4" name="TextBox 3">
+            <a:extLst>
+              <a:ext uri="{FF2B5EF4-FFF2-40B4-BE49-F238E27FC236}">
+                <a16:creationId xmlns:a16="http://schemas.microsoft.com/office/drawing/2014/main" id="{9B84B02C-A1AC-4CA0-B349-4E16229135E5}"/>
+              </a:ext>
+            </a:extLst>
+          </p:cNvPr>
+          <p:cNvSpPr txBox="1"/>
+          <p:nvPr/>
+        </p:nvSpPr>
+        <p:spPr>
+          <a:xfrm>
+            <a:off x="7241367" y="5206987"/>
+            <a:ext cx="4433688" cy="954107"/>
+          </a:xfrm>
+          <a:prstGeom prst="rect">
+            <a:avLst/>
+          </a:prstGeom>
+          <a:noFill/>
+        </p:spPr>
+        <p:txBody>
+          <a:bodyPr wrap="square" rtlCol="0">
+            <a:spAutoFit/>
+          </a:bodyPr>
+          <a:lstStyle/>
+          <a:p>
+            <a:r>
+              <a:rPr lang="en-US" sz="1400" dirty="0">
+                <a:solidFill>
+                  <a:srgbClr val="FF0000"/>
+                </a:solidFill>
+              </a:rPr>
+              <a:t>[1] </a:t>
+            </a:r>
+            <a:r>
+              <a:rPr lang="en-US" sz="1400" dirty="0" err="1">
+                <a:solidFill>
+                  <a:srgbClr val="FF0000"/>
+                </a:solidFill>
+              </a:rPr>
+              <a:t>Nicolescu</a:t>
+            </a:r>
+            <a:r>
+              <a:rPr lang="en-US" sz="1400" dirty="0">
+                <a:solidFill>
+                  <a:srgbClr val="FF0000"/>
+                </a:solidFill>
+              </a:rPr>
+              <a:t>, Gabriela; </a:t>
+            </a:r>
+            <a:r>
+              <a:rPr lang="en-US" sz="1400" dirty="0" err="1">
+                <a:solidFill>
+                  <a:srgbClr val="FF0000"/>
+                </a:solidFill>
+              </a:rPr>
+              <a:t>Mosterman</a:t>
+            </a:r>
+            <a:r>
+              <a:rPr lang="en-US" sz="1400" dirty="0">
+                <a:solidFill>
+                  <a:srgbClr val="FF0000"/>
+                </a:solidFill>
+              </a:rPr>
+              <a:t>, Pieter J., eds. (2010). Model-Based Design for Embedded Systems. Computational Analysis, Synthesis, and Design of Dynamic Systems. 1. Boca Raton: CRC Press.</a:t>
+            </a:r>
+          </a:p>
+        </p:txBody>
+      </p:sp>
+      <p:sp>
+        <p:nvSpPr>
+          <p:cNvPr id="5" name="Slide Number Placeholder 4">
+            <a:extLst>
+              <a:ext uri="{FF2B5EF4-FFF2-40B4-BE49-F238E27FC236}">
+                <a16:creationId xmlns:a16="http://schemas.microsoft.com/office/drawing/2014/main" id="{6BC6F85E-AFC3-47E8-A245-FA22ACB004B2}"/>
+              </a:ext>
+            </a:extLst>
+          </p:cNvPr>
+          <p:cNvSpPr>
+            <a:spLocks noGrp="1"/>
+          </p:cNvSpPr>
+          <p:nvPr>
+            <p:ph type="sldNum" sz="quarter" idx="12"/>
+          </p:nvPr>
+        </p:nvSpPr>
+        <p:spPr/>
+        <p:txBody>
+          <a:bodyPr/>
+          <a:lstStyle/>
+          <a:p>
+            <a:fld id="{29AAD378-655A-49C6-813C-9FD132EF7440}" type="slidenum">
+              <a:rPr lang="en-US" smtClean="0"/>
+              <a:pPr/>
+              <a:t>2</a:t>
+            </a:fld>
+            <a:endParaRPr lang="en-US"/>
+          </a:p>
+        </p:txBody>
+      </p:sp>
+      <p:sp>
+        <p:nvSpPr>
+          <p:cNvPr id="6" name="Content Placeholder 1">
+            <a:extLst>
+              <a:ext uri="{FF2B5EF4-FFF2-40B4-BE49-F238E27FC236}">
+                <a16:creationId xmlns:a16="http://schemas.microsoft.com/office/drawing/2014/main" id="{ECA1F746-D8A3-41B7-9B76-587EBE666B38}"/>
+              </a:ext>
+            </a:extLst>
+          </p:cNvPr>
+          <p:cNvSpPr>
+            <a:spLocks noGrp="1"/>
+          </p:cNvSpPr>
+          <p:nvPr>
+            <p:ph idx="1"/>
+          </p:nvPr>
+        </p:nvSpPr>
+        <p:spPr>
+          <a:xfrm>
+            <a:off x="166681" y="1398494"/>
+            <a:ext cx="11699087" cy="4285547"/>
+          </a:xfrm>
+        </p:spPr>
+        <p:txBody>
+          <a:bodyPr>
+            <a:normAutofit fontScale="92500"/>
+          </a:bodyPr>
+          <a:lstStyle/>
+          <a:p>
+            <a:r>
+              <a:rPr lang="en-US" dirty="0"/>
+              <a:t>Most popular paradigm for principled software development in CPS</a:t>
+            </a:r>
+          </a:p>
+          <a:p>
+            <a:r>
+              <a:rPr lang="en-US" dirty="0"/>
+              <a:t>We will learn various aspects of MBD through this course</a:t>
+            </a:r>
+          </a:p>
+          <a:p>
+            <a:r>
+              <a:rPr lang="en-US" dirty="0"/>
+              <a:t>MBD when used for designing embedded software</a:t>
+            </a:r>
+            <a:r>
+              <a:rPr lang="en-US" baseline="30000" dirty="0"/>
+              <a:t>1</a:t>
+            </a:r>
+            <a:r>
+              <a:rPr lang="en-US" dirty="0"/>
+              <a:t> has 4 main steps</a:t>
+            </a:r>
+          </a:p>
+          <a:p>
+            <a:pPr marL="868680" lvl="1" indent="-457200">
+              <a:buFont typeface="+mj-lt"/>
+              <a:buAutoNum type="arabicPeriod"/>
+            </a:pPr>
+            <a:r>
+              <a:rPr lang="en-US" dirty="0"/>
+              <a:t>Model the physical components/environment (also known as a plant model)</a:t>
+            </a:r>
+          </a:p>
+          <a:p>
+            <a:pPr marL="868680" lvl="1" indent="-457200">
+              <a:buFont typeface="+mj-lt"/>
+              <a:buAutoNum type="arabicPeriod"/>
+            </a:pPr>
+            <a:r>
+              <a:rPr lang="en-US" dirty="0"/>
+              <a:t>Analyze the plant, and synthesize/design the control-software at a high-level</a:t>
+            </a:r>
+          </a:p>
+          <a:p>
+            <a:pPr marL="868680" lvl="1" indent="-457200">
+              <a:buFont typeface="+mj-lt"/>
+              <a:buAutoNum type="arabicPeriod"/>
+            </a:pPr>
+            <a:r>
+              <a:rPr lang="en-US" dirty="0"/>
+              <a:t>Co-Simulate the plant and control-software for testing/analysis</a:t>
+            </a:r>
+          </a:p>
+          <a:p>
+            <a:pPr marL="868680" lvl="1" indent="-457200">
+              <a:buFont typeface="+mj-lt"/>
+              <a:buAutoNum type="arabicPeriod"/>
+            </a:pPr>
+            <a:r>
+              <a:rPr lang="en-US" dirty="0"/>
+              <a:t>Automatically generate code from the control-software model for deployment</a:t>
+            </a:r>
+          </a:p>
+          <a:p>
+            <a:r>
+              <a:rPr lang="en-US" dirty="0"/>
+              <a:t>Popular MBD frameworks such as Simulink®, LabView™, </a:t>
+            </a:r>
+            <a:r>
+              <a:rPr lang="en-US" dirty="0" err="1"/>
+              <a:t>RationalRose</a:t>
+            </a:r>
+            <a:r>
+              <a:rPr lang="en-US" dirty="0"/>
+              <a:t>, </a:t>
+            </a:r>
+            <a:r>
+              <a:rPr lang="en-US" dirty="0" err="1"/>
+              <a:t>DyMola</a:t>
+            </a:r>
+            <a:r>
+              <a:rPr lang="en-US" dirty="0"/>
+              <a:t>, </a:t>
+            </a:r>
+            <a:r>
+              <a:rPr lang="en-US" dirty="0" err="1"/>
+              <a:t>TargetLink</a:t>
+            </a:r>
+            <a:r>
+              <a:rPr lang="en-US" dirty="0"/>
+              <a:t>, </a:t>
+            </a:r>
+            <a:r>
+              <a:rPr lang="en-US" dirty="0" err="1"/>
+              <a:t>Scade</a:t>
+            </a:r>
+            <a:r>
+              <a:rPr lang="en-US" dirty="0"/>
+              <a:t>, Python etc. </a:t>
+            </a:r>
+          </a:p>
+          <a:p>
+            <a:pPr marL="0" indent="0">
+              <a:buNone/>
+            </a:pPr>
+            <a:endParaRPr lang="en-US" dirty="0"/>
+          </a:p>
+        </p:txBody>
+      </p:sp>
+    </p:spTree>
+    <p:extLst>
+      <p:ext uri="{BB962C8B-B14F-4D97-AF65-F5344CB8AC3E}">
+        <p14:creationId xmlns:p14="http://schemas.microsoft.com/office/powerpoint/2010/main" val="79341691"/>
+      </p:ext>
+    </p:extLst>
+  </p:cSld>
+  <p:clrMapOvr>
+    <a:masterClrMapping/>
+  </p:clrMapOvr>
+</p:sld>
+</file>
+
+<file path=ppt/slides/slide20.xml><?xml version="1.0" encoding="utf-8"?>
 <p:sld xmlns:a="http://schemas.openxmlformats.org/drawingml/2006/main" xmlns:r="http://schemas.openxmlformats.org/officeDocument/2006/relationships" xmlns:p="http://schemas.openxmlformats.org/presentationml/2006/main">
   <p:cSld>
     <p:spTree>
@@ -12428,7 +12088,7 @@
             <a:fld id="{29AAD378-655A-49C6-813C-9FD132EF7440}" type="slidenum">
               <a:rPr lang="en-US" smtClean="0"/>
               <a:pPr/>
-              <a:t>21</a:t>
+              <a:t>20</a:t>
             </a:fld>
             <a:endParaRPr lang="en-US" dirty="0"/>
           </a:p>
@@ -13253,7 +12913,7 @@
 </p:sld>
 </file>
 
-<file path=ppt/slides/slide22.xml><?xml version="1.0" encoding="utf-8"?>
+<file path=ppt/slides/slide21.xml><?xml version="1.0" encoding="utf-8"?>
 <p:sld xmlns:a="http://schemas.openxmlformats.org/drawingml/2006/main" xmlns:r="http://schemas.openxmlformats.org/officeDocument/2006/relationships" xmlns:p="http://schemas.openxmlformats.org/presentationml/2006/main">
   <p:cSld>
     <p:spTree>
@@ -13322,7 +12982,7 @@
             <a:fld id="{29AAD378-655A-49C6-813C-9FD132EF7440}" type="slidenum">
               <a:rPr lang="en-US" smtClean="0"/>
               <a:pPr/>
-              <a:t>22</a:t>
+              <a:t>21</a:t>
             </a:fld>
             <a:endParaRPr lang="en-US" dirty="0"/>
           </a:p>
@@ -16373,7 +16033,7 @@
 </p:sld>
 </file>
 
-<file path=ppt/slides/slide23.xml><?xml version="1.0" encoding="utf-8"?>
+<file path=ppt/slides/slide22.xml><?xml version="1.0" encoding="utf-8"?>
 <p:sld xmlns:a="http://schemas.openxmlformats.org/drawingml/2006/main" xmlns:r="http://schemas.openxmlformats.org/officeDocument/2006/relationships" xmlns:p="http://schemas.openxmlformats.org/presentationml/2006/main">
   <p:cSld>
     <p:spTree>
@@ -16442,7 +16102,7 @@
             <a:fld id="{29AAD378-655A-49C6-813C-9FD132EF7440}" type="slidenum">
               <a:rPr lang="en-US" smtClean="0"/>
               <a:pPr/>
-              <a:t>23</a:t>
+              <a:t>22</a:t>
             </a:fld>
             <a:endParaRPr lang="en-US" dirty="0"/>
           </a:p>
@@ -17691,7 +17351,7 @@
 </p:sld>
 </file>
 
-<file path=ppt/slides/slide24.xml><?xml version="1.0" encoding="utf-8"?>
+<file path=ppt/slides/slide23.xml><?xml version="1.0" encoding="utf-8"?>
 <p:sld xmlns:a="http://schemas.openxmlformats.org/drawingml/2006/main" xmlns:r="http://schemas.openxmlformats.org/officeDocument/2006/relationships" xmlns:p="http://schemas.openxmlformats.org/presentationml/2006/main">
   <p:cSld>
     <p:spTree>
@@ -17760,7 +17420,7 @@
             <a:fld id="{29AAD378-655A-49C6-813C-9FD132EF7440}" type="slidenum">
               <a:rPr lang="en-US" smtClean="0"/>
               <a:pPr/>
-              <a:t>24</a:t>
+              <a:t>23</a:t>
             </a:fld>
             <a:endParaRPr lang="en-US" dirty="0"/>
           </a:p>
@@ -18337,7 +17997,7 @@
         </p:nvCxnSpPr>
         <p:spPr>
           <a:xfrm>
-            <a:off x="7467600" y="1985107"/>
+            <a:off x="7467600" y="2206620"/>
             <a:ext cx="2991476" cy="0"/>
           </a:xfrm>
           <a:prstGeom prst="line">
@@ -18696,6 +18356,50 @@
           </a:p>
         </p:txBody>
       </p:sp>
+      <p:sp>
+        <p:nvSpPr>
+          <p:cNvPr id="2" name="TextBox 1">
+            <a:extLst>
+              <a:ext uri="{FF2B5EF4-FFF2-40B4-BE49-F238E27FC236}">
+                <a16:creationId xmlns:a16="http://schemas.microsoft.com/office/drawing/2014/main" id="{3E4CAE1D-F812-719F-69B0-F4CB27835094}"/>
+              </a:ext>
+            </a:extLst>
+          </p:cNvPr>
+          <p:cNvSpPr txBox="1"/>
+          <p:nvPr/>
+        </p:nvSpPr>
+        <p:spPr>
+          <a:xfrm>
+            <a:off x="7716119" y="1818219"/>
+            <a:ext cx="2152032" cy="461665"/>
+          </a:xfrm>
+          <a:prstGeom prst="rect">
+            <a:avLst/>
+          </a:prstGeom>
+          <a:noFill/>
+        </p:spPr>
+        <p:txBody>
+          <a:bodyPr wrap="square" rtlCol="0">
+            <a:spAutoFit/>
+          </a:bodyPr>
+          <a:lstStyle/>
+          <a:p>
+            <a:r>
+              <a:rPr lang="en-US" sz="2400" dirty="0"/>
+              <a:t>bool error</a:t>
+            </a:r>
+            <a:r>
+              <a:rPr lang="en-US" sz="2400" baseline="-25000" dirty="0"/>
+              <a:t> </a:t>
+            </a:r>
+            <a:r>
+              <a:rPr lang="en-US" sz="2400" dirty="0"/>
+              <a:t>:= 0</a:t>
+            </a:r>
+            <a:endParaRPr lang="en-US" sz="2400" baseline="-25000" dirty="0"/>
+          </a:p>
+        </p:txBody>
+      </p:sp>
     </p:spTree>
     <p:extLst>
       <p:ext uri="{BB962C8B-B14F-4D97-AF65-F5344CB8AC3E}">
@@ -18787,7 +18491,7 @@
 </p:sld>
 </file>
 
-<file path=ppt/slides/slide25.xml><?xml version="1.0" encoding="utf-8"?>
+<file path=ppt/slides/slide24.xml><?xml version="1.0" encoding="utf-8"?>
 <p:sld xmlns:a="http://schemas.openxmlformats.org/drawingml/2006/main" xmlns:r="http://schemas.openxmlformats.org/officeDocument/2006/relationships" xmlns:p="http://schemas.openxmlformats.org/presentationml/2006/main">
   <p:cSld>
     <p:spTree>
@@ -18831,7 +18535,7 @@
               <a:p>
                 <a:r>
                   <a:rPr lang="en-US" dirty="0"/>
-                  <a:t>An SRC is deterministic if:</a:t>
+                  <a:t>A synchronous component is deterministic if:</a:t>
                 </a:r>
               </a:p>
               <a:p>
@@ -19000,7 +18704,7 @@
               <a:p>
                 <a:r>
                   <a:rPr lang="en-US" dirty="0"/>
-                  <a:t>Determinism means for same input sequence, you get same state/output sequence every single time</a:t>
+                  <a:t>Determinism means for same input sequence you get same state/output sequence every single time</a:t>
                 </a:r>
               </a:p>
               <a:p>
@@ -19089,7 +18793,7 @@
           <a:p>
             <a:r>
               <a:rPr lang="en-US" dirty="0"/>
-              <a:t>Deterministic Component</a:t>
+              <a:t>Determinism</a:t>
             </a:r>
           </a:p>
         </p:txBody>
@@ -19118,7 +18822,7 @@
             <a:fld id="{29AAD378-655A-49C6-813C-9FD132EF7440}" type="slidenum">
               <a:rPr lang="en-US" smtClean="0"/>
               <a:pPr/>
-              <a:t>25</a:t>
+              <a:t>24</a:t>
             </a:fld>
             <a:endParaRPr lang="en-US" dirty="0"/>
           </a:p>
@@ -19137,7 +18841,7 @@
 </p:sld>
 </file>
 
-<file path=ppt/slides/slide26.xml><?xml version="1.0" encoding="utf-8"?>
+<file path=ppt/slides/slide25.xml><?xml version="1.0" encoding="utf-8"?>
 <p:sld xmlns:a="http://schemas.openxmlformats.org/drawingml/2006/main" xmlns:r="http://schemas.openxmlformats.org/officeDocument/2006/relationships" xmlns:p="http://schemas.openxmlformats.org/presentationml/2006/main">
   <p:cSld>
     <p:spTree>
@@ -19182,7 +18886,7 @@
           <a:p>
             <a:r>
               <a:rPr lang="en-US" dirty="0"/>
-              <a:t>Commonly used to describe behavior of MBD models</a:t>
+              <a:t>Commonly used to describe behavior of synchronous models</a:t>
             </a:r>
           </a:p>
           <a:p>
@@ -19245,7 +18949,7 @@
             <a:fld id="{29AAD378-655A-49C6-813C-9FD132EF7440}" type="slidenum">
               <a:rPr lang="en-US" smtClean="0"/>
               <a:pPr/>
-              <a:t>26</a:t>
+              <a:t>25</a:t>
             </a:fld>
             <a:endParaRPr lang="en-US" dirty="0"/>
           </a:p>
@@ -20048,7 +19752,7 @@
 </p:sld>
 </file>
 
-<file path=ppt/slides/slide27.xml><?xml version="1.0" encoding="utf-8"?>
+<file path=ppt/slides/slide26.xml><?xml version="1.0" encoding="utf-8"?>
 <p:sld xmlns:a="http://schemas.openxmlformats.org/drawingml/2006/main" xmlns:r="http://schemas.openxmlformats.org/officeDocument/2006/relationships" xmlns:p="http://schemas.openxmlformats.org/presentationml/2006/main">
   <p:cSld>
     <p:spTree>
@@ -20150,7 +19854,7 @@
             <a:fld id="{29AAD378-655A-49C6-813C-9FD132EF7440}" type="slidenum">
               <a:rPr lang="en-US" smtClean="0"/>
               <a:pPr/>
-              <a:t>27</a:t>
+              <a:t>26</a:t>
             </a:fld>
             <a:endParaRPr lang="en-US" dirty="0"/>
           </a:p>
@@ -20502,7 +20206,7 @@
 </p:sld>
 </file>
 
-<file path=ppt/slides/slide28.xml><?xml version="1.0" encoding="utf-8"?>
+<file path=ppt/slides/slide27.xml><?xml version="1.0" encoding="utf-8"?>
 <p:sld xmlns:a="http://schemas.openxmlformats.org/drawingml/2006/main" xmlns:r="http://schemas.openxmlformats.org/officeDocument/2006/relationships" xmlns:p="http://schemas.openxmlformats.org/presentationml/2006/main">
   <p:cSld>
     <p:spTree>
@@ -20571,7 +20275,7 @@
             <a:fld id="{29AAD378-655A-49C6-813C-9FD132EF7440}" type="slidenum">
               <a:rPr lang="en-US" smtClean="0"/>
               <a:pPr/>
-              <a:t>28</a:t>
+              <a:t>27</a:t>
             </a:fld>
             <a:endParaRPr lang="en-US" dirty="0"/>
           </a:p>
@@ -21025,7 +20729,7 @@
 </p:sld>
 </file>
 
-<file path=ppt/slides/slide29.xml><?xml version="1.0" encoding="utf-8"?>
+<file path=ppt/slides/slide28.xml><?xml version="1.0" encoding="utf-8"?>
 <p:sld xmlns:a="http://schemas.openxmlformats.org/drawingml/2006/main" xmlns:r="http://schemas.openxmlformats.org/officeDocument/2006/relationships" xmlns:p="http://schemas.openxmlformats.org/presentationml/2006/main">
   <p:cSld>
     <p:spTree>
@@ -21094,7 +20798,7 @@
             <a:fld id="{29AAD378-655A-49C6-813C-9FD132EF7440}" type="slidenum">
               <a:rPr lang="en-US" smtClean="0"/>
               <a:pPr/>
-              <a:t>29</a:t>
+              <a:t>28</a:t>
             </a:fld>
             <a:endParaRPr lang="en-US" dirty="0"/>
           </a:p>
@@ -21958,217 +21662,7 @@
 </p:sld>
 </file>
 
-<file path=ppt/slides/slide3.xml><?xml version="1.0" encoding="utf-8"?>
-<p:sld xmlns:a="http://schemas.openxmlformats.org/drawingml/2006/main" xmlns:r="http://schemas.openxmlformats.org/officeDocument/2006/relationships" xmlns:p="http://schemas.openxmlformats.org/presentationml/2006/main">
-  <p:cSld>
-    <p:spTree>
-      <p:nvGrpSpPr>
-        <p:cNvPr id="1" name=""/>
-        <p:cNvGrpSpPr/>
-        <p:nvPr/>
-      </p:nvGrpSpPr>
-      <p:grpSpPr>
-        <a:xfrm>
-          <a:off x="0" y="0"/>
-          <a:ext cx="0" cy="0"/>
-          <a:chOff x="0" y="0"/>
-          <a:chExt cx="0" cy="0"/>
-        </a:xfrm>
-      </p:grpSpPr>
-      <p:sp>
-        <p:nvSpPr>
-          <p:cNvPr id="3" name="Title 2">
-            <a:extLst>
-              <a:ext uri="{FF2B5EF4-FFF2-40B4-BE49-F238E27FC236}">
-                <a16:creationId xmlns:a16="http://schemas.microsoft.com/office/drawing/2014/main" id="{770E9C3A-B37F-4ADF-899B-AC2EA49325FB}"/>
-              </a:ext>
-            </a:extLst>
-          </p:cNvPr>
-          <p:cNvSpPr>
-            <a:spLocks noGrp="1"/>
-          </p:cNvSpPr>
-          <p:nvPr>
-            <p:ph type="title"/>
-          </p:nvPr>
-        </p:nvSpPr>
-        <p:spPr/>
-        <p:txBody>
-          <a:bodyPr/>
-          <a:lstStyle/>
-          <a:p>
-            <a:r>
-              <a:rPr lang="en-US" dirty="0"/>
-              <a:t>Models of Computation: Functional</a:t>
-            </a:r>
-          </a:p>
-        </p:txBody>
-      </p:sp>
-      <p:pic>
-        <p:nvPicPr>
-          <p:cNvPr id="4" name="Picture 4" descr="Alan Turing">
-            <a:extLst>
-              <a:ext uri="{FF2B5EF4-FFF2-40B4-BE49-F238E27FC236}">
-                <a16:creationId xmlns:a16="http://schemas.microsoft.com/office/drawing/2014/main" id="{59B0622A-A5FC-4C55-8B7B-6F6D63866F59}"/>
-              </a:ext>
-            </a:extLst>
-          </p:cNvPr>
-          <p:cNvPicPr>
-            <a:picLocks noChangeAspect="1" noChangeArrowheads="1"/>
-          </p:cNvPicPr>
-          <p:nvPr/>
-        </p:nvPicPr>
-        <p:blipFill>
-          <a:blip r:embed="rId2" cstate="print"/>
-          <a:srcRect/>
-          <a:stretch>
-            <a:fillRect/>
-          </a:stretch>
-        </p:blipFill>
-        <p:spPr bwMode="auto">
-          <a:xfrm>
-            <a:off x="10264802" y="1467239"/>
-            <a:ext cx="1794602" cy="2262238"/>
-          </a:xfrm>
-          <a:prstGeom prst="rect">
-            <a:avLst/>
-          </a:prstGeom>
-          <a:noFill/>
-        </p:spPr>
-      </p:pic>
-      <p:sp>
-        <p:nvSpPr>
-          <p:cNvPr id="2" name="Slide Number Placeholder 1">
-            <a:extLst>
-              <a:ext uri="{FF2B5EF4-FFF2-40B4-BE49-F238E27FC236}">
-                <a16:creationId xmlns:a16="http://schemas.microsoft.com/office/drawing/2014/main" id="{5569DC68-C7C5-4EAA-BA37-B354B5C0087D}"/>
-              </a:ext>
-            </a:extLst>
-          </p:cNvPr>
-          <p:cNvSpPr>
-            <a:spLocks noGrp="1"/>
-          </p:cNvSpPr>
-          <p:nvPr>
-            <p:ph type="sldNum" sz="quarter" idx="12"/>
-          </p:nvPr>
-        </p:nvSpPr>
-        <p:spPr/>
-        <p:txBody>
-          <a:bodyPr/>
-          <a:lstStyle/>
-          <a:p>
-            <a:fld id="{29AAD378-655A-49C6-813C-9FD132EF7440}" type="slidenum">
-              <a:rPr lang="en-US" smtClean="0"/>
-              <a:pPr/>
-              <a:t>3</a:t>
-            </a:fld>
-            <a:endParaRPr lang="en-US"/>
-          </a:p>
-        </p:txBody>
-      </p:sp>
-      <p:sp>
-        <p:nvSpPr>
-          <p:cNvPr id="6" name="Content Placeholder 1">
-            <a:extLst>
-              <a:ext uri="{FF2B5EF4-FFF2-40B4-BE49-F238E27FC236}">
-                <a16:creationId xmlns:a16="http://schemas.microsoft.com/office/drawing/2014/main" id="{F7539A66-BCD0-404F-8B81-0F6F2AEF8C40}"/>
-              </a:ext>
-            </a:extLst>
-          </p:cNvPr>
-          <p:cNvSpPr>
-            <a:spLocks noGrp="1"/>
-          </p:cNvSpPr>
-          <p:nvPr>
-            <p:ph idx="1"/>
-          </p:nvPr>
-        </p:nvSpPr>
-        <p:spPr>
-          <a:xfrm>
-            <a:off x="76200" y="1341573"/>
-            <a:ext cx="9791700" cy="4285547"/>
-          </a:xfrm>
-        </p:spPr>
-        <p:txBody>
-          <a:bodyPr>
-            <a:normAutofit/>
-          </a:bodyPr>
-          <a:lstStyle/>
-          <a:p>
-            <a:pPr marL="0" indent="0">
-              <a:buNone/>
-            </a:pPr>
-            <a:r>
-              <a:rPr lang="en-US" i="1" dirty="0"/>
-              <a:t>Classical </a:t>
-            </a:r>
-            <a:r>
-              <a:rPr lang="en-US" dirty="0"/>
-              <a:t>model of computation: Programs as Functions</a:t>
-            </a:r>
-          </a:p>
-          <a:p>
-            <a:pPr lvl="1"/>
-            <a:r>
-              <a:rPr lang="en-US" dirty="0"/>
-              <a:t>Start from a given input, </a:t>
-            </a:r>
-          </a:p>
-          <a:p>
-            <a:pPr lvl="1"/>
-            <a:r>
-              <a:rPr lang="en-US" dirty="0"/>
-              <a:t>Produce a certain output and then </a:t>
-            </a:r>
-            <a:r>
-              <a:rPr lang="en-US" b="1" dirty="0"/>
-              <a:t>terminate</a:t>
-            </a:r>
-          </a:p>
-          <a:p>
-            <a:pPr lvl="1"/>
-            <a:r>
-              <a:rPr lang="en-US" dirty="0"/>
-              <a:t>Desired functionality can be described by a mathematical function</a:t>
-            </a:r>
-          </a:p>
-          <a:p>
-            <a:pPr lvl="1"/>
-            <a:r>
-              <a:rPr lang="en-US" dirty="0"/>
-              <a:t>Emphasis is on data computation</a:t>
-            </a:r>
-          </a:p>
-          <a:p>
-            <a:pPr lvl="1"/>
-            <a:r>
-              <a:rPr lang="en-US" dirty="0"/>
-              <a:t>Canonical model: Turing machines e.g. compute square-root, encrypt some text, etc.</a:t>
-            </a:r>
-          </a:p>
-          <a:p>
-            <a:endParaRPr lang="en-US" dirty="0"/>
-          </a:p>
-          <a:p>
-            <a:pPr marL="0" indent="0">
-              <a:buNone/>
-            </a:pPr>
-            <a:endParaRPr lang="en-US" dirty="0"/>
-          </a:p>
-        </p:txBody>
-      </p:sp>
-    </p:spTree>
-    <p:extLst>
-      <p:ext uri="{BB962C8B-B14F-4D97-AF65-F5344CB8AC3E}">
-        <p14:creationId xmlns:p14="http://schemas.microsoft.com/office/powerpoint/2010/main" val="3387314526"/>
-      </p:ext>
-    </p:extLst>
-  </p:cSld>
-  <p:clrMapOvr>
-    <a:masterClrMapping/>
-  </p:clrMapOvr>
-</p:sld>
-</file>
-
-<file path=ppt/slides/slide30.xml><?xml version="1.0" encoding="utf-8"?>
+<file path=ppt/slides/slide29.xml><?xml version="1.0" encoding="utf-8"?>
 <p:sld xmlns:a="http://schemas.openxmlformats.org/drawingml/2006/main" xmlns:r="http://schemas.openxmlformats.org/officeDocument/2006/relationships" xmlns:p="http://schemas.openxmlformats.org/presentationml/2006/main">
   <p:cSld>
     <p:spTree>
@@ -22204,7 +21698,7 @@
         <p:spPr>
           <a:xfrm>
             <a:off x="6653284" y="1436914"/>
-            <a:ext cx="5212483" cy="4247127"/>
+            <a:ext cx="5514513" cy="4247127"/>
           </a:xfrm>
         </p:spPr>
         <p:txBody>
@@ -22215,21 +21709,21 @@
           <a:p>
             <a:r>
               <a:rPr lang="en-US" sz="2400" dirty="0"/>
-              <a:t>Implicit variable called “mode” that is a </a:t>
+              <a:t>Implicit </a:t>
             </a:r>
             <a:r>
               <a:rPr lang="en-US" sz="2400" i="1" dirty="0"/>
-              <a:t>discrete </a:t>
+              <a:t>mode : discrete </a:t>
             </a:r>
             <a:r>
               <a:rPr lang="en-US" sz="2400" dirty="0"/>
-              <a:t>state variable over some finite enumeration. Here: {on, off}</a:t>
+              <a:t>state variable over some finite enumeration. Here: {1, 0}</a:t>
             </a:r>
           </a:p>
           <a:p>
             <a:r>
               <a:rPr lang="en-US" sz="2400" dirty="0"/>
-              <a:t>SRC transition may correspond to mode-switch</a:t>
+              <a:t>Transitions correspond to mode-switch</a:t>
             </a:r>
           </a:p>
           <a:p>
@@ -22312,7 +21806,7 @@
             <a:fld id="{29AAD378-655A-49C6-813C-9FD132EF7440}" type="slidenum">
               <a:rPr lang="en-US" smtClean="0"/>
               <a:pPr/>
-              <a:t>30</a:t>
+              <a:t>29</a:t>
             </a:fld>
             <a:endParaRPr lang="en-US" dirty="0"/>
           </a:p>
@@ -23142,7 +22636,217 @@
 </p:sld>
 </file>
 
-<file path=ppt/slides/slide31.xml><?xml version="1.0" encoding="utf-8"?>
+<file path=ppt/slides/slide3.xml><?xml version="1.0" encoding="utf-8"?>
+<p:sld xmlns:a="http://schemas.openxmlformats.org/drawingml/2006/main" xmlns:r="http://schemas.openxmlformats.org/officeDocument/2006/relationships" xmlns:p="http://schemas.openxmlformats.org/presentationml/2006/main">
+  <p:cSld>
+    <p:spTree>
+      <p:nvGrpSpPr>
+        <p:cNvPr id="1" name=""/>
+        <p:cNvGrpSpPr/>
+        <p:nvPr/>
+      </p:nvGrpSpPr>
+      <p:grpSpPr>
+        <a:xfrm>
+          <a:off x="0" y="0"/>
+          <a:ext cx="0" cy="0"/>
+          <a:chOff x="0" y="0"/>
+          <a:chExt cx="0" cy="0"/>
+        </a:xfrm>
+      </p:grpSpPr>
+      <p:sp>
+        <p:nvSpPr>
+          <p:cNvPr id="3" name="Title 2">
+            <a:extLst>
+              <a:ext uri="{FF2B5EF4-FFF2-40B4-BE49-F238E27FC236}">
+                <a16:creationId xmlns:a16="http://schemas.microsoft.com/office/drawing/2014/main" id="{770E9C3A-B37F-4ADF-899B-AC2EA49325FB}"/>
+              </a:ext>
+            </a:extLst>
+          </p:cNvPr>
+          <p:cNvSpPr>
+            <a:spLocks noGrp="1"/>
+          </p:cNvSpPr>
+          <p:nvPr>
+            <p:ph type="title"/>
+          </p:nvPr>
+        </p:nvSpPr>
+        <p:spPr/>
+        <p:txBody>
+          <a:bodyPr/>
+          <a:lstStyle/>
+          <a:p>
+            <a:r>
+              <a:rPr lang="en-US" dirty="0"/>
+              <a:t>Models of Computation: Functional</a:t>
+            </a:r>
+          </a:p>
+        </p:txBody>
+      </p:sp>
+      <p:pic>
+        <p:nvPicPr>
+          <p:cNvPr id="4" name="Picture 4" descr="Alan Turing">
+            <a:extLst>
+              <a:ext uri="{FF2B5EF4-FFF2-40B4-BE49-F238E27FC236}">
+                <a16:creationId xmlns:a16="http://schemas.microsoft.com/office/drawing/2014/main" id="{59B0622A-A5FC-4C55-8B7B-6F6D63866F59}"/>
+              </a:ext>
+            </a:extLst>
+          </p:cNvPr>
+          <p:cNvPicPr>
+            <a:picLocks noChangeAspect="1" noChangeArrowheads="1"/>
+          </p:cNvPicPr>
+          <p:nvPr/>
+        </p:nvPicPr>
+        <p:blipFill>
+          <a:blip r:embed="rId2" cstate="print"/>
+          <a:srcRect/>
+          <a:stretch>
+            <a:fillRect/>
+          </a:stretch>
+        </p:blipFill>
+        <p:spPr bwMode="auto">
+          <a:xfrm>
+            <a:off x="10264802" y="1467239"/>
+            <a:ext cx="1794602" cy="2262238"/>
+          </a:xfrm>
+          <a:prstGeom prst="rect">
+            <a:avLst/>
+          </a:prstGeom>
+          <a:noFill/>
+        </p:spPr>
+      </p:pic>
+      <p:sp>
+        <p:nvSpPr>
+          <p:cNvPr id="2" name="Slide Number Placeholder 1">
+            <a:extLst>
+              <a:ext uri="{FF2B5EF4-FFF2-40B4-BE49-F238E27FC236}">
+                <a16:creationId xmlns:a16="http://schemas.microsoft.com/office/drawing/2014/main" id="{5569DC68-C7C5-4EAA-BA37-B354B5C0087D}"/>
+              </a:ext>
+            </a:extLst>
+          </p:cNvPr>
+          <p:cNvSpPr>
+            <a:spLocks noGrp="1"/>
+          </p:cNvSpPr>
+          <p:nvPr>
+            <p:ph type="sldNum" sz="quarter" idx="12"/>
+          </p:nvPr>
+        </p:nvSpPr>
+        <p:spPr/>
+        <p:txBody>
+          <a:bodyPr/>
+          <a:lstStyle/>
+          <a:p>
+            <a:fld id="{29AAD378-655A-49C6-813C-9FD132EF7440}" type="slidenum">
+              <a:rPr lang="en-US" smtClean="0"/>
+              <a:pPr/>
+              <a:t>3</a:t>
+            </a:fld>
+            <a:endParaRPr lang="en-US"/>
+          </a:p>
+        </p:txBody>
+      </p:sp>
+      <p:sp>
+        <p:nvSpPr>
+          <p:cNvPr id="6" name="Content Placeholder 1">
+            <a:extLst>
+              <a:ext uri="{FF2B5EF4-FFF2-40B4-BE49-F238E27FC236}">
+                <a16:creationId xmlns:a16="http://schemas.microsoft.com/office/drawing/2014/main" id="{F7539A66-BCD0-404F-8B81-0F6F2AEF8C40}"/>
+              </a:ext>
+            </a:extLst>
+          </p:cNvPr>
+          <p:cNvSpPr>
+            <a:spLocks noGrp="1"/>
+          </p:cNvSpPr>
+          <p:nvPr>
+            <p:ph idx="1"/>
+          </p:nvPr>
+        </p:nvSpPr>
+        <p:spPr>
+          <a:xfrm>
+            <a:off x="76200" y="1341573"/>
+            <a:ext cx="9791700" cy="4285547"/>
+          </a:xfrm>
+        </p:spPr>
+        <p:txBody>
+          <a:bodyPr>
+            <a:normAutofit/>
+          </a:bodyPr>
+          <a:lstStyle/>
+          <a:p>
+            <a:pPr marL="0" indent="0">
+              <a:buNone/>
+            </a:pPr>
+            <a:r>
+              <a:rPr lang="en-US" i="1" dirty="0"/>
+              <a:t>Classical </a:t>
+            </a:r>
+            <a:r>
+              <a:rPr lang="en-US" dirty="0"/>
+              <a:t>model of computation: Programs as Functions</a:t>
+            </a:r>
+          </a:p>
+          <a:p>
+            <a:pPr lvl="1"/>
+            <a:r>
+              <a:rPr lang="en-US" dirty="0"/>
+              <a:t>Start from a given input, </a:t>
+            </a:r>
+          </a:p>
+          <a:p>
+            <a:pPr lvl="1"/>
+            <a:r>
+              <a:rPr lang="en-US" dirty="0"/>
+              <a:t>Produce a certain output and then </a:t>
+            </a:r>
+            <a:r>
+              <a:rPr lang="en-US" b="1" dirty="0"/>
+              <a:t>terminate</a:t>
+            </a:r>
+          </a:p>
+          <a:p>
+            <a:pPr lvl="1"/>
+            <a:r>
+              <a:rPr lang="en-US" dirty="0"/>
+              <a:t>Desired functionality can be described by a mathematical function</a:t>
+            </a:r>
+          </a:p>
+          <a:p>
+            <a:pPr lvl="1"/>
+            <a:r>
+              <a:rPr lang="en-US" dirty="0"/>
+              <a:t>Emphasis is on data computation</a:t>
+            </a:r>
+          </a:p>
+          <a:p>
+            <a:pPr lvl="1"/>
+            <a:r>
+              <a:rPr lang="en-US" dirty="0"/>
+              <a:t>Canonical model: Turing machines e.g. compute square-root, encrypt some text, etc.</a:t>
+            </a:r>
+          </a:p>
+          <a:p>
+            <a:endParaRPr lang="en-US" dirty="0"/>
+          </a:p>
+          <a:p>
+            <a:pPr marL="0" indent="0">
+              <a:buNone/>
+            </a:pPr>
+            <a:endParaRPr lang="en-US" dirty="0"/>
+          </a:p>
+        </p:txBody>
+      </p:sp>
+    </p:spTree>
+    <p:extLst>
+      <p:ext uri="{BB962C8B-B14F-4D97-AF65-F5344CB8AC3E}">
+        <p14:creationId xmlns:p14="http://schemas.microsoft.com/office/powerpoint/2010/main" val="3387314526"/>
+      </p:ext>
+    </p:extLst>
+  </p:cSld>
+  <p:clrMapOvr>
+    <a:masterClrMapping/>
+  </p:clrMapOvr>
+</p:sld>
+</file>
+
+<file path=ppt/slides/slide30.xml><?xml version="1.0" encoding="utf-8"?>
 <p:sld xmlns:a="http://schemas.openxmlformats.org/drawingml/2006/main" xmlns:r="http://schemas.openxmlformats.org/officeDocument/2006/relationships" xmlns:p="http://schemas.openxmlformats.org/presentationml/2006/main">
   <p:cSld>
     <p:spTree>
@@ -23252,7 +22956,7 @@
             <a:fld id="{29AAD378-655A-49C6-813C-9FD132EF7440}" type="slidenum">
               <a:rPr lang="en-US" smtClean="0"/>
               <a:pPr/>
-              <a:t>31</a:t>
+              <a:t>30</a:t>
             </a:fld>
             <a:endParaRPr lang="en-US" dirty="0"/>
           </a:p>
@@ -24983,7 +24687,7 @@
 </p:sld>
 </file>
 
-<file path=ppt/slides/slide32.xml><?xml version="1.0" encoding="utf-8"?>
+<file path=ppt/slides/slide31.xml><?xml version="1.0" encoding="utf-8"?>
 <p:sld xmlns:a="http://schemas.openxmlformats.org/drawingml/2006/main" xmlns:r="http://schemas.openxmlformats.org/officeDocument/2006/relationships" xmlns:p="http://schemas.openxmlformats.org/presentationml/2006/main">
   <p:cSld>
     <p:spTree>
@@ -25052,7 +24756,7 @@
             <a:fld id="{29AAD378-655A-49C6-813C-9FD132EF7440}" type="slidenum">
               <a:rPr lang="en-US" smtClean="0"/>
               <a:pPr/>
-              <a:t>32</a:t>
+              <a:t>31</a:t>
             </a:fld>
             <a:endParaRPr lang="en-US" dirty="0"/>
           </a:p>
@@ -25937,7 +25641,7 @@
 </p:sld>
 </file>
 
-<file path=ppt/slides/slide33.xml><?xml version="1.0" encoding="utf-8"?>
+<file path=ppt/slides/slide32.xml><?xml version="1.0" encoding="utf-8"?>
 <p:sld xmlns:a="http://schemas.openxmlformats.org/drawingml/2006/main" xmlns:r="http://schemas.openxmlformats.org/officeDocument/2006/relationships" xmlns:p="http://schemas.openxmlformats.org/presentationml/2006/main">
   <p:cSld>
     <p:spTree>
@@ -25977,7 +25681,7 @@
           <a:p>
             <a:r>
               <a:rPr lang="en-US" dirty="0"/>
-              <a:t>SRC: Finite-state Components</a:t>
+              <a:t>Finite-state Components</a:t>
             </a:r>
           </a:p>
         </p:txBody>
@@ -26006,7 +25710,7 @@
             <a:fld id="{29AAD378-655A-49C6-813C-9FD132EF7440}" type="slidenum">
               <a:rPr lang="en-US" smtClean="0"/>
               <a:pPr/>
-              <a:t>33</a:t>
+              <a:t>32</a:t>
             </a:fld>
             <a:endParaRPr lang="en-US" dirty="0"/>
           </a:p>
@@ -26894,7 +26598,7 @@
 </p:sld>
 </file>
 
-<file path=ppt/slides/slide34.xml><?xml version="1.0" encoding="utf-8"?>
+<file path=ppt/slides/slide33.xml><?xml version="1.0" encoding="utf-8"?>
 <p:sld xmlns:a="http://schemas.openxmlformats.org/drawingml/2006/main" xmlns:r="http://schemas.openxmlformats.org/officeDocument/2006/relationships" xmlns:p="http://schemas.openxmlformats.org/presentationml/2006/main">
   <p:cSld>
     <p:spTree>
@@ -26963,7 +26667,7 @@
             <a:fld id="{29AAD378-655A-49C6-813C-9FD132EF7440}" type="slidenum">
               <a:rPr lang="en-US" smtClean="0"/>
               <a:pPr/>
-              <a:t>34</a:t>
+              <a:t>33</a:t>
             </a:fld>
             <a:endParaRPr lang="en-US" dirty="0"/>
           </a:p>
@@ -28396,7 +28100,7 @@
 </p:sld>
 </file>
 
-<file path=ppt/slides/slide35.xml><?xml version="1.0" encoding="utf-8"?>
+<file path=ppt/slides/slide34.xml><?xml version="1.0" encoding="utf-8"?>
 <p:sld xmlns:a="http://schemas.openxmlformats.org/drawingml/2006/main" xmlns:r="http://schemas.openxmlformats.org/officeDocument/2006/relationships" xmlns:p="http://schemas.openxmlformats.org/presentationml/2006/main">
   <p:cSld>
     <p:spTree>
@@ -28515,7 +28219,7 @@
             <a:fld id="{29AAD378-655A-49C6-813C-9FD132EF7440}" type="slidenum">
               <a:rPr lang="en-US" smtClean="0"/>
               <a:pPr/>
-              <a:t>35</a:t>
+              <a:t>34</a:t>
             </a:fld>
             <a:endParaRPr lang="en-US" dirty="0"/>
           </a:p>
@@ -28598,7 +28302,7 @@
 </p:sld>
 </file>
 
-<file path=ppt/slides/slide36.xml><?xml version="1.0" encoding="utf-8"?>
+<file path=ppt/slides/slide35.xml><?xml version="1.0" encoding="utf-8"?>
 <p:sld xmlns:a="http://schemas.openxmlformats.org/drawingml/2006/main" xmlns:r="http://schemas.openxmlformats.org/officeDocument/2006/relationships" xmlns:p="http://schemas.openxmlformats.org/presentationml/2006/main">
   <p:cSld>
     <p:spTree>
@@ -28704,7 +28408,7 @@
             <a:fld id="{29AAD378-655A-49C6-813C-9FD132EF7440}" type="slidenum">
               <a:rPr lang="en-US" smtClean="0"/>
               <a:pPr/>
-              <a:t>36</a:t>
+              <a:t>35</a:t>
             </a:fld>
             <a:endParaRPr lang="en-US" dirty="0"/>
           </a:p>
@@ -30052,7 +29756,7 @@
 </p:sld>
 </file>
 
-<file path=ppt/slides/slide37.xml><?xml version="1.0" encoding="utf-8"?>
+<file path=ppt/slides/slide36.xml><?xml version="1.0" encoding="utf-8"?>
 <p:sld xmlns:a="http://schemas.openxmlformats.org/drawingml/2006/main" xmlns:r="http://schemas.openxmlformats.org/officeDocument/2006/relationships" xmlns:p="http://schemas.openxmlformats.org/presentationml/2006/main">
   <p:cSld>
     <p:spTree>
@@ -30129,7 +29833,7 @@
             <a:fld id="{29AAD378-655A-49C6-813C-9FD132EF7440}" type="slidenum">
               <a:rPr lang="en-US" smtClean="0"/>
               <a:pPr/>
-              <a:t>37</a:t>
+              <a:t>36</a:t>
             </a:fld>
             <a:endParaRPr lang="en-US" dirty="0"/>
           </a:p>
@@ -30230,7 +29934,7 @@
 </p:sld>
 </file>
 
-<file path=ppt/slides/slide38.xml><?xml version="1.0" encoding="utf-8"?>
+<file path=ppt/slides/slide37.xml><?xml version="1.0" encoding="utf-8"?>
 <p:sld xmlns:a="http://schemas.openxmlformats.org/drawingml/2006/main" xmlns:r="http://schemas.openxmlformats.org/officeDocument/2006/relationships" xmlns:p="http://schemas.openxmlformats.org/presentationml/2006/main">
   <p:cSld>
     <p:spTree>
@@ -30303,7 +30007,7 @@
             <a:fld id="{29AAD378-655A-49C6-813C-9FD132EF7440}" type="slidenum">
               <a:rPr lang="en-US" smtClean="0"/>
               <a:pPr/>
-              <a:t>38</a:t>
+              <a:t>37</a:t>
             </a:fld>
             <a:endParaRPr lang="en-US" dirty="0"/>
           </a:p>
@@ -30820,6 +30524,164 @@
 </p:sld>
 </file>
 
+<file path=ppt/slides/slide38.xml><?xml version="1.0" encoding="utf-8"?>
+<p:sld xmlns:a="http://schemas.openxmlformats.org/drawingml/2006/main" xmlns:r="http://schemas.openxmlformats.org/officeDocument/2006/relationships" xmlns:p="http://schemas.openxmlformats.org/presentationml/2006/main">
+  <p:cSld>
+    <p:spTree>
+      <p:nvGrpSpPr>
+        <p:cNvPr id="1" name=""/>
+        <p:cNvGrpSpPr/>
+        <p:nvPr/>
+      </p:nvGrpSpPr>
+      <p:grpSpPr>
+        <a:xfrm>
+          <a:off x="0" y="0"/>
+          <a:ext cx="0" cy="0"/>
+          <a:chOff x="0" y="0"/>
+          <a:chExt cx="0" cy="0"/>
+        </a:xfrm>
+      </p:grpSpPr>
+      <p:sp>
+        <p:nvSpPr>
+          <p:cNvPr id="2" name="Content Placeholder 1">
+            <a:extLst>
+              <a:ext uri="{FF2B5EF4-FFF2-40B4-BE49-F238E27FC236}">
+                <a16:creationId xmlns:a16="http://schemas.microsoft.com/office/drawing/2014/main" id="{D11D34DF-765B-4725-A290-11A4092601CD}"/>
+              </a:ext>
+            </a:extLst>
+          </p:cNvPr>
+          <p:cNvSpPr>
+            <a:spLocks noGrp="1"/>
+          </p:cNvSpPr>
+          <p:nvPr>
+            <p:ph idx="1"/>
+          </p:nvPr>
+        </p:nvSpPr>
+        <p:spPr>
+          <a:xfrm>
+            <a:off x="166680" y="1855218"/>
+            <a:ext cx="11699087" cy="3006031"/>
+          </a:xfrm>
+        </p:spPr>
+        <p:txBody>
+          <a:bodyPr/>
+          <a:lstStyle/>
+          <a:p>
+            <a:r>
+              <a:rPr lang="en-US" dirty="0"/>
+              <a:t>Synchronous dataflow languages used to model synchronous components</a:t>
+            </a:r>
+          </a:p>
+          <a:p>
+            <a:pPr lvl="1"/>
+            <a:r>
+              <a:rPr lang="en-US" dirty="0" err="1"/>
+              <a:t>Scade</a:t>
+            </a:r>
+            <a:r>
+              <a:rPr lang="en-US" dirty="0"/>
+              <a:t>-suite from </a:t>
+            </a:r>
+            <a:r>
+              <a:rPr lang="en-US" dirty="0" err="1"/>
+              <a:t>Esterel</a:t>
+            </a:r>
+            <a:r>
+              <a:rPr lang="en-US" dirty="0"/>
+              <a:t> Technologies: used in many avionics' applications</a:t>
+            </a:r>
+          </a:p>
+          <a:p>
+            <a:r>
+              <a:rPr lang="en-US" dirty="0"/>
+              <a:t>Benefit: system design is simpler </a:t>
+            </a:r>
+          </a:p>
+          <a:p>
+            <a:r>
+              <a:rPr lang="en-US" dirty="0"/>
+              <a:t>Challenge: How do we ensure synchronous execution when components may execute on different hardware?</a:t>
+            </a:r>
+          </a:p>
+          <a:p>
+            <a:pPr marL="0" indent="0">
+              <a:buNone/>
+            </a:pPr>
+            <a:endParaRPr lang="en-US" dirty="0"/>
+          </a:p>
+        </p:txBody>
+      </p:sp>
+      <p:sp>
+        <p:nvSpPr>
+          <p:cNvPr id="3" name="Title 2">
+            <a:extLst>
+              <a:ext uri="{FF2B5EF4-FFF2-40B4-BE49-F238E27FC236}">
+                <a16:creationId xmlns:a16="http://schemas.microsoft.com/office/drawing/2014/main" id="{8B21CF5A-5C3F-443B-85EE-72AA0B66DDF8}"/>
+              </a:ext>
+            </a:extLst>
+          </p:cNvPr>
+          <p:cNvSpPr>
+            <a:spLocks noGrp="1"/>
+          </p:cNvSpPr>
+          <p:nvPr>
+            <p:ph type="title"/>
+          </p:nvPr>
+        </p:nvSpPr>
+        <p:spPr/>
+        <p:txBody>
+          <a:bodyPr/>
+          <a:lstStyle/>
+          <a:p>
+            <a:r>
+              <a:rPr lang="en-US" dirty="0"/>
+              <a:t>Synchronous components: summary</a:t>
+            </a:r>
+          </a:p>
+        </p:txBody>
+      </p:sp>
+      <p:sp>
+        <p:nvSpPr>
+          <p:cNvPr id="4" name="Slide Number Placeholder 3">
+            <a:extLst>
+              <a:ext uri="{FF2B5EF4-FFF2-40B4-BE49-F238E27FC236}">
+                <a16:creationId xmlns:a16="http://schemas.microsoft.com/office/drawing/2014/main" id="{E09E351B-1A5D-4996-B702-2677142B472A}"/>
+              </a:ext>
+            </a:extLst>
+          </p:cNvPr>
+          <p:cNvSpPr>
+            <a:spLocks noGrp="1"/>
+          </p:cNvSpPr>
+          <p:nvPr>
+            <p:ph type="sldNum" sz="quarter" idx="12"/>
+          </p:nvPr>
+        </p:nvSpPr>
+        <p:spPr/>
+        <p:txBody>
+          <a:bodyPr/>
+          <a:lstStyle/>
+          <a:p>
+            <a:fld id="{29AAD378-655A-49C6-813C-9FD132EF7440}" type="slidenum">
+              <a:rPr lang="en-US" smtClean="0"/>
+              <a:pPr/>
+              <a:t>38</a:t>
+            </a:fld>
+            <a:endParaRPr lang="en-US" dirty="0"/>
+          </a:p>
+        </p:txBody>
+      </p:sp>
+    </p:spTree>
+    <p:extLst>
+      <p:ext uri="{BB962C8B-B14F-4D97-AF65-F5344CB8AC3E}">
+        <p14:creationId xmlns:p14="http://schemas.microsoft.com/office/powerpoint/2010/main" val="2000390505"/>
+      </p:ext>
+    </p:extLst>
+  </p:cSld>
+  <p:clrMapOvr>
+    <a:masterClrMapping/>
+  </p:clrMapOvr>
+</p:sld>
+</file>
+
 <file path=ppt/slides/slide39.xml><?xml version="1.0" encoding="utf-8"?>
 <p:sld xmlns:a="http://schemas.openxmlformats.org/drawingml/2006/main" xmlns:r="http://schemas.openxmlformats.org/officeDocument/2006/relationships" xmlns:p="http://schemas.openxmlformats.org/presentationml/2006/main">
   <p:cSld>
@@ -31028,14 +30890,14 @@
             <a:pPr lvl="1"/>
             <a:r>
               <a:rPr lang="en-US" dirty="0"/>
-              <a:t>Interact with the user in their own time, i.e. react to user’s commands, but with no real-time constraints</a:t>
+              <a:t>Interact with the user in their own time, i.e., react to user’s commands, but with no real-time constraints</a:t>
             </a:r>
           </a:p>
           <a:p>
             <a:pPr lvl="1"/>
             <a:r>
               <a:rPr lang="en-US" dirty="0"/>
-              <a:t>Emphasis is on user-interaction; e.g. a web browsers, word processors, etc.</a:t>
+              <a:t>Emphasis is on user-interaction; e.g., web browsers, word processors, etc.</a:t>
             </a:r>
           </a:p>
           <a:p>
@@ -31064,7 +30926,7 @@
             <a:pPr lvl="1"/>
             <a:r>
               <a:rPr lang="en-US" dirty="0"/>
-              <a:t>Emphasis is on system-environment interaction; e.g. airline autopilot, mail-servers, etc.</a:t>
+              <a:t>Emphasis is on system-environment interaction; e.g., aircraft autopilot, mail-servers, etc.</a:t>
             </a:r>
           </a:p>
           <a:p>
@@ -31089,196 +30951,6 @@
 </file>
 
 <file path=ppt/slides/slide40.xml><?xml version="1.0" encoding="utf-8"?>
-<p:sld xmlns:a="http://schemas.openxmlformats.org/drawingml/2006/main" xmlns:r="http://schemas.openxmlformats.org/officeDocument/2006/relationships" xmlns:p="http://schemas.openxmlformats.org/presentationml/2006/main">
-  <p:cSld>
-    <p:spTree>
-      <p:nvGrpSpPr>
-        <p:cNvPr id="1" name=""/>
-        <p:cNvGrpSpPr/>
-        <p:nvPr/>
-      </p:nvGrpSpPr>
-      <p:grpSpPr>
-        <a:xfrm>
-          <a:off x="0" y="0"/>
-          <a:ext cx="0" cy="0"/>
-          <a:chOff x="0" y="0"/>
-          <a:chExt cx="0" cy="0"/>
-        </a:xfrm>
-      </p:grpSpPr>
-      <p:sp>
-        <p:nvSpPr>
-          <p:cNvPr id="2" name="Content Placeholder 1">
-            <a:extLst>
-              <a:ext uri="{FF2B5EF4-FFF2-40B4-BE49-F238E27FC236}">
-                <a16:creationId xmlns:a16="http://schemas.microsoft.com/office/drawing/2014/main" id="{6C410763-9DDC-6B54-F74B-56FA1A039365}"/>
-              </a:ext>
-            </a:extLst>
-          </p:cNvPr>
-          <p:cNvSpPr>
-            <a:spLocks noGrp="1"/>
-          </p:cNvSpPr>
-          <p:nvPr>
-            <p:ph idx="1"/>
-          </p:nvPr>
-        </p:nvSpPr>
-        <p:spPr/>
-        <p:txBody>
-          <a:bodyPr>
-            <a:normAutofit/>
-          </a:bodyPr>
-          <a:lstStyle/>
-          <a:p>
-            <a:r>
-              <a:rPr lang="en-US" dirty="0"/>
-              <a:t>Slack channel: uscviterbiclass.slack.com</a:t>
-            </a:r>
-          </a:p>
-          <a:p>
-            <a:pPr lvl="1"/>
-            <a:r>
-              <a:rPr lang="en-US" dirty="0"/>
-              <a:t>You should see something like fall22-csci-513-30161</a:t>
-            </a:r>
-          </a:p>
-          <a:p>
-            <a:pPr lvl="1"/>
-            <a:r>
-              <a:rPr lang="en-US" dirty="0"/>
-              <a:t>If you are not subscribed to this channel, please contact Viterbi IT</a:t>
-            </a:r>
-          </a:p>
-          <a:p>
-            <a:endParaRPr lang="en-US" dirty="0"/>
-          </a:p>
-          <a:p>
-            <a:r>
-              <a:rPr lang="en-US" dirty="0"/>
-              <a:t>Blackboard: </a:t>
-            </a:r>
-          </a:p>
-          <a:p>
-            <a:pPr lvl="1"/>
-            <a:r>
-              <a:rPr lang="en-US" dirty="0"/>
-              <a:t>I am still in the process of setting this up</a:t>
-            </a:r>
-          </a:p>
-          <a:p>
-            <a:pPr lvl="2"/>
-            <a:r>
-              <a:rPr lang="en-US" dirty="0"/>
-              <a:t>They keep changing the interface to the point that I have to relearn it </a:t>
-            </a:r>
-            <a:r>
-              <a:rPr lang="en-US" dirty="0">
-                <a:sym typeface="Wingdings" panose="05000000000000000000" pitchFamily="2" charset="2"/>
-              </a:rPr>
-              <a:t></a:t>
-            </a:r>
-            <a:endParaRPr lang="en-US" dirty="0"/>
-          </a:p>
-          <a:p>
-            <a:pPr lvl="1"/>
-            <a:r>
-              <a:rPr lang="en-US" dirty="0"/>
-              <a:t>We will be using Blackboard for:</a:t>
-            </a:r>
-          </a:p>
-          <a:p>
-            <a:pPr lvl="2"/>
-            <a:r>
-              <a:rPr lang="en-US" dirty="0"/>
-              <a:t>Submitting homework assignments </a:t>
-            </a:r>
-          </a:p>
-          <a:p>
-            <a:pPr lvl="2"/>
-            <a:r>
-              <a:rPr lang="en-US" dirty="0"/>
-              <a:t>Posting grades</a:t>
-            </a:r>
-          </a:p>
-          <a:p>
-            <a:pPr lvl="1"/>
-            <a:endParaRPr lang="en-US" dirty="0"/>
-          </a:p>
-          <a:p>
-            <a:endParaRPr lang="en-US" dirty="0"/>
-          </a:p>
-        </p:txBody>
-      </p:sp>
-      <p:sp>
-        <p:nvSpPr>
-          <p:cNvPr id="3" name="Title 2">
-            <a:extLst>
-              <a:ext uri="{FF2B5EF4-FFF2-40B4-BE49-F238E27FC236}">
-                <a16:creationId xmlns:a16="http://schemas.microsoft.com/office/drawing/2014/main" id="{6D2C743F-2EE2-EFBF-8466-6B9459CCC1C3}"/>
-              </a:ext>
-            </a:extLst>
-          </p:cNvPr>
-          <p:cNvSpPr>
-            <a:spLocks noGrp="1"/>
-          </p:cNvSpPr>
-          <p:nvPr>
-            <p:ph type="title"/>
-          </p:nvPr>
-        </p:nvSpPr>
-        <p:spPr/>
-        <p:txBody>
-          <a:bodyPr/>
-          <a:lstStyle/>
-          <a:p>
-            <a:r>
-              <a:rPr lang="en-US" dirty="0"/>
-              <a:t>Logistics</a:t>
-            </a:r>
-          </a:p>
-        </p:txBody>
-      </p:sp>
-      <p:sp>
-        <p:nvSpPr>
-          <p:cNvPr id="4" name="Slide Number Placeholder 3">
-            <a:extLst>
-              <a:ext uri="{FF2B5EF4-FFF2-40B4-BE49-F238E27FC236}">
-                <a16:creationId xmlns:a16="http://schemas.microsoft.com/office/drawing/2014/main" id="{16125C9F-A373-5DB7-A332-AB3B5D8EB5EB}"/>
-              </a:ext>
-            </a:extLst>
-          </p:cNvPr>
-          <p:cNvSpPr>
-            <a:spLocks noGrp="1"/>
-          </p:cNvSpPr>
-          <p:nvPr>
-            <p:ph type="sldNum" sz="quarter" idx="12"/>
-          </p:nvPr>
-        </p:nvSpPr>
-        <p:spPr/>
-        <p:txBody>
-          <a:bodyPr/>
-          <a:lstStyle/>
-          <a:p>
-            <a:fld id="{29AAD378-655A-49C6-813C-9FD132EF7440}" type="slidenum">
-              <a:rPr lang="en-US" smtClean="0"/>
-              <a:pPr/>
-              <a:t>40</a:t>
-            </a:fld>
-            <a:endParaRPr lang="en-US" dirty="0"/>
-          </a:p>
-        </p:txBody>
-      </p:sp>
-    </p:spTree>
-    <p:extLst>
-      <p:ext uri="{BB962C8B-B14F-4D97-AF65-F5344CB8AC3E}">
-        <p14:creationId xmlns:p14="http://schemas.microsoft.com/office/powerpoint/2010/main" val="263929294"/>
-      </p:ext>
-    </p:extLst>
-  </p:cSld>
-  <p:clrMapOvr>
-    <a:masterClrMapping/>
-  </p:clrMapOvr>
-</p:sld>
-</file>
-
-<file path=ppt/slides/slide41.xml><?xml version="1.0" encoding="utf-8"?>
 <p:sld xmlns:a="http://schemas.openxmlformats.org/drawingml/2006/main" xmlns:r="http://schemas.openxmlformats.org/officeDocument/2006/relationships" xmlns:p="http://schemas.openxmlformats.org/presentationml/2006/main">
   <p:cSld>
     <p:spTree>
@@ -31347,7 +31019,7 @@
             <a:fld id="{29AAD378-655A-49C6-813C-9FD132EF7440}" type="slidenum">
               <a:rPr lang="en-US" smtClean="0"/>
               <a:pPr/>
-              <a:t>41</a:t>
+              <a:t>40</a:t>
             </a:fld>
             <a:endParaRPr lang="en-US"/>
           </a:p>
@@ -31445,7 +31117,7 @@
 </p:sld>
 </file>
 
-<file path=ppt/slides/slide42.xml><?xml version="1.0" encoding="utf-8"?>
+<file path=ppt/slides/slide41.xml><?xml version="1.0" encoding="utf-8"?>
 <p:sld xmlns:a="http://schemas.openxmlformats.org/drawingml/2006/main" xmlns:r="http://schemas.openxmlformats.org/officeDocument/2006/relationships" xmlns:p="http://schemas.openxmlformats.org/presentationml/2006/main">
   <p:cSld>
     <p:spTree>
@@ -31485,7 +31157,7 @@
           <a:p>
             <a:r>
               <a:rPr lang="en-US" dirty="0"/>
-              <a:t>Asynchronous Reactive Component Example</a:t>
+              <a:t>Asynchronous Component Example</a:t>
             </a:r>
           </a:p>
         </p:txBody>
@@ -31514,7 +31186,7 @@
             <a:fld id="{29AAD378-655A-49C6-813C-9FD132EF7440}" type="slidenum">
               <a:rPr lang="en-US" smtClean="0"/>
               <a:pPr/>
-              <a:t>42</a:t>
+              <a:t>41</a:t>
             </a:fld>
             <a:endParaRPr lang="en-US"/>
           </a:p>
@@ -32535,7 +32207,7 @@
 </p:sld>
 </file>
 
-<file path=ppt/slides/slide43.xml><?xml version="1.0" encoding="utf-8"?>
+<file path=ppt/slides/slide42.xml><?xml version="1.0" encoding="utf-8"?>
 <p:sld xmlns:a="http://schemas.openxmlformats.org/drawingml/2006/main" xmlns:r="http://schemas.openxmlformats.org/officeDocument/2006/relationships" xmlns:p="http://schemas.openxmlformats.org/presentationml/2006/main">
   <p:cSld>
     <p:spTree>
@@ -32830,7 +32502,7 @@
             <a:fld id="{29AAD378-655A-49C6-813C-9FD132EF7440}" type="slidenum">
               <a:rPr lang="en-US" smtClean="0"/>
               <a:pPr/>
-              <a:t>43</a:t>
+              <a:t>42</a:t>
             </a:fld>
             <a:endParaRPr lang="en-US" dirty="0"/>
           </a:p>
@@ -33533,7 +33205,7 @@
 </p:sld>
 </file>
 
-<file path=ppt/slides/slide44.xml><?xml version="1.0" encoding="utf-8"?>
+<file path=ppt/slides/slide43.xml><?xml version="1.0" encoding="utf-8"?>
 <p:sld xmlns:a="http://schemas.openxmlformats.org/drawingml/2006/main" xmlns:r="http://schemas.openxmlformats.org/officeDocument/2006/relationships" xmlns:p="http://schemas.openxmlformats.org/presentationml/2006/main">
   <p:cSld>
     <p:spTree>
@@ -34133,7 +33805,7 @@
             <a:fld id="{29AAD378-655A-49C6-813C-9FD132EF7440}" type="slidenum">
               <a:rPr lang="en-US" smtClean="0"/>
               <a:pPr/>
-              <a:t>44</a:t>
+              <a:t>43</a:t>
             </a:fld>
             <a:endParaRPr lang="en-US" dirty="0"/>
           </a:p>
@@ -34871,7 +34543,7 @@
 </p:sld>
 </file>
 
-<file path=ppt/slides/slide45.xml><?xml version="1.0" encoding="utf-8"?>
+<file path=ppt/slides/slide44.xml><?xml version="1.0" encoding="utf-8"?>
 <p:sld xmlns:a="http://schemas.openxmlformats.org/drawingml/2006/main" xmlns:r="http://schemas.openxmlformats.org/officeDocument/2006/relationships" xmlns:p="http://schemas.openxmlformats.org/presentationml/2006/main">
   <p:cSld>
     <p:spTree>
@@ -35268,7 +34940,7 @@
             <a:fld id="{29AAD378-655A-49C6-813C-9FD132EF7440}" type="slidenum">
               <a:rPr lang="en-US" smtClean="0"/>
               <a:pPr/>
-              <a:t>45</a:t>
+              <a:t>44</a:t>
             </a:fld>
             <a:endParaRPr lang="en-US" dirty="0"/>
           </a:p>
@@ -36582,7 +36254,7 @@
 </p:sld>
 </file>
 
-<file path=ppt/slides/slide46.xml><?xml version="1.0" encoding="utf-8"?>
+<file path=ppt/slides/slide45.xml><?xml version="1.0" encoding="utf-8"?>
 <p:sld xmlns:a="http://schemas.openxmlformats.org/drawingml/2006/main" xmlns:r="http://schemas.openxmlformats.org/officeDocument/2006/relationships" xmlns:p="http://schemas.openxmlformats.org/presentationml/2006/main">
   <p:cSld>
     <p:spTree>
@@ -36756,7 +36428,7 @@
             <a:fld id="{29AAD378-655A-49C6-813C-9FD132EF7440}" type="slidenum">
               <a:rPr lang="en-US" smtClean="0"/>
               <a:pPr/>
-              <a:t>46</a:t>
+              <a:t>45</a:t>
             </a:fld>
             <a:endParaRPr lang="en-US" dirty="0"/>
           </a:p>
@@ -37459,7 +37131,7 @@
 </p:sld>
 </file>
 
-<file path=ppt/slides/slide47.xml><?xml version="1.0" encoding="utf-8"?>
+<file path=ppt/slides/slide46.xml><?xml version="1.0" encoding="utf-8"?>
 <p:sld xmlns:a="http://schemas.openxmlformats.org/drawingml/2006/main" xmlns:r="http://schemas.openxmlformats.org/officeDocument/2006/relationships" xmlns:p="http://schemas.openxmlformats.org/presentationml/2006/main">
   <p:cSld>
     <p:spTree>
@@ -37476,8 +37148,8 @@
           <a:chExt cx="0" cy="0"/>
         </a:xfrm>
       </p:grpSpPr>
-      <mc:AlternateContent xmlns:mc="http://schemas.openxmlformats.org/markup-compatibility/2006">
-        <mc:Choice xmlns:a14="http://schemas.microsoft.com/office/drawing/2010/main" Requires="a14">
+      <mc:AlternateContent xmlns:mc="http://schemas.openxmlformats.org/markup-compatibility/2006" xmlns:a14="http://schemas.microsoft.com/office/drawing/2010/main">
+        <mc:Choice Requires="a14">
           <p:sp>
             <p:nvSpPr>
               <p:cNvPr id="2" name="Content Placeholder 1">
@@ -37759,7 +37431,7 @@
             </p:txBody>
           </p:sp>
         </mc:Choice>
-        <mc:Fallback>
+        <mc:Fallback xmlns="">
           <p:sp>
             <p:nvSpPr>
               <p:cNvPr id="2" name="Content Placeholder 1">
@@ -37817,12 +37489,14 @@
         </p:nvSpPr>
         <p:spPr/>
         <p:txBody>
-          <a:bodyPr/>
+          <a:bodyPr>
+            <a:normAutofit fontScale="90000"/>
+          </a:bodyPr>
           <a:lstStyle/>
           <a:p>
             <a:r>
               <a:rPr lang="en-US" dirty="0"/>
-              <a:t>Updates are different from SRCs! </a:t>
+              <a:t>Updates are different from Synchronous Comps. </a:t>
             </a:r>
           </a:p>
         </p:txBody>
@@ -37851,7 +37525,7 @@
             <a:fld id="{29AAD378-655A-49C6-813C-9FD132EF7440}" type="slidenum">
               <a:rPr lang="en-US" smtClean="0"/>
               <a:pPr/>
-              <a:t>47</a:t>
+              <a:t>46</a:t>
             </a:fld>
             <a:endParaRPr lang="en-US" dirty="0"/>
           </a:p>
@@ -37870,7 +37544,7 @@
 </p:sld>
 </file>
 
-<file path=ppt/slides/slide48.xml><?xml version="1.0" encoding="utf-8"?>
+<file path=ppt/slides/slide47.xml><?xml version="1.0" encoding="utf-8"?>
 <p:sld xmlns:a="http://schemas.openxmlformats.org/drawingml/2006/main" xmlns:r="http://schemas.openxmlformats.org/officeDocument/2006/relationships" xmlns:p="http://schemas.openxmlformats.org/presentationml/2006/main">
   <p:cSld>
     <p:spTree>
@@ -38142,7 +37816,7 @@
           <a:p>
             <a:r>
               <a:rPr lang="en-US" dirty="0"/>
-              <a:t>Updates are different from SRCs! </a:t>
+              <a:t>Updates are different</a:t>
             </a:r>
           </a:p>
         </p:txBody>
@@ -38171,7 +37845,7 @@
             <a:fld id="{29AAD378-655A-49C6-813C-9FD132EF7440}" type="slidenum">
               <a:rPr lang="en-US" smtClean="0"/>
               <a:pPr/>
-              <a:t>48</a:t>
+              <a:t>47</a:t>
             </a:fld>
             <a:endParaRPr lang="en-US" dirty="0"/>
           </a:p>
@@ -38190,7 +37864,7 @@
 </p:sld>
 </file>
 
-<file path=ppt/slides/slide49.xml><?xml version="1.0" encoding="utf-8"?>
+<file path=ppt/slides/slide48.xml><?xml version="1.0" encoding="utf-8"?>
 <p:sld xmlns:a="http://schemas.openxmlformats.org/drawingml/2006/main" xmlns:r="http://schemas.openxmlformats.org/officeDocument/2006/relationships" xmlns:p="http://schemas.openxmlformats.org/presentationml/2006/main">
   <p:cSld>
     <p:spTree>
@@ -38402,7 +38076,7 @@
           <a:p>
             <a:r>
               <a:rPr lang="en-US" dirty="0"/>
-              <a:t>Updates are different from SRCs! </a:t>
+              <a:t>Updates are different</a:t>
             </a:r>
           </a:p>
         </p:txBody>
@@ -38431,7 +38105,7 @@
             <a:fld id="{29AAD378-655A-49C6-813C-9FD132EF7440}" type="slidenum">
               <a:rPr lang="en-US" smtClean="0"/>
               <a:pPr/>
-              <a:t>49</a:t>
+              <a:t>48</a:t>
             </a:fld>
             <a:endParaRPr lang="en-US" dirty="0"/>
           </a:p>
@@ -38450,172 +38124,7 @@
 </p:sld>
 </file>
 
-<file path=ppt/slides/slide5.xml><?xml version="1.0" encoding="utf-8"?>
-<p:sld xmlns:a="http://schemas.openxmlformats.org/drawingml/2006/main" xmlns:r="http://schemas.openxmlformats.org/officeDocument/2006/relationships" xmlns:p="http://schemas.openxmlformats.org/presentationml/2006/main">
-  <p:cSld>
-    <p:spTree>
-      <p:nvGrpSpPr>
-        <p:cNvPr id="1" name=""/>
-        <p:cNvGrpSpPr/>
-        <p:nvPr/>
-      </p:nvGrpSpPr>
-      <p:grpSpPr>
-        <a:xfrm>
-          <a:off x="0" y="0"/>
-          <a:ext cx="0" cy="0"/>
-          <a:chOff x="0" y="0"/>
-          <a:chExt cx="0" cy="0"/>
-        </a:xfrm>
-      </p:grpSpPr>
-      <p:sp>
-        <p:nvSpPr>
-          <p:cNvPr id="3" name="Title 2">
-            <a:extLst>
-              <a:ext uri="{FF2B5EF4-FFF2-40B4-BE49-F238E27FC236}">
-                <a16:creationId xmlns:a16="http://schemas.microsoft.com/office/drawing/2014/main" id="{770E9C3A-B37F-4ADF-899B-AC2EA49325FB}"/>
-              </a:ext>
-            </a:extLst>
-          </p:cNvPr>
-          <p:cNvSpPr>
-            <a:spLocks noGrp="1"/>
-          </p:cNvSpPr>
-          <p:nvPr>
-            <p:ph type="title"/>
-          </p:nvPr>
-        </p:nvSpPr>
-        <p:spPr/>
-        <p:txBody>
-          <a:bodyPr>
-            <a:normAutofit/>
-          </a:bodyPr>
-          <a:lstStyle/>
-          <a:p>
-            <a:r>
-              <a:rPr lang="en-US" dirty="0"/>
-              <a:t>Models of Computation: Timing </a:t>
-            </a:r>
-          </a:p>
-        </p:txBody>
-      </p:sp>
-      <p:sp>
-        <p:nvSpPr>
-          <p:cNvPr id="2" name="Slide Number Placeholder 1">
-            <a:extLst>
-              <a:ext uri="{FF2B5EF4-FFF2-40B4-BE49-F238E27FC236}">
-                <a16:creationId xmlns:a16="http://schemas.microsoft.com/office/drawing/2014/main" id="{1AE16A3D-14D0-425C-BAB8-6A2B3AF51658}"/>
-              </a:ext>
-            </a:extLst>
-          </p:cNvPr>
-          <p:cNvSpPr>
-            <a:spLocks noGrp="1"/>
-          </p:cNvSpPr>
-          <p:nvPr>
-            <p:ph type="sldNum" sz="quarter" idx="12"/>
-          </p:nvPr>
-        </p:nvSpPr>
-        <p:spPr/>
-        <p:txBody>
-          <a:bodyPr/>
-          <a:lstStyle/>
-          <a:p>
-            <a:fld id="{29AAD378-655A-49C6-813C-9FD132EF7440}" type="slidenum">
-              <a:rPr lang="en-US" smtClean="0"/>
-              <a:pPr/>
-              <a:t>5</a:t>
-            </a:fld>
-            <a:endParaRPr lang="en-US"/>
-          </a:p>
-        </p:txBody>
-      </p:sp>
-      <p:sp>
-        <p:nvSpPr>
-          <p:cNvPr id="6" name="Content Placeholder 1">
-            <a:extLst>
-              <a:ext uri="{FF2B5EF4-FFF2-40B4-BE49-F238E27FC236}">
-                <a16:creationId xmlns:a16="http://schemas.microsoft.com/office/drawing/2014/main" id="{84218C43-B4FD-44B4-A79E-8766BE7EF9C3}"/>
-              </a:ext>
-            </a:extLst>
-          </p:cNvPr>
-          <p:cNvSpPr>
-            <a:spLocks noGrp="1"/>
-          </p:cNvSpPr>
-          <p:nvPr>
-            <p:ph idx="1"/>
-          </p:nvPr>
-        </p:nvSpPr>
-        <p:spPr>
-          <a:xfrm>
-            <a:off x="201163" y="1689100"/>
-            <a:ext cx="9046474" cy="3968756"/>
-          </a:xfrm>
-        </p:spPr>
-        <p:txBody>
-          <a:bodyPr>
-            <a:normAutofit/>
-          </a:bodyPr>
-          <a:lstStyle/>
-          <a:p>
-            <a:r>
-              <a:rPr lang="en-US" dirty="0"/>
-              <a:t>What’s the notion of time in the model?</a:t>
-            </a:r>
-          </a:p>
-          <a:p>
-            <a:pPr lvl="1"/>
-            <a:r>
-              <a:rPr lang="en-US" dirty="0"/>
-              <a:t>Real-time or Logical time-steps of execution?</a:t>
-            </a:r>
-          </a:p>
-          <a:p>
-            <a:r>
-              <a:rPr lang="en-US" dirty="0"/>
-              <a:t>What time do different components in the model use?</a:t>
-            </a:r>
-          </a:p>
-          <a:p>
-            <a:pPr lvl="1"/>
-            <a:r>
-              <a:rPr lang="en-US" dirty="0"/>
-              <a:t>Single global clock for full synchronization?</a:t>
-            </a:r>
-          </a:p>
-          <a:p>
-            <a:pPr lvl="1"/>
-            <a:r>
-              <a:rPr lang="en-US" dirty="0"/>
-              <a:t>Different clocks in each component?</a:t>
-            </a:r>
-          </a:p>
-          <a:p>
-            <a:r>
-              <a:rPr lang="en-US" dirty="0"/>
-              <a:t>What level of granularity do we need in time?</a:t>
-            </a:r>
-          </a:p>
-          <a:p>
-            <a:pPr lvl="1"/>
-            <a:r>
-              <a:rPr lang="en-US" dirty="0"/>
-              <a:t>Discrete time-steps or Continuous dense time?</a:t>
-            </a:r>
-          </a:p>
-        </p:txBody>
-      </p:sp>
-    </p:spTree>
-    <p:extLst>
-      <p:ext uri="{BB962C8B-B14F-4D97-AF65-F5344CB8AC3E}">
-        <p14:creationId xmlns:p14="http://schemas.microsoft.com/office/powerpoint/2010/main" val="1649854485"/>
-      </p:ext>
-    </p:extLst>
-  </p:cSld>
-  <p:clrMapOvr>
-    <a:masterClrMapping/>
-  </p:clrMapOvr>
-</p:sld>
-</file>
-
-<file path=ppt/slides/slide50.xml><?xml version="1.0" encoding="utf-8"?>
+<file path=ppt/slides/slide49.xml><?xml version="1.0" encoding="utf-8"?>
 <p:sld xmlns:a="http://schemas.openxmlformats.org/drawingml/2006/main" xmlns:r="http://schemas.openxmlformats.org/officeDocument/2006/relationships" xmlns:p="http://schemas.openxmlformats.org/presentationml/2006/main">
   <p:cSld>
     <p:spTree>
@@ -38684,7 +38193,7 @@
             <a:fld id="{29AAD378-655A-49C6-813C-9FD132EF7440}" type="slidenum">
               <a:rPr lang="en-US" smtClean="0"/>
               <a:pPr/>
-              <a:t>50</a:t>
+              <a:t>49</a:t>
             </a:fld>
             <a:endParaRPr lang="en-US" dirty="0"/>
           </a:p>
@@ -40861,7 +40370,172 @@
 </p:sld>
 </file>
 
-<file path=ppt/slides/slide51.xml><?xml version="1.0" encoding="utf-8"?>
+<file path=ppt/slides/slide5.xml><?xml version="1.0" encoding="utf-8"?>
+<p:sld xmlns:a="http://schemas.openxmlformats.org/drawingml/2006/main" xmlns:r="http://schemas.openxmlformats.org/officeDocument/2006/relationships" xmlns:p="http://schemas.openxmlformats.org/presentationml/2006/main">
+  <p:cSld>
+    <p:spTree>
+      <p:nvGrpSpPr>
+        <p:cNvPr id="1" name=""/>
+        <p:cNvGrpSpPr/>
+        <p:nvPr/>
+      </p:nvGrpSpPr>
+      <p:grpSpPr>
+        <a:xfrm>
+          <a:off x="0" y="0"/>
+          <a:ext cx="0" cy="0"/>
+          <a:chOff x="0" y="0"/>
+          <a:chExt cx="0" cy="0"/>
+        </a:xfrm>
+      </p:grpSpPr>
+      <p:sp>
+        <p:nvSpPr>
+          <p:cNvPr id="3" name="Title 2">
+            <a:extLst>
+              <a:ext uri="{FF2B5EF4-FFF2-40B4-BE49-F238E27FC236}">
+                <a16:creationId xmlns:a16="http://schemas.microsoft.com/office/drawing/2014/main" id="{770E9C3A-B37F-4ADF-899B-AC2EA49325FB}"/>
+              </a:ext>
+            </a:extLst>
+          </p:cNvPr>
+          <p:cNvSpPr>
+            <a:spLocks noGrp="1"/>
+          </p:cNvSpPr>
+          <p:nvPr>
+            <p:ph type="title"/>
+          </p:nvPr>
+        </p:nvSpPr>
+        <p:spPr/>
+        <p:txBody>
+          <a:bodyPr>
+            <a:normAutofit/>
+          </a:bodyPr>
+          <a:lstStyle/>
+          <a:p>
+            <a:r>
+              <a:rPr lang="en-US" dirty="0"/>
+              <a:t>Models of Computation: Timing </a:t>
+            </a:r>
+          </a:p>
+        </p:txBody>
+      </p:sp>
+      <p:sp>
+        <p:nvSpPr>
+          <p:cNvPr id="2" name="Slide Number Placeholder 1">
+            <a:extLst>
+              <a:ext uri="{FF2B5EF4-FFF2-40B4-BE49-F238E27FC236}">
+                <a16:creationId xmlns:a16="http://schemas.microsoft.com/office/drawing/2014/main" id="{1AE16A3D-14D0-425C-BAB8-6A2B3AF51658}"/>
+              </a:ext>
+            </a:extLst>
+          </p:cNvPr>
+          <p:cNvSpPr>
+            <a:spLocks noGrp="1"/>
+          </p:cNvSpPr>
+          <p:nvPr>
+            <p:ph type="sldNum" sz="quarter" idx="12"/>
+          </p:nvPr>
+        </p:nvSpPr>
+        <p:spPr/>
+        <p:txBody>
+          <a:bodyPr/>
+          <a:lstStyle/>
+          <a:p>
+            <a:fld id="{29AAD378-655A-49C6-813C-9FD132EF7440}" type="slidenum">
+              <a:rPr lang="en-US" smtClean="0"/>
+              <a:pPr/>
+              <a:t>5</a:t>
+            </a:fld>
+            <a:endParaRPr lang="en-US"/>
+          </a:p>
+        </p:txBody>
+      </p:sp>
+      <p:sp>
+        <p:nvSpPr>
+          <p:cNvPr id="6" name="Content Placeholder 1">
+            <a:extLst>
+              <a:ext uri="{FF2B5EF4-FFF2-40B4-BE49-F238E27FC236}">
+                <a16:creationId xmlns:a16="http://schemas.microsoft.com/office/drawing/2014/main" id="{84218C43-B4FD-44B4-A79E-8766BE7EF9C3}"/>
+              </a:ext>
+            </a:extLst>
+          </p:cNvPr>
+          <p:cNvSpPr>
+            <a:spLocks noGrp="1"/>
+          </p:cNvSpPr>
+          <p:nvPr>
+            <p:ph idx="1"/>
+          </p:nvPr>
+        </p:nvSpPr>
+        <p:spPr>
+          <a:xfrm>
+            <a:off x="201163" y="1689100"/>
+            <a:ext cx="9046474" cy="3968756"/>
+          </a:xfrm>
+        </p:spPr>
+        <p:txBody>
+          <a:bodyPr>
+            <a:normAutofit/>
+          </a:bodyPr>
+          <a:lstStyle/>
+          <a:p>
+            <a:r>
+              <a:rPr lang="en-US" dirty="0"/>
+              <a:t>What’s the notion of time in the model?</a:t>
+            </a:r>
+          </a:p>
+          <a:p>
+            <a:pPr lvl="1"/>
+            <a:r>
+              <a:rPr lang="en-US" dirty="0"/>
+              <a:t>Real-time or Logical time-steps of execution?</a:t>
+            </a:r>
+          </a:p>
+          <a:p>
+            <a:r>
+              <a:rPr lang="en-US" dirty="0"/>
+              <a:t>What time do different components in the model use?</a:t>
+            </a:r>
+          </a:p>
+          <a:p>
+            <a:pPr lvl="1"/>
+            <a:r>
+              <a:rPr lang="en-US" dirty="0"/>
+              <a:t>Single global clock for full synchronization?</a:t>
+            </a:r>
+          </a:p>
+          <a:p>
+            <a:pPr lvl="1"/>
+            <a:r>
+              <a:rPr lang="en-US" dirty="0"/>
+              <a:t>Different clocks in each component?</a:t>
+            </a:r>
+          </a:p>
+          <a:p>
+            <a:r>
+              <a:rPr lang="en-US" dirty="0"/>
+              <a:t>What level of granularity do we need in time?</a:t>
+            </a:r>
+          </a:p>
+          <a:p>
+            <a:pPr lvl="1"/>
+            <a:r>
+              <a:rPr lang="en-US" dirty="0"/>
+              <a:t>Discrete time-steps or Continuous dense time?</a:t>
+            </a:r>
+          </a:p>
+        </p:txBody>
+      </p:sp>
+    </p:spTree>
+    <p:extLst>
+      <p:ext uri="{BB962C8B-B14F-4D97-AF65-F5344CB8AC3E}">
+        <p14:creationId xmlns:p14="http://schemas.microsoft.com/office/powerpoint/2010/main" val="1649854485"/>
+      </p:ext>
+    </p:extLst>
+  </p:cSld>
+  <p:clrMapOvr>
+    <a:masterClrMapping/>
+  </p:clrMapOvr>
+</p:sld>
+</file>
+
+<file path=ppt/slides/slide50.xml><?xml version="1.0" encoding="utf-8"?>
 <p:sld xmlns:a="http://schemas.openxmlformats.org/drawingml/2006/main" xmlns:r="http://schemas.openxmlformats.org/officeDocument/2006/relationships" xmlns:p="http://schemas.openxmlformats.org/presentationml/2006/main">
   <p:cSld>
     <p:spTree>
@@ -40969,7 +40643,7 @@
             <a:fld id="{29AAD378-655A-49C6-813C-9FD132EF7440}" type="slidenum">
               <a:rPr lang="en-US" smtClean="0"/>
               <a:pPr/>
-              <a:t>51</a:t>
+              <a:t>50</a:t>
             </a:fld>
             <a:endParaRPr lang="en-US" dirty="0"/>
           </a:p>
@@ -42339,7 +42013,7 @@
 </p:sld>
 </file>
 
-<file path=ppt/slides/slide52.xml><?xml version="1.0" encoding="utf-8"?>
+<file path=ppt/slides/slide51.xml><?xml version="1.0" encoding="utf-8"?>
 <p:sld xmlns:a="http://schemas.openxmlformats.org/drawingml/2006/main" xmlns:r="http://schemas.openxmlformats.org/officeDocument/2006/relationships" xmlns:p="http://schemas.openxmlformats.org/presentationml/2006/main">
   <p:cSld>
     <p:spTree>
@@ -42690,7 +42364,7 @@
             <a:fld id="{29AAD378-655A-49C6-813C-9FD132EF7440}" type="slidenum">
               <a:rPr lang="en-US" smtClean="0"/>
               <a:pPr/>
-              <a:t>52</a:t>
+              <a:t>51</a:t>
             </a:fld>
             <a:endParaRPr lang="en-US" dirty="0"/>
           </a:p>
@@ -44938,7 +44612,7 @@
 </p:sld>
 </file>
 
-<file path=ppt/slides/slide53.xml><?xml version="1.0" encoding="utf-8"?>
+<file path=ppt/slides/slide52.xml><?xml version="1.0" encoding="utf-8"?>
 <p:sld xmlns:a="http://schemas.openxmlformats.org/drawingml/2006/main" xmlns:r="http://schemas.openxmlformats.org/officeDocument/2006/relationships" xmlns:p="http://schemas.openxmlformats.org/presentationml/2006/main">
   <p:cSld>
     <p:spTree>
@@ -45007,7 +44681,7 @@
             <a:fld id="{29AAD378-655A-49C6-813C-9FD132EF7440}" type="slidenum">
               <a:rPr lang="en-US" smtClean="0"/>
               <a:pPr/>
-              <a:t>53</a:t>
+              <a:t>52</a:t>
             </a:fld>
             <a:endParaRPr lang="en-US" dirty="0"/>
           </a:p>
@@ -46370,7 +46044,7 @@
 </p:sld>
 </file>
 
-<file path=ppt/slides/slide54.xml><?xml version="1.0" encoding="utf-8"?>
+<file path=ppt/slides/slide53.xml><?xml version="1.0" encoding="utf-8"?>
 <p:sld xmlns:a="http://schemas.openxmlformats.org/drawingml/2006/main" xmlns:r="http://schemas.openxmlformats.org/officeDocument/2006/relationships" xmlns:p="http://schemas.openxmlformats.org/presentationml/2006/main">
   <p:cSld>
     <p:spTree>
@@ -46486,7 +46160,7 @@
             <a:fld id="{29AAD378-655A-49C6-813C-9FD132EF7440}" type="slidenum">
               <a:rPr lang="en-US" smtClean="0"/>
               <a:pPr/>
-              <a:t>54</a:t>
+              <a:t>53</a:t>
             </a:fld>
             <a:endParaRPr lang="en-US" dirty="0"/>
           </a:p>
@@ -48159,7 +47833,7 @@
 </p:sld>
 </file>
 
-<file path=ppt/slides/slide55.xml><?xml version="1.0" encoding="utf-8"?>
+<file path=ppt/slides/slide54.xml><?xml version="1.0" encoding="utf-8"?>
 <p:sld xmlns:a="http://schemas.openxmlformats.org/drawingml/2006/main" xmlns:r="http://schemas.openxmlformats.org/officeDocument/2006/relationships" xmlns:p="http://schemas.openxmlformats.org/presentationml/2006/main">
   <p:cSld>
     <p:spTree>
@@ -48296,7 +47970,7 @@
             <a:fld id="{29AAD378-655A-49C6-813C-9FD132EF7440}" type="slidenum">
               <a:rPr lang="en-US" smtClean="0"/>
               <a:pPr/>
-              <a:t>55</a:t>
+              <a:t>54</a:t>
             </a:fld>
             <a:endParaRPr lang="en-US" dirty="0"/>
           </a:p>

--- a/teaching/cs513slides/lecture1-Models.pptx
+++ b/teaching/cs513slides/lecture1-Models.pptx
@@ -5,10 +5,10 @@
     <p:sldMasterId id="2147483648" r:id="rId1"/>
   </p:sldMasterIdLst>
   <p:notesMasterIdLst>
-    <p:notesMasterId r:id="rId56"/>
+    <p:notesMasterId r:id="rId58"/>
   </p:notesMasterIdLst>
   <p:handoutMasterIdLst>
-    <p:handoutMasterId r:id="rId57"/>
+    <p:handoutMasterId r:id="rId59"/>
   </p:handoutMasterIdLst>
   <p:sldIdLst>
     <p:sldId id="341" r:id="rId2"/>
@@ -50,21 +50,23 @@
     <p:sldId id="323" r:id="rId38"/>
     <p:sldId id="280" r:id="rId39"/>
     <p:sldId id="338" r:id="rId40"/>
-    <p:sldId id="325" r:id="rId41"/>
-    <p:sldId id="326" r:id="rId42"/>
-    <p:sldId id="327" r:id="rId43"/>
-    <p:sldId id="292" r:id="rId44"/>
-    <p:sldId id="328" r:id="rId45"/>
-    <p:sldId id="329" r:id="rId46"/>
-    <p:sldId id="294" r:id="rId47"/>
-    <p:sldId id="295" r:id="rId48"/>
-    <p:sldId id="296" r:id="rId49"/>
-    <p:sldId id="297" r:id="rId50"/>
-    <p:sldId id="330" r:id="rId51"/>
-    <p:sldId id="331" r:id="rId52"/>
-    <p:sldId id="305" r:id="rId53"/>
-    <p:sldId id="306" r:id="rId54"/>
-    <p:sldId id="340" r:id="rId55"/>
+    <p:sldId id="347" r:id="rId41"/>
+    <p:sldId id="348" r:id="rId42"/>
+    <p:sldId id="325" r:id="rId43"/>
+    <p:sldId id="326" r:id="rId44"/>
+    <p:sldId id="327" r:id="rId45"/>
+    <p:sldId id="292" r:id="rId46"/>
+    <p:sldId id="328" r:id="rId47"/>
+    <p:sldId id="329" r:id="rId48"/>
+    <p:sldId id="294" r:id="rId49"/>
+    <p:sldId id="295" r:id="rId50"/>
+    <p:sldId id="296" r:id="rId51"/>
+    <p:sldId id="297" r:id="rId52"/>
+    <p:sldId id="330" r:id="rId53"/>
+    <p:sldId id="331" r:id="rId54"/>
+    <p:sldId id="305" r:id="rId55"/>
+    <p:sldId id="306" r:id="rId56"/>
+    <p:sldId id="340" r:id="rId57"/>
   </p:sldIdLst>
   <p:sldSz cx="12192000" cy="6858000"/>
   <p:notesSz cx="6858000" cy="9144000"/>
@@ -268,7 +270,7 @@
           <a:p>
             <a:fld id="{459B985A-4C37-4D1F-A437-E4A951A85D11}" type="datetimeFigureOut">
               <a:rPr lang="en-US" smtClean="0"/>
-              <a:t>8/21/2023</a:t>
+              <a:t>8/27/2023</a:t>
             </a:fld>
             <a:endParaRPr lang="en-US"/>
           </a:p>
@@ -669,7 +671,7 @@
           <a:p>
             <a:fld id="{6580C23F-98B7-41D4-A9FA-15A275A51486}" type="datetimeFigureOut">
               <a:rPr lang="en-US" smtClean="0"/>
-              <a:t>8/21/2023</a:t>
+              <a:t>8/27/2023</a:t>
             </a:fld>
             <a:endParaRPr lang="en-US"/>
           </a:p>
@@ -1218,7 +1220,7 @@
           <a:p>
             <a:fld id="{E586B107-AA8F-4C65-A94C-468C6EEC3A14}" type="slidenum">
               <a:rPr lang="en-US" smtClean="0"/>
-              <a:t>46</a:t>
+              <a:t>48</a:t>
             </a:fld>
             <a:endParaRPr lang="en-US"/>
           </a:p>
@@ -1607,7 +1609,7 @@
           <p:nvPr userDrawn="1"/>
         </p:nvPicPr>
         <mc:AlternateContent xmlns:mc="http://schemas.openxmlformats.org/markup-compatibility/2006">
-          <mc:Choice xmlns="" xmlns:mv="urn:schemas-microsoft-com:mac:vml" xmlns:ma="http://schemas.microsoft.com/office/mac/drawingml/2008/main" Requires="ma">
+          <mc:Choice xmlns:ma="http://schemas.microsoft.com/office/mac/drawingml/2008/main" xmlns:mv="urn:schemas-microsoft-com:mac:vml" xmlns="" Requires="ma">
             <p:blipFill>
               <a:blip r:embed="rId3"/>
               <a:stretch>
@@ -18508,8 +18510,8 @@
           <a:chExt cx="0" cy="0"/>
         </a:xfrm>
       </p:grpSpPr>
-      <mc:AlternateContent xmlns:mc="http://schemas.openxmlformats.org/markup-compatibility/2006">
-        <mc:Choice xmlns:a14="http://schemas.microsoft.com/office/drawing/2010/main" Requires="a14">
+      <mc:AlternateContent xmlns:mc="http://schemas.openxmlformats.org/markup-compatibility/2006" xmlns:a14="http://schemas.microsoft.com/office/drawing/2010/main">
+        <mc:Choice Requires="a14">
           <p:sp>
             <p:nvSpPr>
               <p:cNvPr id="2" name="Content Placeholder 1">
@@ -18730,7 +18732,7 @@
             </p:txBody>
           </p:sp>
         </mc:Choice>
-        <mc:Fallback>
+        <mc:Fallback xmlns="">
           <p:sp>
             <p:nvSpPr>
               <p:cNvPr id="2" name="Content Placeholder 1">
@@ -30969,6 +30971,365 @@
       </p:grpSpPr>
       <p:sp>
         <p:nvSpPr>
+          <p:cNvPr id="2" name="Content Placeholder 1">
+            <a:extLst>
+              <a:ext uri="{FF2B5EF4-FFF2-40B4-BE49-F238E27FC236}">
+                <a16:creationId xmlns:a16="http://schemas.microsoft.com/office/drawing/2014/main" id="{FDF34425-5C2E-FC21-4406-89E23A36BD80}"/>
+              </a:ext>
+            </a:extLst>
+          </p:cNvPr>
+          <p:cNvSpPr>
+            <a:spLocks noGrp="1"/>
+          </p:cNvSpPr>
+          <p:nvPr>
+            <p:ph idx="1"/>
+          </p:nvPr>
+        </p:nvSpPr>
+        <p:spPr/>
+        <p:txBody>
+          <a:bodyPr/>
+          <a:lstStyle/>
+          <a:p>
+            <a:r>
+              <a:rPr lang="en-US" dirty="0"/>
+              <a:t>Discussed class structure</a:t>
+            </a:r>
+          </a:p>
+          <a:p>
+            <a:r>
+              <a:rPr lang="en-US" dirty="0"/>
+              <a:t>Discussed class project</a:t>
+            </a:r>
+          </a:p>
+          <a:p>
+            <a:r>
+              <a:rPr lang="en-US" dirty="0"/>
+              <a:t>Homework assignments, discussions on Piazza</a:t>
+            </a:r>
+          </a:p>
+          <a:p>
+            <a:r>
+              <a:rPr lang="en-US" dirty="0"/>
+              <a:t>TAs: Sam Williams, Jeremy Morgan, Navid Hashemi</a:t>
+            </a:r>
+          </a:p>
+          <a:p>
+            <a:pPr marL="0" indent="0">
+              <a:buNone/>
+            </a:pPr>
+            <a:endParaRPr lang="en-US" dirty="0"/>
+          </a:p>
+          <a:p>
+            <a:pPr marL="0" indent="0">
+              <a:buNone/>
+            </a:pPr>
+            <a:r>
+              <a:rPr lang="en-US" dirty="0"/>
+              <a:t>Subject matter:</a:t>
+            </a:r>
+          </a:p>
+          <a:p>
+            <a:r>
+              <a:rPr lang="en-US" dirty="0"/>
+              <a:t>Discussed synchronous components, the synchrony hypothesis</a:t>
+            </a:r>
+          </a:p>
+          <a:p>
+            <a:r>
+              <a:rPr lang="en-US" dirty="0"/>
+              <a:t>Discussed cruise control module using synchronous assumptions</a:t>
+            </a:r>
+          </a:p>
+          <a:p>
+            <a:endParaRPr lang="en-US" dirty="0"/>
+          </a:p>
+        </p:txBody>
+      </p:sp>
+      <p:sp>
+        <p:nvSpPr>
+          <p:cNvPr id="3" name="Title 2">
+            <a:extLst>
+              <a:ext uri="{FF2B5EF4-FFF2-40B4-BE49-F238E27FC236}">
+                <a16:creationId xmlns:a16="http://schemas.microsoft.com/office/drawing/2014/main" id="{6912B12F-E4CC-F999-11B6-22D543037A5A}"/>
+              </a:ext>
+            </a:extLst>
+          </p:cNvPr>
+          <p:cNvSpPr>
+            <a:spLocks noGrp="1"/>
+          </p:cNvSpPr>
+          <p:nvPr>
+            <p:ph type="title"/>
+          </p:nvPr>
+        </p:nvSpPr>
+        <p:spPr/>
+        <p:txBody>
+          <a:bodyPr/>
+          <a:lstStyle/>
+          <a:p>
+            <a:r>
+              <a:rPr lang="en-US" dirty="0"/>
+              <a:t>Summary of last lecture</a:t>
+            </a:r>
+          </a:p>
+        </p:txBody>
+      </p:sp>
+      <p:sp>
+        <p:nvSpPr>
+          <p:cNvPr id="4" name="Slide Number Placeholder 3">
+            <a:extLst>
+              <a:ext uri="{FF2B5EF4-FFF2-40B4-BE49-F238E27FC236}">
+                <a16:creationId xmlns:a16="http://schemas.microsoft.com/office/drawing/2014/main" id="{11428796-F0A3-8021-FD93-FF90BE85432E}"/>
+              </a:ext>
+            </a:extLst>
+          </p:cNvPr>
+          <p:cNvSpPr>
+            <a:spLocks noGrp="1"/>
+          </p:cNvSpPr>
+          <p:nvPr>
+            <p:ph type="sldNum" sz="quarter" idx="12"/>
+          </p:nvPr>
+        </p:nvSpPr>
+        <p:spPr/>
+        <p:txBody>
+          <a:bodyPr/>
+          <a:lstStyle/>
+          <a:p>
+            <a:fld id="{29AAD378-655A-49C6-813C-9FD132EF7440}" type="slidenum">
+              <a:rPr lang="en-US" smtClean="0"/>
+              <a:pPr/>
+              <a:t>40</a:t>
+            </a:fld>
+            <a:endParaRPr lang="en-US" dirty="0"/>
+          </a:p>
+        </p:txBody>
+      </p:sp>
+    </p:spTree>
+    <p:extLst>
+      <p:ext uri="{BB962C8B-B14F-4D97-AF65-F5344CB8AC3E}">
+        <p14:creationId xmlns:p14="http://schemas.microsoft.com/office/powerpoint/2010/main" val="2546555843"/>
+      </p:ext>
+    </p:extLst>
+  </p:cSld>
+  <p:clrMapOvr>
+    <a:masterClrMapping/>
+  </p:clrMapOvr>
+</p:sld>
+</file>
+
+<file path=ppt/slides/slide41.xml><?xml version="1.0" encoding="utf-8"?>
+<p:sld xmlns:a="http://schemas.openxmlformats.org/drawingml/2006/main" xmlns:r="http://schemas.openxmlformats.org/officeDocument/2006/relationships" xmlns:p="http://schemas.openxmlformats.org/presentationml/2006/main">
+  <p:cSld>
+    <p:spTree>
+      <p:nvGrpSpPr>
+        <p:cNvPr id="1" name=""/>
+        <p:cNvGrpSpPr/>
+        <p:nvPr/>
+      </p:nvGrpSpPr>
+      <p:grpSpPr>
+        <a:xfrm>
+          <a:off x="0" y="0"/>
+          <a:ext cx="0" cy="0"/>
+          <a:chOff x="0" y="0"/>
+          <a:chExt cx="0" cy="0"/>
+        </a:xfrm>
+      </p:grpSpPr>
+      <p:sp>
+        <p:nvSpPr>
+          <p:cNvPr id="2" name="Content Placeholder 1">
+            <a:extLst>
+              <a:ext uri="{FF2B5EF4-FFF2-40B4-BE49-F238E27FC236}">
+                <a16:creationId xmlns:a16="http://schemas.microsoft.com/office/drawing/2014/main" id="{2C928B22-E337-1824-928D-4C547384E8DD}"/>
+              </a:ext>
+            </a:extLst>
+          </p:cNvPr>
+          <p:cNvSpPr>
+            <a:spLocks noGrp="1"/>
+          </p:cNvSpPr>
+          <p:nvPr>
+            <p:ph idx="1"/>
+          </p:nvPr>
+        </p:nvSpPr>
+        <p:spPr>
+          <a:xfrm>
+            <a:off x="246456" y="1552575"/>
+            <a:ext cx="11699087" cy="3921916"/>
+          </a:xfrm>
+        </p:spPr>
+        <p:txBody>
+          <a:bodyPr/>
+          <a:lstStyle/>
+          <a:p>
+            <a:r>
+              <a:rPr lang="en-US" dirty="0"/>
+              <a:t>Homework 1 on Piazza</a:t>
+            </a:r>
+          </a:p>
+          <a:p>
+            <a:r>
+              <a:rPr lang="en-US" dirty="0"/>
+              <a:t>Due date: September 5, 2023, Time: 23:59.59 </a:t>
+            </a:r>
+            <a:r>
+              <a:rPr lang="en-US" dirty="0" err="1"/>
+              <a:t>AoE</a:t>
+            </a:r>
+            <a:r>
+              <a:rPr lang="en-US" dirty="0"/>
+              <a:t> (i.e., Sep 6 @ 5am)</a:t>
+            </a:r>
+          </a:p>
+          <a:p>
+            <a:r>
+              <a:rPr lang="en-US" dirty="0"/>
+              <a:t>Submit on Piazza as a single pdf</a:t>
+            </a:r>
+          </a:p>
+          <a:p>
+            <a:pPr lvl="1"/>
+            <a:r>
+              <a:rPr lang="en-US" dirty="0"/>
+              <a:t>Handwritten </a:t>
+            </a:r>
+            <a:r>
+              <a:rPr lang="en-US" dirty="0">
+                <a:sym typeface="Wingdings" panose="05000000000000000000" pitchFamily="2" charset="2"/>
+              </a:rPr>
+              <a:t> </a:t>
+            </a:r>
+            <a:r>
+              <a:rPr lang="en-US" dirty="0"/>
+              <a:t>Scan to PDF </a:t>
+            </a:r>
+          </a:p>
+          <a:p>
+            <a:pPr lvl="1"/>
+            <a:r>
+              <a:rPr lang="en-US" dirty="0"/>
+              <a:t>Word processor </a:t>
+            </a:r>
+            <a:r>
+              <a:rPr lang="en-US" dirty="0">
+                <a:sym typeface="Wingdings" panose="05000000000000000000" pitchFamily="2" charset="2"/>
+              </a:rPr>
+              <a:t> PDF</a:t>
+            </a:r>
+          </a:p>
+          <a:p>
+            <a:pPr lvl="1"/>
+            <a:r>
+              <a:rPr lang="en-US" dirty="0">
+                <a:sym typeface="Wingdings" panose="05000000000000000000" pitchFamily="2" charset="2"/>
+              </a:rPr>
+              <a:t>Latex  PDF</a:t>
+            </a:r>
+          </a:p>
+          <a:p>
+            <a:pPr lvl="1"/>
+            <a:endParaRPr lang="en-US" dirty="0">
+              <a:sym typeface="Wingdings" panose="05000000000000000000" pitchFamily="2" charset="2"/>
+            </a:endParaRPr>
+          </a:p>
+          <a:p>
+            <a:r>
+              <a:rPr lang="en-US" dirty="0">
+                <a:sym typeface="Wingdings" panose="05000000000000000000" pitchFamily="2" charset="2"/>
+              </a:rPr>
+              <a:t>Today: Asynchronous and Timed Components</a:t>
+            </a:r>
+            <a:endParaRPr lang="en-US" dirty="0"/>
+          </a:p>
+        </p:txBody>
+      </p:sp>
+      <p:sp>
+        <p:nvSpPr>
+          <p:cNvPr id="3" name="Title 2">
+            <a:extLst>
+              <a:ext uri="{FF2B5EF4-FFF2-40B4-BE49-F238E27FC236}">
+                <a16:creationId xmlns:a16="http://schemas.microsoft.com/office/drawing/2014/main" id="{E3B806F7-930C-9802-201B-0ECAD18B8D93}"/>
+              </a:ext>
+            </a:extLst>
+          </p:cNvPr>
+          <p:cNvSpPr>
+            <a:spLocks noGrp="1"/>
+          </p:cNvSpPr>
+          <p:nvPr>
+            <p:ph type="title"/>
+          </p:nvPr>
+        </p:nvSpPr>
+        <p:spPr/>
+        <p:txBody>
+          <a:bodyPr/>
+          <a:lstStyle/>
+          <a:p>
+            <a:r>
+              <a:rPr lang="en-US" dirty="0"/>
+              <a:t>Announcements/Logistics</a:t>
+            </a:r>
+          </a:p>
+        </p:txBody>
+      </p:sp>
+      <p:sp>
+        <p:nvSpPr>
+          <p:cNvPr id="4" name="Slide Number Placeholder 3">
+            <a:extLst>
+              <a:ext uri="{FF2B5EF4-FFF2-40B4-BE49-F238E27FC236}">
+                <a16:creationId xmlns:a16="http://schemas.microsoft.com/office/drawing/2014/main" id="{EE3967F0-EED5-6284-8F3A-85EB6F51F3DB}"/>
+              </a:ext>
+            </a:extLst>
+          </p:cNvPr>
+          <p:cNvSpPr>
+            <a:spLocks noGrp="1"/>
+          </p:cNvSpPr>
+          <p:nvPr>
+            <p:ph type="sldNum" sz="quarter" idx="12"/>
+          </p:nvPr>
+        </p:nvSpPr>
+        <p:spPr/>
+        <p:txBody>
+          <a:bodyPr/>
+          <a:lstStyle/>
+          <a:p>
+            <a:fld id="{29AAD378-655A-49C6-813C-9FD132EF7440}" type="slidenum">
+              <a:rPr lang="en-US" smtClean="0"/>
+              <a:pPr/>
+              <a:t>41</a:t>
+            </a:fld>
+            <a:endParaRPr lang="en-US" dirty="0"/>
+          </a:p>
+        </p:txBody>
+      </p:sp>
+    </p:spTree>
+    <p:extLst>
+      <p:ext uri="{BB962C8B-B14F-4D97-AF65-F5344CB8AC3E}">
+        <p14:creationId xmlns:p14="http://schemas.microsoft.com/office/powerpoint/2010/main" val="3320461320"/>
+      </p:ext>
+    </p:extLst>
+  </p:cSld>
+  <p:clrMapOvr>
+    <a:masterClrMapping/>
+  </p:clrMapOvr>
+</p:sld>
+</file>
+
+<file path=ppt/slides/slide42.xml><?xml version="1.0" encoding="utf-8"?>
+<p:sld xmlns:a="http://schemas.openxmlformats.org/drawingml/2006/main" xmlns:r="http://schemas.openxmlformats.org/officeDocument/2006/relationships" xmlns:p="http://schemas.openxmlformats.org/presentationml/2006/main">
+  <p:cSld>
+    <p:spTree>
+      <p:nvGrpSpPr>
+        <p:cNvPr id="1" name=""/>
+        <p:cNvGrpSpPr/>
+        <p:nvPr/>
+      </p:nvGrpSpPr>
+      <p:grpSpPr>
+        <a:xfrm>
+          <a:off x="0" y="0"/>
+          <a:ext cx="0" cy="0"/>
+          <a:chOff x="0" y="0"/>
+          <a:chExt cx="0" cy="0"/>
+        </a:xfrm>
+      </p:grpSpPr>
+      <p:sp>
+        <p:nvSpPr>
           <p:cNvPr id="3" name="Title 2">
             <a:extLst>
               <a:ext uri="{FF2B5EF4-FFF2-40B4-BE49-F238E27FC236}">
@@ -31019,7 +31380,7 @@
             <a:fld id="{29AAD378-655A-49C6-813C-9FD132EF7440}" type="slidenum">
               <a:rPr lang="en-US" smtClean="0"/>
               <a:pPr/>
-              <a:t>40</a:t>
+              <a:t>42</a:t>
             </a:fld>
             <a:endParaRPr lang="en-US"/>
           </a:p>
@@ -31117,7 +31478,7 @@
 </p:sld>
 </file>
 
-<file path=ppt/slides/slide41.xml><?xml version="1.0" encoding="utf-8"?>
+<file path=ppt/slides/slide43.xml><?xml version="1.0" encoding="utf-8"?>
 <p:sld xmlns:a="http://schemas.openxmlformats.org/drawingml/2006/main" xmlns:r="http://schemas.openxmlformats.org/officeDocument/2006/relationships" xmlns:p="http://schemas.openxmlformats.org/presentationml/2006/main">
   <p:cSld>
     <p:spTree>
@@ -31186,7 +31547,7 @@
             <a:fld id="{29AAD378-655A-49C6-813C-9FD132EF7440}" type="slidenum">
               <a:rPr lang="en-US" smtClean="0"/>
               <a:pPr/>
-              <a:t>41</a:t>
+              <a:t>43</a:t>
             </a:fld>
             <a:endParaRPr lang="en-US"/>
           </a:p>
@@ -32207,7 +32568,7 @@
 </p:sld>
 </file>
 
-<file path=ppt/slides/slide42.xml><?xml version="1.0" encoding="utf-8"?>
+<file path=ppt/slides/slide44.xml><?xml version="1.0" encoding="utf-8"?>
 <p:sld xmlns:a="http://schemas.openxmlformats.org/drawingml/2006/main" xmlns:r="http://schemas.openxmlformats.org/officeDocument/2006/relationships" xmlns:p="http://schemas.openxmlformats.org/presentationml/2006/main">
   <p:cSld>
     <p:spTree>
@@ -32502,7 +32863,7 @@
             <a:fld id="{29AAD378-655A-49C6-813C-9FD132EF7440}" type="slidenum">
               <a:rPr lang="en-US" smtClean="0"/>
               <a:pPr/>
-              <a:t>42</a:t>
+              <a:t>44</a:t>
             </a:fld>
             <a:endParaRPr lang="en-US" dirty="0"/>
           </a:p>
@@ -33205,7 +33566,7 @@
 </p:sld>
 </file>
 
-<file path=ppt/slides/slide43.xml><?xml version="1.0" encoding="utf-8"?>
+<file path=ppt/slides/slide45.xml><?xml version="1.0" encoding="utf-8"?>
 <p:sld xmlns:a="http://schemas.openxmlformats.org/drawingml/2006/main" xmlns:r="http://schemas.openxmlformats.org/officeDocument/2006/relationships" xmlns:p="http://schemas.openxmlformats.org/presentationml/2006/main">
   <p:cSld>
     <p:spTree>
@@ -33222,537 +33583,70 @@
           <a:chExt cx="0" cy="0"/>
         </a:xfrm>
       </p:grpSpPr>
-      <mc:AlternateContent xmlns:mc="http://schemas.openxmlformats.org/markup-compatibility/2006" xmlns:a14="http://schemas.microsoft.com/office/drawing/2010/main">
-        <mc:Choice Requires="a14">
-          <p:sp>
-            <p:nvSpPr>
-              <p:cNvPr id="2" name="Content Placeholder 1">
-                <a:extLst>
-                  <a:ext uri="{FF2B5EF4-FFF2-40B4-BE49-F238E27FC236}">
-                    <a16:creationId xmlns:a16="http://schemas.microsoft.com/office/drawing/2014/main" id="{B1E936F1-8A68-4D3F-87BD-CCCF76AECF1F}"/>
-                  </a:ext>
-                </a:extLst>
-              </p:cNvPr>
-              <p:cNvSpPr>
-                <a:spLocks noGrp="1"/>
-              </p:cNvSpPr>
-              <p:nvPr>
-                <p:ph idx="1"/>
-              </p:nvPr>
-            </p:nvSpPr>
-            <p:spPr>
-              <a:xfrm>
-                <a:off x="166680" y="1332703"/>
-                <a:ext cx="7182983" cy="4330430"/>
-              </a:xfrm>
-            </p:spPr>
-            <p:txBody>
-              <a:bodyPr>
-                <a:normAutofit lnSpcReduction="10000"/>
-              </a:bodyPr>
-              <a:lstStyle/>
-              <a:p>
-                <a:r>
-                  <a:rPr lang="en-US" dirty="0"/>
-                  <a:t>Execution Model: In each step only one task is executed</a:t>
-                </a:r>
-              </a:p>
-              <a:p>
-                <a:r>
-                  <a:rPr lang="en-US" dirty="0"/>
-                  <a:t>Task can be executed only if it is enabled (i.e. if its guard condition is true)</a:t>
-                </a:r>
-              </a:p>
-              <a:p>
-                <a:r>
-                  <a:rPr lang="en-US" dirty="0"/>
-                  <a:t>If multiple guard conditions are true, one task is nondeterministically executed</a:t>
-                </a:r>
-              </a:p>
-              <a:p>
-                <a:r>
-                  <a:rPr lang="en-US" dirty="0"/>
-                  <a:t>Sample execution:</a:t>
-                </a:r>
-              </a:p>
-              <a:p>
-                <a:endParaRPr lang="en-US" dirty="0"/>
-              </a:p>
-              <a:p>
-                <a:pPr marL="0" indent="0">
-                  <a:buNone/>
-                </a:pPr>
-                <a14:m>
-                  <m:oMathPara xmlns:m="http://schemas.openxmlformats.org/officeDocument/2006/math">
-                    <m:oMathParaPr>
-                      <m:jc m:val="centerGroup"/>
-                    </m:oMathParaPr>
-                    <m:oMath xmlns:m="http://schemas.openxmlformats.org/officeDocument/2006/math">
-                      <m:r>
-                        <a:rPr lang="en-US" b="0" i="1" smtClean="0">
-                          <a:latin typeface="Cambria Math" panose="02040503050406030204" pitchFamily="18" charset="0"/>
-                        </a:rPr>
-                        <m:t>∅</m:t>
-                      </m:r>
-                      <m:limLow>
-                        <m:limLowPr>
-                          <m:ctrlPr>
-                            <a:rPr lang="en-US" b="0" i="1" smtClean="0">
-                              <a:latin typeface="Cambria Math" panose="02040503050406030204" pitchFamily="18" charset="0"/>
-                            </a:rPr>
-                          </m:ctrlPr>
-                        </m:limLowPr>
-                        <m:e>
-                          <m:groupChr>
-                            <m:groupChrPr>
-                              <m:chr m:val="→"/>
-                              <m:vertJc m:val="bot"/>
-                              <m:ctrlPr>
-                                <a:rPr lang="en-US" b="0" i="1" smtClean="0">
-                                  <a:latin typeface="Cambria Math" panose="02040503050406030204" pitchFamily="18" charset="0"/>
-                                </a:rPr>
-                              </m:ctrlPr>
-                            </m:groupChrPr>
-                            <m:e>
-                              <m:r>
-                                <m:rPr>
-                                  <m:sty m:val="p"/>
-                                  <m:brk m:alnAt="2"/>
-                                </m:rPr>
-                                <a:rPr lang="en-US" b="0" i="0" smtClean="0">
-                                  <a:latin typeface="Cambria Math" panose="02040503050406030204" pitchFamily="18" charset="0"/>
-                                </a:rPr>
-                                <m:t>i</m:t>
-                              </m:r>
-                              <m:r>
-                                <m:rPr>
-                                  <m:sty m:val="p"/>
-                                </m:rPr>
-                                <a:rPr lang="en-US" b="0" i="0" smtClean="0">
-                                  <a:latin typeface="Cambria Math" panose="02040503050406030204" pitchFamily="18" charset="0"/>
-                                </a:rPr>
-                                <m:t>n</m:t>
-                              </m:r>
-                              <m:r>
-                                <a:rPr lang="en-US" b="0" i="0" smtClean="0">
-                                  <a:latin typeface="Cambria Math" panose="02040503050406030204" pitchFamily="18" charset="0"/>
-                                </a:rPr>
-                                <m:t>?0</m:t>
-                              </m:r>
-                            </m:e>
-                          </m:groupChr>
-                        </m:e>
-                        <m:lim>
-                          <m:r>
-                            <m:rPr>
-                              <m:sty m:val="p"/>
-                            </m:rPr>
-                            <a:rPr lang="en-US" b="0" i="0" smtClean="0">
-                              <a:latin typeface="Cambria Math" panose="02040503050406030204" pitchFamily="18" charset="0"/>
-                            </a:rPr>
-                            <m:t>T</m:t>
-                          </m:r>
-                          <m:r>
-                            <m:rPr>
-                              <m:sty m:val="p"/>
-                            </m:rPr>
-                            <a:rPr lang="en-US" b="0" i="0" baseline="-25000" smtClean="0">
-                              <a:latin typeface="Cambria Math" panose="02040503050406030204" pitchFamily="18" charset="0"/>
-                            </a:rPr>
-                            <m:t>in</m:t>
-                          </m:r>
-                        </m:lim>
-                      </m:limLow>
-                      <m:r>
-                        <a:rPr lang="en-US" b="0" i="1" smtClean="0">
-                          <a:latin typeface="Cambria Math" panose="02040503050406030204" pitchFamily="18" charset="0"/>
-                        </a:rPr>
-                        <m:t> 0</m:t>
-                      </m:r>
-                      <m:limLow>
-                        <m:limLowPr>
-                          <m:ctrlPr>
-                            <a:rPr lang="en-US" b="0" i="1" smtClean="0">
-                              <a:latin typeface="Cambria Math" panose="02040503050406030204" pitchFamily="18" charset="0"/>
-                            </a:rPr>
-                          </m:ctrlPr>
-                        </m:limLowPr>
-                        <m:e>
-                          <m:groupChr>
-                            <m:groupChrPr>
-                              <m:chr m:val="→"/>
-                              <m:vertJc m:val="bot"/>
-                              <m:ctrlPr>
-                                <a:rPr lang="en-US" b="0" i="1" smtClean="0">
-                                  <a:latin typeface="Cambria Math" panose="02040503050406030204" pitchFamily="18" charset="0"/>
-                                </a:rPr>
-                              </m:ctrlPr>
-                            </m:groupChrPr>
-                            <m:e>
-                              <m:r>
-                                <m:rPr>
-                                  <m:sty m:val="p"/>
-                                  <m:brk m:alnAt="2"/>
-                                </m:rPr>
-                                <a:rPr lang="en-US" b="0" i="0" smtClean="0">
-                                  <a:latin typeface="Cambria Math" panose="02040503050406030204" pitchFamily="18" charset="0"/>
-                                </a:rPr>
-                                <m:t>o</m:t>
-                              </m:r>
-                              <m:r>
-                                <m:rPr>
-                                  <m:sty m:val="p"/>
-                                </m:rPr>
-                                <a:rPr lang="en-US" b="0" i="0" smtClean="0">
-                                  <a:latin typeface="Cambria Math" panose="02040503050406030204" pitchFamily="18" charset="0"/>
-                                </a:rPr>
-                                <m:t>ut</m:t>
-                              </m:r>
-                              <m:r>
-                                <a:rPr lang="en-US" b="0" i="0" smtClean="0">
-                                  <a:latin typeface="Cambria Math" panose="02040503050406030204" pitchFamily="18" charset="0"/>
-                                </a:rPr>
-                                <m:t>!0</m:t>
-                              </m:r>
-                            </m:e>
-                          </m:groupChr>
-                        </m:e>
-                        <m:lim>
-                          <m:sSub>
-                            <m:sSubPr>
-                              <m:ctrlPr>
-                                <a:rPr lang="en-US" b="0" i="1" smtClean="0">
-                                  <a:latin typeface="Cambria Math" panose="02040503050406030204" pitchFamily="18" charset="0"/>
-                                </a:rPr>
-                              </m:ctrlPr>
-                            </m:sSubPr>
-                            <m:e>
-                              <m:r>
-                                <m:rPr>
-                                  <m:sty m:val="p"/>
-                                </m:rPr>
-                                <a:rPr lang="en-US" b="0" i="0" smtClean="0">
-                                  <a:latin typeface="Cambria Math" panose="02040503050406030204" pitchFamily="18" charset="0"/>
-                                </a:rPr>
-                                <m:t>T</m:t>
-                              </m:r>
-                            </m:e>
-                            <m:sub>
-                              <m:r>
-                                <m:rPr>
-                                  <m:sty m:val="p"/>
-                                </m:rPr>
-                                <a:rPr lang="en-US" b="0" i="0" smtClean="0">
-                                  <a:latin typeface="Cambria Math" panose="02040503050406030204" pitchFamily="18" charset="0"/>
-                                </a:rPr>
-                                <m:t>out</m:t>
-                              </m:r>
-                            </m:sub>
-                          </m:sSub>
-                        </m:lim>
-                      </m:limLow>
-                      <m:r>
-                        <a:rPr lang="en-US" b="0" i="0" smtClean="0">
-                          <a:latin typeface="Cambria Math" panose="02040503050406030204" pitchFamily="18" charset="0"/>
-                        </a:rPr>
-                        <m:t> </m:t>
-                      </m:r>
-                      <m:r>
-                        <a:rPr lang="en-US" b="0" i="1" smtClean="0">
-                          <a:latin typeface="Cambria Math" panose="02040503050406030204" pitchFamily="18" charset="0"/>
-                        </a:rPr>
-                        <m:t>∅</m:t>
-                      </m:r>
-                      <m:limLow>
-                        <m:limLowPr>
-                          <m:ctrlPr>
-                            <a:rPr lang="en-US" b="0" i="1" smtClean="0">
-                              <a:latin typeface="Cambria Math" panose="02040503050406030204" pitchFamily="18" charset="0"/>
-                            </a:rPr>
-                          </m:ctrlPr>
-                        </m:limLowPr>
-                        <m:e>
-                          <m:groupChr>
-                            <m:groupChrPr>
-                              <m:chr m:val="→"/>
-                              <m:vertJc m:val="bot"/>
-                              <m:ctrlPr>
-                                <a:rPr lang="en-US" b="0" i="1" smtClean="0">
-                                  <a:latin typeface="Cambria Math" panose="02040503050406030204" pitchFamily="18" charset="0"/>
-                                </a:rPr>
-                              </m:ctrlPr>
-                            </m:groupChrPr>
-                            <m:e>
-                              <m:r>
-                                <m:rPr>
-                                  <m:sty m:val="p"/>
-                                  <m:brk m:alnAt="2"/>
-                                </m:rPr>
-                                <a:rPr lang="en-US" b="0" i="0" smtClean="0">
-                                  <a:latin typeface="Cambria Math" panose="02040503050406030204" pitchFamily="18" charset="0"/>
-                                </a:rPr>
-                                <m:t>i</m:t>
-                              </m:r>
-                              <m:r>
-                                <m:rPr>
-                                  <m:sty m:val="p"/>
-                                </m:rPr>
-                                <a:rPr lang="en-US" b="0" i="0" smtClean="0">
-                                  <a:latin typeface="Cambria Math" panose="02040503050406030204" pitchFamily="18" charset="0"/>
-                                </a:rPr>
-                                <m:t>n</m:t>
-                              </m:r>
-                              <m:r>
-                                <a:rPr lang="en-US" b="0" i="0" smtClean="0">
-                                  <a:latin typeface="Cambria Math" panose="02040503050406030204" pitchFamily="18" charset="0"/>
-                                </a:rPr>
-                                <m:t>?1</m:t>
-                              </m:r>
-                            </m:e>
-                          </m:groupChr>
-                        </m:e>
-                        <m:lim>
-                          <m:r>
-                            <m:rPr>
-                              <m:sty m:val="p"/>
-                            </m:rPr>
-                            <a:rPr lang="en-US" b="0" i="0" smtClean="0">
-                              <a:latin typeface="Cambria Math" panose="02040503050406030204" pitchFamily="18" charset="0"/>
-                            </a:rPr>
-                            <m:t>T</m:t>
-                          </m:r>
-                          <m:r>
-                            <m:rPr>
-                              <m:sty m:val="p"/>
-                            </m:rPr>
-                            <a:rPr lang="en-US" b="0" i="0" baseline="-25000" smtClean="0">
-                              <a:latin typeface="Cambria Math" panose="02040503050406030204" pitchFamily="18" charset="0"/>
-                            </a:rPr>
-                            <m:t>in</m:t>
-                          </m:r>
-                        </m:lim>
-                      </m:limLow>
-                      <m:r>
-                        <a:rPr lang="en-US" b="0" i="1" smtClean="0">
-                          <a:latin typeface="Cambria Math" panose="02040503050406030204" pitchFamily="18" charset="0"/>
-                        </a:rPr>
-                        <m:t>1</m:t>
-                      </m:r>
-                      <m:limLow>
-                        <m:limLowPr>
-                          <m:ctrlPr>
-                            <a:rPr lang="en-US" i="1">
-                              <a:latin typeface="Cambria Math" panose="02040503050406030204" pitchFamily="18" charset="0"/>
-                            </a:rPr>
-                          </m:ctrlPr>
-                        </m:limLowPr>
-                        <m:e>
-                          <m:groupChr>
-                            <m:groupChrPr>
-                              <m:chr m:val="→"/>
-                              <m:vertJc m:val="bot"/>
-                              <m:ctrlPr>
-                                <a:rPr lang="en-US" i="1">
-                                  <a:latin typeface="Cambria Math" panose="02040503050406030204" pitchFamily="18" charset="0"/>
-                                </a:rPr>
-                              </m:ctrlPr>
-                            </m:groupChrPr>
-                            <m:e>
-                              <m:r>
-                                <m:rPr>
-                                  <m:sty m:val="p"/>
-                                  <m:brk m:alnAt="2"/>
-                                </m:rPr>
-                                <a:rPr lang="en-US">
-                                  <a:latin typeface="Cambria Math" panose="02040503050406030204" pitchFamily="18" charset="0"/>
-                                </a:rPr>
-                                <m:t>i</m:t>
-                              </m:r>
-                              <m:r>
-                                <m:rPr>
-                                  <m:sty m:val="p"/>
-                                </m:rPr>
-                                <a:rPr lang="en-US">
-                                  <a:latin typeface="Cambria Math" panose="02040503050406030204" pitchFamily="18" charset="0"/>
-                                </a:rPr>
-                                <m:t>n</m:t>
-                              </m:r>
-                              <m:r>
-                                <a:rPr lang="en-US">
-                                  <a:latin typeface="Cambria Math" panose="02040503050406030204" pitchFamily="18" charset="0"/>
-                                </a:rPr>
-                                <m:t>?0</m:t>
-                              </m:r>
-                            </m:e>
-                          </m:groupChr>
-                        </m:e>
-                        <m:lim>
-                          <m:r>
-                            <m:rPr>
-                              <m:sty m:val="p"/>
-                            </m:rPr>
-                            <a:rPr lang="en-US">
-                              <a:latin typeface="Cambria Math" panose="02040503050406030204" pitchFamily="18" charset="0"/>
-                            </a:rPr>
-                            <m:t>T</m:t>
-                          </m:r>
-                          <m:r>
-                            <m:rPr>
-                              <m:sty m:val="p"/>
-                            </m:rPr>
-                            <a:rPr lang="en-US" baseline="-25000">
-                              <a:latin typeface="Cambria Math" panose="02040503050406030204" pitchFamily="18" charset="0"/>
-                            </a:rPr>
-                            <m:t>in</m:t>
-                          </m:r>
-                        </m:lim>
-                      </m:limLow>
-                      <m:r>
-                        <a:rPr lang="en-US" b="0" i="1" smtClean="0">
-                          <a:latin typeface="Cambria Math" panose="02040503050406030204" pitchFamily="18" charset="0"/>
-                        </a:rPr>
-                        <m:t>0</m:t>
-                      </m:r>
-                      <m:limLow>
-                        <m:limLowPr>
-                          <m:ctrlPr>
-                            <a:rPr lang="en-US" i="1">
-                              <a:latin typeface="Cambria Math" panose="02040503050406030204" pitchFamily="18" charset="0"/>
-                            </a:rPr>
-                          </m:ctrlPr>
-                        </m:limLowPr>
-                        <m:e>
-                          <m:groupChr>
-                            <m:groupChrPr>
-                              <m:chr m:val="→"/>
-                              <m:vertJc m:val="bot"/>
-                              <m:ctrlPr>
-                                <a:rPr lang="en-US" i="1">
-                                  <a:latin typeface="Cambria Math" panose="02040503050406030204" pitchFamily="18" charset="0"/>
-                                </a:rPr>
-                              </m:ctrlPr>
-                            </m:groupChrPr>
-                            <m:e>
-                              <m:r>
-                                <m:rPr>
-                                  <m:sty m:val="p"/>
-                                  <m:brk m:alnAt="2"/>
-                                </m:rPr>
-                                <a:rPr lang="en-US">
-                                  <a:latin typeface="Cambria Math" panose="02040503050406030204" pitchFamily="18" charset="0"/>
-                                </a:rPr>
-                                <m:t>o</m:t>
-                              </m:r>
-                              <m:r>
-                                <m:rPr>
-                                  <m:sty m:val="p"/>
-                                </m:rPr>
-                                <a:rPr lang="en-US">
-                                  <a:latin typeface="Cambria Math" panose="02040503050406030204" pitchFamily="18" charset="0"/>
-                                </a:rPr>
-                                <m:t>ut</m:t>
-                              </m:r>
-                              <m:r>
-                                <a:rPr lang="en-US">
-                                  <a:latin typeface="Cambria Math" panose="02040503050406030204" pitchFamily="18" charset="0"/>
-                                </a:rPr>
-                                <m:t>!0</m:t>
-                              </m:r>
-                            </m:e>
-                          </m:groupChr>
-                        </m:e>
-                        <m:lim>
-                          <m:sSub>
-                            <m:sSubPr>
-                              <m:ctrlPr>
-                                <a:rPr lang="en-US" i="1">
-                                  <a:latin typeface="Cambria Math" panose="02040503050406030204" pitchFamily="18" charset="0"/>
-                                </a:rPr>
-                              </m:ctrlPr>
-                            </m:sSubPr>
-                            <m:e>
-                              <m:r>
-                                <m:rPr>
-                                  <m:sty m:val="p"/>
-                                </m:rPr>
-                                <a:rPr lang="en-US">
-                                  <a:latin typeface="Cambria Math" panose="02040503050406030204" pitchFamily="18" charset="0"/>
-                                </a:rPr>
-                                <m:t>T</m:t>
-                              </m:r>
-                            </m:e>
-                            <m:sub>
-                              <m:r>
-                                <m:rPr>
-                                  <m:sty m:val="p"/>
-                                </m:rPr>
-                                <a:rPr lang="en-US">
-                                  <a:latin typeface="Cambria Math" panose="02040503050406030204" pitchFamily="18" charset="0"/>
-                                </a:rPr>
-                                <m:t>out</m:t>
-                              </m:r>
-                            </m:sub>
-                          </m:sSub>
-                        </m:lim>
-                      </m:limLow>
-                      <m:r>
-                        <a:rPr lang="en-US" b="0" i="1" smtClean="0">
-                          <a:latin typeface="Cambria Math" panose="02040503050406030204" pitchFamily="18" charset="0"/>
-                        </a:rPr>
-                        <m:t>∅</m:t>
-                      </m:r>
-                    </m:oMath>
-                  </m:oMathPara>
-                </a14:m>
-                <a:endParaRPr lang="en-US" dirty="0"/>
-              </a:p>
-            </p:txBody>
-          </p:sp>
-        </mc:Choice>
-        <mc:Fallback xmlns="">
-          <p:sp>
-            <p:nvSpPr>
-              <p:cNvPr id="2" name="Content Placeholder 1">
-                <a:extLst>
-                  <a:ext uri="{FF2B5EF4-FFF2-40B4-BE49-F238E27FC236}">
-                    <a16:creationId xmlns:a16="http://schemas.microsoft.com/office/drawing/2014/main" id="{B1E936F1-8A68-4D3F-87BD-CCCF76AECF1F}"/>
-                  </a:ext>
-                </a:extLst>
-              </p:cNvPr>
-              <p:cNvSpPr>
-                <a:spLocks noGrp="1" noRot="1" noChangeAspect="1" noMove="1" noResize="1" noEditPoints="1" noAdjustHandles="1" noChangeArrowheads="1" noChangeShapeType="1" noTextEdit="1"/>
-              </p:cNvSpPr>
-              <p:nvPr>
-                <p:ph idx="1"/>
-              </p:nvPr>
-            </p:nvSpPr>
-            <p:spPr>
-              <a:xfrm>
-                <a:off x="166680" y="1332703"/>
-                <a:ext cx="7182983" cy="4330430"/>
-              </a:xfrm>
-              <a:blipFill>
-                <a:blip r:embed="rId2"/>
-                <a:stretch>
-                  <a:fillRect l="-1018" t="-3239" r="-594"/>
-                </a:stretch>
-              </a:blipFill>
-            </p:spPr>
-            <p:txBody>
-              <a:bodyPr/>
-              <a:lstStyle/>
-              <a:p>
-                <a:r>
-                  <a:rPr lang="en-US">
-                    <a:noFill/>
-                  </a:rPr>
-                  <a:t> </a:t>
-                </a:r>
-              </a:p>
-            </p:txBody>
-          </p:sp>
-        </mc:Fallback>
-      </mc:AlternateContent>
+      <p:sp>
+        <p:nvSpPr>
+          <p:cNvPr id="2" name="Content Placeholder 1">
+            <a:extLst>
+              <a:ext uri="{FF2B5EF4-FFF2-40B4-BE49-F238E27FC236}">
+                <a16:creationId xmlns:a16="http://schemas.microsoft.com/office/drawing/2014/main" id="{B1E936F1-8A68-4D3F-87BD-CCCF76AECF1F}"/>
+              </a:ext>
+            </a:extLst>
+          </p:cNvPr>
+          <p:cNvSpPr>
+            <a:spLocks noGrp="1"/>
+          </p:cNvSpPr>
+          <p:nvPr>
+            <p:ph idx="1"/>
+          </p:nvPr>
+        </p:nvSpPr>
+        <p:spPr>
+          <a:xfrm>
+            <a:off x="166680" y="1332703"/>
+            <a:ext cx="7182983" cy="3429797"/>
+          </a:xfrm>
+        </p:spPr>
+        <p:txBody>
+          <a:bodyPr>
+            <a:normAutofit/>
+          </a:bodyPr>
+          <a:lstStyle/>
+          <a:p>
+            <a:r>
+              <a:rPr lang="en-US" dirty="0"/>
+              <a:t>Execution Model: In each step only one task is executed</a:t>
+            </a:r>
+          </a:p>
+          <a:p>
+            <a:r>
+              <a:rPr lang="en-US" dirty="0"/>
+              <a:t>Task can be executed only if it is enabled (i.e., if its guard condition is true)</a:t>
+            </a:r>
+          </a:p>
+          <a:p>
+            <a:r>
+              <a:rPr lang="en-US" dirty="0"/>
+              <a:t>If multiple guard conditions are true, one task is </a:t>
+            </a:r>
+            <a:r>
+              <a:rPr lang="en-US" i="1" dirty="0"/>
+              <a:t>nondeterministically</a:t>
+            </a:r>
+            <a:r>
+              <a:rPr lang="en-US" dirty="0"/>
+              <a:t> executed</a:t>
+            </a:r>
+          </a:p>
+          <a:p>
+            <a:r>
+              <a:rPr lang="en-US" dirty="0"/>
+              <a:t>Sample execution:</a:t>
+            </a:r>
+          </a:p>
+          <a:p>
+            <a:endParaRPr lang="en-US" dirty="0"/>
+          </a:p>
+        </p:txBody>
+      </p:sp>
       <p:sp>
         <p:nvSpPr>
           <p:cNvPr id="3" name="Title 2">
@@ -33805,7 +33699,7 @@
             <a:fld id="{29AAD378-655A-49C6-813C-9FD132EF7440}" type="slidenum">
               <a:rPr lang="en-US" smtClean="0"/>
               <a:pPr/>
-              <a:t>43</a:t>
+              <a:t>45</a:t>
             </a:fld>
             <a:endParaRPr lang="en-US" dirty="0"/>
           </a:p>
@@ -34530,6 +34424,511 @@
           </a:p>
         </p:txBody>
       </p:sp>
+      <mc:AlternateContent xmlns:mc="http://schemas.openxmlformats.org/markup-compatibility/2006">
+        <mc:Choice xmlns:a14="http://schemas.microsoft.com/office/drawing/2010/main" Requires="a14">
+          <p:sp>
+            <p:nvSpPr>
+              <p:cNvPr id="17" name="TextBox 16">
+                <a:extLst>
+                  <a:ext uri="{FF2B5EF4-FFF2-40B4-BE49-F238E27FC236}">
+                    <a16:creationId xmlns:a16="http://schemas.microsoft.com/office/drawing/2014/main" id="{9BD49D89-F781-1A00-AF28-ED7A7214B7D1}"/>
+                  </a:ext>
+                </a:extLst>
+              </p:cNvPr>
+              <p:cNvSpPr txBox="1"/>
+              <p:nvPr/>
+            </p:nvSpPr>
+            <p:spPr>
+              <a:xfrm>
+                <a:off x="1612107" y="4926992"/>
+                <a:ext cx="6224586" cy="598305"/>
+              </a:xfrm>
+              <a:prstGeom prst="rect">
+                <a:avLst/>
+              </a:prstGeom>
+              <a:noFill/>
+            </p:spPr>
+            <p:txBody>
+              <a:bodyPr wrap="square">
+                <a:spAutoFit/>
+              </a:bodyPr>
+              <a:lstStyle/>
+              <a:p>
+                <a:pPr marL="0" indent="0">
+                  <a:buNone/>
+                </a:pPr>
+                <a14:m>
+                  <m:oMathPara xmlns:m="http://schemas.openxmlformats.org/officeDocument/2006/math">
+                    <m:oMathParaPr>
+                      <m:jc m:val="centerGroup"/>
+                    </m:oMathParaPr>
+                    <m:oMath xmlns:m="http://schemas.openxmlformats.org/officeDocument/2006/math">
+                      <m:r>
+                        <a:rPr lang="en-US" b="0" i="1" smtClean="0">
+                          <a:latin typeface="Cambria Math" panose="02040503050406030204" pitchFamily="18" charset="0"/>
+                        </a:rPr>
+                        <m:t>∅</m:t>
+                      </m:r>
+                      <m:limLow>
+                        <m:limLowPr>
+                          <m:ctrlPr>
+                            <a:rPr lang="en-US" b="0" i="1" smtClean="0">
+                              <a:latin typeface="Cambria Math" panose="02040503050406030204" pitchFamily="18" charset="0"/>
+                            </a:rPr>
+                          </m:ctrlPr>
+                        </m:limLowPr>
+                        <m:e>
+                          <m:groupChr>
+                            <m:groupChrPr>
+                              <m:chr m:val="→"/>
+                              <m:vertJc m:val="bot"/>
+                              <m:ctrlPr>
+                                <a:rPr lang="en-US" b="0" i="1" smtClean="0">
+                                  <a:latin typeface="Cambria Math" panose="02040503050406030204" pitchFamily="18" charset="0"/>
+                                </a:rPr>
+                              </m:ctrlPr>
+                            </m:groupChrPr>
+                            <m:e>
+                              <m:r>
+                                <m:rPr>
+                                  <m:sty m:val="p"/>
+                                  <m:brk m:alnAt="2"/>
+                                </m:rPr>
+                                <a:rPr lang="en-US" b="0" i="0" smtClean="0">
+                                  <a:latin typeface="Cambria Math" panose="02040503050406030204" pitchFamily="18" charset="0"/>
+                                </a:rPr>
+                                <m:t>i</m:t>
+                              </m:r>
+                              <m:r>
+                                <m:rPr>
+                                  <m:sty m:val="p"/>
+                                </m:rPr>
+                                <a:rPr lang="en-US" b="0" i="0" smtClean="0">
+                                  <a:latin typeface="Cambria Math" panose="02040503050406030204" pitchFamily="18" charset="0"/>
+                                </a:rPr>
+                                <m:t>n</m:t>
+                              </m:r>
+                              <m:r>
+                                <a:rPr lang="en-US" b="0" i="0" smtClean="0">
+                                  <a:latin typeface="Cambria Math" panose="02040503050406030204" pitchFamily="18" charset="0"/>
+                                </a:rPr>
+                                <m:t>?0</m:t>
+                              </m:r>
+                            </m:e>
+                          </m:groupChr>
+                        </m:e>
+                        <m:lim>
+                          <m:r>
+                            <m:rPr>
+                              <m:sty m:val="p"/>
+                            </m:rPr>
+                            <a:rPr lang="en-US" b="0" i="0" smtClean="0">
+                              <a:latin typeface="Cambria Math" panose="02040503050406030204" pitchFamily="18" charset="0"/>
+                            </a:rPr>
+                            <m:t>T</m:t>
+                          </m:r>
+                          <m:r>
+                            <m:rPr>
+                              <m:sty m:val="p"/>
+                            </m:rPr>
+                            <a:rPr lang="en-US" b="0" i="0" baseline="-25000" smtClean="0">
+                              <a:latin typeface="Cambria Math" panose="02040503050406030204" pitchFamily="18" charset="0"/>
+                            </a:rPr>
+                            <m:t>in</m:t>
+                          </m:r>
+                        </m:lim>
+                      </m:limLow>
+                      <m:r>
+                        <a:rPr lang="en-US" b="0" i="1" smtClean="0">
+                          <a:latin typeface="Cambria Math" panose="02040503050406030204" pitchFamily="18" charset="0"/>
+                        </a:rPr>
+                        <m:t> 0</m:t>
+                      </m:r>
+                      <m:limLow>
+                        <m:limLowPr>
+                          <m:ctrlPr>
+                            <a:rPr lang="en-US" b="0" i="1" smtClean="0">
+                              <a:latin typeface="Cambria Math" panose="02040503050406030204" pitchFamily="18" charset="0"/>
+                            </a:rPr>
+                          </m:ctrlPr>
+                        </m:limLowPr>
+                        <m:e>
+                          <m:groupChr>
+                            <m:groupChrPr>
+                              <m:chr m:val="→"/>
+                              <m:vertJc m:val="bot"/>
+                              <m:ctrlPr>
+                                <a:rPr lang="en-US" b="0" i="1" smtClean="0">
+                                  <a:latin typeface="Cambria Math" panose="02040503050406030204" pitchFamily="18" charset="0"/>
+                                </a:rPr>
+                              </m:ctrlPr>
+                            </m:groupChrPr>
+                            <m:e>
+                              <m:r>
+                                <m:rPr>
+                                  <m:sty m:val="p"/>
+                                  <m:brk m:alnAt="2"/>
+                                </m:rPr>
+                                <a:rPr lang="en-US" b="0" i="0" smtClean="0">
+                                  <a:latin typeface="Cambria Math" panose="02040503050406030204" pitchFamily="18" charset="0"/>
+                                </a:rPr>
+                                <m:t>o</m:t>
+                              </m:r>
+                              <m:r>
+                                <m:rPr>
+                                  <m:sty m:val="p"/>
+                                </m:rPr>
+                                <a:rPr lang="en-US" b="0" i="0" smtClean="0">
+                                  <a:latin typeface="Cambria Math" panose="02040503050406030204" pitchFamily="18" charset="0"/>
+                                </a:rPr>
+                                <m:t>ut</m:t>
+                              </m:r>
+                              <m:r>
+                                <a:rPr lang="en-US" b="0" i="0" smtClean="0">
+                                  <a:latin typeface="Cambria Math" panose="02040503050406030204" pitchFamily="18" charset="0"/>
+                                </a:rPr>
+                                <m:t>!0</m:t>
+                              </m:r>
+                            </m:e>
+                          </m:groupChr>
+                        </m:e>
+                        <m:lim>
+                          <m:sSub>
+                            <m:sSubPr>
+                              <m:ctrlPr>
+                                <a:rPr lang="en-US" b="0" i="1" smtClean="0">
+                                  <a:latin typeface="Cambria Math" panose="02040503050406030204" pitchFamily="18" charset="0"/>
+                                </a:rPr>
+                              </m:ctrlPr>
+                            </m:sSubPr>
+                            <m:e>
+                              <m:r>
+                                <m:rPr>
+                                  <m:sty m:val="p"/>
+                                </m:rPr>
+                                <a:rPr lang="en-US" b="0" i="0" smtClean="0">
+                                  <a:latin typeface="Cambria Math" panose="02040503050406030204" pitchFamily="18" charset="0"/>
+                                </a:rPr>
+                                <m:t>T</m:t>
+                              </m:r>
+                            </m:e>
+                            <m:sub>
+                              <m:r>
+                                <m:rPr>
+                                  <m:sty m:val="p"/>
+                                </m:rPr>
+                                <a:rPr lang="en-US" b="0" i="0" smtClean="0">
+                                  <a:latin typeface="Cambria Math" panose="02040503050406030204" pitchFamily="18" charset="0"/>
+                                </a:rPr>
+                                <m:t>out</m:t>
+                              </m:r>
+                            </m:sub>
+                          </m:sSub>
+                        </m:lim>
+                      </m:limLow>
+                      <m:r>
+                        <a:rPr lang="en-US" b="0" i="0" smtClean="0">
+                          <a:latin typeface="Cambria Math" panose="02040503050406030204" pitchFamily="18" charset="0"/>
+                        </a:rPr>
+                        <m:t> </m:t>
+                      </m:r>
+                      <m:r>
+                        <a:rPr lang="en-US" b="0" i="1" smtClean="0">
+                          <a:latin typeface="Cambria Math" panose="02040503050406030204" pitchFamily="18" charset="0"/>
+                        </a:rPr>
+                        <m:t>∅</m:t>
+                      </m:r>
+                      <m:limLow>
+                        <m:limLowPr>
+                          <m:ctrlPr>
+                            <a:rPr lang="en-US" b="0" i="1" smtClean="0">
+                              <a:latin typeface="Cambria Math" panose="02040503050406030204" pitchFamily="18" charset="0"/>
+                            </a:rPr>
+                          </m:ctrlPr>
+                        </m:limLowPr>
+                        <m:e>
+                          <m:groupChr>
+                            <m:groupChrPr>
+                              <m:chr m:val="→"/>
+                              <m:vertJc m:val="bot"/>
+                              <m:ctrlPr>
+                                <a:rPr lang="en-US" b="0" i="1" smtClean="0">
+                                  <a:latin typeface="Cambria Math" panose="02040503050406030204" pitchFamily="18" charset="0"/>
+                                </a:rPr>
+                              </m:ctrlPr>
+                            </m:groupChrPr>
+                            <m:e>
+                              <m:r>
+                                <m:rPr>
+                                  <m:sty m:val="p"/>
+                                  <m:brk m:alnAt="2"/>
+                                </m:rPr>
+                                <a:rPr lang="en-US" b="0" i="0" smtClean="0">
+                                  <a:latin typeface="Cambria Math" panose="02040503050406030204" pitchFamily="18" charset="0"/>
+                                </a:rPr>
+                                <m:t>i</m:t>
+                              </m:r>
+                              <m:r>
+                                <m:rPr>
+                                  <m:sty m:val="p"/>
+                                </m:rPr>
+                                <a:rPr lang="en-US" b="0" i="0" smtClean="0">
+                                  <a:latin typeface="Cambria Math" panose="02040503050406030204" pitchFamily="18" charset="0"/>
+                                </a:rPr>
+                                <m:t>n</m:t>
+                              </m:r>
+                              <m:r>
+                                <a:rPr lang="en-US" b="0" i="0" smtClean="0">
+                                  <a:latin typeface="Cambria Math" panose="02040503050406030204" pitchFamily="18" charset="0"/>
+                                </a:rPr>
+                                <m:t>?1</m:t>
+                              </m:r>
+                            </m:e>
+                          </m:groupChr>
+                        </m:e>
+                        <m:lim>
+                          <m:r>
+                            <m:rPr>
+                              <m:sty m:val="p"/>
+                            </m:rPr>
+                            <a:rPr lang="en-US" b="0" i="0" smtClean="0">
+                              <a:latin typeface="Cambria Math" panose="02040503050406030204" pitchFamily="18" charset="0"/>
+                            </a:rPr>
+                            <m:t>T</m:t>
+                          </m:r>
+                          <m:r>
+                            <m:rPr>
+                              <m:sty m:val="p"/>
+                            </m:rPr>
+                            <a:rPr lang="en-US" b="0" i="0" baseline="-25000" smtClean="0">
+                              <a:latin typeface="Cambria Math" panose="02040503050406030204" pitchFamily="18" charset="0"/>
+                            </a:rPr>
+                            <m:t>in</m:t>
+                          </m:r>
+                        </m:lim>
+                      </m:limLow>
+                      <m:r>
+                        <a:rPr lang="en-US" b="0" i="1" smtClean="0">
+                          <a:latin typeface="Cambria Math" panose="02040503050406030204" pitchFamily="18" charset="0"/>
+                        </a:rPr>
+                        <m:t>1</m:t>
+                      </m:r>
+                      <m:limLow>
+                        <m:limLowPr>
+                          <m:ctrlPr>
+                            <a:rPr lang="en-US" i="1">
+                              <a:latin typeface="Cambria Math" panose="02040503050406030204" pitchFamily="18" charset="0"/>
+                            </a:rPr>
+                          </m:ctrlPr>
+                        </m:limLowPr>
+                        <m:e>
+                          <m:groupChr>
+                            <m:groupChrPr>
+                              <m:chr m:val="→"/>
+                              <m:vertJc m:val="bot"/>
+                              <m:ctrlPr>
+                                <a:rPr lang="en-US" i="1">
+                                  <a:latin typeface="Cambria Math" panose="02040503050406030204" pitchFamily="18" charset="0"/>
+                                </a:rPr>
+                              </m:ctrlPr>
+                            </m:groupChrPr>
+                            <m:e>
+                              <m:r>
+                                <m:rPr>
+                                  <m:sty m:val="p"/>
+                                  <m:brk m:alnAt="2"/>
+                                </m:rPr>
+                                <a:rPr lang="en-US">
+                                  <a:latin typeface="Cambria Math" panose="02040503050406030204" pitchFamily="18" charset="0"/>
+                                </a:rPr>
+                                <m:t>i</m:t>
+                              </m:r>
+                              <m:r>
+                                <m:rPr>
+                                  <m:sty m:val="p"/>
+                                </m:rPr>
+                                <a:rPr lang="en-US">
+                                  <a:latin typeface="Cambria Math" panose="02040503050406030204" pitchFamily="18" charset="0"/>
+                                </a:rPr>
+                                <m:t>n</m:t>
+                              </m:r>
+                              <m:r>
+                                <a:rPr lang="en-US">
+                                  <a:latin typeface="Cambria Math" panose="02040503050406030204" pitchFamily="18" charset="0"/>
+                                </a:rPr>
+                                <m:t>?0</m:t>
+                              </m:r>
+                            </m:e>
+                          </m:groupChr>
+                        </m:e>
+                        <m:lim>
+                          <m:r>
+                            <m:rPr>
+                              <m:sty m:val="p"/>
+                            </m:rPr>
+                            <a:rPr lang="en-US">
+                              <a:latin typeface="Cambria Math" panose="02040503050406030204" pitchFamily="18" charset="0"/>
+                            </a:rPr>
+                            <m:t>T</m:t>
+                          </m:r>
+                          <m:r>
+                            <m:rPr>
+                              <m:sty m:val="p"/>
+                            </m:rPr>
+                            <a:rPr lang="en-US" baseline="-25000">
+                              <a:latin typeface="Cambria Math" panose="02040503050406030204" pitchFamily="18" charset="0"/>
+                            </a:rPr>
+                            <m:t>in</m:t>
+                          </m:r>
+                        </m:lim>
+                      </m:limLow>
+                      <m:r>
+                        <a:rPr lang="en-US" b="0" i="1" smtClean="0">
+                          <a:latin typeface="Cambria Math" panose="02040503050406030204" pitchFamily="18" charset="0"/>
+                        </a:rPr>
+                        <m:t>0</m:t>
+                      </m:r>
+                      <m:limLow>
+                        <m:limLowPr>
+                          <m:ctrlPr>
+                            <a:rPr lang="en-US" i="1">
+                              <a:latin typeface="Cambria Math" panose="02040503050406030204" pitchFamily="18" charset="0"/>
+                            </a:rPr>
+                          </m:ctrlPr>
+                        </m:limLowPr>
+                        <m:e>
+                          <m:groupChr>
+                            <m:groupChrPr>
+                              <m:chr m:val="→"/>
+                              <m:vertJc m:val="bot"/>
+                              <m:ctrlPr>
+                                <a:rPr lang="en-US" i="1">
+                                  <a:latin typeface="Cambria Math" panose="02040503050406030204" pitchFamily="18" charset="0"/>
+                                </a:rPr>
+                              </m:ctrlPr>
+                            </m:groupChrPr>
+                            <m:e>
+                              <m:r>
+                                <m:rPr>
+                                  <m:sty m:val="p"/>
+                                  <m:brk m:alnAt="2"/>
+                                </m:rPr>
+                                <a:rPr lang="en-US">
+                                  <a:latin typeface="Cambria Math" panose="02040503050406030204" pitchFamily="18" charset="0"/>
+                                </a:rPr>
+                                <m:t>o</m:t>
+                              </m:r>
+                              <m:r>
+                                <m:rPr>
+                                  <m:sty m:val="p"/>
+                                </m:rPr>
+                                <a:rPr lang="en-US">
+                                  <a:latin typeface="Cambria Math" panose="02040503050406030204" pitchFamily="18" charset="0"/>
+                                </a:rPr>
+                                <m:t>ut</m:t>
+                              </m:r>
+                              <m:r>
+                                <a:rPr lang="en-US">
+                                  <a:latin typeface="Cambria Math" panose="02040503050406030204" pitchFamily="18" charset="0"/>
+                                </a:rPr>
+                                <m:t>!0</m:t>
+                              </m:r>
+                            </m:e>
+                          </m:groupChr>
+                        </m:e>
+                        <m:lim>
+                          <m:sSub>
+                            <m:sSubPr>
+                              <m:ctrlPr>
+                                <a:rPr lang="en-US" i="1">
+                                  <a:latin typeface="Cambria Math" panose="02040503050406030204" pitchFamily="18" charset="0"/>
+                                </a:rPr>
+                              </m:ctrlPr>
+                            </m:sSubPr>
+                            <m:e>
+                              <m:r>
+                                <m:rPr>
+                                  <m:sty m:val="p"/>
+                                </m:rPr>
+                                <a:rPr lang="en-US">
+                                  <a:latin typeface="Cambria Math" panose="02040503050406030204" pitchFamily="18" charset="0"/>
+                                </a:rPr>
+                                <m:t>T</m:t>
+                              </m:r>
+                            </m:e>
+                            <m:sub>
+                              <m:r>
+                                <m:rPr>
+                                  <m:sty m:val="p"/>
+                                </m:rPr>
+                                <a:rPr lang="en-US">
+                                  <a:latin typeface="Cambria Math" panose="02040503050406030204" pitchFamily="18" charset="0"/>
+                                </a:rPr>
+                                <m:t>out</m:t>
+                              </m:r>
+                            </m:sub>
+                          </m:sSub>
+                        </m:lim>
+                      </m:limLow>
+                      <m:r>
+                        <a:rPr lang="en-US" b="0" i="1" smtClean="0">
+                          <a:latin typeface="Cambria Math" panose="02040503050406030204" pitchFamily="18" charset="0"/>
+                        </a:rPr>
+                        <m:t>∅</m:t>
+                      </m:r>
+                    </m:oMath>
+                  </m:oMathPara>
+                </a14:m>
+                <a:endParaRPr lang="en-US" dirty="0"/>
+              </a:p>
+            </p:txBody>
+          </p:sp>
+        </mc:Choice>
+        <mc:Fallback>
+          <p:sp>
+            <p:nvSpPr>
+              <p:cNvPr id="17" name="TextBox 16">
+                <a:extLst>
+                  <a:ext uri="{FF2B5EF4-FFF2-40B4-BE49-F238E27FC236}">
+                    <a16:creationId xmlns:a16="http://schemas.microsoft.com/office/drawing/2014/main" id="{9BD49D89-F781-1A00-AF28-ED7A7214B7D1}"/>
+                  </a:ext>
+                </a:extLst>
+              </p:cNvPr>
+              <p:cNvSpPr txBox="1">
+                <a:spLocks noRot="1" noChangeAspect="1" noMove="1" noResize="1" noEditPoints="1" noAdjustHandles="1" noChangeArrowheads="1" noChangeShapeType="1" noTextEdit="1"/>
+              </p:cNvSpPr>
+              <p:nvPr/>
+            </p:nvSpPr>
+            <p:spPr>
+              <a:xfrm>
+                <a:off x="1612107" y="4926992"/>
+                <a:ext cx="6224586" cy="598305"/>
+              </a:xfrm>
+              <a:prstGeom prst="rect">
+                <a:avLst/>
+              </a:prstGeom>
+              <a:blipFill>
+                <a:blip r:embed="rId6"/>
+                <a:stretch>
+                  <a:fillRect/>
+                </a:stretch>
+              </a:blipFill>
+            </p:spPr>
+            <p:txBody>
+              <a:bodyPr/>
+              <a:lstStyle/>
+              <a:p>
+                <a:r>
+                  <a:rPr lang="en-US">
+                    <a:noFill/>
+                  </a:rPr>
+                  <a:t> </a:t>
+                </a:r>
+              </a:p>
+            </p:txBody>
+          </p:sp>
+        </mc:Fallback>
+      </mc:AlternateContent>
     </p:spTree>
     <p:extLst>
       <p:ext uri="{BB962C8B-B14F-4D97-AF65-F5344CB8AC3E}">
@@ -34543,7 +34942,7 @@
 </p:sld>
 </file>
 
-<file path=ppt/slides/slide44.xml><?xml version="1.0" encoding="utf-8"?>
+<file path=ppt/slides/slide46.xml><?xml version="1.0" encoding="utf-8"?>
 <p:sld xmlns:a="http://schemas.openxmlformats.org/drawingml/2006/main" xmlns:r="http://schemas.openxmlformats.org/officeDocument/2006/relationships" xmlns:p="http://schemas.openxmlformats.org/presentationml/2006/main">
   <p:cSld>
     <p:spTree>
@@ -34560,8 +34959,8 @@
           <a:chExt cx="0" cy="0"/>
         </a:xfrm>
       </p:grpSpPr>
-      <mc:AlternateContent xmlns:mc="http://schemas.openxmlformats.org/markup-compatibility/2006" xmlns:a14="http://schemas.microsoft.com/office/drawing/2010/main">
-        <mc:Choice Requires="a14">
+      <mc:AlternateContent xmlns:mc="http://schemas.openxmlformats.org/markup-compatibility/2006">
+        <mc:Choice xmlns:a14="http://schemas.microsoft.com/office/drawing/2010/main" Requires="a14">
           <p:sp>
             <p:nvSpPr>
               <p:cNvPr id="2" name="Content Placeholder 1">
@@ -34586,13 +34985,17 @@
             </p:spPr>
             <p:txBody>
               <a:bodyPr>
-                <a:normAutofit/>
+                <a:normAutofit fontScale="92500" lnSpcReduction="10000"/>
               </a:bodyPr>
               <a:lstStyle/>
               <a:p>
                 <a:r>
+                  <a:rPr lang="en-US" dirty="0" err="1"/>
+                  <a:t>Asynch</a:t>
+                </a:r>
+                <a:r>
                   <a:rPr lang="en-US" dirty="0"/>
-                  <a:t>ARC may have no inputs or outputs, just internal tasks</a:t>
+                  <a:t> Comp. may have no inputs or outputs, just internal tasks</a:t>
                 </a:r>
               </a:p>
               <a:p>
@@ -34600,6 +35003,17 @@
                 <a:r>
                   <a:rPr lang="en-US" sz="2400" dirty="0"/>
                   <a:t>Update may have no guards</a:t>
+                </a:r>
+              </a:p>
+              <a:p>
+                <a:pPr lvl="1"/>
+                <a:r>
+                  <a:rPr lang="en-US" sz="2400" dirty="0"/>
+                  <a:t>No guard = guard is </a:t>
+                </a:r>
+                <a:r>
+                  <a:rPr lang="en-US" sz="2400" i="1" dirty="0"/>
+                  <a:t>true</a:t>
                 </a:r>
               </a:p>
               <a:p>
@@ -34844,7 +35258,7 @@
             </p:txBody>
           </p:sp>
         </mc:Choice>
-        <mc:Fallback xmlns="">
+        <mc:Fallback>
           <p:sp>
             <p:nvSpPr>
               <p:cNvPr id="2" name="Content Placeholder 1">
@@ -34869,7 +35283,7 @@
               <a:blipFill>
                 <a:blip r:embed="rId2"/>
                 <a:stretch>
-                  <a:fillRect l="-1317" t="-2384" r="-1207" b="-1964"/>
+                  <a:fillRect l="-1098" t="-2945"/>
                 </a:stretch>
               </a:blipFill>
             </p:spPr>
@@ -34940,7 +35354,7 @@
             <a:fld id="{29AAD378-655A-49C6-813C-9FD132EF7440}" type="slidenum">
               <a:rPr lang="en-US" smtClean="0"/>
               <a:pPr/>
-              <a:t>44</a:t>
+              <a:t>46</a:t>
             </a:fld>
             <a:endParaRPr lang="en-US" dirty="0"/>
           </a:p>
@@ -36254,7 +36668,7 @@
 </p:sld>
 </file>
 
-<file path=ppt/slides/slide45.xml><?xml version="1.0" encoding="utf-8"?>
+<file path=ppt/slides/slide47.xml><?xml version="1.0" encoding="utf-8"?>
 <p:sld xmlns:a="http://schemas.openxmlformats.org/drawingml/2006/main" xmlns:r="http://schemas.openxmlformats.org/officeDocument/2006/relationships" xmlns:p="http://schemas.openxmlformats.org/presentationml/2006/main">
   <p:cSld>
     <p:spTree>
@@ -36428,7 +36842,7 @@
             <a:fld id="{29AAD378-655A-49C6-813C-9FD132EF7440}" type="slidenum">
               <a:rPr lang="en-US" smtClean="0"/>
               <a:pPr/>
-              <a:t>45</a:t>
+              <a:t>47</a:t>
             </a:fld>
             <a:endParaRPr lang="en-US" dirty="0"/>
           </a:p>
@@ -37131,7 +37545,7 @@
 </p:sld>
 </file>
 
-<file path=ppt/slides/slide46.xml><?xml version="1.0" encoding="utf-8"?>
+<file path=ppt/slides/slide48.xml><?xml version="1.0" encoding="utf-8"?>
 <p:sld xmlns:a="http://schemas.openxmlformats.org/drawingml/2006/main" xmlns:r="http://schemas.openxmlformats.org/officeDocument/2006/relationships" xmlns:p="http://schemas.openxmlformats.org/presentationml/2006/main">
   <p:cSld>
     <p:spTree>
@@ -37525,7 +37939,7 @@
             <a:fld id="{29AAD378-655A-49C6-813C-9FD132EF7440}" type="slidenum">
               <a:rPr lang="en-US" smtClean="0"/>
               <a:pPr/>
-              <a:t>46</a:t>
+              <a:t>48</a:t>
             </a:fld>
             <a:endParaRPr lang="en-US" dirty="0"/>
           </a:p>
@@ -37544,7 +37958,7 @@
 </p:sld>
 </file>
 
-<file path=ppt/slides/slide47.xml><?xml version="1.0" encoding="utf-8"?>
+<file path=ppt/slides/slide49.xml><?xml version="1.0" encoding="utf-8"?>
 <p:sld xmlns:a="http://schemas.openxmlformats.org/drawingml/2006/main" xmlns:r="http://schemas.openxmlformats.org/officeDocument/2006/relationships" xmlns:p="http://schemas.openxmlformats.org/presentationml/2006/main">
   <p:cSld>
     <p:spTree>
@@ -37845,7 +38259,7 @@
             <a:fld id="{29AAD378-655A-49C6-813C-9FD132EF7440}" type="slidenum">
               <a:rPr lang="en-US" smtClean="0"/>
               <a:pPr/>
-              <a:t>47</a:t>
+              <a:t>49</a:t>
             </a:fld>
             <a:endParaRPr lang="en-US" dirty="0"/>
           </a:p>
@@ -37864,7 +38278,7 @@
 </p:sld>
 </file>
 
-<file path=ppt/slides/slide48.xml><?xml version="1.0" encoding="utf-8"?>
+<file path=ppt/slides/slide5.xml><?xml version="1.0" encoding="utf-8"?>
 <p:sld xmlns:a="http://schemas.openxmlformats.org/drawingml/2006/main" xmlns:r="http://schemas.openxmlformats.org/officeDocument/2006/relationships" xmlns:p="http://schemas.openxmlformats.org/presentationml/2006/main">
   <p:cSld>
     <p:spTree>
@@ -37881,8 +38295,173 @@
           <a:chExt cx="0" cy="0"/>
         </a:xfrm>
       </p:grpSpPr>
-      <mc:AlternateContent xmlns:mc="http://schemas.openxmlformats.org/markup-compatibility/2006" xmlns:a14="http://schemas.microsoft.com/office/drawing/2010/main">
-        <mc:Choice Requires="a14">
+      <p:sp>
+        <p:nvSpPr>
+          <p:cNvPr id="3" name="Title 2">
+            <a:extLst>
+              <a:ext uri="{FF2B5EF4-FFF2-40B4-BE49-F238E27FC236}">
+                <a16:creationId xmlns:a16="http://schemas.microsoft.com/office/drawing/2014/main" id="{770E9C3A-B37F-4ADF-899B-AC2EA49325FB}"/>
+              </a:ext>
+            </a:extLst>
+          </p:cNvPr>
+          <p:cNvSpPr>
+            <a:spLocks noGrp="1"/>
+          </p:cNvSpPr>
+          <p:nvPr>
+            <p:ph type="title"/>
+          </p:nvPr>
+        </p:nvSpPr>
+        <p:spPr/>
+        <p:txBody>
+          <a:bodyPr>
+            <a:normAutofit/>
+          </a:bodyPr>
+          <a:lstStyle/>
+          <a:p>
+            <a:r>
+              <a:rPr lang="en-US" dirty="0"/>
+              <a:t>Models of Computation: Timing </a:t>
+            </a:r>
+          </a:p>
+        </p:txBody>
+      </p:sp>
+      <p:sp>
+        <p:nvSpPr>
+          <p:cNvPr id="2" name="Slide Number Placeholder 1">
+            <a:extLst>
+              <a:ext uri="{FF2B5EF4-FFF2-40B4-BE49-F238E27FC236}">
+                <a16:creationId xmlns:a16="http://schemas.microsoft.com/office/drawing/2014/main" id="{1AE16A3D-14D0-425C-BAB8-6A2B3AF51658}"/>
+              </a:ext>
+            </a:extLst>
+          </p:cNvPr>
+          <p:cNvSpPr>
+            <a:spLocks noGrp="1"/>
+          </p:cNvSpPr>
+          <p:nvPr>
+            <p:ph type="sldNum" sz="quarter" idx="12"/>
+          </p:nvPr>
+        </p:nvSpPr>
+        <p:spPr/>
+        <p:txBody>
+          <a:bodyPr/>
+          <a:lstStyle/>
+          <a:p>
+            <a:fld id="{29AAD378-655A-49C6-813C-9FD132EF7440}" type="slidenum">
+              <a:rPr lang="en-US" smtClean="0"/>
+              <a:pPr/>
+              <a:t>5</a:t>
+            </a:fld>
+            <a:endParaRPr lang="en-US"/>
+          </a:p>
+        </p:txBody>
+      </p:sp>
+      <p:sp>
+        <p:nvSpPr>
+          <p:cNvPr id="6" name="Content Placeholder 1">
+            <a:extLst>
+              <a:ext uri="{FF2B5EF4-FFF2-40B4-BE49-F238E27FC236}">
+                <a16:creationId xmlns:a16="http://schemas.microsoft.com/office/drawing/2014/main" id="{84218C43-B4FD-44B4-A79E-8766BE7EF9C3}"/>
+              </a:ext>
+            </a:extLst>
+          </p:cNvPr>
+          <p:cNvSpPr>
+            <a:spLocks noGrp="1"/>
+          </p:cNvSpPr>
+          <p:nvPr>
+            <p:ph idx="1"/>
+          </p:nvPr>
+        </p:nvSpPr>
+        <p:spPr>
+          <a:xfrm>
+            <a:off x="201163" y="1689100"/>
+            <a:ext cx="9046474" cy="3968756"/>
+          </a:xfrm>
+        </p:spPr>
+        <p:txBody>
+          <a:bodyPr>
+            <a:normAutofit/>
+          </a:bodyPr>
+          <a:lstStyle/>
+          <a:p>
+            <a:r>
+              <a:rPr lang="en-US" dirty="0"/>
+              <a:t>What’s the notion of time in the model?</a:t>
+            </a:r>
+          </a:p>
+          <a:p>
+            <a:pPr lvl="1"/>
+            <a:r>
+              <a:rPr lang="en-US" dirty="0"/>
+              <a:t>Real-time or Logical time-steps of execution?</a:t>
+            </a:r>
+          </a:p>
+          <a:p>
+            <a:r>
+              <a:rPr lang="en-US" dirty="0"/>
+              <a:t>What time do different components in the model use?</a:t>
+            </a:r>
+          </a:p>
+          <a:p>
+            <a:pPr lvl="1"/>
+            <a:r>
+              <a:rPr lang="en-US" dirty="0"/>
+              <a:t>Single global clock for full synchronization?</a:t>
+            </a:r>
+          </a:p>
+          <a:p>
+            <a:pPr lvl="1"/>
+            <a:r>
+              <a:rPr lang="en-US" dirty="0"/>
+              <a:t>Different clocks in each component?</a:t>
+            </a:r>
+          </a:p>
+          <a:p>
+            <a:r>
+              <a:rPr lang="en-US" dirty="0"/>
+              <a:t>What level of granularity do we need in time?</a:t>
+            </a:r>
+          </a:p>
+          <a:p>
+            <a:pPr lvl="1"/>
+            <a:r>
+              <a:rPr lang="en-US" dirty="0"/>
+              <a:t>Discrete time-steps or Continuous dense time?</a:t>
+            </a:r>
+          </a:p>
+        </p:txBody>
+      </p:sp>
+    </p:spTree>
+    <p:extLst>
+      <p:ext uri="{BB962C8B-B14F-4D97-AF65-F5344CB8AC3E}">
+        <p14:creationId xmlns:p14="http://schemas.microsoft.com/office/powerpoint/2010/main" val="1649854485"/>
+      </p:ext>
+    </p:extLst>
+  </p:cSld>
+  <p:clrMapOvr>
+    <a:masterClrMapping/>
+  </p:clrMapOvr>
+</p:sld>
+</file>
+
+<file path=ppt/slides/slide50.xml><?xml version="1.0" encoding="utf-8"?>
+<p:sld xmlns:a="http://schemas.openxmlformats.org/drawingml/2006/main" xmlns:r="http://schemas.openxmlformats.org/officeDocument/2006/relationships" xmlns:p="http://schemas.openxmlformats.org/presentationml/2006/main">
+  <p:cSld>
+    <p:spTree>
+      <p:nvGrpSpPr>
+        <p:cNvPr id="1" name=""/>
+        <p:cNvGrpSpPr/>
+        <p:nvPr/>
+      </p:nvGrpSpPr>
+      <p:grpSpPr>
+        <a:xfrm>
+          <a:off x="0" y="0"/>
+          <a:ext cx="0" cy="0"/>
+          <a:chOff x="0" y="0"/>
+          <a:chExt cx="0" cy="0"/>
+        </a:xfrm>
+      </p:grpSpPr>
+      <mc:AlternateContent xmlns:mc="http://schemas.openxmlformats.org/markup-compatibility/2006">
+        <mc:Choice xmlns:a14="http://schemas.microsoft.com/office/drawing/2010/main" Requires="a14">
           <p:sp>
             <p:nvSpPr>
               <p:cNvPr id="2" name="Content Placeholder 1">
@@ -38005,15 +38584,32 @@
               </a:p>
               <a:p>
                 <a:pPr lvl="1"/>
+                <a14:m>
+                  <m:oMath xmlns:m="http://schemas.openxmlformats.org/officeDocument/2006/math">
+                    <m:r>
+                      <a:rPr lang="en-US" b="0" i="1" smtClean="0">
+                        <a:latin typeface="Cambria Math" panose="02040503050406030204" pitchFamily="18" charset="0"/>
+                      </a:rPr>
+                      <m:t>𝜀</m:t>
+                    </m:r>
+                  </m:oMath>
+                </a14:m>
                 <a:r>
                   <a:rPr lang="en-US" dirty="0"/>
-                  <a:t>No input is read or output is produced!</a:t>
+                  <a:t> indicates empty label on the transition</a:t>
+                </a:r>
+              </a:p>
+              <a:p>
+                <a:pPr lvl="1"/>
+                <a:r>
+                  <a:rPr lang="en-US" dirty="0"/>
+                  <a:t>No input is read, or output is produced!</a:t>
                 </a:r>
               </a:p>
             </p:txBody>
           </p:sp>
         </mc:Choice>
-        <mc:Fallback xmlns="">
+        <mc:Fallback>
           <p:sp>
             <p:nvSpPr>
               <p:cNvPr id="2" name="Content Placeholder 1">
@@ -38034,7 +38630,7 @@
               <a:blipFill>
                 <a:blip r:embed="rId2"/>
                 <a:stretch>
-                  <a:fillRect l="-1042" t="-2384" b="-1122"/>
+                  <a:fillRect l="-1042" t="-2065" b="-2452"/>
                 </a:stretch>
               </a:blipFill>
             </p:spPr>
@@ -38105,7 +38701,7 @@
             <a:fld id="{29AAD378-655A-49C6-813C-9FD132EF7440}" type="slidenum">
               <a:rPr lang="en-US" smtClean="0"/>
               <a:pPr/>
-              <a:t>48</a:t>
+              <a:t>50</a:t>
             </a:fld>
             <a:endParaRPr lang="en-US" dirty="0"/>
           </a:p>
@@ -38124,7 +38720,7 @@
 </p:sld>
 </file>
 
-<file path=ppt/slides/slide49.xml><?xml version="1.0" encoding="utf-8"?>
+<file path=ppt/slides/slide51.xml><?xml version="1.0" encoding="utf-8"?>
 <p:sld xmlns:a="http://schemas.openxmlformats.org/drawingml/2006/main" xmlns:r="http://schemas.openxmlformats.org/officeDocument/2006/relationships" xmlns:p="http://schemas.openxmlformats.org/presentationml/2006/main">
   <p:cSld>
     <p:spTree>
@@ -38193,7 +38789,7 @@
             <a:fld id="{29AAD378-655A-49C6-813C-9FD132EF7440}" type="slidenum">
               <a:rPr lang="en-US" smtClean="0"/>
               <a:pPr/>
-              <a:t>49</a:t>
+              <a:t>51</a:t>
             </a:fld>
             <a:endParaRPr lang="en-US" dirty="0"/>
           </a:p>
@@ -40370,172 +40966,7 @@
 </p:sld>
 </file>
 
-<file path=ppt/slides/slide5.xml><?xml version="1.0" encoding="utf-8"?>
-<p:sld xmlns:a="http://schemas.openxmlformats.org/drawingml/2006/main" xmlns:r="http://schemas.openxmlformats.org/officeDocument/2006/relationships" xmlns:p="http://schemas.openxmlformats.org/presentationml/2006/main">
-  <p:cSld>
-    <p:spTree>
-      <p:nvGrpSpPr>
-        <p:cNvPr id="1" name=""/>
-        <p:cNvGrpSpPr/>
-        <p:nvPr/>
-      </p:nvGrpSpPr>
-      <p:grpSpPr>
-        <a:xfrm>
-          <a:off x="0" y="0"/>
-          <a:ext cx="0" cy="0"/>
-          <a:chOff x="0" y="0"/>
-          <a:chExt cx="0" cy="0"/>
-        </a:xfrm>
-      </p:grpSpPr>
-      <p:sp>
-        <p:nvSpPr>
-          <p:cNvPr id="3" name="Title 2">
-            <a:extLst>
-              <a:ext uri="{FF2B5EF4-FFF2-40B4-BE49-F238E27FC236}">
-                <a16:creationId xmlns:a16="http://schemas.microsoft.com/office/drawing/2014/main" id="{770E9C3A-B37F-4ADF-899B-AC2EA49325FB}"/>
-              </a:ext>
-            </a:extLst>
-          </p:cNvPr>
-          <p:cNvSpPr>
-            <a:spLocks noGrp="1"/>
-          </p:cNvSpPr>
-          <p:nvPr>
-            <p:ph type="title"/>
-          </p:nvPr>
-        </p:nvSpPr>
-        <p:spPr/>
-        <p:txBody>
-          <a:bodyPr>
-            <a:normAutofit/>
-          </a:bodyPr>
-          <a:lstStyle/>
-          <a:p>
-            <a:r>
-              <a:rPr lang="en-US" dirty="0"/>
-              <a:t>Models of Computation: Timing </a:t>
-            </a:r>
-          </a:p>
-        </p:txBody>
-      </p:sp>
-      <p:sp>
-        <p:nvSpPr>
-          <p:cNvPr id="2" name="Slide Number Placeholder 1">
-            <a:extLst>
-              <a:ext uri="{FF2B5EF4-FFF2-40B4-BE49-F238E27FC236}">
-                <a16:creationId xmlns:a16="http://schemas.microsoft.com/office/drawing/2014/main" id="{1AE16A3D-14D0-425C-BAB8-6A2B3AF51658}"/>
-              </a:ext>
-            </a:extLst>
-          </p:cNvPr>
-          <p:cNvSpPr>
-            <a:spLocks noGrp="1"/>
-          </p:cNvSpPr>
-          <p:nvPr>
-            <p:ph type="sldNum" sz="quarter" idx="12"/>
-          </p:nvPr>
-        </p:nvSpPr>
-        <p:spPr/>
-        <p:txBody>
-          <a:bodyPr/>
-          <a:lstStyle/>
-          <a:p>
-            <a:fld id="{29AAD378-655A-49C6-813C-9FD132EF7440}" type="slidenum">
-              <a:rPr lang="en-US" smtClean="0"/>
-              <a:pPr/>
-              <a:t>5</a:t>
-            </a:fld>
-            <a:endParaRPr lang="en-US"/>
-          </a:p>
-        </p:txBody>
-      </p:sp>
-      <p:sp>
-        <p:nvSpPr>
-          <p:cNvPr id="6" name="Content Placeholder 1">
-            <a:extLst>
-              <a:ext uri="{FF2B5EF4-FFF2-40B4-BE49-F238E27FC236}">
-                <a16:creationId xmlns:a16="http://schemas.microsoft.com/office/drawing/2014/main" id="{84218C43-B4FD-44B4-A79E-8766BE7EF9C3}"/>
-              </a:ext>
-            </a:extLst>
-          </p:cNvPr>
-          <p:cNvSpPr>
-            <a:spLocks noGrp="1"/>
-          </p:cNvSpPr>
-          <p:nvPr>
-            <p:ph idx="1"/>
-          </p:nvPr>
-        </p:nvSpPr>
-        <p:spPr>
-          <a:xfrm>
-            <a:off x="201163" y="1689100"/>
-            <a:ext cx="9046474" cy="3968756"/>
-          </a:xfrm>
-        </p:spPr>
-        <p:txBody>
-          <a:bodyPr>
-            <a:normAutofit/>
-          </a:bodyPr>
-          <a:lstStyle/>
-          <a:p>
-            <a:r>
-              <a:rPr lang="en-US" dirty="0"/>
-              <a:t>What’s the notion of time in the model?</a:t>
-            </a:r>
-          </a:p>
-          <a:p>
-            <a:pPr lvl="1"/>
-            <a:r>
-              <a:rPr lang="en-US" dirty="0"/>
-              <a:t>Real-time or Logical time-steps of execution?</a:t>
-            </a:r>
-          </a:p>
-          <a:p>
-            <a:r>
-              <a:rPr lang="en-US" dirty="0"/>
-              <a:t>What time do different components in the model use?</a:t>
-            </a:r>
-          </a:p>
-          <a:p>
-            <a:pPr lvl="1"/>
-            <a:r>
-              <a:rPr lang="en-US" dirty="0"/>
-              <a:t>Single global clock for full synchronization?</a:t>
-            </a:r>
-          </a:p>
-          <a:p>
-            <a:pPr lvl="1"/>
-            <a:r>
-              <a:rPr lang="en-US" dirty="0"/>
-              <a:t>Different clocks in each component?</a:t>
-            </a:r>
-          </a:p>
-          <a:p>
-            <a:r>
-              <a:rPr lang="en-US" dirty="0"/>
-              <a:t>What level of granularity do we need in time?</a:t>
-            </a:r>
-          </a:p>
-          <a:p>
-            <a:pPr lvl="1"/>
-            <a:r>
-              <a:rPr lang="en-US" dirty="0"/>
-              <a:t>Discrete time-steps or Continuous dense time?</a:t>
-            </a:r>
-          </a:p>
-        </p:txBody>
-      </p:sp>
-    </p:spTree>
-    <p:extLst>
-      <p:ext uri="{BB962C8B-B14F-4D97-AF65-F5344CB8AC3E}">
-        <p14:creationId xmlns:p14="http://schemas.microsoft.com/office/powerpoint/2010/main" val="1649854485"/>
-      </p:ext>
-    </p:extLst>
-  </p:cSld>
-  <p:clrMapOvr>
-    <a:masterClrMapping/>
-  </p:clrMapOvr>
-</p:sld>
-</file>
-
-<file path=ppt/slides/slide50.xml><?xml version="1.0" encoding="utf-8"?>
+<file path=ppt/slides/slide52.xml><?xml version="1.0" encoding="utf-8"?>
 <p:sld xmlns:a="http://schemas.openxmlformats.org/drawingml/2006/main" xmlns:r="http://schemas.openxmlformats.org/officeDocument/2006/relationships" xmlns:p="http://schemas.openxmlformats.org/presentationml/2006/main">
   <p:cSld>
     <p:spTree>
@@ -40643,7 +41074,7 @@
             <a:fld id="{29AAD378-655A-49C6-813C-9FD132EF7440}" type="slidenum">
               <a:rPr lang="en-US" smtClean="0"/>
               <a:pPr/>
-              <a:t>50</a:t>
+              <a:t>52</a:t>
             </a:fld>
             <a:endParaRPr lang="en-US" dirty="0"/>
           </a:p>
@@ -42013,7 +42444,7 @@
 </p:sld>
 </file>
 
-<file path=ppt/slides/slide51.xml><?xml version="1.0" encoding="utf-8"?>
+<file path=ppt/slides/slide53.xml><?xml version="1.0" encoding="utf-8"?>
 <p:sld xmlns:a="http://schemas.openxmlformats.org/drawingml/2006/main" xmlns:r="http://schemas.openxmlformats.org/officeDocument/2006/relationships" xmlns:p="http://schemas.openxmlformats.org/presentationml/2006/main">
   <p:cSld>
     <p:spTree>
@@ -42030,8 +42461,8 @@
           <a:chExt cx="0" cy="0"/>
         </a:xfrm>
       </p:grpSpPr>
-      <mc:AlternateContent xmlns:mc="http://schemas.openxmlformats.org/markup-compatibility/2006" xmlns:a14="http://schemas.microsoft.com/office/drawing/2010/main">
-        <mc:Choice Requires="a14">
+      <mc:AlternateContent xmlns:mc="http://schemas.openxmlformats.org/markup-compatibility/2006">
+        <mc:Choice xmlns:a14="http://schemas.microsoft.com/office/drawing/2010/main" Requires="a14">
           <p:sp>
             <p:nvSpPr>
               <p:cNvPr id="2" name="Content Placeholder 1">
@@ -42086,7 +42517,19 @@
               <a:p>
                 <a:r>
                   <a:rPr lang="en-US" sz="2400" dirty="0"/>
-                  <a:t>If y is an output channel of P</a:t>
+                  <a:t>If </a:t>
+                </a:r>
+                <a:r>
+                  <a:rPr lang="en-US" sz="2400" dirty="0">
+                    <a:solidFill>
+                      <a:srgbClr val="FF0000"/>
+                    </a:solidFill>
+                  </a:rPr>
+                  <a:t>temp </a:t>
+                </a:r>
+                <a:r>
+                  <a:rPr lang="en-US" sz="2400" dirty="0"/>
+                  <a:t>is an output channel of P</a:t>
                 </a:r>
                 <a:r>
                   <a:rPr lang="en-US" sz="2400" baseline="-25000" dirty="0"/>
@@ -42094,7 +42537,15 @@
                 </a:r>
                 <a:r>
                   <a:rPr lang="en-US" sz="2400" dirty="0"/>
-                  <a:t> and input channel of P</a:t>
+                  <a:t> </a:t>
+                </a:r>
+                <a:r>
+                  <a:rPr lang="en-US" sz="2400" b="1" dirty="0"/>
+                  <a:t>and</a:t>
+                </a:r>
+                <a:r>
+                  <a:rPr lang="en-US" sz="2400" dirty="0"/>
+                  <a:t> input channel of P</a:t>
                 </a:r>
                 <a:r>
                   <a:rPr lang="en-US" sz="2400" baseline="-25000" dirty="0"/>
@@ -42196,7 +42647,7 @@
               <a:p>
                 <a:r>
                   <a:rPr lang="en-US" sz="2400" dirty="0"/>
-                  <a:t>Composition has output task for y with code: G</a:t>
+                  <a:t>Composition has internal task with code: G</a:t>
                 </a:r>
                 <a:r>
                   <a:rPr lang="en-US" sz="2400" baseline="-25000" dirty="0"/>
@@ -42258,7 +42709,7 @@
             </p:txBody>
           </p:sp>
         </mc:Choice>
-        <mc:Fallback xmlns="">
+        <mc:Fallback>
           <p:sp>
             <p:nvSpPr>
               <p:cNvPr id="2" name="Content Placeholder 1">
@@ -42283,7 +42734,7 @@
               <a:blipFill>
                 <a:blip r:embed="rId2"/>
                 <a:stretch>
-                  <a:fillRect l="-1040" t="-1964" r="-1691"/>
+                  <a:fillRect l="-1040" t="-1964" r="-1560"/>
                 </a:stretch>
               </a:blipFill>
             </p:spPr>
@@ -42364,7 +42815,7 @@
             <a:fld id="{29AAD378-655A-49C6-813C-9FD132EF7440}" type="slidenum">
               <a:rPr lang="en-US" smtClean="0"/>
               <a:pPr/>
-              <a:t>51</a:t>
+              <a:t>53</a:t>
             </a:fld>
             <a:endParaRPr lang="en-US" dirty="0"/>
           </a:p>
@@ -42837,8 +43288,8 @@
               </p:sp>
             </mc:Fallback>
           </mc:AlternateContent>
-          <mc:AlternateContent xmlns:mc="http://schemas.openxmlformats.org/markup-compatibility/2006" xmlns:a14="http://schemas.microsoft.com/office/drawing/2010/main">
-            <mc:Choice Requires="a14">
+          <mc:AlternateContent xmlns:mc="http://schemas.openxmlformats.org/markup-compatibility/2006">
+            <mc:Choice xmlns:a14="http://schemas.microsoft.com/office/drawing/2010/main" Requires="a14">
               <p:sp>
                 <p:nvSpPr>
                   <p:cNvPr id="12" name="TextBox 11">
@@ -42931,7 +43382,15 @@
                   <a:p>
                     <a:r>
                       <a:rPr lang="en-US" sz="2000" dirty="0"/>
-                      <a:t>                   x := </a:t>
+                      <a:t>	    x</a:t>
+                    </a:r>
+                    <a:r>
+                      <a:rPr lang="en-US" sz="2000" baseline="-25000" dirty="0"/>
+                      <a:t>1</a:t>
+                    </a:r>
+                    <a:r>
+                      <a:rPr lang="en-US" sz="2000" dirty="0"/>
+                      <a:t>:= </a:t>
                     </a:r>
                     <a14:m>
                       <m:oMath xmlns:m="http://schemas.openxmlformats.org/officeDocument/2006/math">
@@ -42951,7 +43410,7 @@
                 </p:txBody>
               </p:sp>
             </mc:Choice>
-            <mc:Fallback xmlns="">
+            <mc:Fallback>
               <p:sp>
                 <p:nvSpPr>
                   <p:cNvPr id="12" name="TextBox 11">
@@ -44599,6 +45058,50 @@
           </p:sp>
         </mc:Fallback>
       </mc:AlternateContent>
+      <p:sp>
+        <p:nvSpPr>
+          <p:cNvPr id="25" name="TextBox 24">
+            <a:extLst>
+              <a:ext uri="{FF2B5EF4-FFF2-40B4-BE49-F238E27FC236}">
+                <a16:creationId xmlns:a16="http://schemas.microsoft.com/office/drawing/2014/main" id="{654E4658-BBBD-FEE5-19CE-B6C5F8B74AC1}"/>
+              </a:ext>
+            </a:extLst>
+          </p:cNvPr>
+          <p:cNvSpPr txBox="1"/>
+          <p:nvPr/>
+        </p:nvSpPr>
+        <p:spPr>
+          <a:xfrm>
+            <a:off x="3342920" y="1426054"/>
+            <a:ext cx="874593" cy="369332"/>
+          </a:xfrm>
+          <a:prstGeom prst="rect">
+            <a:avLst/>
+          </a:prstGeom>
+          <a:noFill/>
+        </p:spPr>
+        <p:txBody>
+          <a:bodyPr wrap="square">
+            <a:spAutoFit/>
+          </a:bodyPr>
+          <a:lstStyle/>
+          <a:p>
+            <a:r>
+              <a:rPr lang="en-US" sz="1800" dirty="0">
+                <a:solidFill>
+                  <a:srgbClr val="FF0000"/>
+                </a:solidFill>
+              </a:rPr>
+              <a:t>temp</a:t>
+            </a:r>
+            <a:endParaRPr lang="en-US" dirty="0">
+              <a:solidFill>
+                <a:srgbClr val="FF0000"/>
+              </a:solidFill>
+            </a:endParaRPr>
+          </a:p>
+        </p:txBody>
+      </p:sp>
     </p:spTree>
     <p:extLst>
       <p:ext uri="{BB962C8B-B14F-4D97-AF65-F5344CB8AC3E}">
@@ -44612,7 +45115,7 @@
 </p:sld>
 </file>
 
-<file path=ppt/slides/slide52.xml><?xml version="1.0" encoding="utf-8"?>
+<file path=ppt/slides/slide54.xml><?xml version="1.0" encoding="utf-8"?>
 <p:sld xmlns:a="http://schemas.openxmlformats.org/drawingml/2006/main" xmlns:r="http://schemas.openxmlformats.org/officeDocument/2006/relationships" xmlns:p="http://schemas.openxmlformats.org/presentationml/2006/main">
   <p:cSld>
     <p:spTree>
@@ -44681,7 +45184,7 @@
             <a:fld id="{29AAD378-655A-49C6-813C-9FD132EF7440}" type="slidenum">
               <a:rPr lang="en-US" smtClean="0"/>
               <a:pPr/>
-              <a:t>52</a:t>
+              <a:t>54</a:t>
             </a:fld>
             <a:endParaRPr lang="en-US" dirty="0"/>
           </a:p>
@@ -46044,7 +46547,7 @@
 </p:sld>
 </file>
 
-<file path=ppt/slides/slide53.xml><?xml version="1.0" encoding="utf-8"?>
+<file path=ppt/slides/slide55.xml><?xml version="1.0" encoding="utf-8"?>
 <p:sld xmlns:a="http://schemas.openxmlformats.org/drawingml/2006/main" xmlns:r="http://schemas.openxmlformats.org/officeDocument/2006/relationships" xmlns:p="http://schemas.openxmlformats.org/presentationml/2006/main">
   <p:cSld>
     <p:spTree>
@@ -46160,7 +46663,7 @@
             <a:fld id="{29AAD378-655A-49C6-813C-9FD132EF7440}" type="slidenum">
               <a:rPr lang="en-US" smtClean="0"/>
               <a:pPr/>
-              <a:t>53</a:t>
+              <a:t>55</a:t>
             </a:fld>
             <a:endParaRPr lang="en-US" dirty="0"/>
           </a:p>
@@ -46356,7 +46859,7 @@
             <a:lstStyle/>
             <a:p>
               <a:pPr algn="ctr"/>
-              <a:endParaRPr lang="en-US" sz="1400"/>
+              <a:endParaRPr lang="en-US" sz="1400" dirty="0"/>
             </a:p>
           </p:txBody>
         </p:sp>
@@ -46411,8 +46914,8 @@
             </a:p>
           </p:txBody>
         </p:sp>
-        <mc:AlternateContent xmlns:mc="http://schemas.openxmlformats.org/markup-compatibility/2006" xmlns:a14="http://schemas.microsoft.com/office/drawing/2010/main">
-          <mc:Choice Requires="a14">
+        <mc:AlternateContent xmlns:mc="http://schemas.openxmlformats.org/markup-compatibility/2006">
+          <mc:Choice xmlns:a14="http://schemas.microsoft.com/office/drawing/2010/main" Requires="a14">
             <p:sp>
               <p:nvSpPr>
                 <p:cNvPr id="13" name="TextBox 12">
@@ -46580,7 +47083,7 @@
               </p:txBody>
             </p:sp>
           </mc:Choice>
-          <mc:Fallback xmlns="">
+          <mc:Fallback>
             <p:sp>
               <p:nvSpPr>
                 <p:cNvPr id="13" name="TextBox 12">
@@ -47820,6 +48323,778 @@
           </p:sp>
         </mc:Fallback>
       </mc:AlternateContent>
+      <mc:AlternateContent xmlns:mc="http://schemas.openxmlformats.org/markup-compatibility/2006">
+        <mc:Choice xmlns:a14="http://schemas.microsoft.com/office/drawing/2010/main" Requires="a14">
+          <p:sp>
+            <p:nvSpPr>
+              <p:cNvPr id="5" name="TextBox 4">
+                <a:extLst>
+                  <a:ext uri="{FF2B5EF4-FFF2-40B4-BE49-F238E27FC236}">
+                    <a16:creationId xmlns:a16="http://schemas.microsoft.com/office/drawing/2014/main" id="{F2B40FB0-C0EE-CDFF-0FFA-2589DF445B5A}"/>
+                  </a:ext>
+                </a:extLst>
+              </p:cNvPr>
+              <p:cNvSpPr txBox="1"/>
+              <p:nvPr/>
+            </p:nvSpPr>
+            <p:spPr>
+              <a:xfrm>
+                <a:off x="9711652" y="2635097"/>
+                <a:ext cx="997260" cy="646331"/>
+              </a:xfrm>
+              <a:prstGeom prst="rect">
+                <a:avLst/>
+              </a:prstGeom>
+              <a:noFill/>
+            </p:spPr>
+            <p:txBody>
+              <a:bodyPr wrap="none" rtlCol="0">
+                <a:spAutoFit/>
+              </a:bodyPr>
+              <a:lstStyle/>
+              <a:p>
+                <a14:m>
+                  <m:oMathPara xmlns:m="http://schemas.openxmlformats.org/officeDocument/2006/math">
+                    <m:oMathParaPr>
+                      <m:jc m:val="centerGroup"/>
+                    </m:oMathParaPr>
+                    <m:oMath xmlns:m="http://schemas.openxmlformats.org/officeDocument/2006/math">
+                      <m:d>
+                        <m:dPr>
+                          <m:ctrlPr>
+                            <a:rPr lang="en-US" b="0" i="1" smtClean="0">
+                              <a:latin typeface="Cambria Math" panose="02040503050406030204" pitchFamily="18" charset="0"/>
+                            </a:rPr>
+                          </m:ctrlPr>
+                        </m:dPr>
+                        <m:e>
+                          <m:sSub>
+                            <m:sSubPr>
+                              <m:ctrlPr>
+                                <a:rPr lang="en-US" b="0" i="1" smtClean="0">
+                                  <a:latin typeface="Cambria Math" panose="02040503050406030204" pitchFamily="18" charset="0"/>
+                                </a:rPr>
+                              </m:ctrlPr>
+                            </m:sSubPr>
+                            <m:e>
+                              <m:r>
+                                <a:rPr lang="en-US" b="0" i="1" smtClean="0">
+                                  <a:latin typeface="Cambria Math" panose="02040503050406030204" pitchFamily="18" charset="0"/>
+                                </a:rPr>
+                                <m:t>𝑦</m:t>
+                              </m:r>
+                            </m:e>
+                            <m:sub>
+                              <m:r>
+                                <a:rPr lang="en-US" b="0" i="1" smtClean="0">
+                                  <a:latin typeface="Cambria Math" panose="02040503050406030204" pitchFamily="18" charset="0"/>
+                                </a:rPr>
+                                <m:t>1</m:t>
+                              </m:r>
+                            </m:sub>
+                          </m:sSub>
+                          <m:r>
+                            <a:rPr lang="en-US" b="0" i="1" smtClean="0">
+                              <a:latin typeface="Cambria Math" panose="02040503050406030204" pitchFamily="18" charset="0"/>
+                            </a:rPr>
+                            <m:t>,</m:t>
+                          </m:r>
+                          <m:sSub>
+                            <m:sSubPr>
+                              <m:ctrlPr>
+                                <a:rPr lang="en-US" b="0" i="1" smtClean="0">
+                                  <a:latin typeface="Cambria Math" panose="02040503050406030204" pitchFamily="18" charset="0"/>
+                                </a:rPr>
+                              </m:ctrlPr>
+                            </m:sSubPr>
+                            <m:e>
+                              <m:r>
+                                <a:rPr lang="en-US" b="0" i="1" smtClean="0">
+                                  <a:latin typeface="Cambria Math" panose="02040503050406030204" pitchFamily="18" charset="0"/>
+                                </a:rPr>
+                                <m:t>𝑧</m:t>
+                              </m:r>
+                            </m:e>
+                            <m:sub>
+                              <m:r>
+                                <a:rPr lang="en-US" b="0" i="1" smtClean="0">
+                                  <a:latin typeface="Cambria Math" panose="02040503050406030204" pitchFamily="18" charset="0"/>
+                                </a:rPr>
+                                <m:t>1</m:t>
+                              </m:r>
+                            </m:sub>
+                          </m:sSub>
+                        </m:e>
+                      </m:d>
+                      <m:r>
+                        <a:rPr lang="en-US" b="0" i="1" smtClean="0">
+                          <a:latin typeface="Cambria Math" panose="02040503050406030204" pitchFamily="18" charset="0"/>
+                        </a:rPr>
+                        <m:t>,</m:t>
+                      </m:r>
+                    </m:oMath>
+                  </m:oMathPara>
+                </a14:m>
+                <a:endParaRPr lang="en-US" b="0" dirty="0"/>
+              </a:p>
+              <a:p>
+                <a14:m>
+                  <m:oMathPara xmlns:m="http://schemas.openxmlformats.org/officeDocument/2006/math">
+                    <m:oMathParaPr>
+                      <m:jc m:val="centerGroup"/>
+                    </m:oMathParaPr>
+                    <m:oMath xmlns:m="http://schemas.openxmlformats.org/officeDocument/2006/math">
+                      <m:d>
+                        <m:dPr>
+                          <m:ctrlPr>
+                            <a:rPr lang="en-US" b="0" i="1" smtClean="0">
+                              <a:latin typeface="Cambria Math" panose="02040503050406030204" pitchFamily="18" charset="0"/>
+                            </a:rPr>
+                          </m:ctrlPr>
+                        </m:dPr>
+                        <m:e>
+                          <m:sSub>
+                            <m:sSubPr>
+                              <m:ctrlPr>
+                                <a:rPr lang="en-US" b="0" i="1" smtClean="0">
+                                  <a:latin typeface="Cambria Math" panose="02040503050406030204" pitchFamily="18" charset="0"/>
+                                </a:rPr>
+                              </m:ctrlPr>
+                            </m:sSubPr>
+                            <m:e>
+                              <m:r>
+                                <a:rPr lang="en-US" b="0" i="1" smtClean="0">
+                                  <a:latin typeface="Cambria Math" panose="02040503050406030204" pitchFamily="18" charset="0"/>
+                                </a:rPr>
+                                <m:t>𝑦</m:t>
+                              </m:r>
+                            </m:e>
+                            <m:sub>
+                              <m:r>
+                                <a:rPr lang="en-US" b="0" i="1" smtClean="0">
+                                  <a:latin typeface="Cambria Math" panose="02040503050406030204" pitchFamily="18" charset="0"/>
+                                </a:rPr>
+                                <m:t>2</m:t>
+                              </m:r>
+                            </m:sub>
+                          </m:sSub>
+                          <m:r>
+                            <a:rPr lang="en-US" b="0" i="1" smtClean="0">
+                              <a:latin typeface="Cambria Math" panose="02040503050406030204" pitchFamily="18" charset="0"/>
+                            </a:rPr>
+                            <m:t>,</m:t>
+                          </m:r>
+                          <m:sSub>
+                            <m:sSubPr>
+                              <m:ctrlPr>
+                                <a:rPr lang="en-US" b="0" i="1" smtClean="0">
+                                  <a:latin typeface="Cambria Math" panose="02040503050406030204" pitchFamily="18" charset="0"/>
+                                </a:rPr>
+                              </m:ctrlPr>
+                            </m:sSubPr>
+                            <m:e>
+                              <m:r>
+                                <a:rPr lang="en-US" b="0" i="1" smtClean="0">
+                                  <a:latin typeface="Cambria Math" panose="02040503050406030204" pitchFamily="18" charset="0"/>
+                                </a:rPr>
+                                <m:t>𝑧</m:t>
+                              </m:r>
+                            </m:e>
+                            <m:sub>
+                              <m:r>
+                                <a:rPr lang="en-US" b="0" i="1" smtClean="0">
+                                  <a:latin typeface="Cambria Math" panose="02040503050406030204" pitchFamily="18" charset="0"/>
+                                </a:rPr>
+                                <m:t>2</m:t>
+                              </m:r>
+                            </m:sub>
+                          </m:sSub>
+                        </m:e>
+                      </m:d>
+                    </m:oMath>
+                  </m:oMathPara>
+                </a14:m>
+                <a:endParaRPr lang="en-US" dirty="0"/>
+              </a:p>
+            </p:txBody>
+          </p:sp>
+        </mc:Choice>
+        <mc:Fallback>
+          <p:sp>
+            <p:nvSpPr>
+              <p:cNvPr id="5" name="TextBox 4">
+                <a:extLst>
+                  <a:ext uri="{FF2B5EF4-FFF2-40B4-BE49-F238E27FC236}">
+                    <a16:creationId xmlns:a16="http://schemas.microsoft.com/office/drawing/2014/main" id="{F2B40FB0-C0EE-CDFF-0FFA-2589DF445B5A}"/>
+                  </a:ext>
+                </a:extLst>
+              </p:cNvPr>
+              <p:cNvSpPr txBox="1">
+                <a:spLocks noRot="1" noChangeAspect="1" noMove="1" noResize="1" noEditPoints="1" noAdjustHandles="1" noChangeArrowheads="1" noChangeShapeType="1" noTextEdit="1"/>
+              </p:cNvSpPr>
+              <p:nvPr/>
+            </p:nvSpPr>
+            <p:spPr>
+              <a:xfrm>
+                <a:off x="9711652" y="2635097"/>
+                <a:ext cx="997260" cy="646331"/>
+              </a:xfrm>
+              <a:prstGeom prst="rect">
+                <a:avLst/>
+              </a:prstGeom>
+              <a:blipFill>
+                <a:blip r:embed="rId8"/>
+                <a:stretch>
+                  <a:fillRect b="-3774"/>
+                </a:stretch>
+              </a:blipFill>
+            </p:spPr>
+            <p:txBody>
+              <a:bodyPr/>
+              <a:lstStyle/>
+              <a:p>
+                <a:r>
+                  <a:rPr lang="en-US">
+                    <a:noFill/>
+                  </a:rPr>
+                  <a:t> </a:t>
+                </a:r>
+              </a:p>
+            </p:txBody>
+          </p:sp>
+        </mc:Fallback>
+      </mc:AlternateContent>
+      <mc:AlternateContent xmlns:mc="http://schemas.openxmlformats.org/markup-compatibility/2006">
+        <mc:Choice xmlns:a14="http://schemas.microsoft.com/office/drawing/2010/main" Requires="a14">
+          <p:sp>
+            <p:nvSpPr>
+              <p:cNvPr id="12" name="TextBox 11">
+                <a:extLst>
+                  <a:ext uri="{FF2B5EF4-FFF2-40B4-BE49-F238E27FC236}">
+                    <a16:creationId xmlns:a16="http://schemas.microsoft.com/office/drawing/2014/main" id="{7854800D-A881-3525-EAA9-CFEED0423DCF}"/>
+                  </a:ext>
+                </a:extLst>
+              </p:cNvPr>
+              <p:cNvSpPr txBox="1"/>
+              <p:nvPr/>
+            </p:nvSpPr>
+            <p:spPr>
+              <a:xfrm>
+                <a:off x="9465847" y="3390598"/>
+                <a:ext cx="1874195" cy="369332"/>
+              </a:xfrm>
+              <a:prstGeom prst="rect">
+                <a:avLst/>
+              </a:prstGeom>
+              <a:noFill/>
+            </p:spPr>
+            <p:txBody>
+              <a:bodyPr wrap="square">
+                <a:spAutoFit/>
+              </a:bodyPr>
+              <a:lstStyle/>
+              <a:p>
+                <a:r>
+                  <a:rPr lang="en-US" sz="1800" dirty="0">
+                    <a:solidFill>
+                      <a:srgbClr val="FF0000"/>
+                    </a:solidFill>
+                  </a:rPr>
+                  <a:t>(y</a:t>
+                </a:r>
+                <a:r>
+                  <a:rPr lang="en-US" sz="1800" baseline="-25000" dirty="0">
+                    <a:solidFill>
+                      <a:srgbClr val="FF0000"/>
+                    </a:solidFill>
+                  </a:rPr>
+                  <a:t>1</a:t>
+                </a:r>
+                <a:r>
+                  <a:rPr lang="en-US" sz="1800" dirty="0">
+                    <a:solidFill>
+                      <a:srgbClr val="FF0000"/>
+                    </a:solidFill>
+                  </a:rPr>
+                  <a:t>==0)</a:t>
+                </a:r>
+                <a14:m>
+                  <m:oMath xmlns:m="http://schemas.openxmlformats.org/officeDocument/2006/math">
+                    <m:r>
+                      <a:rPr lang="en-US" sz="1800" b="0" i="1" smtClean="0">
+                        <a:solidFill>
+                          <a:srgbClr val="FF0000"/>
+                        </a:solidFill>
+                        <a:latin typeface="Cambria Math" panose="02040503050406030204" pitchFamily="18" charset="0"/>
+                      </a:rPr>
+                      <m:t>→ </m:t>
+                    </m:r>
+                  </m:oMath>
+                </a14:m>
+                <a:r>
+                  <a:rPr lang="en-US" sz="1800" dirty="0">
+                    <a:solidFill>
+                      <a:srgbClr val="FF0000"/>
+                    </a:solidFill>
+                  </a:rPr>
+                  <a:t>y</a:t>
+                </a:r>
+                <a:r>
+                  <a:rPr lang="en-US" sz="1800" baseline="-25000" dirty="0">
+                    <a:solidFill>
+                      <a:srgbClr val="FF0000"/>
+                    </a:solidFill>
+                  </a:rPr>
+                  <a:t>1</a:t>
+                </a:r>
+                <a:r>
+                  <a:rPr lang="en-US" sz="1800" dirty="0">
+                    <a:solidFill>
+                      <a:srgbClr val="FF0000"/>
+                    </a:solidFill>
+                  </a:rPr>
+                  <a:t>:= 1; </a:t>
+                </a:r>
+                <a:endParaRPr lang="en-US" dirty="0">
+                  <a:solidFill>
+                    <a:srgbClr val="FF0000"/>
+                  </a:solidFill>
+                </a:endParaRPr>
+              </a:p>
+            </p:txBody>
+          </p:sp>
+        </mc:Choice>
+        <mc:Fallback>
+          <p:sp>
+            <p:nvSpPr>
+              <p:cNvPr id="12" name="TextBox 11">
+                <a:extLst>
+                  <a:ext uri="{FF2B5EF4-FFF2-40B4-BE49-F238E27FC236}">
+                    <a16:creationId xmlns:a16="http://schemas.microsoft.com/office/drawing/2014/main" id="{7854800D-A881-3525-EAA9-CFEED0423DCF}"/>
+                  </a:ext>
+                </a:extLst>
+              </p:cNvPr>
+              <p:cNvSpPr txBox="1">
+                <a:spLocks noRot="1" noChangeAspect="1" noMove="1" noResize="1" noEditPoints="1" noAdjustHandles="1" noChangeArrowheads="1" noChangeShapeType="1" noTextEdit="1"/>
+              </p:cNvSpPr>
+              <p:nvPr/>
+            </p:nvSpPr>
+            <p:spPr>
+              <a:xfrm>
+                <a:off x="9465847" y="3390598"/>
+                <a:ext cx="1874195" cy="369332"/>
+              </a:xfrm>
+              <a:prstGeom prst="rect">
+                <a:avLst/>
+              </a:prstGeom>
+              <a:blipFill>
+                <a:blip r:embed="rId9"/>
+                <a:stretch>
+                  <a:fillRect l="-2932" t="-8197" b="-24590"/>
+                </a:stretch>
+              </a:blipFill>
+            </p:spPr>
+            <p:txBody>
+              <a:bodyPr/>
+              <a:lstStyle/>
+              <a:p>
+                <a:r>
+                  <a:rPr lang="en-US">
+                    <a:noFill/>
+                  </a:rPr>
+                  <a:t> </a:t>
+                </a:r>
+              </a:p>
+            </p:txBody>
+          </p:sp>
+        </mc:Fallback>
+      </mc:AlternateContent>
+      <mc:AlternateContent xmlns:mc="http://schemas.openxmlformats.org/markup-compatibility/2006">
+        <mc:Choice xmlns:a14="http://schemas.microsoft.com/office/drawing/2010/main" Requires="a14">
+          <p:sp>
+            <p:nvSpPr>
+              <p:cNvPr id="14" name="TextBox 13">
+                <a:extLst>
+                  <a:ext uri="{FF2B5EF4-FFF2-40B4-BE49-F238E27FC236}">
+                    <a16:creationId xmlns:a16="http://schemas.microsoft.com/office/drawing/2014/main" id="{769577D5-0F2E-CAE4-A601-E628253F74B6}"/>
+                  </a:ext>
+                </a:extLst>
+              </p:cNvPr>
+              <p:cNvSpPr txBox="1"/>
+              <p:nvPr/>
+            </p:nvSpPr>
+            <p:spPr>
+              <a:xfrm>
+                <a:off x="9486800" y="4491644"/>
+                <a:ext cx="1874195" cy="369332"/>
+              </a:xfrm>
+              <a:prstGeom prst="rect">
+                <a:avLst/>
+              </a:prstGeom>
+              <a:noFill/>
+            </p:spPr>
+            <p:txBody>
+              <a:bodyPr wrap="square">
+                <a:spAutoFit/>
+              </a:bodyPr>
+              <a:lstStyle/>
+              <a:p>
+                <a:r>
+                  <a:rPr lang="en-US" sz="1800" dirty="0">
+                    <a:solidFill>
+                      <a:srgbClr val="FF0000"/>
+                    </a:solidFill>
+                  </a:rPr>
+                  <a:t>(y</a:t>
+                </a:r>
+                <a:r>
+                  <a:rPr lang="en-US" sz="1800" baseline="-25000" dirty="0">
+                    <a:solidFill>
+                      <a:srgbClr val="FF0000"/>
+                    </a:solidFill>
+                  </a:rPr>
+                  <a:t>2</a:t>
+                </a:r>
+                <a:r>
+                  <a:rPr lang="en-US" sz="1800" dirty="0">
+                    <a:solidFill>
+                      <a:srgbClr val="FF0000"/>
+                    </a:solidFill>
+                  </a:rPr>
+                  <a:t>==0)</a:t>
+                </a:r>
+                <a14:m>
+                  <m:oMath xmlns:m="http://schemas.openxmlformats.org/officeDocument/2006/math">
+                    <m:r>
+                      <a:rPr lang="en-US" sz="1800" b="0" i="1" smtClean="0">
+                        <a:solidFill>
+                          <a:srgbClr val="FF0000"/>
+                        </a:solidFill>
+                        <a:latin typeface="Cambria Math" panose="02040503050406030204" pitchFamily="18" charset="0"/>
+                      </a:rPr>
+                      <m:t>→ </m:t>
+                    </m:r>
+                  </m:oMath>
+                </a14:m>
+                <a:r>
+                  <a:rPr lang="en-US" sz="1800" dirty="0">
+                    <a:solidFill>
+                      <a:srgbClr val="FF0000"/>
+                    </a:solidFill>
+                  </a:rPr>
+                  <a:t>y</a:t>
+                </a:r>
+                <a:r>
+                  <a:rPr lang="en-US" sz="1800" baseline="-25000" dirty="0">
+                    <a:solidFill>
+                      <a:srgbClr val="FF0000"/>
+                    </a:solidFill>
+                  </a:rPr>
+                  <a:t>2</a:t>
+                </a:r>
+                <a:r>
+                  <a:rPr lang="en-US" sz="1800" dirty="0">
+                    <a:solidFill>
+                      <a:srgbClr val="FF0000"/>
+                    </a:solidFill>
+                  </a:rPr>
+                  <a:t>:= 1; </a:t>
+                </a:r>
+                <a:endParaRPr lang="en-US" dirty="0">
+                  <a:solidFill>
+                    <a:srgbClr val="FF0000"/>
+                  </a:solidFill>
+                </a:endParaRPr>
+              </a:p>
+            </p:txBody>
+          </p:sp>
+        </mc:Choice>
+        <mc:Fallback>
+          <p:sp>
+            <p:nvSpPr>
+              <p:cNvPr id="14" name="TextBox 13">
+                <a:extLst>
+                  <a:ext uri="{FF2B5EF4-FFF2-40B4-BE49-F238E27FC236}">
+                    <a16:creationId xmlns:a16="http://schemas.microsoft.com/office/drawing/2014/main" id="{769577D5-0F2E-CAE4-A601-E628253F74B6}"/>
+                  </a:ext>
+                </a:extLst>
+              </p:cNvPr>
+              <p:cNvSpPr txBox="1">
+                <a:spLocks noRot="1" noChangeAspect="1" noMove="1" noResize="1" noEditPoints="1" noAdjustHandles="1" noChangeArrowheads="1" noChangeShapeType="1" noTextEdit="1"/>
+              </p:cNvSpPr>
+              <p:nvPr/>
+            </p:nvSpPr>
+            <p:spPr>
+              <a:xfrm>
+                <a:off x="9486800" y="4491644"/>
+                <a:ext cx="1874195" cy="369332"/>
+              </a:xfrm>
+              <a:prstGeom prst="rect">
+                <a:avLst/>
+              </a:prstGeom>
+              <a:blipFill>
+                <a:blip r:embed="rId10"/>
+                <a:stretch>
+                  <a:fillRect l="-2597" t="-10000" b="-26667"/>
+                </a:stretch>
+              </a:blipFill>
+            </p:spPr>
+            <p:txBody>
+              <a:bodyPr/>
+              <a:lstStyle/>
+              <a:p>
+                <a:r>
+                  <a:rPr lang="en-US">
+                    <a:noFill/>
+                  </a:rPr>
+                  <a:t> </a:t>
+                </a:r>
+              </a:p>
+            </p:txBody>
+          </p:sp>
+        </mc:Fallback>
+      </mc:AlternateContent>
+      <p:sp>
+        <p:nvSpPr>
+          <p:cNvPr id="24" name="Oval 23">
+            <a:extLst>
+              <a:ext uri="{FF2B5EF4-FFF2-40B4-BE49-F238E27FC236}">
+                <a16:creationId xmlns:a16="http://schemas.microsoft.com/office/drawing/2014/main" id="{5F409C49-D4B9-02F9-BDA9-09A29E9F2CDE}"/>
+              </a:ext>
+            </a:extLst>
+          </p:cNvPr>
+          <p:cNvSpPr/>
+          <p:nvPr/>
+        </p:nvSpPr>
+        <p:spPr>
+          <a:xfrm>
+            <a:off x="2243653" y="3661575"/>
+            <a:ext cx="2052126" cy="296940"/>
+          </a:xfrm>
+          <a:prstGeom prst="ellipse">
+            <a:avLst/>
+          </a:prstGeom>
+          <a:noFill/>
+          <a:ln>
+            <a:solidFill>
+              <a:srgbClr val="FF0000"/>
+            </a:solidFill>
+          </a:ln>
+        </p:spPr>
+        <p:style>
+          <a:lnRef idx="2">
+            <a:schemeClr val="accent3"/>
+          </a:lnRef>
+          <a:fillRef idx="1">
+            <a:schemeClr val="lt1"/>
+          </a:fillRef>
+          <a:effectRef idx="0">
+            <a:schemeClr val="accent3"/>
+          </a:effectRef>
+          <a:fontRef idx="minor">
+            <a:schemeClr val="dk1"/>
+          </a:fontRef>
+        </p:style>
+        <p:txBody>
+          <a:bodyPr rtlCol="0" anchor="ctr"/>
+          <a:lstStyle/>
+          <a:p>
+            <a:pPr algn="ctr"/>
+            <a:endParaRPr lang="en-US"/>
+          </a:p>
+        </p:txBody>
+      </p:sp>
+      <p:sp>
+        <p:nvSpPr>
+          <p:cNvPr id="25" name="Oval 24">
+            <a:extLst>
+              <a:ext uri="{FF2B5EF4-FFF2-40B4-BE49-F238E27FC236}">
+                <a16:creationId xmlns:a16="http://schemas.microsoft.com/office/drawing/2014/main" id="{DB293E49-5DC5-B1BE-6F18-96A95E9E2C6E}"/>
+              </a:ext>
+            </a:extLst>
+          </p:cNvPr>
+          <p:cNvSpPr/>
+          <p:nvPr/>
+        </p:nvSpPr>
+        <p:spPr>
+          <a:xfrm>
+            <a:off x="5766241" y="3920689"/>
+            <a:ext cx="2052126" cy="296940"/>
+          </a:xfrm>
+          <a:prstGeom prst="ellipse">
+            <a:avLst/>
+          </a:prstGeom>
+          <a:noFill/>
+          <a:ln>
+            <a:solidFill>
+              <a:srgbClr val="FF0000"/>
+            </a:solidFill>
+          </a:ln>
+        </p:spPr>
+        <p:style>
+          <a:lnRef idx="2">
+            <a:schemeClr val="accent3"/>
+          </a:lnRef>
+          <a:fillRef idx="1">
+            <a:schemeClr val="lt1"/>
+          </a:fillRef>
+          <a:effectRef idx="0">
+            <a:schemeClr val="accent3"/>
+          </a:effectRef>
+          <a:fontRef idx="minor">
+            <a:schemeClr val="dk1"/>
+          </a:fontRef>
+        </p:style>
+        <p:txBody>
+          <a:bodyPr rtlCol="0" anchor="ctr"/>
+          <a:lstStyle/>
+          <a:p>
+            <a:pPr algn="ctr"/>
+            <a:endParaRPr lang="en-US"/>
+          </a:p>
+        </p:txBody>
+      </p:sp>
+      <p:sp>
+        <p:nvSpPr>
+          <p:cNvPr id="28" name="TextBox 27">
+            <a:extLst>
+              <a:ext uri="{FF2B5EF4-FFF2-40B4-BE49-F238E27FC236}">
+                <a16:creationId xmlns:a16="http://schemas.microsoft.com/office/drawing/2014/main" id="{EC03C7F0-AD07-0FDF-EA31-295EBD2B7564}"/>
+              </a:ext>
+            </a:extLst>
+          </p:cNvPr>
+          <p:cNvSpPr txBox="1"/>
+          <p:nvPr/>
+        </p:nvSpPr>
+        <p:spPr>
+          <a:xfrm>
+            <a:off x="4537678" y="4310775"/>
+            <a:ext cx="1364497" cy="646331"/>
+          </a:xfrm>
+          <a:prstGeom prst="rect">
+            <a:avLst/>
+          </a:prstGeom>
+        </p:spPr>
+        <p:style>
+          <a:lnRef idx="2">
+            <a:schemeClr val="accent2"/>
+          </a:lnRef>
+          <a:fillRef idx="1">
+            <a:schemeClr val="lt1"/>
+          </a:fillRef>
+          <a:effectRef idx="0">
+            <a:schemeClr val="accent2"/>
+          </a:effectRef>
+          <a:fontRef idx="minor">
+            <a:schemeClr val="dk1"/>
+          </a:fontRef>
+        </p:style>
+        <p:txBody>
+          <a:bodyPr wrap="square" rtlCol="0">
+            <a:spAutoFit/>
+          </a:bodyPr>
+          <a:lstStyle/>
+          <a:p>
+            <a:r>
+              <a:rPr lang="en-US" b="1" dirty="0">
+                <a:solidFill>
+                  <a:srgbClr val="FF0000"/>
+                </a:solidFill>
+              </a:rPr>
+              <a:t>Must synchronize</a:t>
+            </a:r>
+          </a:p>
+        </p:txBody>
+      </p:sp>
+      <p:cxnSp>
+        <p:nvCxnSpPr>
+          <p:cNvPr id="27" name="Straight Arrow Connector 26">
+            <a:extLst>
+              <a:ext uri="{FF2B5EF4-FFF2-40B4-BE49-F238E27FC236}">
+                <a16:creationId xmlns:a16="http://schemas.microsoft.com/office/drawing/2014/main" id="{5113E39B-77E0-3E2E-B532-520F2D122AEF}"/>
+              </a:ext>
+            </a:extLst>
+          </p:cNvPr>
+          <p:cNvCxnSpPr>
+            <a:stCxn id="24" idx="6"/>
+            <a:endCxn id="25" idx="2"/>
+          </p:cNvCxnSpPr>
+          <p:nvPr/>
+        </p:nvCxnSpPr>
+        <p:spPr>
+          <a:xfrm>
+            <a:off x="4295779" y="3810045"/>
+            <a:ext cx="1470462" cy="259114"/>
+          </a:xfrm>
+          <a:prstGeom prst="straightConnector1">
+            <a:avLst/>
+          </a:prstGeom>
+          <a:ln>
+            <a:solidFill>
+              <a:srgbClr val="C00000"/>
+            </a:solidFill>
+            <a:headEnd type="triangle"/>
+            <a:tailEnd type="triangle"/>
+          </a:ln>
+        </p:spPr>
+        <p:style>
+          <a:lnRef idx="1">
+            <a:schemeClr val="accent1"/>
+          </a:lnRef>
+          <a:fillRef idx="0">
+            <a:schemeClr val="accent1"/>
+          </a:fillRef>
+          <a:effectRef idx="0">
+            <a:schemeClr val="accent1"/>
+          </a:effectRef>
+          <a:fontRef idx="minor">
+            <a:schemeClr val="tx1"/>
+          </a:fontRef>
+        </p:style>
+      </p:cxnSp>
+      <p:cxnSp>
+        <p:nvCxnSpPr>
+          <p:cNvPr id="30" name="Straight Connector 29">
+            <a:extLst>
+              <a:ext uri="{FF2B5EF4-FFF2-40B4-BE49-F238E27FC236}">
+                <a16:creationId xmlns:a16="http://schemas.microsoft.com/office/drawing/2014/main" id="{EA96FC23-F819-18E9-B380-FA2BF4AABD85}"/>
+              </a:ext>
+            </a:extLst>
+          </p:cNvPr>
+          <p:cNvCxnSpPr>
+            <a:stCxn id="28" idx="0"/>
+          </p:cNvCxnSpPr>
+          <p:nvPr/>
+        </p:nvCxnSpPr>
+        <p:spPr>
+          <a:xfrm flipH="1" flipV="1">
+            <a:off x="4982537" y="3920689"/>
+            <a:ext cx="237390" cy="390086"/>
+          </a:xfrm>
+          <a:prstGeom prst="line">
+            <a:avLst/>
+          </a:prstGeom>
+          <a:ln>
+            <a:solidFill>
+              <a:srgbClr val="FF0000"/>
+            </a:solidFill>
+          </a:ln>
+        </p:spPr>
+        <p:style>
+          <a:lnRef idx="1">
+            <a:schemeClr val="accent1"/>
+          </a:lnRef>
+          <a:fillRef idx="0">
+            <a:schemeClr val="accent1"/>
+          </a:fillRef>
+          <a:effectRef idx="0">
+            <a:schemeClr val="accent1"/>
+          </a:effectRef>
+          <a:fontRef idx="minor">
+            <a:schemeClr val="tx1"/>
+          </a:fontRef>
+        </p:style>
+      </p:cxnSp>
     </p:spTree>
     <p:extLst>
       <p:ext uri="{BB962C8B-B14F-4D97-AF65-F5344CB8AC3E}">
@@ -47830,10 +49105,216 @@
   <p:clrMapOvr>
     <a:masterClrMapping/>
   </p:clrMapOvr>
+  <p:timing>
+    <p:tnLst>
+      <p:par>
+        <p:cTn id="1" dur="indefinite" restart="never" nodeType="tmRoot">
+          <p:childTnLst>
+            <p:seq concurrent="1" nextAc="seek">
+              <p:cTn id="2" dur="indefinite" nodeType="mainSeq">
+                <p:childTnLst>
+                  <p:par>
+                    <p:cTn id="3" fill="hold">
+                      <p:stCondLst>
+                        <p:cond delay="indefinite"/>
+                      </p:stCondLst>
+                      <p:childTnLst>
+                        <p:par>
+                          <p:cTn id="4" fill="hold">
+                            <p:stCondLst>
+                              <p:cond delay="0"/>
+                            </p:stCondLst>
+                            <p:childTnLst>
+                              <p:par>
+                                <p:cTn id="5" presetID="1" presetClass="entr" presetSubtype="0" fill="hold" grpId="0" nodeType="clickEffect">
+                                  <p:stCondLst>
+                                    <p:cond delay="0"/>
+                                  </p:stCondLst>
+                                  <p:childTnLst>
+                                    <p:set>
+                                      <p:cBhvr>
+                                        <p:cTn id="6" dur="1" fill="hold">
+                                          <p:stCondLst>
+                                            <p:cond delay="0"/>
+                                          </p:stCondLst>
+                                        </p:cTn>
+                                        <p:tgtEl>
+                                          <p:spTgt spid="24"/>
+                                        </p:tgtEl>
+                                        <p:attrNameLst>
+                                          <p:attrName>style.visibility</p:attrName>
+                                        </p:attrNameLst>
+                                      </p:cBhvr>
+                                      <p:to>
+                                        <p:strVal val="visible"/>
+                                      </p:to>
+                                    </p:set>
+                                  </p:childTnLst>
+                                </p:cTn>
+                              </p:par>
+                              <p:par>
+                                <p:cTn id="7" presetID="1" presetClass="entr" presetSubtype="0" fill="hold" nodeType="withEffect">
+                                  <p:stCondLst>
+                                    <p:cond delay="0"/>
+                                  </p:stCondLst>
+                                  <p:childTnLst>
+                                    <p:set>
+                                      <p:cBhvr>
+                                        <p:cTn id="8" dur="1" fill="hold">
+                                          <p:stCondLst>
+                                            <p:cond delay="0"/>
+                                          </p:stCondLst>
+                                        </p:cTn>
+                                        <p:tgtEl>
+                                          <p:spTgt spid="27"/>
+                                        </p:tgtEl>
+                                        <p:attrNameLst>
+                                          <p:attrName>style.visibility</p:attrName>
+                                        </p:attrNameLst>
+                                      </p:cBhvr>
+                                      <p:to>
+                                        <p:strVal val="visible"/>
+                                      </p:to>
+                                    </p:set>
+                                  </p:childTnLst>
+                                </p:cTn>
+                              </p:par>
+                              <p:par>
+                                <p:cTn id="9" presetID="1" presetClass="entr" presetSubtype="0" fill="hold" nodeType="withEffect">
+                                  <p:stCondLst>
+                                    <p:cond delay="0"/>
+                                  </p:stCondLst>
+                                  <p:childTnLst>
+                                    <p:set>
+                                      <p:cBhvr>
+                                        <p:cTn id="10" dur="1" fill="hold">
+                                          <p:stCondLst>
+                                            <p:cond delay="0"/>
+                                          </p:stCondLst>
+                                        </p:cTn>
+                                        <p:tgtEl>
+                                          <p:spTgt spid="30"/>
+                                        </p:tgtEl>
+                                        <p:attrNameLst>
+                                          <p:attrName>style.visibility</p:attrName>
+                                        </p:attrNameLst>
+                                      </p:cBhvr>
+                                      <p:to>
+                                        <p:strVal val="visible"/>
+                                      </p:to>
+                                    </p:set>
+                                  </p:childTnLst>
+                                </p:cTn>
+                              </p:par>
+                              <p:par>
+                                <p:cTn id="11" presetID="1" presetClass="entr" presetSubtype="0" fill="hold" grpId="0" nodeType="withEffect">
+                                  <p:stCondLst>
+                                    <p:cond delay="0"/>
+                                  </p:stCondLst>
+                                  <p:childTnLst>
+                                    <p:set>
+                                      <p:cBhvr>
+                                        <p:cTn id="12" dur="1" fill="hold">
+                                          <p:stCondLst>
+                                            <p:cond delay="0"/>
+                                          </p:stCondLst>
+                                        </p:cTn>
+                                        <p:tgtEl>
+                                          <p:spTgt spid="25"/>
+                                        </p:tgtEl>
+                                        <p:attrNameLst>
+                                          <p:attrName>style.visibility</p:attrName>
+                                        </p:attrNameLst>
+                                      </p:cBhvr>
+                                      <p:to>
+                                        <p:strVal val="visible"/>
+                                      </p:to>
+                                    </p:set>
+                                  </p:childTnLst>
+                                </p:cTn>
+                              </p:par>
+                            </p:childTnLst>
+                          </p:cTn>
+                        </p:par>
+                      </p:childTnLst>
+                    </p:cTn>
+                  </p:par>
+                  <p:par>
+                    <p:cTn id="13" fill="hold">
+                      <p:stCondLst>
+                        <p:cond delay="indefinite"/>
+                      </p:stCondLst>
+                      <p:childTnLst>
+                        <p:par>
+                          <p:cTn id="14" fill="hold">
+                            <p:stCondLst>
+                              <p:cond delay="0"/>
+                            </p:stCondLst>
+                            <p:childTnLst>
+                              <p:par>
+                                <p:cTn id="15" presetID="1" presetClass="entr" presetSubtype="0" fill="hold" grpId="0" nodeType="clickEffect">
+                                  <p:stCondLst>
+                                    <p:cond delay="0"/>
+                                  </p:stCondLst>
+                                  <p:childTnLst>
+                                    <p:set>
+                                      <p:cBhvr>
+                                        <p:cTn id="16" dur="1" fill="hold">
+                                          <p:stCondLst>
+                                            <p:cond delay="0"/>
+                                          </p:stCondLst>
+                                        </p:cTn>
+                                        <p:tgtEl>
+                                          <p:spTgt spid="28"/>
+                                        </p:tgtEl>
+                                        <p:attrNameLst>
+                                          <p:attrName>style.visibility</p:attrName>
+                                        </p:attrNameLst>
+                                      </p:cBhvr>
+                                      <p:to>
+                                        <p:strVal val="visible"/>
+                                      </p:to>
+                                    </p:set>
+                                  </p:childTnLst>
+                                </p:cTn>
+                              </p:par>
+                            </p:childTnLst>
+                          </p:cTn>
+                        </p:par>
+                      </p:childTnLst>
+                    </p:cTn>
+                  </p:par>
+                </p:childTnLst>
+              </p:cTn>
+              <p:prevCondLst>
+                <p:cond evt="onPrev" delay="0">
+                  <p:tgtEl>
+                    <p:sldTgt/>
+                  </p:tgtEl>
+                </p:cond>
+              </p:prevCondLst>
+              <p:nextCondLst>
+                <p:cond evt="onNext" delay="0">
+                  <p:tgtEl>
+                    <p:sldTgt/>
+                  </p:tgtEl>
+                </p:cond>
+              </p:nextCondLst>
+            </p:seq>
+          </p:childTnLst>
+        </p:cTn>
+      </p:par>
+    </p:tnLst>
+    <p:bldLst>
+      <p:bldP spid="24" grpId="0" animBg="1"/>
+      <p:bldP spid="25" grpId="0" animBg="1"/>
+      <p:bldP spid="28" grpId="0" animBg="1"/>
+    </p:bldLst>
+  </p:timing>
 </p:sld>
 </file>
 
-<file path=ppt/slides/slide54.xml><?xml version="1.0" encoding="utf-8"?>
+<file path=ppt/slides/slide56.xml><?xml version="1.0" encoding="utf-8"?>
 <p:sld xmlns:a="http://schemas.openxmlformats.org/drawingml/2006/main" xmlns:r="http://schemas.openxmlformats.org/officeDocument/2006/relationships" xmlns:p="http://schemas.openxmlformats.org/presentationml/2006/main">
   <p:cSld>
     <p:spTree>
@@ -47899,7 +49380,7 @@
           <a:p>
             <a:r>
               <a:rPr lang="en-US" dirty="0"/>
-              <a:t>Next time:</a:t>
+              <a:t>Next lecture:</a:t>
             </a:r>
           </a:p>
           <a:p>
@@ -47970,7 +49451,7 @@
             <a:fld id="{29AAD378-655A-49C6-813C-9FD132EF7440}" type="slidenum">
               <a:rPr lang="en-US" smtClean="0"/>
               <a:pPr/>
-              <a:t>54</a:t>
+              <a:t>56</a:t>
             </a:fld>
             <a:endParaRPr lang="en-US" dirty="0"/>
           </a:p>
